--- a/Leçon chimie/LC 13/LC-13 Acides et bases.pptx
+++ b/Leçon chimie/LC 13/LC-13 Acides et bases.pptx
@@ -5,21 +5,26 @@
     <p:sldMasterId id="2147483660" r:id="rId1"/>
   </p:sldMasterIdLst>
   <p:notesMasterIdLst>
-    <p:notesMasterId r:id="rId11"/>
+    <p:notesMasterId r:id="rId16"/>
   </p:notesMasterIdLst>
   <p:handoutMasterIdLst>
-    <p:handoutMasterId r:id="rId12"/>
+    <p:handoutMasterId r:id="rId17"/>
   </p:handoutMasterIdLst>
   <p:sldIdLst>
     <p:sldId id="265" r:id="rId2"/>
     <p:sldId id="259" r:id="rId3"/>
     <p:sldId id="258" r:id="rId4"/>
     <p:sldId id="260" r:id="rId5"/>
-    <p:sldId id="266" r:id="rId6"/>
-    <p:sldId id="261" r:id="rId7"/>
-    <p:sldId id="267" r:id="rId8"/>
-    <p:sldId id="262" r:id="rId9"/>
-    <p:sldId id="268" r:id="rId10"/>
+    <p:sldId id="269" r:id="rId6"/>
+    <p:sldId id="270" r:id="rId7"/>
+    <p:sldId id="266" r:id="rId8"/>
+    <p:sldId id="271" r:id="rId9"/>
+    <p:sldId id="272" r:id="rId10"/>
+    <p:sldId id="261" r:id="rId11"/>
+    <p:sldId id="267" r:id="rId12"/>
+    <p:sldId id="262" r:id="rId13"/>
+    <p:sldId id="268" r:id="rId14"/>
+    <p:sldId id="273" r:id="rId15"/>
   </p:sldIdLst>
   <p:sldSz cx="12192000" cy="6858000"/>
   <p:notesSz cx="6858000" cy="9144000"/>
@@ -120,7 +125,7 @@
   </p:defaultTextStyle>
   <p:extLst>
     <p:ext uri="{EFAFB233-063F-42B5-8137-9DF3F51BA10A}">
-      <p15:sldGuideLst xmlns="" xmlns:p15="http://schemas.microsoft.com/office/powerpoint/2012/main">
+      <p15:sldGuideLst xmlns:p15="http://schemas.microsoft.com/office/powerpoint/2012/main" xmlns="">
         <p15:guide id="1" orient="horz" pos="2160" userDrawn="1">
           <p15:clr>
             <a:srgbClr val="A4A3A4"/>
@@ -219,7 +224,7 @@
           <a:p>
             <a:fld id="{69F91044-9B39-374E-B48F-F2DD423D15A5}" type="datetimeFigureOut">
               <a:rPr lang="fr-FR" smtClean="0"/>
-              <a:t>11/05/20</a:t>
+              <a:t>21/06/20</a:t>
             </a:fld>
             <a:endParaRPr lang="fr-FR"/>
           </a:p>
@@ -385,7 +390,7 @@
           <a:p>
             <a:fld id="{87A93F02-9EC0-45FF-8720-A00CA3700D33}" type="datetimeFigureOut">
               <a:rPr lang="fr-FR" smtClean="0"/>
-              <a:t>11/05/20</a:t>
+              <a:t>21/06/20</a:t>
             </a:fld>
             <a:endParaRPr lang="fr-FR"/>
           </a:p>
@@ -2956,7 +2961,7 @@
 </p:sld>
 </file>
 
-<file path=ppt/slides/slide2.xml><?xml version="1.0" encoding="utf-8"?>
+<file path=ppt/slides/slide10.xml><?xml version="1.0" encoding="utf-8"?>
 <p:sld xmlns:a="http://schemas.openxmlformats.org/drawingml/2006/main" xmlns:r="http://schemas.openxmlformats.org/officeDocument/2006/relationships" xmlns:p="http://schemas.openxmlformats.org/presentationml/2006/main">
   <p:cSld>
     <p:spTree>
@@ -2973,502 +2978,12 @@
           <a:chExt cx="0" cy="0"/>
         </a:xfrm>
       </p:grpSpPr>
-      <p:pic>
-        <p:nvPicPr>
-          <p:cNvPr id="7" name="Image 6"/>
-          <p:cNvPicPr>
-            <a:picLocks noChangeAspect="1"/>
-          </p:cNvPicPr>
-          <p:nvPr/>
-        </p:nvPicPr>
-        <p:blipFill>
-          <a:blip r:embed="rId2"/>
-          <a:stretch>
-            <a:fillRect/>
-          </a:stretch>
-        </p:blipFill>
-        <p:spPr>
-          <a:xfrm>
-            <a:off x="8279920" y="3263773"/>
-            <a:ext cx="2857500" cy="2857500"/>
-          </a:xfrm>
-          <a:prstGeom prst="rect">
-            <a:avLst/>
-          </a:prstGeom>
-        </p:spPr>
-      </p:pic>
-      <p:sp>
-        <p:nvSpPr>
-          <p:cNvPr id="2" name="Espace réservé du numéro de diapositive 1">
-            <a:extLst>
-              <a:ext uri="{FF2B5EF4-FFF2-40B4-BE49-F238E27FC236}">
-                <a16:creationId xmlns="" xmlns:a16="http://schemas.microsoft.com/office/drawing/2014/main" id="{7AB1B0BC-99AA-42A3-B7E8-241B05923041}"/>
-              </a:ext>
-            </a:extLst>
-          </p:cNvPr>
-          <p:cNvSpPr>
-            <a:spLocks noGrp="1"/>
-          </p:cNvSpPr>
-          <p:nvPr>
-            <p:ph type="sldNum" sz="quarter" idx="4294967295"/>
-          </p:nvPr>
-        </p:nvSpPr>
-        <p:spPr>
-          <a:xfrm>
-            <a:off x="9953373" y="6102581"/>
-            <a:ext cx="1312025" cy="365125"/>
-          </a:xfrm>
-          <a:prstGeom prst="rect">
-            <a:avLst/>
-          </a:prstGeom>
-        </p:spPr>
-        <p:txBody>
-          <a:bodyPr/>
-          <a:lstStyle/>
-          <a:p>
-            <a:fld id="{3B9124A2-E1D7-417D-88BC-63EA5DA45BC4}" type="slidenum">
-              <a:rPr lang="fr-FR" smtClean="0"/>
-              <a:t>1</a:t>
-            </a:fld>
-            <a:endParaRPr lang="fr-FR"/>
-          </a:p>
-        </p:txBody>
-      </p:sp>
-      <p:pic>
-        <p:nvPicPr>
-          <p:cNvPr id="1026" name="Picture 2" descr="Vinaigre d'alcool 12% BIO 1L - Mes courses en vrac">
-            <a:extLst>
-              <a:ext uri="{FF2B5EF4-FFF2-40B4-BE49-F238E27FC236}">
-                <a16:creationId xmlns="" xmlns:a16="http://schemas.microsoft.com/office/drawing/2014/main" id="{49B42E29-D6BD-45A4-B644-C5AE46D1057F}"/>
-              </a:ext>
-            </a:extLst>
-          </p:cNvPr>
-          <p:cNvPicPr>
-            <a:picLocks noChangeAspect="1" noChangeArrowheads="1"/>
-          </p:cNvPicPr>
-          <p:nvPr/>
-        </p:nvPicPr>
-        <p:blipFill rotWithShape="1">
-          <a:blip r:embed="rId3">
-            <a:extLst>
-              <a:ext uri="{28A0092B-C50C-407E-A947-70E740481C1C}">
-                <a14:useLocalDpi xmlns:a14="http://schemas.microsoft.com/office/drawing/2010/main" val="0"/>
-              </a:ext>
-            </a:extLst>
-          </a:blip>
-          <a:srcRect l="34583" r="29845"/>
-          <a:stretch/>
-        </p:blipFill>
-        <p:spPr bwMode="auto">
-          <a:xfrm>
-            <a:off x="1362540" y="1761668"/>
-            <a:ext cx="834887" cy="2347084"/>
-          </a:xfrm>
-          <a:prstGeom prst="rect">
-            <a:avLst/>
-          </a:prstGeom>
-          <a:noFill/>
-          <a:extLst>
-            <a:ext uri="{909E8E84-426E-40dd-AFC4-6F175D3DCCD1}">
-              <a14:hiddenFill xmlns:a14="http://schemas.microsoft.com/office/drawing/2010/main">
-                <a:solidFill>
-                  <a:srgbClr val="FFFFFF"/>
-                </a:solidFill>
-              </a14:hiddenFill>
-            </a:ext>
-          </a:extLst>
-        </p:spPr>
-      </p:pic>
-      <p:pic>
-        <p:nvPicPr>
-          <p:cNvPr id="1028" name="Picture 4" descr="Vrai ou faux ? Sept idées reçues sur les bienfaits du citron ...">
-            <a:extLst>
-              <a:ext uri="{FF2B5EF4-FFF2-40B4-BE49-F238E27FC236}">
-                <a16:creationId xmlns="" xmlns:a16="http://schemas.microsoft.com/office/drawing/2014/main" id="{E7D7A420-696E-46DF-BB8D-67BF0A8257DB}"/>
-              </a:ext>
-            </a:extLst>
-          </p:cNvPr>
-          <p:cNvPicPr>
-            <a:picLocks noChangeAspect="1" noChangeArrowheads="1"/>
-          </p:cNvPicPr>
-          <p:nvPr/>
-        </p:nvPicPr>
-        <p:blipFill rotWithShape="1">
-          <a:blip r:embed="rId4">
-            <a:extLst>
-              <a:ext uri="{28A0092B-C50C-407E-A947-70E740481C1C}">
-                <a14:useLocalDpi xmlns:a14="http://schemas.microsoft.com/office/drawing/2010/main" val="0"/>
-              </a:ext>
-            </a:extLst>
-          </a:blip>
-          <a:srcRect r="45516"/>
-          <a:stretch/>
-        </p:blipFill>
-        <p:spPr bwMode="auto">
-          <a:xfrm>
-            <a:off x="2323260" y="3366156"/>
-            <a:ext cx="1691804" cy="1466850"/>
-          </a:xfrm>
-          <a:prstGeom prst="rect">
-            <a:avLst/>
-          </a:prstGeom>
-          <a:noFill/>
-          <a:extLst>
-            <a:ext uri="{909E8E84-426E-40dd-AFC4-6F175D3DCCD1}">
-              <a14:hiddenFill xmlns:a14="http://schemas.microsoft.com/office/drawing/2010/main">
-                <a:solidFill>
-                  <a:srgbClr val="FFFFFF"/>
-                </a:solidFill>
-              </a14:hiddenFill>
-            </a:ext>
-          </a:extLst>
-        </p:spPr>
-      </p:pic>
-      <p:pic>
-        <p:nvPicPr>
-          <p:cNvPr id="1030" name="Picture 6" descr="Les agrumes ! | Les éditions de la rose">
-            <a:extLst>
-              <a:ext uri="{FF2B5EF4-FFF2-40B4-BE49-F238E27FC236}">
-                <a16:creationId xmlns="" xmlns:a16="http://schemas.microsoft.com/office/drawing/2014/main" id="{4AC3923C-D6C8-4B49-9F47-4A2C08A3CAD5}"/>
-              </a:ext>
-            </a:extLst>
-          </p:cNvPr>
-          <p:cNvPicPr>
-            <a:picLocks noChangeAspect="1" noChangeArrowheads="1"/>
-          </p:cNvPicPr>
-          <p:nvPr/>
-        </p:nvPicPr>
-        <p:blipFill>
-          <a:blip r:embed="rId5">
-            <a:extLst>
-              <a:ext uri="{28A0092B-C50C-407E-A947-70E740481C1C}">
-                <a14:useLocalDpi xmlns:a14="http://schemas.microsoft.com/office/drawing/2010/main" val="0"/>
-              </a:ext>
-            </a:extLst>
-          </a:blip>
-          <a:srcRect/>
-          <a:stretch>
-            <a:fillRect/>
-          </a:stretch>
-        </p:blipFill>
-        <p:spPr bwMode="auto">
-          <a:xfrm>
-            <a:off x="1528507" y="4962477"/>
-            <a:ext cx="2600325" cy="1752600"/>
-          </a:xfrm>
-          <a:prstGeom prst="rect">
-            <a:avLst/>
-          </a:prstGeom>
-          <a:noFill/>
-          <a:extLst>
-            <a:ext uri="{909E8E84-426E-40dd-AFC4-6F175D3DCCD1}">
-              <a14:hiddenFill xmlns:a14="http://schemas.microsoft.com/office/drawing/2010/main">
-                <a:solidFill>
-                  <a:srgbClr val="FFFFFF"/>
-                </a:solidFill>
-              </a14:hiddenFill>
-            </a:ext>
-          </a:extLst>
-        </p:spPr>
-      </p:pic>
-      <p:pic>
-        <p:nvPicPr>
-          <p:cNvPr id="1032" name="Picture 8" descr="Limonade artisanale arôme citron LORINA : la bouteille d'1L à Prix ...">
-            <a:extLst>
-              <a:ext uri="{FF2B5EF4-FFF2-40B4-BE49-F238E27FC236}">
-                <a16:creationId xmlns="" xmlns:a16="http://schemas.microsoft.com/office/drawing/2014/main" id="{F6DB467F-E8EC-48D7-8B58-FE067FEE1286}"/>
-              </a:ext>
-            </a:extLst>
-          </p:cNvPr>
-          <p:cNvPicPr>
-            <a:picLocks noChangeAspect="1" noChangeArrowheads="1"/>
-          </p:cNvPicPr>
-          <p:nvPr/>
-        </p:nvPicPr>
-        <p:blipFill rotWithShape="1">
-          <a:blip r:embed="rId6">
-            <a:extLst>
-              <a:ext uri="{28A0092B-C50C-407E-A947-70E740481C1C}">
-                <a14:useLocalDpi xmlns:a14="http://schemas.microsoft.com/office/drawing/2010/main" val="0"/>
-              </a:ext>
-            </a:extLst>
-          </a:blip>
-          <a:srcRect l="30006" r="31037"/>
-          <a:stretch/>
-        </p:blipFill>
-        <p:spPr bwMode="auto">
-          <a:xfrm>
-            <a:off x="0" y="2323731"/>
-            <a:ext cx="1183230" cy="3037305"/>
-          </a:xfrm>
-          <a:prstGeom prst="rect">
-            <a:avLst/>
-          </a:prstGeom>
-          <a:noFill/>
-          <a:extLst>
-            <a:ext uri="{909E8E84-426E-40dd-AFC4-6F175D3DCCD1}">
-              <a14:hiddenFill xmlns:a14="http://schemas.microsoft.com/office/drawing/2010/main">
-                <a:solidFill>
-                  <a:srgbClr val="FFFFFF"/>
-                </a:solidFill>
-              </a14:hiddenFill>
-            </a:ext>
-          </a:extLst>
-        </p:spPr>
-      </p:pic>
-      <p:sp>
-        <p:nvSpPr>
-          <p:cNvPr id="3" name="ZoneTexte 2">
-            <a:extLst>
-              <a:ext uri="{FF2B5EF4-FFF2-40B4-BE49-F238E27FC236}">
-                <a16:creationId xmlns="" xmlns:a16="http://schemas.microsoft.com/office/drawing/2014/main" id="{45DCE0B0-0425-4FB4-9AC9-018875003443}"/>
-              </a:ext>
-            </a:extLst>
-          </p:cNvPr>
-          <p:cNvSpPr txBox="1"/>
-          <p:nvPr/>
-        </p:nvSpPr>
-        <p:spPr>
-          <a:xfrm>
-            <a:off x="-64868" y="827265"/>
-            <a:ext cx="2581055" cy="523220"/>
-          </a:xfrm>
-          <a:prstGeom prst="rect">
-            <a:avLst/>
-          </a:prstGeom>
-          <a:noFill/>
-        </p:spPr>
-        <p:txBody>
-          <a:bodyPr wrap="none" rtlCol="0">
-            <a:spAutoFit/>
-          </a:bodyPr>
-          <a:lstStyle/>
-          <a:p>
-            <a:pPr algn="ctr"/>
-            <a:r>
-              <a:rPr lang="fr-FR" sz="2800" b="1" dirty="0" smtClean="0"/>
-              <a:t>Solutions acides</a:t>
-            </a:r>
-            <a:endParaRPr lang="fr-FR" sz="2800" b="1" dirty="0"/>
-          </a:p>
-        </p:txBody>
-      </p:sp>
-      <p:pic>
-        <p:nvPicPr>
-          <p:cNvPr id="1034" name="Picture 10" descr="Déboucheur liquide canalisations surpuissant 1L Destop - Delcourt ...">
-            <a:extLst>
-              <a:ext uri="{FF2B5EF4-FFF2-40B4-BE49-F238E27FC236}">
-                <a16:creationId xmlns="" xmlns:a16="http://schemas.microsoft.com/office/drawing/2014/main" id="{D08D13F8-059D-4576-BDB3-6D392043B5E7}"/>
-              </a:ext>
-            </a:extLst>
-          </p:cNvPr>
-          <p:cNvPicPr>
-            <a:picLocks noChangeAspect="1" noChangeArrowheads="1"/>
-          </p:cNvPicPr>
-          <p:nvPr/>
-        </p:nvPicPr>
-        <p:blipFill rotWithShape="1">
-          <a:blip r:embed="rId7">
-            <a:extLst>
-              <a:ext uri="{28A0092B-C50C-407E-A947-70E740481C1C}">
-                <a14:useLocalDpi xmlns:a14="http://schemas.microsoft.com/office/drawing/2010/main" val="0"/>
-              </a:ext>
-            </a:extLst>
-          </a:blip>
-          <a:srcRect l="33900" r="26002"/>
-          <a:stretch/>
-        </p:blipFill>
-        <p:spPr bwMode="auto">
-          <a:xfrm>
-            <a:off x="10639978" y="2507386"/>
-            <a:ext cx="862909" cy="2151961"/>
-          </a:xfrm>
-          <a:prstGeom prst="rect">
-            <a:avLst/>
-          </a:prstGeom>
-          <a:noFill/>
-          <a:extLst>
-            <a:ext uri="{909E8E84-426E-40dd-AFC4-6F175D3DCCD1}">
-              <a14:hiddenFill xmlns:a14="http://schemas.microsoft.com/office/drawing/2010/main">
-                <a:solidFill>
-                  <a:srgbClr val="FFFFFF"/>
-                </a:solidFill>
-              </a14:hiddenFill>
-            </a:ext>
-          </a:extLst>
-        </p:spPr>
-      </p:pic>
-      <p:sp>
-        <p:nvSpPr>
-          <p:cNvPr id="10" name="ZoneTexte 9">
-            <a:extLst>
-              <a:ext uri="{FF2B5EF4-FFF2-40B4-BE49-F238E27FC236}">
-                <a16:creationId xmlns="" xmlns:a16="http://schemas.microsoft.com/office/drawing/2014/main" id="{AEBBE209-002D-4864-90F1-F5A843805E87}"/>
-              </a:ext>
-            </a:extLst>
-          </p:cNvPr>
-          <p:cNvSpPr txBox="1"/>
-          <p:nvPr/>
-        </p:nvSpPr>
-        <p:spPr>
-          <a:xfrm>
-            <a:off x="8991886" y="1611974"/>
-            <a:ext cx="2959414" cy="523220"/>
-          </a:xfrm>
-          <a:prstGeom prst="rect">
-            <a:avLst/>
-          </a:prstGeom>
-          <a:noFill/>
-        </p:spPr>
-        <p:txBody>
-          <a:bodyPr wrap="none" rtlCol="0">
-            <a:spAutoFit/>
-          </a:bodyPr>
-          <a:lstStyle/>
-          <a:p>
-            <a:pPr algn="ctr"/>
-            <a:r>
-              <a:rPr lang="fr-FR" sz="2800" b="1" dirty="0" smtClean="0"/>
-              <a:t>Solutions basiques</a:t>
-            </a:r>
-            <a:endParaRPr lang="fr-FR" sz="2800" b="1" dirty="0"/>
-          </a:p>
-        </p:txBody>
-      </p:sp>
-      <p:sp>
-        <p:nvSpPr>
-          <p:cNvPr id="4" name="ZoneTexte 3"/>
-          <p:cNvSpPr txBox="1"/>
-          <p:nvPr/>
-        </p:nvSpPr>
-        <p:spPr>
-          <a:xfrm>
-            <a:off x="2332731" y="211676"/>
-            <a:ext cx="6792320" cy="523220"/>
-          </a:xfrm>
-          <a:prstGeom prst="rect">
-            <a:avLst/>
-          </a:prstGeom>
-          <a:noFill/>
-        </p:spPr>
-        <p:txBody>
-          <a:bodyPr wrap="none" rtlCol="0">
-            <a:spAutoFit/>
-          </a:bodyPr>
-          <a:lstStyle/>
-          <a:p>
-            <a:pPr algn="ctr"/>
-            <a:r>
-              <a:rPr lang="fr-FR" sz="2800" spc="-38" dirty="0" smtClean="0">
-                <a:solidFill>
-                  <a:srgbClr val="CF8182"/>
-                </a:solidFill>
-                <a:latin typeface="+mj-lt"/>
-                <a:ea typeface="+mj-ea"/>
-                <a:cs typeface="+mj-cs"/>
-              </a:rPr>
-              <a:t>Les notions d’acidité / basicité au quotidien</a:t>
-            </a:r>
-            <a:endParaRPr lang="fr-FR" sz="2800" spc="-38" dirty="0">
-              <a:solidFill>
-                <a:srgbClr val="CF8182"/>
-              </a:solidFill>
-              <a:latin typeface="+mj-lt"/>
-              <a:ea typeface="+mj-ea"/>
-              <a:cs typeface="+mj-cs"/>
-            </a:endParaRPr>
-          </a:p>
-        </p:txBody>
-      </p:sp>
-      <p:sp>
-        <p:nvSpPr>
-          <p:cNvPr id="5" name="ZoneTexte 4"/>
-          <p:cNvSpPr txBox="1"/>
-          <p:nvPr/>
-        </p:nvSpPr>
-        <p:spPr>
-          <a:xfrm>
-            <a:off x="5012002" y="2744566"/>
-            <a:ext cx="2790923" cy="523220"/>
-          </a:xfrm>
-          <a:prstGeom prst="rect">
-            <a:avLst/>
-          </a:prstGeom>
-          <a:noFill/>
-        </p:spPr>
-        <p:txBody>
-          <a:bodyPr wrap="none" rtlCol="0">
-            <a:spAutoFit/>
-          </a:bodyPr>
-          <a:lstStyle/>
-          <a:p>
-            <a:r>
-              <a:rPr lang="fr-FR" sz="2800" b="1" dirty="0"/>
-              <a:t>Solutions neutres</a:t>
-            </a:r>
-          </a:p>
-        </p:txBody>
-      </p:sp>
-      <p:pic>
-        <p:nvPicPr>
-          <p:cNvPr id="6" name="Image 5"/>
-          <p:cNvPicPr>
-            <a:picLocks noChangeAspect="1"/>
-          </p:cNvPicPr>
-          <p:nvPr/>
-        </p:nvPicPr>
-        <p:blipFill>
-          <a:blip r:embed="rId8"/>
-          <a:stretch>
-            <a:fillRect/>
-          </a:stretch>
-        </p:blipFill>
-        <p:spPr>
-          <a:xfrm>
-            <a:off x="5206473" y="3863911"/>
-            <a:ext cx="2489200" cy="2489200"/>
-          </a:xfrm>
-          <a:prstGeom prst="rect">
-            <a:avLst/>
-          </a:prstGeom>
-        </p:spPr>
-      </p:pic>
-    </p:spTree>
-    <p:extLst>
-      <p:ext uri="{BB962C8B-B14F-4D97-AF65-F5344CB8AC3E}">
-        <p14:creationId xmlns:p14="http://schemas.microsoft.com/office/powerpoint/2010/main" val="1653574578"/>
-      </p:ext>
-    </p:extLst>
-  </p:cSld>
-  <p:clrMapOvr>
-    <a:masterClrMapping/>
-  </p:clrMapOvr>
-</p:sld>
-</file>
-
-<file path=ppt/slides/slide3.xml><?xml version="1.0" encoding="utf-8"?>
-<p:sld xmlns:a="http://schemas.openxmlformats.org/drawingml/2006/main" xmlns:r="http://schemas.openxmlformats.org/officeDocument/2006/relationships" xmlns:p="http://schemas.openxmlformats.org/presentationml/2006/main">
-  <p:cSld>
-    <p:spTree>
-      <p:nvGrpSpPr>
-        <p:cNvPr id="1" name=""/>
-        <p:cNvGrpSpPr/>
-        <p:nvPr/>
-      </p:nvGrpSpPr>
-      <p:grpSpPr>
-        <a:xfrm>
-          <a:off x="0" y="0"/>
-          <a:ext cx="0" cy="0"/>
-          <a:chOff x="0" y="0"/>
-          <a:chExt cx="0" cy="0"/>
-        </a:xfrm>
-      </p:grpSpPr>
       <p:sp>
         <p:nvSpPr>
           <p:cNvPr id="2" name="Titre 1">
             <a:extLst>
               <a:ext uri="{FF2B5EF4-FFF2-40B4-BE49-F238E27FC236}">
-                <a16:creationId xmlns="" xmlns:a16="http://schemas.microsoft.com/office/drawing/2014/main" id="{F91A9A03-6EC7-4696-AC80-5B417F3A10CD}"/>
+                <a16:creationId xmlns:a16="http://schemas.microsoft.com/office/drawing/2014/main" xmlns="" id="{29294511-8C00-4FEE-89AA-CA81800E6DBD}"/>
               </a:ext>
             </a:extLst>
           </p:cNvPr>
@@ -3479,1186 +2994,12 @@
             <p:ph type="title"/>
           </p:nvPr>
         </p:nvSpPr>
-        <p:spPr/>
-        <p:txBody>
-          <a:bodyPr/>
-          <a:lstStyle/>
-          <a:p>
-            <a:r>
-              <a:rPr lang="fr-FR" dirty="0"/>
-              <a:t>Échelle de pH</a:t>
-            </a:r>
-          </a:p>
-        </p:txBody>
-      </p:sp>
-      <p:pic>
-        <p:nvPicPr>
-          <p:cNvPr id="5" name="Image 4">
-            <a:extLst>
-              <a:ext uri="{FF2B5EF4-FFF2-40B4-BE49-F238E27FC236}">
-                <a16:creationId xmlns="" xmlns:a16="http://schemas.microsoft.com/office/drawing/2014/main" id="{D32AF231-26A9-4F70-9E38-238824E2896C}"/>
-              </a:ext>
-            </a:extLst>
-          </p:cNvPr>
-          <p:cNvPicPr>
-            <a:picLocks noChangeAspect="1"/>
-          </p:cNvPicPr>
-          <p:nvPr/>
-        </p:nvPicPr>
-        <p:blipFill rotWithShape="1">
-          <a:blip r:embed="rId2"/>
-          <a:srcRect t="38345" b="39557"/>
-          <a:stretch/>
-        </p:blipFill>
-        <p:spPr>
-          <a:xfrm>
-            <a:off x="2884355" y="2927430"/>
-            <a:ext cx="6423289" cy="1898374"/>
-          </a:xfrm>
-          <a:prstGeom prst="rect">
-            <a:avLst/>
-          </a:prstGeom>
-        </p:spPr>
-      </p:pic>
-      <p:sp>
-        <p:nvSpPr>
-          <p:cNvPr id="6" name="Rectangle 5">
-            <a:extLst>
-              <a:ext uri="{FF2B5EF4-FFF2-40B4-BE49-F238E27FC236}">
-                <a16:creationId xmlns="" xmlns:a16="http://schemas.microsoft.com/office/drawing/2014/main" id="{E9651417-0FD4-4C38-A7A1-BB45E7788918}"/>
-              </a:ext>
-            </a:extLst>
-          </p:cNvPr>
-          <p:cNvSpPr/>
-          <p:nvPr/>
-        </p:nvSpPr>
-        <p:spPr>
-          <a:xfrm>
-            <a:off x="272907" y="5522252"/>
-            <a:ext cx="6852459" cy="276999"/>
-          </a:xfrm>
-          <a:prstGeom prst="rect">
-            <a:avLst/>
-          </a:prstGeom>
-        </p:spPr>
-        <p:txBody>
-          <a:bodyPr wrap="square">
-            <a:spAutoFit/>
-          </a:bodyPr>
-          <a:lstStyle/>
-          <a:p>
-            <a:pPr>
-              <a:spcAft>
-                <a:spcPts val="0"/>
-              </a:spcAft>
-            </a:pPr>
-            <a:r>
-              <a:rPr lang="fr-FR" sz="1200" i="1" u="sng" dirty="0">
-                <a:latin typeface="Calibri" panose="020F0502020204030204" pitchFamily="34" charset="0"/>
-                <a:ea typeface="Calibri" panose="020F0502020204030204" pitchFamily="34" charset="0"/>
-                <a:cs typeface="Times New Roman" panose="02020603050405020304" pitchFamily="18" charset="0"/>
-              </a:rPr>
-              <a:t>Valéry PRÉVOST et al. Physique Chimie, seconde générale.Nathan,2017.</a:t>
-            </a:r>
-          </a:p>
-        </p:txBody>
-      </p:sp>
-    </p:spTree>
-    <p:extLst>
-      <p:ext uri="{BB962C8B-B14F-4D97-AF65-F5344CB8AC3E}">
-        <p14:creationId xmlns:p14="http://schemas.microsoft.com/office/powerpoint/2010/main" val="2038539799"/>
-      </p:ext>
-    </p:extLst>
-  </p:cSld>
-  <p:clrMapOvr>
-    <a:masterClrMapping/>
-  </p:clrMapOvr>
-</p:sld>
-</file>
-
-<file path=ppt/slides/slide4.xml><?xml version="1.0" encoding="utf-8"?>
-<p:sld xmlns:a="http://schemas.openxmlformats.org/drawingml/2006/main" xmlns:r="http://schemas.openxmlformats.org/officeDocument/2006/relationships" xmlns:p="http://schemas.openxmlformats.org/presentationml/2006/main">
-  <p:cSld>
-    <p:spTree>
-      <p:nvGrpSpPr>
-        <p:cNvPr id="1" name=""/>
-        <p:cNvGrpSpPr/>
-        <p:nvPr/>
-      </p:nvGrpSpPr>
-      <p:grpSpPr>
-        <a:xfrm>
-          <a:off x="0" y="0"/>
-          <a:ext cx="0" cy="0"/>
-          <a:chOff x="0" y="0"/>
-          <a:chExt cx="0" cy="0"/>
-        </a:xfrm>
-      </p:grpSpPr>
-      <p:sp>
-        <p:nvSpPr>
-          <p:cNvPr id="2" name="Titre 1">
-            <a:extLst>
-              <a:ext uri="{FF2B5EF4-FFF2-40B4-BE49-F238E27FC236}">
-                <a16:creationId xmlns="" xmlns:a16="http://schemas.microsoft.com/office/drawing/2014/main" id="{F91A9A03-6EC7-4696-AC80-5B417F3A10CD}"/>
-              </a:ext>
-            </a:extLst>
-          </p:cNvPr>
-          <p:cNvSpPr>
-            <a:spLocks noGrp="1"/>
-          </p:cNvSpPr>
-          <p:nvPr>
-            <p:ph type="title"/>
-          </p:nvPr>
-        </p:nvSpPr>
-        <p:spPr/>
-        <p:txBody>
-          <a:bodyPr/>
-          <a:lstStyle/>
-          <a:p>
-            <a:r>
-              <a:rPr lang="fr-FR" dirty="0"/>
-              <a:t>Échelle de pH</a:t>
-            </a:r>
-          </a:p>
-        </p:txBody>
-      </p:sp>
-      <p:pic>
-        <p:nvPicPr>
-          <p:cNvPr id="5" name="Image 4">
-            <a:extLst>
-              <a:ext uri="{FF2B5EF4-FFF2-40B4-BE49-F238E27FC236}">
-                <a16:creationId xmlns="" xmlns:a16="http://schemas.microsoft.com/office/drawing/2014/main" id="{D32AF231-26A9-4F70-9E38-238824E2896C}"/>
-              </a:ext>
-            </a:extLst>
-          </p:cNvPr>
-          <p:cNvPicPr>
-            <a:picLocks noChangeAspect="1"/>
-          </p:cNvPicPr>
-          <p:nvPr/>
-        </p:nvPicPr>
-        <p:blipFill>
-          <a:blip r:embed="rId2"/>
-          <a:stretch>
-            <a:fillRect/>
-          </a:stretch>
-        </p:blipFill>
-        <p:spPr>
-          <a:xfrm>
-            <a:off x="4543425" y="1836592"/>
-            <a:ext cx="3105150" cy="4152900"/>
-          </a:xfrm>
-          <a:prstGeom prst="rect">
-            <a:avLst/>
-          </a:prstGeom>
-        </p:spPr>
-      </p:pic>
-      <p:sp>
-        <p:nvSpPr>
-          <p:cNvPr id="6" name="Rectangle 5">
-            <a:extLst>
-              <a:ext uri="{FF2B5EF4-FFF2-40B4-BE49-F238E27FC236}">
-                <a16:creationId xmlns="" xmlns:a16="http://schemas.microsoft.com/office/drawing/2014/main" id="{E9651417-0FD4-4C38-A7A1-BB45E7788918}"/>
-              </a:ext>
-            </a:extLst>
-          </p:cNvPr>
-          <p:cNvSpPr/>
-          <p:nvPr/>
-        </p:nvSpPr>
-        <p:spPr>
-          <a:xfrm>
-            <a:off x="294523" y="5915185"/>
-            <a:ext cx="6852459" cy="276999"/>
-          </a:xfrm>
-          <a:prstGeom prst="rect">
-            <a:avLst/>
-          </a:prstGeom>
-        </p:spPr>
-        <p:txBody>
-          <a:bodyPr wrap="square">
-            <a:spAutoFit/>
-          </a:bodyPr>
-          <a:lstStyle/>
-          <a:p>
-            <a:pPr>
-              <a:spcAft>
-                <a:spcPts val="0"/>
-              </a:spcAft>
-            </a:pPr>
-            <a:r>
-              <a:rPr lang="fr-FR" sz="1200" i="1" u="sng" dirty="0">
-                <a:latin typeface="Calibri" panose="020F0502020204030204" pitchFamily="34" charset="0"/>
-                <a:ea typeface="Calibri" panose="020F0502020204030204" pitchFamily="34" charset="0"/>
-                <a:cs typeface="Times New Roman" panose="02020603050405020304" pitchFamily="18" charset="0"/>
-              </a:rPr>
-              <a:t>Valéry PRÉVOST et al. Physique Chimie, seconde générale.Nathan,2017.</a:t>
-            </a:r>
-          </a:p>
-        </p:txBody>
-      </p:sp>
-    </p:spTree>
-    <p:extLst>
-      <p:ext uri="{BB962C8B-B14F-4D97-AF65-F5344CB8AC3E}">
-        <p14:creationId xmlns:p14="http://schemas.microsoft.com/office/powerpoint/2010/main" val="2564729489"/>
-      </p:ext>
-    </p:extLst>
-  </p:cSld>
-  <p:clrMapOvr>
-    <a:masterClrMapping/>
-  </p:clrMapOvr>
-</p:sld>
-</file>
-
-<file path=ppt/slides/slide5.xml><?xml version="1.0" encoding="utf-8"?>
-<p:sld xmlns:a="http://schemas.openxmlformats.org/drawingml/2006/main" xmlns:r="http://schemas.openxmlformats.org/officeDocument/2006/relationships" xmlns:p="http://schemas.openxmlformats.org/presentationml/2006/main">
-  <p:cSld>
-    <p:spTree>
-      <p:nvGrpSpPr>
-        <p:cNvPr id="1" name=""/>
-        <p:cNvGrpSpPr/>
-        <p:nvPr/>
-      </p:nvGrpSpPr>
-      <p:grpSpPr>
-        <a:xfrm>
-          <a:off x="0" y="0"/>
-          <a:ext cx="0" cy="0"/>
-          <a:chOff x="0" y="0"/>
-          <a:chExt cx="0" cy="0"/>
-        </a:xfrm>
-      </p:grpSpPr>
-      <p:pic>
-        <p:nvPicPr>
-          <p:cNvPr id="7" name="Image 6"/>
-          <p:cNvPicPr>
-            <a:picLocks noChangeAspect="1"/>
-          </p:cNvPicPr>
-          <p:nvPr/>
-        </p:nvPicPr>
-        <p:blipFill>
-          <a:blip r:embed="rId2"/>
-          <a:stretch>
-            <a:fillRect/>
-          </a:stretch>
-        </p:blipFill>
-        <p:spPr>
-          <a:xfrm>
-            <a:off x="7009849" y="1925291"/>
-            <a:ext cx="2530125" cy="2530125"/>
-          </a:xfrm>
-          <a:prstGeom prst="rect">
-            <a:avLst/>
-          </a:prstGeom>
-        </p:spPr>
-      </p:pic>
-      <p:sp>
-        <p:nvSpPr>
-          <p:cNvPr id="2" name="Espace réservé du numéro de diapositive 1">
-            <a:extLst>
-              <a:ext uri="{FF2B5EF4-FFF2-40B4-BE49-F238E27FC236}">
-                <a16:creationId xmlns="" xmlns:a16="http://schemas.microsoft.com/office/drawing/2014/main" id="{7AB1B0BC-99AA-42A3-B7E8-241B05923041}"/>
-              </a:ext>
-            </a:extLst>
-          </p:cNvPr>
-          <p:cNvSpPr>
-            <a:spLocks noGrp="1"/>
-          </p:cNvSpPr>
-          <p:nvPr>
-            <p:ph type="sldNum" sz="quarter" idx="4294967295"/>
-          </p:nvPr>
-        </p:nvSpPr>
-        <p:spPr>
-          <a:xfrm>
-            <a:off x="9953373" y="6102581"/>
-            <a:ext cx="1312025" cy="365125"/>
-          </a:xfrm>
-          <a:prstGeom prst="rect">
-            <a:avLst/>
-          </a:prstGeom>
-        </p:spPr>
-        <p:txBody>
-          <a:bodyPr/>
-          <a:lstStyle/>
-          <a:p>
-            <a:fld id="{3B9124A2-E1D7-417D-88BC-63EA5DA45BC4}" type="slidenum">
-              <a:rPr lang="fr-FR" smtClean="0"/>
-              <a:t>4</a:t>
-            </a:fld>
-            <a:endParaRPr lang="fr-FR"/>
-          </a:p>
-        </p:txBody>
-      </p:sp>
-      <p:pic>
-        <p:nvPicPr>
-          <p:cNvPr id="1026" name="Picture 2" descr="Vinaigre d'alcool 12% BIO 1L - Mes courses en vrac">
-            <a:extLst>
-              <a:ext uri="{FF2B5EF4-FFF2-40B4-BE49-F238E27FC236}">
-                <a16:creationId xmlns="" xmlns:a16="http://schemas.microsoft.com/office/drawing/2014/main" id="{49B42E29-D6BD-45A4-B644-C5AE46D1057F}"/>
-              </a:ext>
-            </a:extLst>
-          </p:cNvPr>
-          <p:cNvPicPr>
-            <a:picLocks noChangeAspect="1" noChangeArrowheads="1"/>
-          </p:cNvPicPr>
-          <p:nvPr/>
-        </p:nvPicPr>
-        <p:blipFill rotWithShape="1">
-          <a:blip r:embed="rId3">
-            <a:extLst>
-              <a:ext uri="{28A0092B-C50C-407E-A947-70E740481C1C}">
-                <a14:useLocalDpi xmlns:a14="http://schemas.microsoft.com/office/drawing/2010/main" val="0"/>
-              </a:ext>
-            </a:extLst>
-          </a:blip>
-          <a:srcRect l="34583" r="29845"/>
-          <a:stretch/>
-        </p:blipFill>
-        <p:spPr bwMode="auto">
-          <a:xfrm>
-            <a:off x="160754" y="1420304"/>
-            <a:ext cx="699618" cy="1966807"/>
-          </a:xfrm>
-          <a:prstGeom prst="rect">
-            <a:avLst/>
-          </a:prstGeom>
-          <a:noFill/>
-          <a:extLst>
-            <a:ext uri="{909E8E84-426E-40dd-AFC4-6F175D3DCCD1}">
-              <a14:hiddenFill xmlns:a14="http://schemas.microsoft.com/office/drawing/2010/main">
-                <a:solidFill>
-                  <a:srgbClr val="FFFFFF"/>
-                </a:solidFill>
-              </a14:hiddenFill>
-            </a:ext>
-          </a:extLst>
-        </p:spPr>
-      </p:pic>
-      <p:pic>
-        <p:nvPicPr>
-          <p:cNvPr id="1028" name="Picture 4" descr="Vrai ou faux ? Sept idées reçues sur les bienfaits du citron ...">
-            <a:extLst>
-              <a:ext uri="{FF2B5EF4-FFF2-40B4-BE49-F238E27FC236}">
-                <a16:creationId xmlns="" xmlns:a16="http://schemas.microsoft.com/office/drawing/2014/main" id="{E7D7A420-696E-46DF-BB8D-67BF0A8257DB}"/>
-              </a:ext>
-            </a:extLst>
-          </p:cNvPr>
-          <p:cNvPicPr>
-            <a:picLocks noChangeAspect="1" noChangeArrowheads="1"/>
-          </p:cNvPicPr>
-          <p:nvPr/>
-        </p:nvPicPr>
-        <p:blipFill rotWithShape="1">
-          <a:blip r:embed="rId4">
-            <a:extLst>
-              <a:ext uri="{28A0092B-C50C-407E-A947-70E740481C1C}">
-                <a14:useLocalDpi xmlns:a14="http://schemas.microsoft.com/office/drawing/2010/main" val="0"/>
-              </a:ext>
-            </a:extLst>
-          </a:blip>
-          <a:srcRect r="45516"/>
-          <a:stretch/>
-        </p:blipFill>
-        <p:spPr bwMode="auto">
-          <a:xfrm>
-            <a:off x="4399074" y="1031223"/>
-            <a:ext cx="1157167" cy="1003302"/>
-          </a:xfrm>
-          <a:prstGeom prst="rect">
-            <a:avLst/>
-          </a:prstGeom>
-          <a:noFill/>
-          <a:extLst>
-            <a:ext uri="{909E8E84-426E-40dd-AFC4-6F175D3DCCD1}">
-              <a14:hiddenFill xmlns:a14="http://schemas.microsoft.com/office/drawing/2010/main">
-                <a:solidFill>
-                  <a:srgbClr val="FFFFFF"/>
-                </a:solidFill>
-              </a14:hiddenFill>
-            </a:ext>
-          </a:extLst>
-        </p:spPr>
-      </p:pic>
-      <p:pic>
-        <p:nvPicPr>
-          <p:cNvPr id="1030" name="Picture 6" descr="Les agrumes ! | Les éditions de la rose">
-            <a:extLst>
-              <a:ext uri="{FF2B5EF4-FFF2-40B4-BE49-F238E27FC236}">
-                <a16:creationId xmlns="" xmlns:a16="http://schemas.microsoft.com/office/drawing/2014/main" id="{4AC3923C-D6C8-4B49-9F47-4A2C08A3CAD5}"/>
-              </a:ext>
-            </a:extLst>
-          </p:cNvPr>
-          <p:cNvPicPr>
-            <a:picLocks noChangeAspect="1" noChangeArrowheads="1"/>
-          </p:cNvPicPr>
-          <p:nvPr/>
-        </p:nvPicPr>
-        <p:blipFill>
-          <a:blip r:embed="rId5">
-            <a:extLst>
-              <a:ext uri="{28A0092B-C50C-407E-A947-70E740481C1C}">
-                <a14:useLocalDpi xmlns:a14="http://schemas.microsoft.com/office/drawing/2010/main" val="0"/>
-              </a:ext>
-            </a:extLst>
-          </a:blip>
-          <a:srcRect/>
-          <a:stretch>
-            <a:fillRect/>
-          </a:stretch>
-        </p:blipFill>
-        <p:spPr bwMode="auto">
-          <a:xfrm>
-            <a:off x="149182" y="5448167"/>
-            <a:ext cx="1616337" cy="1089399"/>
-          </a:xfrm>
-          <a:prstGeom prst="rect">
-            <a:avLst/>
-          </a:prstGeom>
-          <a:noFill/>
-          <a:extLst>
-            <a:ext uri="{909E8E84-426E-40dd-AFC4-6F175D3DCCD1}">
-              <a14:hiddenFill xmlns:a14="http://schemas.microsoft.com/office/drawing/2010/main">
-                <a:solidFill>
-                  <a:srgbClr val="FFFFFF"/>
-                </a:solidFill>
-              </a14:hiddenFill>
-            </a:ext>
-          </a:extLst>
-        </p:spPr>
-      </p:pic>
-      <p:pic>
-        <p:nvPicPr>
-          <p:cNvPr id="1032" name="Picture 8" descr="Limonade artisanale arôme citron LORINA : la bouteille d'1L à Prix ...">
-            <a:extLst>
-              <a:ext uri="{FF2B5EF4-FFF2-40B4-BE49-F238E27FC236}">
-                <a16:creationId xmlns="" xmlns:a16="http://schemas.microsoft.com/office/drawing/2014/main" id="{F6DB467F-E8EC-48D7-8B58-FE067FEE1286}"/>
-              </a:ext>
-            </a:extLst>
-          </p:cNvPr>
-          <p:cNvPicPr>
-            <a:picLocks noChangeAspect="1" noChangeArrowheads="1"/>
-          </p:cNvPicPr>
-          <p:nvPr/>
-        </p:nvPicPr>
-        <p:blipFill rotWithShape="1">
-          <a:blip r:embed="rId6">
-            <a:extLst>
-              <a:ext uri="{28A0092B-C50C-407E-A947-70E740481C1C}">
-                <a14:useLocalDpi xmlns:a14="http://schemas.microsoft.com/office/drawing/2010/main" val="0"/>
-              </a:ext>
-            </a:extLst>
-          </a:blip>
-          <a:srcRect l="30006" r="31037"/>
-          <a:stretch/>
-        </p:blipFill>
-        <p:spPr bwMode="auto">
-          <a:xfrm>
-            <a:off x="109253" y="3620914"/>
-            <a:ext cx="710148" cy="1822922"/>
-          </a:xfrm>
-          <a:prstGeom prst="rect">
-            <a:avLst/>
-          </a:prstGeom>
-          <a:noFill/>
-          <a:extLst>
-            <a:ext uri="{909E8E84-426E-40dd-AFC4-6F175D3DCCD1}">
-              <a14:hiddenFill xmlns:a14="http://schemas.microsoft.com/office/drawing/2010/main">
-                <a:solidFill>
-                  <a:srgbClr val="FFFFFF"/>
-                </a:solidFill>
-              </a14:hiddenFill>
-            </a:ext>
-          </a:extLst>
-        </p:spPr>
-      </p:pic>
-      <p:sp>
-        <p:nvSpPr>
-          <p:cNvPr id="3" name="ZoneTexte 2">
-            <a:extLst>
-              <a:ext uri="{FF2B5EF4-FFF2-40B4-BE49-F238E27FC236}">
-                <a16:creationId xmlns="" xmlns:a16="http://schemas.microsoft.com/office/drawing/2014/main" id="{45DCE0B0-0425-4FB4-9AC9-018875003443}"/>
-              </a:ext>
-            </a:extLst>
-          </p:cNvPr>
-          <p:cNvSpPr txBox="1"/>
-          <p:nvPr/>
-        </p:nvSpPr>
-        <p:spPr>
-          <a:xfrm>
-            <a:off x="-64868" y="827265"/>
-            <a:ext cx="2581055" cy="523220"/>
-          </a:xfrm>
-          <a:prstGeom prst="rect">
-            <a:avLst/>
-          </a:prstGeom>
-          <a:noFill/>
-        </p:spPr>
-        <p:txBody>
-          <a:bodyPr wrap="none" rtlCol="0">
-            <a:spAutoFit/>
-          </a:bodyPr>
-          <a:lstStyle/>
-          <a:p>
-            <a:pPr algn="ctr"/>
-            <a:r>
-              <a:rPr lang="fr-FR" sz="2800" b="1" dirty="0" smtClean="0"/>
-              <a:t>Solutions acides</a:t>
-            </a:r>
-            <a:endParaRPr lang="fr-FR" sz="2800" b="1" dirty="0"/>
-          </a:p>
-        </p:txBody>
-      </p:sp>
-      <p:pic>
-        <p:nvPicPr>
-          <p:cNvPr id="1034" name="Picture 10" descr="Déboucheur liquide canalisations surpuissant 1L Destop - Delcourt ...">
-            <a:extLst>
-              <a:ext uri="{FF2B5EF4-FFF2-40B4-BE49-F238E27FC236}">
-                <a16:creationId xmlns="" xmlns:a16="http://schemas.microsoft.com/office/drawing/2014/main" id="{D08D13F8-059D-4576-BDB3-6D392043B5E7}"/>
-              </a:ext>
-            </a:extLst>
-          </p:cNvPr>
-          <p:cNvPicPr>
-            <a:picLocks noChangeAspect="1" noChangeArrowheads="1"/>
-          </p:cNvPicPr>
-          <p:nvPr/>
-        </p:nvPicPr>
-        <p:blipFill rotWithShape="1">
-          <a:blip r:embed="rId7">
-            <a:extLst>
-              <a:ext uri="{28A0092B-C50C-407E-A947-70E740481C1C}">
-                <a14:useLocalDpi xmlns:a14="http://schemas.microsoft.com/office/drawing/2010/main" val="0"/>
-              </a:ext>
-            </a:extLst>
-          </a:blip>
-          <a:srcRect l="33900" r="26002"/>
-          <a:stretch/>
-        </p:blipFill>
-        <p:spPr bwMode="auto">
-          <a:xfrm>
-            <a:off x="10298561" y="2070441"/>
-            <a:ext cx="862909" cy="2151961"/>
-          </a:xfrm>
-          <a:prstGeom prst="rect">
-            <a:avLst/>
-          </a:prstGeom>
-          <a:noFill/>
-          <a:extLst>
-            <a:ext uri="{909E8E84-426E-40dd-AFC4-6F175D3DCCD1}">
-              <a14:hiddenFill xmlns:a14="http://schemas.microsoft.com/office/drawing/2010/main">
-                <a:solidFill>
-                  <a:srgbClr val="FFFFFF"/>
-                </a:solidFill>
-              </a14:hiddenFill>
-            </a:ext>
-          </a:extLst>
-        </p:spPr>
-      </p:pic>
-      <p:sp>
-        <p:nvSpPr>
-          <p:cNvPr id="10" name="ZoneTexte 9">
-            <a:extLst>
-              <a:ext uri="{FF2B5EF4-FFF2-40B4-BE49-F238E27FC236}">
-                <a16:creationId xmlns="" xmlns:a16="http://schemas.microsoft.com/office/drawing/2014/main" id="{AEBBE209-002D-4864-90F1-F5A843805E87}"/>
-              </a:ext>
-            </a:extLst>
-          </p:cNvPr>
-          <p:cNvSpPr txBox="1"/>
-          <p:nvPr/>
-        </p:nvSpPr>
-        <p:spPr>
-          <a:xfrm>
-            <a:off x="7913008" y="983864"/>
-            <a:ext cx="2959414" cy="523220"/>
-          </a:xfrm>
-          <a:prstGeom prst="rect">
-            <a:avLst/>
-          </a:prstGeom>
-          <a:noFill/>
-        </p:spPr>
-        <p:txBody>
-          <a:bodyPr wrap="none" rtlCol="0">
-            <a:spAutoFit/>
-          </a:bodyPr>
-          <a:lstStyle/>
-          <a:p>
-            <a:pPr algn="ctr"/>
-            <a:r>
-              <a:rPr lang="fr-FR" sz="2800" b="1" dirty="0" smtClean="0"/>
-              <a:t>Solutions basiques</a:t>
-            </a:r>
-            <a:endParaRPr lang="fr-FR" sz="2800" b="1" dirty="0"/>
-          </a:p>
-        </p:txBody>
-      </p:sp>
-      <p:sp>
-        <p:nvSpPr>
-          <p:cNvPr id="4" name="ZoneTexte 3"/>
-          <p:cNvSpPr txBox="1"/>
-          <p:nvPr/>
-        </p:nvSpPr>
-        <p:spPr>
-          <a:xfrm>
-            <a:off x="3294427" y="211676"/>
-            <a:ext cx="4868950" cy="523220"/>
-          </a:xfrm>
-          <a:prstGeom prst="rect">
-            <a:avLst/>
-          </a:prstGeom>
-          <a:noFill/>
-        </p:spPr>
-        <p:txBody>
-          <a:bodyPr wrap="none" rtlCol="0">
-            <a:spAutoFit/>
-          </a:bodyPr>
-          <a:lstStyle/>
-          <a:p>
-            <a:pPr algn="ctr"/>
-            <a:r>
-              <a:rPr lang="fr-FR" sz="2800" spc="-38" dirty="0" smtClean="0">
-                <a:solidFill>
-                  <a:srgbClr val="CF8182"/>
-                </a:solidFill>
-                <a:latin typeface="+mj-lt"/>
-                <a:ea typeface="+mj-ea"/>
-                <a:cs typeface="+mj-cs"/>
-              </a:rPr>
-              <a:t>Acides et bases (au quotidien) </a:t>
-            </a:r>
-            <a:endParaRPr lang="fr-FR" sz="2800" spc="-38" dirty="0">
-              <a:solidFill>
-                <a:srgbClr val="CF8182"/>
-              </a:solidFill>
-              <a:latin typeface="+mj-lt"/>
-              <a:ea typeface="+mj-ea"/>
-              <a:cs typeface="+mj-cs"/>
-            </a:endParaRPr>
-          </a:p>
-        </p:txBody>
-      </p:sp>
-      <p:sp>
-        <p:nvSpPr>
-          <p:cNvPr id="8" name="ZoneTexte 7"/>
-          <p:cNvSpPr txBox="1"/>
-          <p:nvPr/>
-        </p:nvSpPr>
-        <p:spPr>
-          <a:xfrm>
-            <a:off x="1311042" y="2061840"/>
-            <a:ext cx="1834532" cy="646331"/>
-          </a:xfrm>
-          <a:prstGeom prst="rect">
-            <a:avLst/>
-          </a:prstGeom>
-          <a:noFill/>
-        </p:spPr>
-        <p:txBody>
-          <a:bodyPr wrap="none" rtlCol="0">
-            <a:spAutoFit/>
-          </a:bodyPr>
-          <a:lstStyle/>
-          <a:p>
-            <a:r>
-              <a:rPr lang="fr-FR" u="sng" dirty="0" smtClean="0"/>
-              <a:t>Acide éthanoïque</a:t>
-            </a:r>
-          </a:p>
-          <a:p>
-            <a:r>
-              <a:rPr lang="fr-FR" dirty="0" smtClean="0"/>
-              <a:t>CH</a:t>
-            </a:r>
-            <a:r>
-              <a:rPr lang="fr-FR" baseline="-25000" dirty="0" smtClean="0"/>
-              <a:t>3</a:t>
-            </a:r>
-            <a:r>
-              <a:rPr lang="fr-FR" dirty="0" smtClean="0"/>
-              <a:t>COOH</a:t>
-            </a:r>
-            <a:endParaRPr lang="fr-FR" dirty="0"/>
-          </a:p>
-        </p:txBody>
-      </p:sp>
-      <p:sp>
-        <p:nvSpPr>
-          <p:cNvPr id="9" name="ZoneTexte 8"/>
-          <p:cNvSpPr txBox="1"/>
-          <p:nvPr/>
-        </p:nvSpPr>
-        <p:spPr>
-          <a:xfrm>
-            <a:off x="8316917" y="5229694"/>
-            <a:ext cx="2177850" cy="369332"/>
-          </a:xfrm>
-          <a:prstGeom prst="rect">
-            <a:avLst/>
-          </a:prstGeom>
-          <a:noFill/>
-        </p:spPr>
-        <p:txBody>
-          <a:bodyPr wrap="none" rtlCol="0">
-            <a:spAutoFit/>
-          </a:bodyPr>
-          <a:lstStyle/>
-          <a:p>
-            <a:r>
-              <a:rPr lang="fr-FR" dirty="0" smtClean="0"/>
-              <a:t>Base : hydroxyde HO</a:t>
-            </a:r>
-            <a:r>
-              <a:rPr lang="fr-FR" baseline="30000" dirty="0" smtClean="0"/>
-              <a:t>-</a:t>
-            </a:r>
-            <a:endParaRPr lang="fr-FR" dirty="0"/>
-          </a:p>
-        </p:txBody>
-      </p:sp>
-      <p:sp>
-        <p:nvSpPr>
-          <p:cNvPr id="11" name="Accolade fermante 10"/>
-          <p:cNvSpPr/>
-          <p:nvPr/>
-        </p:nvSpPr>
-        <p:spPr>
-          <a:xfrm rot="5400000">
-            <a:off x="9071535" y="2918466"/>
-            <a:ext cx="669178" cy="3639330"/>
-          </a:xfrm>
-          <a:prstGeom prst="rightBrace">
-            <a:avLst/>
-          </a:prstGeom>
-          <a:ln>
-            <a:solidFill>
-              <a:schemeClr val="tx1"/>
-            </a:solidFill>
-          </a:ln>
-        </p:spPr>
-        <p:style>
-          <a:lnRef idx="2">
-            <a:schemeClr val="accent1"/>
-          </a:lnRef>
-          <a:fillRef idx="0">
-            <a:schemeClr val="accent1"/>
-          </a:fillRef>
-          <a:effectRef idx="1">
-            <a:schemeClr val="accent1"/>
-          </a:effectRef>
-          <a:fontRef idx="minor">
-            <a:schemeClr val="tx1"/>
-          </a:fontRef>
-        </p:style>
-        <p:txBody>
-          <a:bodyPr rtlCol="0" anchor="ctr"/>
-          <a:lstStyle/>
-          <a:p>
-            <a:pPr algn="ctr"/>
-            <a:endParaRPr lang="fr-FR"/>
-          </a:p>
-        </p:txBody>
-      </p:sp>
-      <p:sp>
-        <p:nvSpPr>
-          <p:cNvPr id="17" name="Accolade fermante 16"/>
-          <p:cNvSpPr/>
-          <p:nvPr/>
-        </p:nvSpPr>
-        <p:spPr>
-          <a:xfrm>
-            <a:off x="1802681" y="3714040"/>
-            <a:ext cx="497313" cy="3023466"/>
-          </a:xfrm>
-          <a:prstGeom prst="rightBrace">
-            <a:avLst/>
-          </a:prstGeom>
-          <a:ln>
-            <a:solidFill>
-              <a:schemeClr val="tx1"/>
-            </a:solidFill>
-          </a:ln>
-        </p:spPr>
-        <p:style>
-          <a:lnRef idx="2">
-            <a:schemeClr val="accent1"/>
-          </a:lnRef>
-          <a:fillRef idx="0">
-            <a:schemeClr val="accent1"/>
-          </a:fillRef>
-          <a:effectRef idx="1">
-            <a:schemeClr val="accent1"/>
-          </a:effectRef>
-          <a:fontRef idx="minor">
-            <a:schemeClr val="tx1"/>
-          </a:fontRef>
-        </p:style>
-        <p:txBody>
-          <a:bodyPr rtlCol="0" anchor="ctr"/>
-          <a:lstStyle/>
-          <a:p>
-            <a:pPr algn="ctr"/>
-            <a:endParaRPr lang="fr-FR"/>
-          </a:p>
-        </p:txBody>
-      </p:sp>
-      <p:pic>
-        <p:nvPicPr>
-          <p:cNvPr id="18" name="Image 17"/>
-          <p:cNvPicPr/>
-          <p:nvPr/>
-        </p:nvPicPr>
-        <p:blipFill>
-          <a:blip r:embed="rId8" cstate="print">
-            <a:extLst>
-              <a:ext uri="{28A0092B-C50C-407E-A947-70E740481C1C}">
-                <a14:useLocalDpi xmlns:a14="http://schemas.microsoft.com/office/drawing/2010/main" val="0"/>
-              </a:ext>
-            </a:extLst>
-          </a:blip>
-          <a:srcRect/>
-          <a:stretch>
-            <a:fillRect/>
-          </a:stretch>
-        </p:blipFill>
-        <p:spPr bwMode="auto">
-          <a:xfrm>
-            <a:off x="5080284" y="2430510"/>
-            <a:ext cx="1966562" cy="914855"/>
-          </a:xfrm>
-          <a:prstGeom prst="rect">
-            <a:avLst/>
-          </a:prstGeom>
-          <a:noFill/>
-          <a:ln>
-            <a:noFill/>
-          </a:ln>
-        </p:spPr>
-      </p:pic>
-      <p:sp>
-        <p:nvSpPr>
-          <p:cNvPr id="19" name="Accolade fermante 18"/>
-          <p:cNvSpPr/>
-          <p:nvPr/>
-        </p:nvSpPr>
-        <p:spPr>
-          <a:xfrm>
-            <a:off x="887684" y="1381313"/>
-            <a:ext cx="349266" cy="2059635"/>
-          </a:xfrm>
-          <a:prstGeom prst="rightBrace">
-            <a:avLst/>
-          </a:prstGeom>
-          <a:ln>
-            <a:solidFill>
-              <a:schemeClr val="tx1"/>
-            </a:solidFill>
-          </a:ln>
-        </p:spPr>
-        <p:style>
-          <a:lnRef idx="2">
-            <a:schemeClr val="accent1"/>
-          </a:lnRef>
-          <a:fillRef idx="0">
-            <a:schemeClr val="accent1"/>
-          </a:fillRef>
-          <a:effectRef idx="1">
-            <a:schemeClr val="accent1"/>
-          </a:effectRef>
-          <a:fontRef idx="minor">
-            <a:schemeClr val="tx1"/>
-          </a:fontRef>
-        </p:style>
-        <p:txBody>
-          <a:bodyPr rtlCol="0" anchor="ctr"/>
-          <a:lstStyle/>
-          <a:p>
-            <a:pPr algn="ctr"/>
-            <a:endParaRPr lang="fr-FR"/>
-          </a:p>
-        </p:txBody>
-      </p:sp>
-      <p:sp>
-        <p:nvSpPr>
-          <p:cNvPr id="12" name="ZoneTexte 11"/>
-          <p:cNvSpPr txBox="1"/>
-          <p:nvPr/>
-        </p:nvSpPr>
-        <p:spPr>
-          <a:xfrm>
-            <a:off x="2526486" y="4956603"/>
-            <a:ext cx="1903398" cy="369332"/>
-          </a:xfrm>
-          <a:prstGeom prst="rect">
-            <a:avLst/>
-          </a:prstGeom>
-          <a:noFill/>
-        </p:spPr>
-        <p:txBody>
-          <a:bodyPr wrap="none" rtlCol="0">
-            <a:spAutoFit/>
-          </a:bodyPr>
-          <a:lstStyle/>
-          <a:p>
-            <a:r>
-              <a:rPr lang="fr-FR" u="sng" dirty="0" smtClean="0"/>
-              <a:t>Acide ascorbique : </a:t>
-            </a:r>
-            <a:endParaRPr lang="fr-FR" u="sng" dirty="0"/>
-          </a:p>
-        </p:txBody>
-      </p:sp>
-      <p:sp>
-        <p:nvSpPr>
-          <p:cNvPr id="21" name="Accolade fermante 20"/>
-          <p:cNvSpPr/>
-          <p:nvPr/>
-        </p:nvSpPr>
-        <p:spPr>
-          <a:xfrm rot="5400000">
-            <a:off x="4895988" y="1654408"/>
-            <a:ext cx="213893" cy="1219920"/>
-          </a:xfrm>
-          <a:prstGeom prst="rightBrace">
-            <a:avLst/>
-          </a:prstGeom>
-          <a:ln>
-            <a:solidFill>
-              <a:schemeClr val="tx1"/>
-            </a:solidFill>
-          </a:ln>
-        </p:spPr>
-        <p:style>
-          <a:lnRef idx="2">
-            <a:schemeClr val="accent1"/>
-          </a:lnRef>
-          <a:fillRef idx="0">
-            <a:schemeClr val="accent1"/>
-          </a:fillRef>
-          <a:effectRef idx="1">
-            <a:schemeClr val="accent1"/>
-          </a:effectRef>
-          <a:fontRef idx="minor">
-            <a:schemeClr val="tx1"/>
-          </a:fontRef>
-        </p:style>
-        <p:txBody>
-          <a:bodyPr rtlCol="0" anchor="ctr"/>
-          <a:lstStyle/>
-          <a:p>
-            <a:pPr algn="ctr"/>
-            <a:endParaRPr lang="fr-FR"/>
-          </a:p>
-        </p:txBody>
-      </p:sp>
-      <p:sp>
-        <p:nvSpPr>
-          <p:cNvPr id="13" name="ZoneTexte 12"/>
-          <p:cNvSpPr txBox="1"/>
-          <p:nvPr/>
-        </p:nvSpPr>
-        <p:spPr>
-          <a:xfrm>
-            <a:off x="3578051" y="2539746"/>
-            <a:ext cx="1589836" cy="369332"/>
-          </a:xfrm>
-          <a:prstGeom prst="rect">
-            <a:avLst/>
-          </a:prstGeom>
-          <a:noFill/>
-        </p:spPr>
-        <p:txBody>
-          <a:bodyPr wrap="none" rtlCol="0">
-            <a:spAutoFit/>
-          </a:bodyPr>
-          <a:lstStyle/>
-          <a:p>
-            <a:r>
-              <a:rPr lang="fr-FR" u="sng" dirty="0" smtClean="0"/>
-              <a:t>Acide citrique :</a:t>
-            </a:r>
-            <a:endParaRPr lang="fr-FR" u="sng" dirty="0"/>
-          </a:p>
-        </p:txBody>
-      </p:sp>
-      <p:pic>
-        <p:nvPicPr>
-          <p:cNvPr id="23" name="Image 22"/>
-          <p:cNvPicPr/>
-          <p:nvPr/>
-        </p:nvPicPr>
-        <p:blipFill>
-          <a:blip r:embed="rId9">
-            <a:extLst>
-              <a:ext uri="{28A0092B-C50C-407E-A947-70E740481C1C}">
-                <a14:useLocalDpi xmlns:a14="http://schemas.microsoft.com/office/drawing/2010/main" val="0"/>
-              </a:ext>
-            </a:extLst>
-          </a:blip>
-          <a:srcRect/>
-          <a:stretch>
-            <a:fillRect/>
-          </a:stretch>
-        </p:blipFill>
-        <p:spPr bwMode="auto">
-          <a:xfrm>
-            <a:off x="4706152" y="4807237"/>
-            <a:ext cx="1796415" cy="1066800"/>
-          </a:xfrm>
-          <a:prstGeom prst="rect">
-            <a:avLst/>
-          </a:prstGeom>
-          <a:noFill/>
-          <a:ln>
-            <a:noFill/>
-          </a:ln>
-        </p:spPr>
-      </p:pic>
-      <p:cxnSp>
-        <p:nvCxnSpPr>
-          <p:cNvPr id="15" name="Connecteur droit 14"/>
-          <p:cNvCxnSpPr/>
-          <p:nvPr/>
-        </p:nvCxnSpPr>
-        <p:spPr>
-          <a:xfrm flipH="1">
-            <a:off x="3509765" y="969474"/>
-            <a:ext cx="0" cy="2539747"/>
-          </a:xfrm>
-          <a:prstGeom prst="line">
-            <a:avLst/>
-          </a:prstGeom>
-          <a:ln>
-            <a:solidFill>
-              <a:srgbClr val="3E6DDD"/>
-            </a:solidFill>
-          </a:ln>
-        </p:spPr>
-        <p:style>
-          <a:lnRef idx="2">
-            <a:schemeClr val="accent1"/>
-          </a:lnRef>
-          <a:fillRef idx="0">
-            <a:schemeClr val="accent1"/>
-          </a:fillRef>
-          <a:effectRef idx="1">
-            <a:schemeClr val="accent1"/>
-          </a:effectRef>
-          <a:fontRef idx="minor">
-            <a:schemeClr val="tx1"/>
-          </a:fontRef>
-        </p:style>
-      </p:cxnSp>
-      <p:cxnSp>
-        <p:nvCxnSpPr>
-          <p:cNvPr id="26" name="Connecteur droit 25"/>
-          <p:cNvCxnSpPr/>
-          <p:nvPr/>
-        </p:nvCxnSpPr>
-        <p:spPr>
-          <a:xfrm flipH="1">
-            <a:off x="7115127" y="971674"/>
-            <a:ext cx="15834" cy="5637130"/>
-          </a:xfrm>
-          <a:prstGeom prst="line">
-            <a:avLst/>
-          </a:prstGeom>
-          <a:ln>
-            <a:solidFill>
-              <a:srgbClr val="3E6DDD"/>
-            </a:solidFill>
-          </a:ln>
-        </p:spPr>
-        <p:style>
-          <a:lnRef idx="2">
-            <a:schemeClr val="accent1"/>
-          </a:lnRef>
-          <a:fillRef idx="0">
-            <a:schemeClr val="accent1"/>
-          </a:fillRef>
-          <a:effectRef idx="1">
-            <a:schemeClr val="accent1"/>
-          </a:effectRef>
-          <a:fontRef idx="minor">
-            <a:schemeClr val="tx1"/>
-          </a:fontRef>
-        </p:style>
-      </p:cxnSp>
-      <p:cxnSp>
-        <p:nvCxnSpPr>
-          <p:cNvPr id="29" name="Connecteur droit 28"/>
-          <p:cNvCxnSpPr/>
-          <p:nvPr/>
-        </p:nvCxnSpPr>
-        <p:spPr>
-          <a:xfrm flipV="1">
-            <a:off x="234341" y="3522877"/>
-            <a:ext cx="6880791" cy="0"/>
-          </a:xfrm>
-          <a:prstGeom prst="line">
-            <a:avLst/>
-          </a:prstGeom>
-          <a:ln>
-            <a:solidFill>
-              <a:srgbClr val="3E6DDD"/>
-            </a:solidFill>
-          </a:ln>
-        </p:spPr>
-        <p:style>
-          <a:lnRef idx="2">
-            <a:schemeClr val="accent1"/>
-          </a:lnRef>
-          <a:fillRef idx="0">
-            <a:schemeClr val="accent1"/>
-          </a:fillRef>
-          <a:effectRef idx="1">
-            <a:schemeClr val="accent1"/>
-          </a:effectRef>
-          <a:fontRef idx="minor">
-            <a:schemeClr val="tx1"/>
-          </a:fontRef>
-        </p:style>
-      </p:cxnSp>
-    </p:spTree>
-    <p:extLst>
-      <p:ext uri="{BB962C8B-B14F-4D97-AF65-F5344CB8AC3E}">
-        <p14:creationId xmlns:p14="http://schemas.microsoft.com/office/powerpoint/2010/main" val="3657843333"/>
-      </p:ext>
-    </p:extLst>
-  </p:cSld>
-  <p:clrMapOvr>
-    <a:masterClrMapping/>
-  </p:clrMapOvr>
-</p:sld>
-</file>
-
-<file path=ppt/slides/slide6.xml><?xml version="1.0" encoding="utf-8"?>
-<p:sld xmlns:a="http://schemas.openxmlformats.org/drawingml/2006/main" xmlns:r="http://schemas.openxmlformats.org/officeDocument/2006/relationships" xmlns:p="http://schemas.openxmlformats.org/presentationml/2006/main">
-  <p:cSld>
-    <p:spTree>
-      <p:nvGrpSpPr>
-        <p:cNvPr id="1" name=""/>
-        <p:cNvGrpSpPr/>
-        <p:nvPr/>
-      </p:nvGrpSpPr>
-      <p:grpSpPr>
-        <a:xfrm>
-          <a:off x="0" y="0"/>
-          <a:ext cx="0" cy="0"/>
-          <a:chOff x="0" y="0"/>
-          <a:chExt cx="0" cy="0"/>
-        </a:xfrm>
-      </p:grpSpPr>
-      <p:sp>
-        <p:nvSpPr>
-          <p:cNvPr id="2" name="Titre 1">
-            <a:extLst>
-              <a:ext uri="{FF2B5EF4-FFF2-40B4-BE49-F238E27FC236}">
-                <a16:creationId xmlns="" xmlns:a16="http://schemas.microsoft.com/office/drawing/2014/main" id="{29294511-8C00-4FEE-89AA-CA81800E6DBD}"/>
-              </a:ext>
-            </a:extLst>
-          </p:cNvPr>
-          <p:cNvSpPr>
-            <a:spLocks noGrp="1"/>
-          </p:cNvSpPr>
-          <p:nvPr>
-            <p:ph type="title"/>
-          </p:nvPr>
-        </p:nvSpPr>
-        <p:spPr/>
+        <p:spPr>
+          <a:xfrm>
+            <a:off x="1097280" y="286604"/>
+            <a:ext cx="10058400" cy="1067202"/>
+          </a:xfrm>
+        </p:spPr>
         <p:txBody>
           <a:bodyPr/>
           <a:lstStyle/>
@@ -4675,7 +3016,7 @@
           <p:cNvPr id="5" name="Tableau 5">
             <a:extLst>
               <a:ext uri="{FF2B5EF4-FFF2-40B4-BE49-F238E27FC236}">
-                <a16:creationId xmlns="" xmlns:a16="http://schemas.microsoft.com/office/drawing/2014/main" xmlns:a14="http://schemas.microsoft.com/office/drawing/2010/main" xmlns:mc="http://schemas.openxmlformats.org/markup-compatibility/2006" id="{C2FF4942-3872-4E80-A10D-8F4A84A5642F}"/>
+                <a16:creationId xmlns:mc="http://schemas.openxmlformats.org/markup-compatibility/2006" xmlns:a14="http://schemas.microsoft.com/office/drawing/2010/main" xmlns:a16="http://schemas.microsoft.com/office/drawing/2014/main" xmlns="" id="{C2FF4942-3872-4E80-A10D-8F4A84A5642F}"/>
               </a:ext>
             </a:extLst>
           </p:cNvPr>
@@ -4686,7 +3027,7 @@
             <p:ph idx="1"/>
             <p:extLst>
               <p:ext uri="{D42A27DB-BD31-4B8C-83A1-F6EECF244321}">
-                <p14:modId xmlns:p14="http://schemas.microsoft.com/office/powerpoint/2010/main" val="1103613448"/>
+                <p14:modId xmlns:p14="http://schemas.microsoft.com/office/powerpoint/2010/main" val="3005668586"/>
               </p:ext>
             </p:extLst>
           </p:nvPr>
@@ -4705,35 +3046,35 @@
                 <a:gridCol w="1676400">
                   <a:extLst>
                     <a:ext uri="{9D8B030D-6E8A-4147-A177-3AD203B41FA5}">
-                      <a16:colId xmlns="" xmlns:a16="http://schemas.microsoft.com/office/drawing/2014/main" xmlns:a14="http://schemas.microsoft.com/office/drawing/2010/main" xmlns:mc="http://schemas.openxmlformats.org/markup-compatibility/2006" val="914599211"/>
+                      <a16:colId xmlns:mc="http://schemas.openxmlformats.org/markup-compatibility/2006" xmlns:a14="http://schemas.microsoft.com/office/drawing/2010/main" xmlns:a16="http://schemas.microsoft.com/office/drawing/2014/main" xmlns="" val="914599211"/>
                     </a:ext>
                   </a:extLst>
                 </a:gridCol>
                 <a:gridCol w="1676400">
                   <a:extLst>
                     <a:ext uri="{9D8B030D-6E8A-4147-A177-3AD203B41FA5}">
-                      <a16:colId xmlns="" xmlns:a16="http://schemas.microsoft.com/office/drawing/2014/main" xmlns:a14="http://schemas.microsoft.com/office/drawing/2010/main" xmlns:mc="http://schemas.openxmlformats.org/markup-compatibility/2006" val="2182590632"/>
+                      <a16:colId xmlns:mc="http://schemas.openxmlformats.org/markup-compatibility/2006" xmlns:a14="http://schemas.microsoft.com/office/drawing/2010/main" xmlns:a16="http://schemas.microsoft.com/office/drawing/2014/main" xmlns="" val="2182590632"/>
                     </a:ext>
                   </a:extLst>
                 </a:gridCol>
                 <a:gridCol w="1676400">
                   <a:extLst>
                     <a:ext uri="{9D8B030D-6E8A-4147-A177-3AD203B41FA5}">
-                      <a16:colId xmlns="" xmlns:a16="http://schemas.microsoft.com/office/drawing/2014/main" xmlns:a14="http://schemas.microsoft.com/office/drawing/2010/main" xmlns:mc="http://schemas.openxmlformats.org/markup-compatibility/2006" val="3563639581"/>
+                      <a16:colId xmlns:mc="http://schemas.openxmlformats.org/markup-compatibility/2006" xmlns:a14="http://schemas.microsoft.com/office/drawing/2010/main" xmlns:a16="http://schemas.microsoft.com/office/drawing/2014/main" xmlns="" val="3563639581"/>
                     </a:ext>
                   </a:extLst>
                 </a:gridCol>
                 <a:gridCol w="1676400">
                   <a:extLst>
                     <a:ext uri="{9D8B030D-6E8A-4147-A177-3AD203B41FA5}">
-                      <a16:colId xmlns="" xmlns:a16="http://schemas.microsoft.com/office/drawing/2014/main" xmlns:a14="http://schemas.microsoft.com/office/drawing/2010/main" xmlns:mc="http://schemas.openxmlformats.org/markup-compatibility/2006" val="2640529825"/>
+                      <a16:colId xmlns:mc="http://schemas.openxmlformats.org/markup-compatibility/2006" xmlns:a14="http://schemas.microsoft.com/office/drawing/2010/main" xmlns:a16="http://schemas.microsoft.com/office/drawing/2014/main" xmlns="" val="2640529825"/>
                     </a:ext>
                   </a:extLst>
                 </a:gridCol>
                 <a:gridCol w="1676400">
                   <a:extLst>
                     <a:ext uri="{9D8B030D-6E8A-4147-A177-3AD203B41FA5}">
-                      <a16:colId xmlns="" xmlns:a16="http://schemas.microsoft.com/office/drawing/2014/main" xmlns:a14="http://schemas.microsoft.com/office/drawing/2010/main" xmlns:mc="http://schemas.openxmlformats.org/markup-compatibility/2006" val="4291172058"/>
+                      <a16:colId xmlns:mc="http://schemas.openxmlformats.org/markup-compatibility/2006" xmlns:a14="http://schemas.microsoft.com/office/drawing/2010/main" xmlns:a16="http://schemas.microsoft.com/office/drawing/2014/main" xmlns="" val="4291172058"/>
                     </a:ext>
                   </a:extLst>
                 </a:gridCol>
@@ -4847,7 +3188,1744 @@
                       </a:r>
                       <a:r>
                         <a:rPr lang="fr-FR" i="0" baseline="-25000" dirty="0" smtClean="0"/>
-                        <a:t>(l)                 </a:t>
+                        <a:t>(l)             </a:t>
+                      </a:r>
+                      <a:r>
+                        <a:rPr lang="fr-FR" i="0" baseline="-25000" dirty="0" smtClean="0"/>
+                        <a:t>     </a:t>
+                      </a:r>
+                      <a:r>
+                        <a:rPr lang="fr-FR" i="0" baseline="0" dirty="0" smtClean="0"/>
+                        <a:t>=</a:t>
+                      </a:r>
+                      <a:r>
+                        <a:rPr lang="fr-FR" i="0" baseline="-25000" dirty="0" smtClean="0"/>
+                        <a:t>    </a:t>
+                      </a:r>
+                      <a:r>
+                        <a:rPr lang="fr-FR" i="0" dirty="0" smtClean="0"/>
+                        <a:t>CH</a:t>
+                      </a:r>
+                      <a:r>
+                        <a:rPr lang="fr-FR" i="0" baseline="-25000" dirty="0" smtClean="0"/>
+                        <a:t>3</a:t>
+                      </a:r>
+                      <a:r>
+                        <a:rPr lang="fr-FR" i="0" baseline="0" dirty="0" smtClean="0"/>
+                        <a:t>COO</a:t>
+                      </a:r>
+                      <a:r>
+                        <a:rPr lang="fr-FR" i="0" baseline="30000" dirty="0" smtClean="0"/>
+                        <a:t>-</a:t>
+                      </a:r>
+                      <a:r>
+                        <a:rPr lang="fr-FR" i="0" baseline="-25000" dirty="0" smtClean="0"/>
+                        <a:t>(</a:t>
+                      </a:r>
+                      <a:r>
+                        <a:rPr lang="fr-FR" i="0" baseline="-25000" dirty="0" err="1" smtClean="0"/>
+                        <a:t>aq</a:t>
+                      </a:r>
+                      <a:r>
+                        <a:rPr lang="fr-FR" i="0" baseline="-25000" dirty="0" smtClean="0"/>
+                        <a:t>)</a:t>
+                      </a:r>
+                      <a:r>
+                        <a:rPr lang="fr-FR" i="0" baseline="0" dirty="0"/>
+                        <a:t> </a:t>
+                      </a:r>
+                      <a:r>
+                        <a:rPr lang="fr-FR" i="0" baseline="0" dirty="0" smtClean="0"/>
+                        <a:t> </a:t>
+                      </a:r>
+                      <a:r>
+                        <a:rPr lang="fr-FR" i="0" baseline="0" dirty="0" smtClean="0"/>
+                        <a:t>     </a:t>
+                      </a:r>
+                      <a:r>
+                        <a:rPr lang="fr-FR" i="0" baseline="0" dirty="0" smtClean="0"/>
+                        <a:t>+           H</a:t>
+                      </a:r>
+                      <a:r>
+                        <a:rPr lang="fr-FR" i="0" baseline="-25000" dirty="0" smtClean="0"/>
+                        <a:t>3</a:t>
+                      </a:r>
+                      <a:r>
+                        <a:rPr lang="fr-FR" i="0" baseline="0" dirty="0" smtClean="0"/>
+                        <a:t>O</a:t>
+                      </a:r>
+                      <a:r>
+                        <a:rPr lang="fr-FR" i="0" baseline="30000" dirty="0" smtClean="0"/>
+                        <a:t>+</a:t>
+                      </a:r>
+                      <a:r>
+                        <a:rPr lang="fr-FR" i="0" baseline="-25000" dirty="0" smtClean="0"/>
+                        <a:t>(</a:t>
+                      </a:r>
+                      <a:r>
+                        <a:rPr lang="fr-FR" i="0" baseline="-25000" dirty="0" err="1" smtClean="0"/>
+                        <a:t>aq</a:t>
+                      </a:r>
+                      <a:r>
+                        <a:rPr lang="fr-FR" i="0" baseline="-25000" dirty="0" smtClean="0"/>
+                        <a:t>)</a:t>
+                      </a:r>
+                      <a:endParaRPr lang="fr-FR" i="0" dirty="0"/>
+                    </a:p>
+                  </a:txBody>
+                  <a:tcPr>
+                    <a:lnL w="12700" cap="flat" cmpd="sng" algn="ctr">
+                      <a:solidFill>
+                        <a:scrgbClr r="0" g="0" b="0"/>
+                      </a:solidFill>
+                      <a:prstDash val="solid"/>
+                      <a:round/>
+                      <a:headEnd type="none" w="med" len="med"/>
+                      <a:tailEnd type="none" w="med" len="med"/>
+                    </a:lnL>
+                    <a:lnR w="12700" cap="flat" cmpd="sng" algn="ctr">
+                      <a:solidFill>
+                        <a:scrgbClr r="0" g="0" b="0"/>
+                      </a:solidFill>
+                      <a:prstDash val="solid"/>
+                      <a:round/>
+                      <a:headEnd type="none" w="med" len="med"/>
+                      <a:tailEnd type="none" w="med" len="med"/>
+                    </a:lnR>
+                    <a:lnT w="12700" cap="flat" cmpd="sng" algn="ctr">
+                      <a:solidFill>
+                        <a:scrgbClr r="0" g="0" b="0"/>
+                      </a:solidFill>
+                      <a:prstDash val="solid"/>
+                      <a:round/>
+                      <a:headEnd type="none" w="med" len="med"/>
+                      <a:tailEnd type="none" w="med" len="med"/>
+                    </a:lnT>
+                    <a:lnB w="12700" cap="flat" cmpd="sng" algn="ctr">
+                      <a:solidFill>
+                        <a:scrgbClr r="0" g="0" b="0"/>
+                      </a:solidFill>
+                      <a:prstDash val="solid"/>
+                      <a:round/>
+                      <a:headEnd type="none" w="med" len="med"/>
+                      <a:tailEnd type="none" w="med" len="med"/>
+                    </a:lnB>
+                    <a:lnTlToBr w="12700" cmpd="sng">
+                      <a:noFill/>
+                      <a:prstDash val="solid"/>
+                    </a:lnTlToBr>
+                    <a:lnBlToTr w="12700" cmpd="sng">
+                      <a:noFill/>
+                      <a:prstDash val="solid"/>
+                    </a:lnBlToTr>
+                  </a:tcPr>
+                </a:tc>
+                <a:tc hMerge="1">
+                  <a:txBody>
+                    <a:bodyPr/>
+                    <a:lstStyle/>
+                    <a:p>
+                      <a:pPr algn="ctr"/>
+                      <a:endParaRPr lang="fr-FR" sz="2400" i="0" dirty="0"/>
+                    </a:p>
+                  </a:txBody>
+                  <a:tcPr>
+                    <a:lnL w="12700" cap="flat" cmpd="sng" algn="ctr">
+                      <a:noFill/>
+                      <a:prstDash val="solid"/>
+                      <a:round/>
+                      <a:headEnd type="none" w="med" len="med"/>
+                      <a:tailEnd type="none" w="med" len="med"/>
+                    </a:lnL>
+                    <a:lnR w="12700" cap="flat" cmpd="sng" algn="ctr">
+                      <a:noFill/>
+                      <a:prstDash val="solid"/>
+                      <a:round/>
+                      <a:headEnd type="none" w="med" len="med"/>
+                      <a:tailEnd type="none" w="med" len="med"/>
+                    </a:lnR>
+                    <a:lnT w="12700" cap="flat" cmpd="sng" algn="ctr">
+                      <a:solidFill>
+                        <a:scrgbClr r="0" g="0" b="0"/>
+                      </a:solidFill>
+                      <a:prstDash val="solid"/>
+                      <a:round/>
+                      <a:headEnd type="none" w="med" len="med"/>
+                      <a:tailEnd type="none" w="med" len="med"/>
+                    </a:lnT>
+                    <a:lnB w="12700" cap="flat" cmpd="sng" algn="ctr">
+                      <a:solidFill>
+                        <a:scrgbClr r="0" g="0" b="0"/>
+                      </a:solidFill>
+                      <a:prstDash val="solid"/>
+                      <a:round/>
+                      <a:headEnd type="none" w="med" len="med"/>
+                      <a:tailEnd type="none" w="med" len="med"/>
+                    </a:lnB>
+                    <a:lnTlToBr w="12700" cmpd="sng">
+                      <a:noFill/>
+                      <a:prstDash val="solid"/>
+                    </a:lnTlToBr>
+                    <a:lnBlToTr w="12700" cmpd="sng">
+                      <a:noFill/>
+                      <a:prstDash val="solid"/>
+                    </a:lnBlToTr>
+                  </a:tcPr>
+                </a:tc>
+                <a:tc hMerge="1">
+                  <a:txBody>
+                    <a:bodyPr/>
+                    <a:lstStyle/>
+                    <a:p>
+                      <a:pPr algn="ctr"/>
+                      <a:endParaRPr lang="fr-FR" i="0" dirty="0"/>
+                    </a:p>
+                  </a:txBody>
+                  <a:tcPr>
+                    <a:lnL w="12700" cmpd="sng">
+                      <a:noFill/>
+                    </a:lnL>
+                    <a:lnR w="12700" cmpd="sng">
+                      <a:noFill/>
+                    </a:lnR>
+                    <a:lnT w="12700" cap="flat" cmpd="sng" algn="ctr">
+                      <a:solidFill>
+                        <a:scrgbClr r="0" g="0" b="0"/>
+                      </a:solidFill>
+                      <a:prstDash val="solid"/>
+                      <a:round/>
+                      <a:headEnd type="none" w="med" len="med"/>
+                      <a:tailEnd type="none" w="med" len="med"/>
+                    </a:lnT>
+                    <a:lnB w="12700" cap="flat" cmpd="sng" algn="ctr">
+                      <a:solidFill>
+                        <a:scrgbClr r="0" g="0" b="0"/>
+                      </a:solidFill>
+                      <a:prstDash val="solid"/>
+                      <a:round/>
+                      <a:headEnd type="none" w="med" len="med"/>
+                      <a:tailEnd type="none" w="med" len="med"/>
+                    </a:lnB>
+                    <a:lnTlToBr w="12700" cmpd="sng">
+                      <a:noFill/>
+                      <a:prstDash val="solid"/>
+                    </a:lnTlToBr>
+                    <a:lnBlToTr w="12700" cmpd="sng">
+                      <a:noFill/>
+                      <a:prstDash val="solid"/>
+                    </a:lnBlToTr>
+                  </a:tcPr>
+                </a:tc>
+                <a:tc hMerge="1">
+                  <a:txBody>
+                    <a:bodyPr/>
+                    <a:lstStyle/>
+                    <a:p>
+                      <a:pPr algn="ctr"/>
+                      <a:endParaRPr lang="fr-FR" i="0" dirty="0"/>
+                    </a:p>
+                  </a:txBody>
+                  <a:tcPr>
+                    <a:lnL w="12700" cmpd="sng">
+                      <a:noFill/>
+                    </a:lnL>
+                    <a:lnR w="12700" cap="flat" cmpd="sng" algn="ctr">
+                      <a:solidFill>
+                        <a:scrgbClr r="0" g="0" b="0"/>
+                      </a:solidFill>
+                      <a:prstDash val="solid"/>
+                      <a:round/>
+                      <a:headEnd type="none" w="med" len="med"/>
+                      <a:tailEnd type="none" w="med" len="med"/>
+                    </a:lnR>
+                    <a:lnT w="12700" cap="flat" cmpd="sng" algn="ctr">
+                      <a:solidFill>
+                        <a:scrgbClr r="0" g="0" b="0"/>
+                      </a:solidFill>
+                      <a:prstDash val="solid"/>
+                      <a:round/>
+                      <a:headEnd type="none" w="med" len="med"/>
+                      <a:tailEnd type="none" w="med" len="med"/>
+                    </a:lnT>
+                    <a:lnB w="12700" cap="flat" cmpd="sng" algn="ctr">
+                      <a:solidFill>
+                        <a:scrgbClr r="0" g="0" b="0"/>
+                      </a:solidFill>
+                      <a:prstDash val="solid"/>
+                      <a:round/>
+                      <a:headEnd type="none" w="med" len="med"/>
+                      <a:tailEnd type="none" w="med" len="med"/>
+                    </a:lnB>
+                    <a:lnTlToBr w="12700" cmpd="sng">
+                      <a:noFill/>
+                      <a:prstDash val="solid"/>
+                    </a:lnTlToBr>
+                    <a:lnBlToTr w="12700" cmpd="sng">
+                      <a:noFill/>
+                      <a:prstDash val="solid"/>
+                    </a:lnBlToTr>
+                  </a:tcPr>
+                </a:tc>
+                <a:extLst>
+                  <a:ext uri="{0D108BD9-81ED-4DB2-BD59-A6C34878D82A}">
+                    <a16:rowId xmlns:mc="http://schemas.openxmlformats.org/markup-compatibility/2006" xmlns:a14="http://schemas.microsoft.com/office/drawing/2010/main" xmlns:a16="http://schemas.microsoft.com/office/drawing/2014/main" xmlns="" val="2855790831"/>
+                  </a:ext>
+                </a:extLst>
+              </a:tr>
+              <a:tr h="370840">
+                <a:tc>
+                  <a:txBody>
+                    <a:bodyPr/>
+                    <a:lstStyle/>
+                    <a:p>
+                      <a:pPr algn="ctr"/>
+                      <a:r>
+                        <a:rPr lang="fr-FR" i="0" dirty="0"/>
+                        <a:t>Etat initial</a:t>
+                      </a:r>
+                    </a:p>
+                  </a:txBody>
+                  <a:tcPr>
+                    <a:lnT w="12700" cap="flat" cmpd="sng" algn="ctr">
+                      <a:solidFill>
+                        <a:schemeClr val="tx1"/>
+                      </a:solidFill>
+                      <a:prstDash val="solid"/>
+                      <a:round/>
+                      <a:headEnd type="none" w="med" len="med"/>
+                      <a:tailEnd type="none" w="med" len="med"/>
+                    </a:lnT>
+                  </a:tcPr>
+                </a:tc>
+                <a:tc>
+                  <a:txBody>
+                    <a:bodyPr/>
+                    <a:lstStyle/>
+                    <a:p>
+                      <a:pPr algn="ctr"/>
+                      <a:r>
+                        <a:rPr lang="fr-FR" i="0" dirty="0" smtClean="0"/>
+                        <a:t>C</a:t>
+                      </a:r>
+                      <a:r>
+                        <a:rPr lang="fr-FR" i="0" baseline="-25000" dirty="0" smtClean="0"/>
+                        <a:t>0</a:t>
+                      </a:r>
+                      <a:endParaRPr lang="fr-FR" i="0" dirty="0"/>
+                    </a:p>
+                  </a:txBody>
+                  <a:tcPr>
+                    <a:lnT w="12700" cap="flat" cmpd="sng" algn="ctr">
+                      <a:solidFill>
+                        <a:scrgbClr r="0" g="0" b="0"/>
+                      </a:solidFill>
+                      <a:prstDash val="solid"/>
+                      <a:round/>
+                      <a:headEnd type="none" w="med" len="med"/>
+                      <a:tailEnd type="none" w="med" len="med"/>
+                    </a:lnT>
+                  </a:tcPr>
+                </a:tc>
+                <a:tc>
+                  <a:txBody>
+                    <a:bodyPr/>
+                    <a:lstStyle/>
+                    <a:p>
+                      <a:pPr algn="ctr"/>
+                      <a:r>
+                        <a:rPr lang="fr-FR" i="0" dirty="0"/>
+                        <a:t>Excès</a:t>
+                      </a:r>
+                    </a:p>
+                  </a:txBody>
+                  <a:tcPr>
+                    <a:lnT w="12700" cap="flat" cmpd="sng" algn="ctr">
+                      <a:solidFill>
+                        <a:scrgbClr r="0" g="0" b="0"/>
+                      </a:solidFill>
+                      <a:prstDash val="solid"/>
+                      <a:round/>
+                      <a:headEnd type="none" w="med" len="med"/>
+                      <a:tailEnd type="none" w="med" len="med"/>
+                    </a:lnT>
+                  </a:tcPr>
+                </a:tc>
+                <a:tc>
+                  <a:txBody>
+                    <a:bodyPr/>
+                    <a:lstStyle/>
+                    <a:p>
+                      <a:pPr algn="ctr"/>
+                      <a:r>
+                        <a:rPr lang="fr-FR" i="0" dirty="0"/>
+                        <a:t>0</a:t>
+                      </a:r>
+                    </a:p>
+                  </a:txBody>
+                  <a:tcPr>
+                    <a:lnT w="12700" cap="flat" cmpd="sng" algn="ctr">
+                      <a:solidFill>
+                        <a:scrgbClr r="0" g="0" b="0"/>
+                      </a:solidFill>
+                      <a:prstDash val="solid"/>
+                      <a:round/>
+                      <a:headEnd type="none" w="med" len="med"/>
+                      <a:tailEnd type="none" w="med" len="med"/>
+                    </a:lnT>
+                  </a:tcPr>
+                </a:tc>
+                <a:tc>
+                  <a:txBody>
+                    <a:bodyPr/>
+                    <a:lstStyle/>
+                    <a:p>
+                      <a:pPr algn="ctr"/>
+                      <a:r>
+                        <a:rPr lang="fr-FR" i="0" dirty="0"/>
+                        <a:t>0</a:t>
+                      </a:r>
+                    </a:p>
+                  </a:txBody>
+                  <a:tcPr>
+                    <a:lnT w="12700" cap="flat" cmpd="sng" algn="ctr">
+                      <a:solidFill>
+                        <a:scrgbClr r="0" g="0" b="0"/>
+                      </a:solidFill>
+                      <a:prstDash val="solid"/>
+                      <a:round/>
+                      <a:headEnd type="none" w="med" len="med"/>
+                      <a:tailEnd type="none" w="med" len="med"/>
+                    </a:lnT>
+                  </a:tcPr>
+                </a:tc>
+                <a:extLst>
+                  <a:ext uri="{0D108BD9-81ED-4DB2-BD59-A6C34878D82A}">
+                    <a16:rowId xmlns:mc="http://schemas.openxmlformats.org/markup-compatibility/2006" xmlns:a14="http://schemas.microsoft.com/office/drawing/2010/main" xmlns:a16="http://schemas.microsoft.com/office/drawing/2014/main" xmlns="" val="111397599"/>
+                  </a:ext>
+                </a:extLst>
+              </a:tr>
+              <a:tr h="370840">
+                <a:tc>
+                  <a:txBody>
+                    <a:bodyPr/>
+                    <a:lstStyle/>
+                    <a:p>
+                      <a:pPr algn="ctr"/>
+                      <a:r>
+                        <a:rPr lang="fr-FR" i="0" dirty="0"/>
+                        <a:t>Etat final</a:t>
+                      </a:r>
+                    </a:p>
+                  </a:txBody>
+                  <a:tcPr/>
+                </a:tc>
+                <a:tc>
+                  <a:txBody>
+                    <a:bodyPr/>
+                    <a:lstStyle/>
+                    <a:p>
+                      <a:pPr marL="0" marR="0" indent="0" algn="ctr" defTabSz="914400" rtl="0" eaLnBrk="1" fontAlgn="auto" latinLnBrk="0" hangingPunct="1">
+                        <a:lnSpc>
+                          <a:spcPct val="100000"/>
+                        </a:lnSpc>
+                        <a:spcBef>
+                          <a:spcPts val="0"/>
+                        </a:spcBef>
+                        <a:spcAft>
+                          <a:spcPts val="0"/>
+                        </a:spcAft>
+                        <a:buClrTx/>
+                        <a:buSzTx/>
+                        <a:buFontTx/>
+                        <a:buNone/>
+                        <a:tabLst/>
+                        <a:defRPr/>
+                      </a:pPr>
+                      <a:r>
+                        <a:rPr lang="fr-FR" i="0" dirty="0" smtClean="0"/>
+                        <a:t>C</a:t>
+                      </a:r>
+                      <a:r>
+                        <a:rPr lang="fr-FR" i="0" baseline="-25000" dirty="0" smtClean="0"/>
+                        <a:t>0</a:t>
+                      </a:r>
+                      <a:r>
+                        <a:rPr lang="fr-FR" i="0" baseline="0" dirty="0" smtClean="0"/>
+                        <a:t>.(1-α)</a:t>
+                      </a:r>
+                      <a:endParaRPr lang="fr-FR" i="0" dirty="0" smtClean="0"/>
+                    </a:p>
+                    <a:p>
+                      <a:pPr algn="ctr"/>
+                      <a:endParaRPr lang="fr-FR" i="0" dirty="0"/>
+                    </a:p>
+                  </a:txBody>
+                  <a:tcPr/>
+                </a:tc>
+                <a:tc>
+                  <a:txBody>
+                    <a:bodyPr/>
+                    <a:lstStyle/>
+                    <a:p>
+                      <a:pPr algn="ctr"/>
+                      <a:r>
+                        <a:rPr lang="fr-FR" i="0" dirty="0"/>
+                        <a:t>Excès</a:t>
+                      </a:r>
+                    </a:p>
+                  </a:txBody>
+                  <a:tcPr/>
+                </a:tc>
+                <a:tc>
+                  <a:txBody>
+                    <a:bodyPr/>
+                    <a:lstStyle/>
+                    <a:p>
+                      <a:pPr marL="0" marR="0" indent="0" algn="ctr" defTabSz="914400" rtl="0" eaLnBrk="1" fontAlgn="auto" latinLnBrk="0" hangingPunct="1">
+                        <a:lnSpc>
+                          <a:spcPct val="100000"/>
+                        </a:lnSpc>
+                        <a:spcBef>
+                          <a:spcPts val="0"/>
+                        </a:spcBef>
+                        <a:spcAft>
+                          <a:spcPts val="0"/>
+                        </a:spcAft>
+                        <a:buClrTx/>
+                        <a:buSzTx/>
+                        <a:buFontTx/>
+                        <a:buNone/>
+                        <a:tabLst/>
+                        <a:defRPr/>
+                      </a:pPr>
+                      <a:r>
+                        <a:rPr lang="fr-FR" i="0" dirty="0" smtClean="0"/>
+                        <a:t>C</a:t>
+                      </a:r>
+                      <a:r>
+                        <a:rPr lang="fr-FR" i="0" baseline="-25000" dirty="0" smtClean="0"/>
+                        <a:t>0</a:t>
+                      </a:r>
+                      <a:r>
+                        <a:rPr lang="fr-FR" i="0" baseline="0" dirty="0" smtClean="0"/>
+                        <a:t>.α</a:t>
+                      </a:r>
+                      <a:endParaRPr lang="fr-FR" i="0" dirty="0" smtClean="0"/>
+                    </a:p>
+                    <a:p>
+                      <a:pPr algn="ctr"/>
+                      <a:endParaRPr lang="fr-FR" i="0" dirty="0"/>
+                    </a:p>
+                  </a:txBody>
+                  <a:tcPr/>
+                </a:tc>
+                <a:tc>
+                  <a:txBody>
+                    <a:bodyPr/>
+                    <a:lstStyle/>
+                    <a:p>
+                      <a:pPr marL="0" marR="0" indent="0" algn="ctr" defTabSz="914400" rtl="0" eaLnBrk="1" fontAlgn="auto" latinLnBrk="0" hangingPunct="1">
+                        <a:lnSpc>
+                          <a:spcPct val="100000"/>
+                        </a:lnSpc>
+                        <a:spcBef>
+                          <a:spcPts val="0"/>
+                        </a:spcBef>
+                        <a:spcAft>
+                          <a:spcPts val="0"/>
+                        </a:spcAft>
+                        <a:buClrTx/>
+                        <a:buSzTx/>
+                        <a:buFontTx/>
+                        <a:buNone/>
+                        <a:tabLst/>
+                        <a:defRPr/>
+                      </a:pPr>
+                      <a:r>
+                        <a:rPr lang="fr-FR" i="0" dirty="0" smtClean="0"/>
+                        <a:t>C</a:t>
+                      </a:r>
+                      <a:r>
+                        <a:rPr lang="fr-FR" i="0" baseline="-25000" dirty="0" smtClean="0"/>
+                        <a:t>0</a:t>
+                      </a:r>
+                      <a:r>
+                        <a:rPr lang="fr-FR" i="0" baseline="0" dirty="0" smtClean="0"/>
+                        <a:t>.α</a:t>
+                      </a:r>
+                      <a:endParaRPr lang="fr-FR" i="0" dirty="0" smtClean="0"/>
+                    </a:p>
+                    <a:p>
+                      <a:pPr algn="ctr"/>
+                      <a:endParaRPr lang="fr-FR" i="0" dirty="0"/>
+                    </a:p>
+                  </a:txBody>
+                  <a:tcPr/>
+                </a:tc>
+                <a:extLst>
+                  <a:ext uri="{0D108BD9-81ED-4DB2-BD59-A6C34878D82A}">
+                    <a16:rowId xmlns:mc="http://schemas.openxmlformats.org/markup-compatibility/2006" xmlns:a14="http://schemas.microsoft.com/office/drawing/2010/main" xmlns:a16="http://schemas.microsoft.com/office/drawing/2014/main" xmlns="" val="1403580998"/>
+                  </a:ext>
+                </a:extLst>
+              </a:tr>
+            </a:tbl>
+          </a:graphicData>
+        </a:graphic>
+      </p:graphicFrame>
+      <p:sp>
+        <p:nvSpPr>
+          <p:cNvPr id="3" name="ZoneTexte 2"/>
+          <p:cNvSpPr txBox="1"/>
+          <p:nvPr/>
+        </p:nvSpPr>
+        <p:spPr>
+          <a:xfrm>
+            <a:off x="1088541" y="3810194"/>
+            <a:ext cx="3701041" cy="369332"/>
+          </a:xfrm>
+          <a:prstGeom prst="rect">
+            <a:avLst/>
+          </a:prstGeom>
+          <a:noFill/>
+        </p:spPr>
+        <p:txBody>
+          <a:bodyPr wrap="none" rtlCol="0">
+            <a:spAutoFit/>
+          </a:bodyPr>
+          <a:lstStyle/>
+          <a:p>
+            <a:r>
+              <a:rPr lang="fr-FR" i="1" u="sng" dirty="0" smtClean="0"/>
+              <a:t>Tableau d’avancement de la réaction </a:t>
+            </a:r>
+            <a:endParaRPr lang="fr-FR" i="1" u="sng" dirty="0"/>
+          </a:p>
+        </p:txBody>
+      </p:sp>
+    </p:spTree>
+    <p:extLst>
+      <p:ext uri="{BB962C8B-B14F-4D97-AF65-F5344CB8AC3E}">
+        <p14:creationId xmlns:p14="http://schemas.microsoft.com/office/powerpoint/2010/main" val="3072052468"/>
+      </p:ext>
+    </p:extLst>
+  </p:cSld>
+  <p:clrMapOvr>
+    <a:masterClrMapping/>
+  </p:clrMapOvr>
+</p:sld>
+</file>
+
+<file path=ppt/slides/slide11.xml><?xml version="1.0" encoding="utf-8"?>
+<p:sld xmlns:a="http://schemas.openxmlformats.org/drawingml/2006/main" xmlns:r="http://schemas.openxmlformats.org/officeDocument/2006/relationships" xmlns:p="http://schemas.openxmlformats.org/presentationml/2006/main">
+  <p:cSld>
+    <p:spTree>
+      <p:nvGrpSpPr>
+        <p:cNvPr id="1" name=""/>
+        <p:cNvGrpSpPr/>
+        <p:nvPr/>
+      </p:nvGrpSpPr>
+      <p:grpSpPr>
+        <a:xfrm>
+          <a:off x="0" y="0"/>
+          <a:ext cx="0" cy="0"/>
+          <a:chOff x="0" y="0"/>
+          <a:chExt cx="0" cy="0"/>
+        </a:xfrm>
+      </p:grpSpPr>
+      <p:sp>
+        <p:nvSpPr>
+          <p:cNvPr id="2" name="Titre 1">
+            <a:extLst>
+              <a:ext uri="{FF2B5EF4-FFF2-40B4-BE49-F238E27FC236}">
+                <a16:creationId xmlns:a16="http://schemas.microsoft.com/office/drawing/2014/main" xmlns="" id="{29294511-8C00-4FEE-89AA-CA81800E6DBD}"/>
+              </a:ext>
+            </a:extLst>
+          </p:cNvPr>
+          <p:cNvSpPr>
+            <a:spLocks noGrp="1"/>
+          </p:cNvSpPr>
+          <p:nvPr>
+            <p:ph type="title"/>
+          </p:nvPr>
+        </p:nvSpPr>
+        <p:spPr>
+          <a:xfrm>
+            <a:off x="1097280" y="286603"/>
+            <a:ext cx="10058400" cy="901343"/>
+          </a:xfrm>
+        </p:spPr>
+        <p:txBody>
+          <a:bodyPr/>
+          <a:lstStyle/>
+          <a:p>
+            <a:r>
+              <a:rPr lang="fr-FR" dirty="0" smtClean="0"/>
+              <a:t>Détermination de la constante de dissociation de l’acide éthanoïque dans l’eau</a:t>
+            </a:r>
+            <a:endParaRPr lang="fr-FR" dirty="0"/>
+          </a:p>
+        </p:txBody>
+      </p:sp>
+      <p:sp>
+        <p:nvSpPr>
+          <p:cNvPr id="3" name="ZoneTexte 2"/>
+          <p:cNvSpPr txBox="1"/>
+          <p:nvPr/>
+        </p:nvSpPr>
+        <p:spPr>
+          <a:xfrm>
+            <a:off x="431536" y="3299925"/>
+            <a:ext cx="6094750" cy="2031325"/>
+          </a:xfrm>
+          <a:prstGeom prst="rect">
+            <a:avLst/>
+          </a:prstGeom>
+          <a:noFill/>
+        </p:spPr>
+        <p:txBody>
+          <a:bodyPr wrap="none" rtlCol="0">
+            <a:spAutoFit/>
+          </a:bodyPr>
+          <a:lstStyle/>
+          <a:p>
+            <a:r>
+              <a:rPr lang="fr-FR" b="1" u="sng" dirty="0" smtClean="0"/>
+              <a:t>Lois de Kohlrausch </a:t>
+            </a:r>
+            <a:r>
+              <a:rPr lang="fr-FR" dirty="0" smtClean="0"/>
+              <a:t>: </a:t>
+            </a:r>
+            <a:r>
+              <a:rPr lang="fr-FR" dirty="0" err="1" smtClean="0"/>
+              <a:t>σ</a:t>
+            </a:r>
+            <a:r>
+              <a:rPr lang="fr-FR" dirty="0" smtClean="0"/>
+              <a:t> =</a:t>
+            </a:r>
+            <a:r>
+              <a:rPr lang="fr-FR" dirty="0" err="1" smtClean="0"/>
+              <a:t>λ</a:t>
+            </a:r>
+            <a:r>
+              <a:rPr lang="fr-FR" dirty="0" smtClean="0"/>
+              <a:t>(H</a:t>
+            </a:r>
+            <a:r>
+              <a:rPr lang="fr-FR" baseline="-25000" dirty="0" smtClean="0"/>
+              <a:t>3</a:t>
+            </a:r>
+            <a:r>
+              <a:rPr lang="fr-FR" dirty="0" smtClean="0"/>
+              <a:t>O</a:t>
+            </a:r>
+            <a:r>
+              <a:rPr lang="fr-FR" baseline="30000" dirty="0" smtClean="0"/>
+              <a:t>+</a:t>
+            </a:r>
+            <a:r>
+              <a:rPr lang="fr-FR" dirty="0" smtClean="0"/>
+              <a:t>)</a:t>
+            </a:r>
+            <a:r>
+              <a:rPr lang="fr-FR" baseline="30000" dirty="0" smtClean="0"/>
+              <a:t>° </a:t>
+            </a:r>
+            <a:r>
+              <a:rPr lang="fr-FR" dirty="0" smtClean="0"/>
+              <a:t>[H</a:t>
+            </a:r>
+            <a:r>
+              <a:rPr lang="fr-FR" baseline="-25000" dirty="0" smtClean="0"/>
+              <a:t>3</a:t>
+            </a:r>
+            <a:r>
+              <a:rPr lang="fr-FR" dirty="0" smtClean="0"/>
+              <a:t>O</a:t>
+            </a:r>
+            <a:r>
+              <a:rPr lang="fr-FR" baseline="30000" dirty="0" smtClean="0"/>
+              <a:t>+</a:t>
+            </a:r>
+            <a:r>
+              <a:rPr lang="fr-FR" dirty="0" smtClean="0"/>
+              <a:t>] + </a:t>
+            </a:r>
+            <a:r>
+              <a:rPr lang="fr-FR" dirty="0" err="1"/>
+              <a:t>λ</a:t>
+            </a:r>
+            <a:r>
+              <a:rPr lang="fr-FR" dirty="0" smtClean="0"/>
+              <a:t>(CH</a:t>
+            </a:r>
+            <a:r>
+              <a:rPr lang="fr-FR" baseline="-25000" dirty="0" smtClean="0"/>
+              <a:t>3</a:t>
+            </a:r>
+            <a:r>
+              <a:rPr lang="fr-FR" dirty="0" smtClean="0"/>
+              <a:t>COO</a:t>
+            </a:r>
+            <a:r>
+              <a:rPr lang="fr-FR" baseline="30000" dirty="0" smtClean="0"/>
+              <a:t>-</a:t>
+            </a:r>
+            <a:r>
+              <a:rPr lang="fr-FR" dirty="0" smtClean="0"/>
+              <a:t>)</a:t>
+            </a:r>
+            <a:r>
+              <a:rPr lang="fr-FR" baseline="30000" dirty="0"/>
+              <a:t>° </a:t>
+            </a:r>
+            <a:r>
+              <a:rPr lang="fr-FR" dirty="0" smtClean="0"/>
+              <a:t>[</a:t>
+            </a:r>
+            <a:r>
+              <a:rPr lang="fr-FR" dirty="0"/>
+              <a:t>CH</a:t>
+            </a:r>
+            <a:r>
+              <a:rPr lang="fr-FR" baseline="-25000" dirty="0"/>
+              <a:t>3</a:t>
+            </a:r>
+            <a:r>
+              <a:rPr lang="fr-FR" dirty="0"/>
+              <a:t>COO</a:t>
+            </a:r>
+            <a:r>
+              <a:rPr lang="fr-FR" baseline="30000" dirty="0"/>
+              <a:t>-</a:t>
+            </a:r>
+            <a:r>
+              <a:rPr lang="fr-FR" dirty="0" smtClean="0"/>
+              <a:t>]</a:t>
+            </a:r>
+          </a:p>
+          <a:p>
+            <a:endParaRPr lang="fr-FR" dirty="0"/>
+          </a:p>
+          <a:p>
+            <a:r>
+              <a:rPr lang="fr-FR" dirty="0" smtClean="0"/>
+              <a:t>A l’état final :  </a:t>
+            </a:r>
+            <a:r>
+              <a:rPr lang="fr-FR" dirty="0" err="1"/>
+              <a:t>σ</a:t>
+            </a:r>
+            <a:r>
+              <a:rPr lang="fr-FR" dirty="0"/>
+              <a:t> </a:t>
+            </a:r>
+            <a:r>
+              <a:rPr lang="fr-FR" dirty="0" smtClean="0"/>
+              <a:t>= [</a:t>
+            </a:r>
+            <a:r>
+              <a:rPr lang="fr-FR" dirty="0" err="1" smtClean="0"/>
+              <a:t>λ</a:t>
+            </a:r>
+            <a:r>
+              <a:rPr lang="fr-FR" dirty="0"/>
+              <a:t>(H</a:t>
+            </a:r>
+            <a:r>
+              <a:rPr lang="fr-FR" baseline="-25000" dirty="0"/>
+              <a:t>3</a:t>
+            </a:r>
+            <a:r>
+              <a:rPr lang="fr-FR" dirty="0"/>
+              <a:t>O</a:t>
+            </a:r>
+            <a:r>
+              <a:rPr lang="fr-FR" baseline="30000" dirty="0"/>
+              <a:t>+</a:t>
+            </a:r>
+            <a:r>
+              <a:rPr lang="fr-FR" dirty="0"/>
+              <a:t>)</a:t>
+            </a:r>
+            <a:r>
+              <a:rPr lang="fr-FR" baseline="30000" dirty="0" smtClean="0"/>
+              <a:t>° </a:t>
+            </a:r>
+            <a:r>
+              <a:rPr lang="fr-FR" dirty="0" smtClean="0"/>
+              <a:t>+ </a:t>
+            </a:r>
+            <a:r>
+              <a:rPr lang="fr-FR" dirty="0" err="1"/>
+              <a:t>λ</a:t>
+            </a:r>
+            <a:r>
+              <a:rPr lang="fr-FR" dirty="0"/>
+              <a:t>(CH</a:t>
+            </a:r>
+            <a:r>
+              <a:rPr lang="fr-FR" baseline="-25000" dirty="0"/>
+              <a:t>3</a:t>
+            </a:r>
+            <a:r>
+              <a:rPr lang="fr-FR" dirty="0"/>
+              <a:t>COO</a:t>
+            </a:r>
+            <a:r>
+              <a:rPr lang="fr-FR" baseline="30000" dirty="0"/>
+              <a:t>-</a:t>
+            </a:r>
+            <a:r>
+              <a:rPr lang="fr-FR" dirty="0"/>
+              <a:t>)</a:t>
+            </a:r>
+            <a:r>
+              <a:rPr lang="fr-FR" baseline="30000" dirty="0"/>
+              <a:t>° </a:t>
+            </a:r>
+            <a:r>
+              <a:rPr lang="fr-FR" dirty="0" smtClean="0"/>
+              <a:t>].</a:t>
+            </a:r>
+            <a:r>
+              <a:rPr lang="fr-FR" dirty="0"/>
+              <a:t> C</a:t>
+            </a:r>
+            <a:r>
+              <a:rPr lang="fr-FR" baseline="-25000" dirty="0"/>
+              <a:t>0</a:t>
+            </a:r>
+            <a:r>
+              <a:rPr lang="fr-FR" dirty="0"/>
+              <a:t>.</a:t>
+            </a:r>
+            <a:r>
+              <a:rPr lang="fr-FR" dirty="0" smtClean="0"/>
+              <a:t>α</a:t>
+            </a:r>
+          </a:p>
+          <a:p>
+            <a:endParaRPr lang="fr-FR" dirty="0"/>
+          </a:p>
+          <a:p>
+            <a:r>
+              <a:rPr lang="fr-FR" dirty="0" smtClean="0"/>
+              <a:t>D’où α = </a:t>
+            </a:r>
+            <a:r>
+              <a:rPr lang="fr-FR" dirty="0" err="1" smtClean="0"/>
+              <a:t>σ</a:t>
+            </a:r>
+            <a:r>
+              <a:rPr lang="fr-FR" dirty="0" smtClean="0"/>
+              <a:t>/( [</a:t>
+            </a:r>
+            <a:r>
+              <a:rPr lang="fr-FR" dirty="0" err="1" smtClean="0"/>
+              <a:t>λ</a:t>
+            </a:r>
+            <a:r>
+              <a:rPr lang="fr-FR" dirty="0" smtClean="0"/>
+              <a:t>°(</a:t>
+            </a:r>
+            <a:r>
+              <a:rPr lang="fr-FR" dirty="0"/>
+              <a:t>H</a:t>
+            </a:r>
+            <a:r>
+              <a:rPr lang="fr-FR" baseline="-25000" dirty="0"/>
+              <a:t>3</a:t>
+            </a:r>
+            <a:r>
+              <a:rPr lang="fr-FR" dirty="0"/>
+              <a:t>O</a:t>
+            </a:r>
+            <a:r>
+              <a:rPr lang="fr-FR" baseline="30000" dirty="0"/>
+              <a:t>+</a:t>
+            </a:r>
+            <a:r>
+              <a:rPr lang="fr-FR" dirty="0" smtClean="0"/>
+              <a:t>)</a:t>
+            </a:r>
+            <a:r>
+              <a:rPr lang="fr-FR" baseline="30000" dirty="0" smtClean="0"/>
+              <a:t> </a:t>
+            </a:r>
+            <a:r>
+              <a:rPr lang="fr-FR" dirty="0"/>
+              <a:t>+ </a:t>
+            </a:r>
+            <a:r>
+              <a:rPr lang="fr-FR" dirty="0" err="1" smtClean="0"/>
+              <a:t>λ</a:t>
+            </a:r>
+            <a:r>
+              <a:rPr lang="fr-FR" dirty="0" smtClean="0"/>
+              <a:t>°(</a:t>
+            </a:r>
+            <a:r>
+              <a:rPr lang="fr-FR" dirty="0"/>
+              <a:t>CH</a:t>
+            </a:r>
+            <a:r>
+              <a:rPr lang="fr-FR" baseline="-25000" dirty="0"/>
+              <a:t>3</a:t>
+            </a:r>
+            <a:r>
+              <a:rPr lang="fr-FR" dirty="0"/>
+              <a:t>COO</a:t>
+            </a:r>
+            <a:r>
+              <a:rPr lang="fr-FR" baseline="30000" dirty="0"/>
+              <a:t>-</a:t>
+            </a:r>
+            <a:r>
+              <a:rPr lang="fr-FR" dirty="0" smtClean="0"/>
+              <a:t>)]</a:t>
+            </a:r>
+            <a:r>
+              <a:rPr lang="fr-FR" dirty="0" smtClean="0"/>
+              <a:t>.C</a:t>
+            </a:r>
+            <a:r>
+              <a:rPr lang="fr-FR" baseline="-25000" dirty="0" smtClean="0"/>
+              <a:t>0</a:t>
+            </a:r>
+            <a:r>
+              <a:rPr lang="fr-FR" dirty="0" smtClean="0"/>
+              <a:t>)</a:t>
+            </a:r>
+            <a:endParaRPr lang="fr-FR" dirty="0"/>
+          </a:p>
+          <a:p>
+            <a:endParaRPr lang="fr-FR" dirty="0"/>
+          </a:p>
+          <a:p>
+            <a:endParaRPr lang="fr-FR" dirty="0"/>
+          </a:p>
+        </p:txBody>
+      </p:sp>
+      <p:pic>
+        <p:nvPicPr>
+          <p:cNvPr id="6" name="Image 5">
+            <a:extLst>
+              <a:ext uri="{FF2B5EF4-FFF2-40B4-BE49-F238E27FC236}">
+                <a16:creationId xmlns:a16="http://schemas.microsoft.com/office/drawing/2014/main" xmlns="" id="{F27BAB4A-03B5-444C-87D5-A3D98E3C0096}"/>
+              </a:ext>
+            </a:extLst>
+          </p:cNvPr>
+          <p:cNvPicPr>
+            <a:picLocks noChangeAspect="1"/>
+          </p:cNvPicPr>
+          <p:nvPr/>
+        </p:nvPicPr>
+        <p:blipFill>
+          <a:blip r:embed="rId2"/>
+          <a:stretch>
+            <a:fillRect/>
+          </a:stretch>
+        </p:blipFill>
+        <p:spPr>
+          <a:xfrm>
+            <a:off x="6924848" y="2524685"/>
+            <a:ext cx="4772903" cy="3562215"/>
+          </a:xfrm>
+          <a:prstGeom prst="rect">
+            <a:avLst/>
+          </a:prstGeom>
+        </p:spPr>
+      </p:pic>
+      <p:cxnSp>
+        <p:nvCxnSpPr>
+          <p:cNvPr id="7" name="Connecteur en arc 6"/>
+          <p:cNvCxnSpPr>
+            <a:stCxn id="10" idx="0"/>
+          </p:cNvCxnSpPr>
+          <p:nvPr/>
+        </p:nvCxnSpPr>
+        <p:spPr>
+          <a:xfrm rot="16200000" flipH="1" flipV="1">
+            <a:off x="6753162" y="4043712"/>
+            <a:ext cx="1323754" cy="1321029"/>
+          </a:xfrm>
+          <a:prstGeom prst="curvedConnector3">
+            <a:avLst>
+              <a:gd name="adj1" fmla="val -17269"/>
+            </a:avLst>
+          </a:prstGeom>
+          <a:ln>
+            <a:solidFill>
+              <a:schemeClr val="bg1">
+                <a:lumMod val="50000"/>
+              </a:schemeClr>
+            </a:solidFill>
+          </a:ln>
+        </p:spPr>
+        <p:style>
+          <a:lnRef idx="2">
+            <a:schemeClr val="accent1"/>
+          </a:lnRef>
+          <a:fillRef idx="0">
+            <a:schemeClr val="accent1"/>
+          </a:fillRef>
+          <a:effectRef idx="1">
+            <a:schemeClr val="accent1"/>
+          </a:effectRef>
+          <a:fontRef idx="minor">
+            <a:schemeClr val="tx1"/>
+          </a:fontRef>
+        </p:style>
+      </p:cxnSp>
+      <p:sp>
+        <p:nvSpPr>
+          <p:cNvPr id="8" name="ZoneTexte 7"/>
+          <p:cNvSpPr txBox="1"/>
+          <p:nvPr/>
+        </p:nvSpPr>
+        <p:spPr>
+          <a:xfrm>
+            <a:off x="5456657" y="5378909"/>
+            <a:ext cx="1541086" cy="954107"/>
+          </a:xfrm>
+          <a:prstGeom prst="rect">
+            <a:avLst/>
+          </a:prstGeom>
+          <a:noFill/>
+          <a:ln>
+            <a:solidFill>
+              <a:srgbClr val="000000"/>
+            </a:solidFill>
+          </a:ln>
+        </p:spPr>
+        <p:txBody>
+          <a:bodyPr wrap="square" rtlCol="0">
+            <a:spAutoFit/>
+          </a:bodyPr>
+          <a:lstStyle/>
+          <a:p>
+            <a:r>
+              <a:rPr lang="fr-FR" sz="1400" b="1" dirty="0" smtClean="0"/>
+              <a:t>Conductimètre</a:t>
+            </a:r>
+          </a:p>
+          <a:p>
+            <a:r>
+              <a:rPr lang="fr-FR" sz="1400" dirty="0"/>
+              <a:t> </a:t>
+            </a:r>
+            <a:r>
+              <a:rPr lang="fr-FR" sz="1400" dirty="0" err="1"/>
+              <a:t>σ</a:t>
+            </a:r>
+            <a:r>
+              <a:rPr lang="fr-FR" sz="1400" dirty="0"/>
+              <a:t> </a:t>
+            </a:r>
+            <a:r>
+              <a:rPr lang="fr-FR" sz="1400" dirty="0" smtClean="0"/>
+              <a:t>=14,97 mS.m</a:t>
+            </a:r>
+            <a:r>
+              <a:rPr lang="fr-FR" sz="1400" baseline="30000" dirty="0" smtClean="0"/>
+              <a:t>-1</a:t>
+            </a:r>
+            <a:endParaRPr lang="fr-FR" sz="1400" b="1" dirty="0" smtClean="0"/>
+          </a:p>
+          <a:p>
+            <a:endParaRPr lang="fr-FR" sz="1400" b="1" dirty="0"/>
+          </a:p>
+          <a:p>
+            <a:endParaRPr lang="fr-FR" sz="1400" b="1" dirty="0"/>
+          </a:p>
+        </p:txBody>
+      </p:sp>
+      <p:sp>
+        <p:nvSpPr>
+          <p:cNvPr id="10" name="Rectangle 9"/>
+          <p:cNvSpPr/>
+          <p:nvPr/>
+        </p:nvSpPr>
+        <p:spPr>
+          <a:xfrm>
+            <a:off x="8052693" y="4042350"/>
+            <a:ext cx="45719" cy="1071615"/>
+          </a:xfrm>
+          <a:prstGeom prst="rect">
+            <a:avLst/>
+          </a:prstGeom>
+          <a:ln>
+            <a:solidFill>
+              <a:srgbClr val="000000"/>
+            </a:solidFill>
+          </a:ln>
+        </p:spPr>
+        <p:style>
+          <a:lnRef idx="1">
+            <a:schemeClr val="accent1"/>
+          </a:lnRef>
+          <a:fillRef idx="3">
+            <a:schemeClr val="accent1"/>
+          </a:fillRef>
+          <a:effectRef idx="2">
+            <a:schemeClr val="accent1"/>
+          </a:effectRef>
+          <a:fontRef idx="minor">
+            <a:schemeClr val="lt1"/>
+          </a:fontRef>
+        </p:style>
+        <p:txBody>
+          <a:bodyPr rtlCol="0" anchor="ctr"/>
+          <a:lstStyle/>
+          <a:p>
+            <a:pPr algn="ctr"/>
+            <a:endParaRPr lang="fr-FR"/>
+          </a:p>
+        </p:txBody>
+      </p:sp>
+      <p:sp>
+        <p:nvSpPr>
+          <p:cNvPr id="12" name="ZoneTexte 11"/>
+          <p:cNvSpPr txBox="1"/>
+          <p:nvPr/>
+        </p:nvSpPr>
+        <p:spPr>
+          <a:xfrm>
+            <a:off x="9367177" y="3974931"/>
+            <a:ext cx="2021757" cy="307777"/>
+          </a:xfrm>
+          <a:prstGeom prst="rect">
+            <a:avLst/>
+          </a:prstGeom>
+          <a:noFill/>
+        </p:spPr>
+        <p:txBody>
+          <a:bodyPr wrap="none" rtlCol="0">
+            <a:spAutoFit/>
+          </a:bodyPr>
+          <a:lstStyle/>
+          <a:p>
+            <a:r>
+              <a:rPr lang="fr-FR" sz="1400" dirty="0" smtClean="0"/>
+              <a:t>Cellule </a:t>
+            </a:r>
+            <a:r>
+              <a:rPr lang="fr-FR" sz="1400" dirty="0" err="1" smtClean="0"/>
+              <a:t>conductimétrique</a:t>
+            </a:r>
+            <a:endParaRPr lang="fr-FR" sz="1400" dirty="0"/>
+          </a:p>
+        </p:txBody>
+      </p:sp>
+      <p:sp>
+        <p:nvSpPr>
+          <p:cNvPr id="13" name="ZoneTexte 12"/>
+          <p:cNvSpPr txBox="1"/>
+          <p:nvPr/>
+        </p:nvSpPr>
+        <p:spPr>
+          <a:xfrm>
+            <a:off x="9406104" y="4829036"/>
+            <a:ext cx="2236510" cy="738664"/>
+          </a:xfrm>
+          <a:prstGeom prst="rect">
+            <a:avLst/>
+          </a:prstGeom>
+          <a:solidFill>
+            <a:schemeClr val="bg1"/>
+          </a:solidFill>
+          <a:effectLst/>
+        </p:spPr>
+        <p:txBody>
+          <a:bodyPr wrap="none" rtlCol="0">
+            <a:spAutoFit/>
+          </a:bodyPr>
+          <a:lstStyle/>
+          <a:p>
+            <a:r>
+              <a:rPr lang="fr-FR" sz="1400" dirty="0"/>
+              <a:t>Solution d’acide éthanoïque </a:t>
+            </a:r>
+          </a:p>
+          <a:p>
+            <a:r>
+              <a:rPr lang="fr-FR" sz="1400" dirty="0"/>
+              <a:t>à</a:t>
+            </a:r>
+            <a:r>
+              <a:rPr lang="fr-FR" sz="1400" dirty="0"/>
+              <a:t> 10-2 mol/</a:t>
+            </a:r>
+            <a:r>
+              <a:rPr lang="fr-FR" sz="1400" dirty="0" smtClean="0"/>
+              <a:t>L</a:t>
+            </a:r>
+          </a:p>
+          <a:p>
+            <a:endParaRPr lang="fr-FR" sz="1400" dirty="0"/>
+          </a:p>
+        </p:txBody>
+      </p:sp>
+      <p:sp>
+        <p:nvSpPr>
+          <p:cNvPr id="14" name="Rectangle 13"/>
+          <p:cNvSpPr/>
+          <p:nvPr/>
+        </p:nvSpPr>
+        <p:spPr>
+          <a:xfrm>
+            <a:off x="7047600" y="2177253"/>
+            <a:ext cx="4647230" cy="1297978"/>
+          </a:xfrm>
+          <a:prstGeom prst="rect">
+            <a:avLst/>
+          </a:prstGeom>
+          <a:solidFill>
+            <a:srgbClr val="FFFFFF"/>
+          </a:solidFill>
+          <a:ln>
+            <a:noFill/>
+          </a:ln>
+          <a:effectLst/>
+        </p:spPr>
+        <p:style>
+          <a:lnRef idx="1">
+            <a:schemeClr val="accent1"/>
+          </a:lnRef>
+          <a:fillRef idx="3">
+            <a:schemeClr val="accent1"/>
+          </a:fillRef>
+          <a:effectRef idx="2">
+            <a:schemeClr val="accent1"/>
+          </a:effectRef>
+          <a:fontRef idx="minor">
+            <a:schemeClr val="lt1"/>
+          </a:fontRef>
+        </p:style>
+        <p:txBody>
+          <a:bodyPr rtlCol="0" anchor="ctr"/>
+          <a:lstStyle/>
+          <a:p>
+            <a:pPr algn="ctr"/>
+            <a:endParaRPr lang="fr-FR"/>
+          </a:p>
+        </p:txBody>
+      </p:sp>
+      <p:sp>
+        <p:nvSpPr>
+          <p:cNvPr id="15" name="Rectangle 14"/>
+          <p:cNvSpPr/>
+          <p:nvPr/>
+        </p:nvSpPr>
+        <p:spPr>
+          <a:xfrm>
+            <a:off x="8148984" y="3167056"/>
+            <a:ext cx="363959" cy="1787591"/>
+          </a:xfrm>
+          <a:prstGeom prst="rect">
+            <a:avLst/>
+          </a:prstGeom>
+          <a:solidFill>
+            <a:srgbClr val="FFFFFF"/>
+          </a:solidFill>
+          <a:ln>
+            <a:noFill/>
+          </a:ln>
+          <a:effectLst/>
+        </p:spPr>
+        <p:style>
+          <a:lnRef idx="1">
+            <a:schemeClr val="accent1"/>
+          </a:lnRef>
+          <a:fillRef idx="3">
+            <a:schemeClr val="accent1"/>
+          </a:fillRef>
+          <a:effectRef idx="2">
+            <a:schemeClr val="accent1"/>
+          </a:effectRef>
+          <a:fontRef idx="minor">
+            <a:schemeClr val="lt1"/>
+          </a:fontRef>
+        </p:style>
+        <p:txBody>
+          <a:bodyPr rtlCol="0" anchor="ctr"/>
+          <a:lstStyle/>
+          <a:p>
+            <a:pPr algn="ctr"/>
+            <a:endParaRPr lang="fr-FR"/>
+          </a:p>
+        </p:txBody>
+      </p:sp>
+      <p:sp>
+        <p:nvSpPr>
+          <p:cNvPr id="16" name="Rectangle 15"/>
+          <p:cNvSpPr/>
+          <p:nvPr/>
+        </p:nvSpPr>
+        <p:spPr>
+          <a:xfrm flipV="1">
+            <a:off x="7968471" y="4215873"/>
+            <a:ext cx="166744" cy="45719"/>
+          </a:xfrm>
+          <a:prstGeom prst="rect">
+            <a:avLst/>
+          </a:prstGeom>
+          <a:solidFill>
+            <a:srgbClr val="000000"/>
+          </a:solidFill>
+          <a:ln>
+            <a:solidFill>
+              <a:srgbClr val="000000"/>
+            </a:solidFill>
+          </a:ln>
+        </p:spPr>
+        <p:style>
+          <a:lnRef idx="1">
+            <a:schemeClr val="accent1"/>
+          </a:lnRef>
+          <a:fillRef idx="3">
+            <a:schemeClr val="accent1"/>
+          </a:fillRef>
+          <a:effectRef idx="2">
+            <a:schemeClr val="accent1"/>
+          </a:effectRef>
+          <a:fontRef idx="minor">
+            <a:schemeClr val="lt1"/>
+          </a:fontRef>
+        </p:style>
+        <p:txBody>
+          <a:bodyPr rtlCol="0" anchor="ctr"/>
+          <a:lstStyle/>
+          <a:p>
+            <a:pPr algn="ctr"/>
+            <a:endParaRPr lang="fr-FR">
+              <a:solidFill>
+                <a:schemeClr val="tx1"/>
+              </a:solidFill>
+            </a:endParaRPr>
+          </a:p>
+        </p:txBody>
+      </p:sp>
+      <p:sp>
+        <p:nvSpPr>
+          <p:cNvPr id="17" name="Rectangle 16"/>
+          <p:cNvSpPr/>
+          <p:nvPr/>
+        </p:nvSpPr>
+        <p:spPr>
+          <a:xfrm flipV="1">
+            <a:off x="7965650" y="4325940"/>
+            <a:ext cx="166744" cy="45719"/>
+          </a:xfrm>
+          <a:prstGeom prst="rect">
+            <a:avLst/>
+          </a:prstGeom>
+          <a:solidFill>
+            <a:srgbClr val="000000"/>
+          </a:solidFill>
+          <a:ln>
+            <a:solidFill>
+              <a:srgbClr val="000000"/>
+            </a:solidFill>
+          </a:ln>
+        </p:spPr>
+        <p:style>
+          <a:lnRef idx="1">
+            <a:schemeClr val="accent1"/>
+          </a:lnRef>
+          <a:fillRef idx="3">
+            <a:schemeClr val="accent1"/>
+          </a:fillRef>
+          <a:effectRef idx="2">
+            <a:schemeClr val="accent1"/>
+          </a:effectRef>
+          <a:fontRef idx="minor">
+            <a:schemeClr val="lt1"/>
+          </a:fontRef>
+        </p:style>
+        <p:txBody>
+          <a:bodyPr rtlCol="0" anchor="ctr"/>
+          <a:lstStyle/>
+          <a:p>
+            <a:pPr algn="ctr"/>
+            <a:endParaRPr lang="fr-FR">
+              <a:solidFill>
+                <a:schemeClr val="tx1"/>
+              </a:solidFill>
+            </a:endParaRPr>
+          </a:p>
+        </p:txBody>
+      </p:sp>
+      <p:sp>
+        <p:nvSpPr>
+          <p:cNvPr id="18" name="Rectangle 17"/>
+          <p:cNvSpPr/>
+          <p:nvPr/>
+        </p:nvSpPr>
+        <p:spPr>
+          <a:xfrm flipV="1">
+            <a:off x="7173792" y="4270766"/>
+            <a:ext cx="978937" cy="52615"/>
+          </a:xfrm>
+          <a:prstGeom prst="rect">
+            <a:avLst/>
+          </a:prstGeom>
+          <a:solidFill>
+            <a:srgbClr val="000000"/>
+          </a:solidFill>
+          <a:ln>
+            <a:solidFill>
+              <a:srgbClr val="000000"/>
+            </a:solidFill>
+          </a:ln>
+        </p:spPr>
+        <p:style>
+          <a:lnRef idx="1">
+            <a:schemeClr val="accent1"/>
+          </a:lnRef>
+          <a:fillRef idx="3">
+            <a:schemeClr val="accent1"/>
+          </a:fillRef>
+          <a:effectRef idx="2">
+            <a:schemeClr val="accent1"/>
+          </a:effectRef>
+          <a:fontRef idx="minor">
+            <a:schemeClr val="lt1"/>
+          </a:fontRef>
+        </p:style>
+        <p:txBody>
+          <a:bodyPr rtlCol="0" anchor="ctr"/>
+          <a:lstStyle/>
+          <a:p>
+            <a:pPr algn="ctr"/>
+            <a:endParaRPr lang="fr-FR"/>
+          </a:p>
+        </p:txBody>
+      </p:sp>
+      <p:cxnSp>
+        <p:nvCxnSpPr>
+          <p:cNvPr id="19" name="Connecteur droit avec flèche 18"/>
+          <p:cNvCxnSpPr/>
+          <p:nvPr/>
+        </p:nvCxnSpPr>
+        <p:spPr>
+          <a:xfrm flipH="1">
+            <a:off x="8149965" y="4124525"/>
+            <a:ext cx="1095200" cy="0"/>
+          </a:xfrm>
+          <a:prstGeom prst="straightConnector1">
+            <a:avLst/>
+          </a:prstGeom>
+          <a:ln w="9525" cmpd="sng">
+            <a:solidFill>
+              <a:srgbClr val="000000"/>
+            </a:solidFill>
+            <a:tailEnd type="arrow"/>
+          </a:ln>
+        </p:spPr>
+        <p:style>
+          <a:lnRef idx="2">
+            <a:schemeClr val="accent1"/>
+          </a:lnRef>
+          <a:fillRef idx="0">
+            <a:schemeClr val="accent1"/>
+          </a:fillRef>
+          <a:effectRef idx="1">
+            <a:schemeClr val="accent1"/>
+          </a:effectRef>
+          <a:fontRef idx="minor">
+            <a:schemeClr val="tx1"/>
+          </a:fontRef>
+        </p:style>
+      </p:cxnSp>
+      <p:graphicFrame>
+        <p:nvGraphicFramePr>
+          <p:cNvPr id="5" name="Tableau 5">
+            <a:extLst>
+              <a:ext uri="{FF2B5EF4-FFF2-40B4-BE49-F238E27FC236}">
+                <a16:creationId xmlns:mc="http://schemas.openxmlformats.org/markup-compatibility/2006" xmlns:a14="http://schemas.microsoft.com/office/drawing/2010/main" xmlns:a16="http://schemas.microsoft.com/office/drawing/2014/main" xmlns="" id="{C2FF4942-3872-4E80-A10D-8F4A84A5642F}"/>
+              </a:ext>
+            </a:extLst>
+          </p:cNvPr>
+          <p:cNvGraphicFramePr>
+            <a:graphicFrameLocks noGrp="1"/>
+          </p:cNvGraphicFramePr>
+          <p:nvPr>
+            <p:ph idx="1"/>
+            <p:extLst>
+              <p:ext uri="{D42A27DB-BD31-4B8C-83A1-F6EECF244321}">
+                <p14:modId xmlns:p14="http://schemas.microsoft.com/office/powerpoint/2010/main" val="3539147766"/>
+              </p:ext>
+            </p:extLst>
+          </p:nvPr>
+        </p:nvGraphicFramePr>
+        <p:xfrm>
+          <a:off x="790256" y="1496300"/>
+          <a:ext cx="8197179" cy="1381760"/>
+        </p:xfrm>
+        <a:graphic>
+          <a:graphicData uri="http://schemas.openxmlformats.org/drawingml/2006/table">
+            <a:tbl>
+              <a:tblPr firstRow="1" bandRow="1">
+                <a:tableStyleId>{5940675A-B579-460E-94D1-54222C63F5DA}</a:tableStyleId>
+              </a:tblPr>
+              <a:tblGrid>
+                <a:gridCol w="1676400">
+                  <a:extLst>
+                    <a:ext uri="{9D8B030D-6E8A-4147-A177-3AD203B41FA5}">
+                      <a16:colId xmlns:mc="http://schemas.openxmlformats.org/markup-compatibility/2006" xmlns:a14="http://schemas.microsoft.com/office/drawing/2010/main" xmlns:a16="http://schemas.microsoft.com/office/drawing/2014/main" xmlns="" val="914599211"/>
+                    </a:ext>
+                  </a:extLst>
+                </a:gridCol>
+                <a:gridCol w="1676400">
+                  <a:extLst>
+                    <a:ext uri="{9D8B030D-6E8A-4147-A177-3AD203B41FA5}">
+                      <a16:colId xmlns:mc="http://schemas.openxmlformats.org/markup-compatibility/2006" xmlns:a14="http://schemas.microsoft.com/office/drawing/2010/main" xmlns:a16="http://schemas.microsoft.com/office/drawing/2014/main" xmlns="" val="2182590632"/>
+                    </a:ext>
+                  </a:extLst>
+                </a:gridCol>
+                <a:gridCol w="1313601">
+                  <a:extLst>
+                    <a:ext uri="{9D8B030D-6E8A-4147-A177-3AD203B41FA5}">
+                      <a16:colId xmlns:mc="http://schemas.openxmlformats.org/markup-compatibility/2006" xmlns:a14="http://schemas.microsoft.com/office/drawing/2010/main" xmlns:a16="http://schemas.microsoft.com/office/drawing/2014/main" xmlns="" val="3563639581"/>
+                    </a:ext>
+                  </a:extLst>
+                </a:gridCol>
+                <a:gridCol w="1618855">
+                  <a:extLst>
+                    <a:ext uri="{9D8B030D-6E8A-4147-A177-3AD203B41FA5}">
+                      <a16:colId xmlns:mc="http://schemas.openxmlformats.org/markup-compatibility/2006" xmlns:a14="http://schemas.microsoft.com/office/drawing/2010/main" xmlns:a16="http://schemas.microsoft.com/office/drawing/2014/main" xmlns="" val="2640529825"/>
+                    </a:ext>
+                  </a:extLst>
+                </a:gridCol>
+                <a:gridCol w="1911923">
+                  <a:extLst>
+                    <a:ext uri="{9D8B030D-6E8A-4147-A177-3AD203B41FA5}">
+                      <a16:colId xmlns:mc="http://schemas.openxmlformats.org/markup-compatibility/2006" xmlns:a14="http://schemas.microsoft.com/office/drawing/2010/main" xmlns:a16="http://schemas.microsoft.com/office/drawing/2014/main" xmlns="" val="4291172058"/>
+                    </a:ext>
+                  </a:extLst>
+                </a:gridCol>
+              </a:tblGrid>
+              <a:tr h="370840">
+                <a:tc>
+                  <a:txBody>
+                    <a:bodyPr/>
+                    <a:lstStyle/>
+                    <a:p>
+                      <a:pPr algn="ctr"/>
+                      <a:endParaRPr lang="fr-FR" i="0" dirty="0"/>
+                    </a:p>
+                  </a:txBody>
+                  <a:tcPr>
+                    <a:lnL w="12700" cap="flat" cmpd="sng" algn="ctr">
+                      <a:solidFill>
+                        <a:schemeClr val="tx1"/>
+                      </a:solidFill>
+                      <a:prstDash val="solid"/>
+                      <a:round/>
+                      <a:headEnd type="none" w="med" len="med"/>
+                      <a:tailEnd type="none" w="med" len="med"/>
+                    </a:lnL>
+                    <a:lnR w="12700" cap="flat" cmpd="sng" algn="ctr">
+                      <a:solidFill>
+                        <a:scrgbClr r="0" g="0" b="0"/>
+                      </a:solidFill>
+                      <a:prstDash val="solid"/>
+                      <a:round/>
+                      <a:headEnd type="none" w="med" len="med"/>
+                      <a:tailEnd type="none" w="med" len="med"/>
+                    </a:lnR>
+                    <a:lnT w="12700" cap="flat" cmpd="sng" algn="ctr">
+                      <a:solidFill>
+                        <a:schemeClr val="tx1"/>
+                      </a:solidFill>
+                      <a:prstDash val="solid"/>
+                      <a:round/>
+                      <a:headEnd type="none" w="med" len="med"/>
+                      <a:tailEnd type="none" w="med" len="med"/>
+                    </a:lnT>
+                    <a:lnB w="12700" cap="flat" cmpd="sng" algn="ctr">
+                      <a:solidFill>
+                        <a:schemeClr val="tx1"/>
+                      </a:solidFill>
+                      <a:prstDash val="solid"/>
+                      <a:round/>
+                      <a:headEnd type="none" w="med" len="med"/>
+                      <a:tailEnd type="none" w="med" len="med"/>
+                    </a:lnB>
+                    <a:lnTlToBr w="12700" cmpd="sng">
+                      <a:noFill/>
+                      <a:prstDash val="solid"/>
+                    </a:lnTlToBr>
+                    <a:lnBlToTr w="12700" cmpd="sng">
+                      <a:noFill/>
+                      <a:prstDash val="solid"/>
+                    </a:lnBlToTr>
+                  </a:tcPr>
+                </a:tc>
+                <a:tc gridSpan="4">
+                  <a:txBody>
+                    <a:bodyPr/>
+                    <a:lstStyle/>
+                    <a:p>
+                      <a:pPr algn="l"/>
+                      <a:r>
+                        <a:rPr lang="fr-FR" i="0" dirty="0" smtClean="0"/>
+                        <a:t>    CH</a:t>
+                      </a:r>
+                      <a:r>
+                        <a:rPr lang="fr-FR" i="0" baseline="-25000" dirty="0" smtClean="0"/>
+                        <a:t>3</a:t>
+                      </a:r>
+                      <a:r>
+                        <a:rPr lang="fr-FR" i="0" baseline="0" dirty="0" smtClean="0"/>
+                        <a:t>COOH</a:t>
+                      </a:r>
+                      <a:r>
+                        <a:rPr lang="fr-FR" i="0" baseline="-25000" dirty="0" smtClean="0"/>
+                        <a:t>(</a:t>
+                      </a:r>
+                      <a:r>
+                        <a:rPr lang="fr-FR" i="0" baseline="-25000" dirty="0" err="1" smtClean="0"/>
+                        <a:t>aq</a:t>
+                      </a:r>
+                      <a:r>
+                        <a:rPr lang="fr-FR" i="0" baseline="-25000" dirty="0" smtClean="0"/>
+                        <a:t>)</a:t>
+                      </a:r>
+                      <a:r>
+                        <a:rPr lang="fr-FR" i="0" baseline="0" dirty="0"/>
+                        <a:t> </a:t>
+                      </a:r>
+                      <a:r>
+                        <a:rPr lang="fr-FR" i="0" baseline="0" dirty="0" smtClean="0"/>
+                        <a:t>  +         </a:t>
+                      </a:r>
+                      <a:r>
+                        <a:rPr lang="fr-FR" i="0" dirty="0" smtClean="0"/>
+                        <a:t>H</a:t>
+                      </a:r>
+                      <a:r>
+                        <a:rPr lang="fr-FR" i="0" baseline="-25000" dirty="0" smtClean="0"/>
+                        <a:t>2</a:t>
+                      </a:r>
+                      <a:r>
+                        <a:rPr lang="fr-FR" i="0" baseline="0" dirty="0" smtClean="0"/>
+                        <a:t>O</a:t>
+                      </a:r>
+                      <a:r>
+                        <a:rPr lang="fr-FR" i="0" baseline="-25000" dirty="0" smtClean="0"/>
+                        <a:t>(l)        </a:t>
+                      </a:r>
+                      <a:r>
+                        <a:rPr lang="fr-FR" i="0" baseline="0" dirty="0" smtClean="0"/>
+                        <a:t>=</a:t>
+                      </a:r>
+                      <a:r>
+                        <a:rPr lang="fr-FR" i="0" baseline="-25000" dirty="0" smtClean="0"/>
+                        <a:t>        </a:t>
                       </a:r>
                       <a:r>
                         <a:rPr lang="fr-FR" i="0" dirty="0" smtClean="0"/>
@@ -5107,7 +5185,7 @@
                 </a:tc>
                 <a:extLst>
                   <a:ext uri="{0D108BD9-81ED-4DB2-BD59-A6C34878D82A}">
-                    <a16:rowId xmlns="" xmlns:a16="http://schemas.microsoft.com/office/drawing/2014/main" xmlns:a14="http://schemas.microsoft.com/office/drawing/2010/main" xmlns:mc="http://schemas.openxmlformats.org/markup-compatibility/2006" val="2855790831"/>
+                    <a16:rowId xmlns:mc="http://schemas.openxmlformats.org/markup-compatibility/2006" xmlns:a14="http://schemas.microsoft.com/office/drawing/2010/main" xmlns:a16="http://schemas.microsoft.com/office/drawing/2014/main" xmlns="" val="2855790831"/>
                   </a:ext>
                 </a:extLst>
               </a:tr>
@@ -5239,7 +5317,7 @@
                 </a:tc>
                 <a:extLst>
                   <a:ext uri="{0D108BD9-81ED-4DB2-BD59-A6C34878D82A}">
-                    <a16:rowId xmlns="" xmlns:a16="http://schemas.microsoft.com/office/drawing/2014/main" xmlns:a14="http://schemas.microsoft.com/office/drawing/2010/main" xmlns:mc="http://schemas.openxmlformats.org/markup-compatibility/2006" val="111397599"/>
+                    <a16:rowId xmlns:mc="http://schemas.openxmlformats.org/markup-compatibility/2006" xmlns:a14="http://schemas.microsoft.com/office/drawing/2010/main" xmlns:a16="http://schemas.microsoft.com/office/drawing/2014/main" xmlns="" val="111397599"/>
                   </a:ext>
                 </a:extLst>
               </a:tr>
@@ -5380,756 +5458,6 @@
                         <a:tabLst/>
                         <a:defRPr/>
                       </a:pPr>
-                      <a:endParaRPr lang="fr-FR" i="0" dirty="0" smtClean="0"/>
-                    </a:p>
-                    <a:p>
-                      <a:pPr algn="ctr"/>
-                      <a:endParaRPr lang="fr-FR" i="0" dirty="0"/>
-                    </a:p>
-                  </a:txBody>
-                  <a:tcPr/>
-                </a:tc>
-                <a:extLst>
-                  <a:ext uri="{0D108BD9-81ED-4DB2-BD59-A6C34878D82A}">
-                    <a16:rowId xmlns="" xmlns:a16="http://schemas.microsoft.com/office/drawing/2014/main" xmlns:a14="http://schemas.microsoft.com/office/drawing/2010/main" xmlns:mc="http://schemas.openxmlformats.org/markup-compatibility/2006" val="1403580998"/>
-                  </a:ext>
-                </a:extLst>
-              </a:tr>
-            </a:tbl>
-          </a:graphicData>
-        </a:graphic>
-      </p:graphicFrame>
-    </p:spTree>
-    <p:extLst>
-      <p:ext uri="{BB962C8B-B14F-4D97-AF65-F5344CB8AC3E}">
-        <p14:creationId xmlns:p14="http://schemas.microsoft.com/office/powerpoint/2010/main" val="3072052468"/>
-      </p:ext>
-    </p:extLst>
-  </p:cSld>
-  <p:clrMapOvr>
-    <a:masterClrMapping/>
-  </p:clrMapOvr>
-</p:sld>
-</file>
-
-<file path=ppt/slides/slide7.xml><?xml version="1.0" encoding="utf-8"?>
-<p:sld xmlns:a="http://schemas.openxmlformats.org/drawingml/2006/main" xmlns:r="http://schemas.openxmlformats.org/officeDocument/2006/relationships" xmlns:p="http://schemas.openxmlformats.org/presentationml/2006/main">
-  <p:cSld>
-    <p:spTree>
-      <p:nvGrpSpPr>
-        <p:cNvPr id="1" name=""/>
-        <p:cNvGrpSpPr/>
-        <p:nvPr/>
-      </p:nvGrpSpPr>
-      <p:grpSpPr>
-        <a:xfrm>
-          <a:off x="0" y="0"/>
-          <a:ext cx="0" cy="0"/>
-          <a:chOff x="0" y="0"/>
-          <a:chExt cx="0" cy="0"/>
-        </a:xfrm>
-      </p:grpSpPr>
-      <p:sp>
-        <p:nvSpPr>
-          <p:cNvPr id="2" name="Titre 1">
-            <a:extLst>
-              <a:ext uri="{FF2B5EF4-FFF2-40B4-BE49-F238E27FC236}">
-                <a16:creationId xmlns="" xmlns:a16="http://schemas.microsoft.com/office/drawing/2014/main" id="{29294511-8C00-4FEE-89AA-CA81800E6DBD}"/>
-              </a:ext>
-            </a:extLst>
-          </p:cNvPr>
-          <p:cNvSpPr>
-            <a:spLocks noGrp="1"/>
-          </p:cNvSpPr>
-          <p:nvPr>
-            <p:ph type="title"/>
-          </p:nvPr>
-        </p:nvSpPr>
-        <p:spPr>
-          <a:xfrm>
-            <a:off x="1097280" y="286603"/>
-            <a:ext cx="10058400" cy="901343"/>
-          </a:xfrm>
-        </p:spPr>
-        <p:txBody>
-          <a:bodyPr/>
-          <a:lstStyle/>
-          <a:p>
-            <a:r>
-              <a:rPr lang="fr-FR" dirty="0" smtClean="0"/>
-              <a:t>Détermination de la constante de dissociation de l’acide éthanoïque dans l’eau</a:t>
-            </a:r>
-            <a:endParaRPr lang="fr-FR" dirty="0"/>
-          </a:p>
-        </p:txBody>
-      </p:sp>
-      <p:graphicFrame>
-        <p:nvGraphicFramePr>
-          <p:cNvPr id="5" name="Tableau 5">
-            <a:extLst>
-              <a:ext uri="{FF2B5EF4-FFF2-40B4-BE49-F238E27FC236}">
-                <a16:creationId xmlns="" xmlns:a16="http://schemas.microsoft.com/office/drawing/2014/main" xmlns:a14="http://schemas.microsoft.com/office/drawing/2010/main" xmlns:mc="http://schemas.openxmlformats.org/markup-compatibility/2006" id="{C2FF4942-3872-4E80-A10D-8F4A84A5642F}"/>
-              </a:ext>
-            </a:extLst>
-          </p:cNvPr>
-          <p:cNvGraphicFramePr>
-            <a:graphicFrameLocks noGrp="1"/>
-          </p:cNvGraphicFramePr>
-          <p:nvPr>
-            <p:ph idx="1"/>
-            <p:extLst>
-              <p:ext uri="{D42A27DB-BD31-4B8C-83A1-F6EECF244321}">
-                <p14:modId xmlns:p14="http://schemas.microsoft.com/office/powerpoint/2010/main" val="456776264"/>
-              </p:ext>
-            </p:extLst>
-          </p:nvPr>
-        </p:nvGraphicFramePr>
-        <p:xfrm>
-          <a:off x="1097280" y="2152268"/>
-          <a:ext cx="8382000" cy="1381760"/>
-        </p:xfrm>
-        <a:graphic>
-          <a:graphicData uri="http://schemas.openxmlformats.org/drawingml/2006/table">
-            <a:tbl>
-              <a:tblPr firstRow="1" bandRow="1">
-                <a:tableStyleId>{5940675A-B579-460E-94D1-54222C63F5DA}</a:tableStyleId>
-              </a:tblPr>
-              <a:tblGrid>
-                <a:gridCol w="1676400">
-                  <a:extLst>
-                    <a:ext uri="{9D8B030D-6E8A-4147-A177-3AD203B41FA5}">
-                      <a16:colId xmlns="" xmlns:a16="http://schemas.microsoft.com/office/drawing/2014/main" xmlns:a14="http://schemas.microsoft.com/office/drawing/2010/main" xmlns:mc="http://schemas.openxmlformats.org/markup-compatibility/2006" val="914599211"/>
-                    </a:ext>
-                  </a:extLst>
-                </a:gridCol>
-                <a:gridCol w="1676400">
-                  <a:extLst>
-                    <a:ext uri="{9D8B030D-6E8A-4147-A177-3AD203B41FA5}">
-                      <a16:colId xmlns="" xmlns:a16="http://schemas.microsoft.com/office/drawing/2014/main" xmlns:a14="http://schemas.microsoft.com/office/drawing/2010/main" xmlns:mc="http://schemas.openxmlformats.org/markup-compatibility/2006" val="2182590632"/>
-                    </a:ext>
-                  </a:extLst>
-                </a:gridCol>
-                <a:gridCol w="1676400">
-                  <a:extLst>
-                    <a:ext uri="{9D8B030D-6E8A-4147-A177-3AD203B41FA5}">
-                      <a16:colId xmlns="" xmlns:a16="http://schemas.microsoft.com/office/drawing/2014/main" xmlns:a14="http://schemas.microsoft.com/office/drawing/2010/main" xmlns:mc="http://schemas.openxmlformats.org/markup-compatibility/2006" val="3563639581"/>
-                    </a:ext>
-                  </a:extLst>
-                </a:gridCol>
-                <a:gridCol w="1676400">
-                  <a:extLst>
-                    <a:ext uri="{9D8B030D-6E8A-4147-A177-3AD203B41FA5}">
-                      <a16:colId xmlns="" xmlns:a16="http://schemas.microsoft.com/office/drawing/2014/main" xmlns:a14="http://schemas.microsoft.com/office/drawing/2010/main" xmlns:mc="http://schemas.openxmlformats.org/markup-compatibility/2006" val="2640529825"/>
-                    </a:ext>
-                  </a:extLst>
-                </a:gridCol>
-                <a:gridCol w="1676400">
-                  <a:extLst>
-                    <a:ext uri="{9D8B030D-6E8A-4147-A177-3AD203B41FA5}">
-                      <a16:colId xmlns="" xmlns:a16="http://schemas.microsoft.com/office/drawing/2014/main" xmlns:a14="http://schemas.microsoft.com/office/drawing/2010/main" xmlns:mc="http://schemas.openxmlformats.org/markup-compatibility/2006" val="4291172058"/>
-                    </a:ext>
-                  </a:extLst>
-                </a:gridCol>
-              </a:tblGrid>
-              <a:tr h="370840">
-                <a:tc>
-                  <a:txBody>
-                    <a:bodyPr/>
-                    <a:lstStyle/>
-                    <a:p>
-                      <a:pPr algn="ctr"/>
-                      <a:endParaRPr lang="fr-FR" i="0" dirty="0"/>
-                    </a:p>
-                  </a:txBody>
-                  <a:tcPr>
-                    <a:lnL w="12700" cap="flat" cmpd="sng" algn="ctr">
-                      <a:solidFill>
-                        <a:schemeClr val="tx1"/>
-                      </a:solidFill>
-                      <a:prstDash val="solid"/>
-                      <a:round/>
-                      <a:headEnd type="none" w="med" len="med"/>
-                      <a:tailEnd type="none" w="med" len="med"/>
-                    </a:lnL>
-                    <a:lnR w="12700" cap="flat" cmpd="sng" algn="ctr">
-                      <a:solidFill>
-                        <a:scrgbClr r="0" g="0" b="0"/>
-                      </a:solidFill>
-                      <a:prstDash val="solid"/>
-                      <a:round/>
-                      <a:headEnd type="none" w="med" len="med"/>
-                      <a:tailEnd type="none" w="med" len="med"/>
-                    </a:lnR>
-                    <a:lnT w="12700" cap="flat" cmpd="sng" algn="ctr">
-                      <a:solidFill>
-                        <a:schemeClr val="tx1"/>
-                      </a:solidFill>
-                      <a:prstDash val="solid"/>
-                      <a:round/>
-                      <a:headEnd type="none" w="med" len="med"/>
-                      <a:tailEnd type="none" w="med" len="med"/>
-                    </a:lnT>
-                    <a:lnB w="12700" cap="flat" cmpd="sng" algn="ctr">
-                      <a:solidFill>
-                        <a:schemeClr val="tx1"/>
-                      </a:solidFill>
-                      <a:prstDash val="solid"/>
-                      <a:round/>
-                      <a:headEnd type="none" w="med" len="med"/>
-                      <a:tailEnd type="none" w="med" len="med"/>
-                    </a:lnB>
-                    <a:lnTlToBr w="12700" cmpd="sng">
-                      <a:noFill/>
-                      <a:prstDash val="solid"/>
-                    </a:lnTlToBr>
-                    <a:lnBlToTr w="12700" cmpd="sng">
-                      <a:noFill/>
-                      <a:prstDash val="solid"/>
-                    </a:lnBlToTr>
-                  </a:tcPr>
-                </a:tc>
-                <a:tc gridSpan="4">
-                  <a:txBody>
-                    <a:bodyPr/>
-                    <a:lstStyle/>
-                    <a:p>
-                      <a:pPr algn="l"/>
-                      <a:r>
-                        <a:rPr lang="fr-FR" i="0" dirty="0" smtClean="0"/>
-                        <a:t>    CH</a:t>
-                      </a:r>
-                      <a:r>
-                        <a:rPr lang="fr-FR" i="0" baseline="-25000" dirty="0" smtClean="0"/>
-                        <a:t>3</a:t>
-                      </a:r>
-                      <a:r>
-                        <a:rPr lang="fr-FR" i="0" baseline="0" dirty="0" smtClean="0"/>
-                        <a:t>COOH</a:t>
-                      </a:r>
-                      <a:r>
-                        <a:rPr lang="fr-FR" i="0" baseline="-25000" dirty="0" smtClean="0"/>
-                        <a:t>(</a:t>
-                      </a:r>
-                      <a:r>
-                        <a:rPr lang="fr-FR" i="0" baseline="-25000" dirty="0" err="1" smtClean="0"/>
-                        <a:t>aq</a:t>
-                      </a:r>
-                      <a:r>
-                        <a:rPr lang="fr-FR" i="0" baseline="-25000" dirty="0" smtClean="0"/>
-                        <a:t>)</a:t>
-                      </a:r>
-                      <a:r>
-                        <a:rPr lang="fr-FR" i="0" baseline="0" dirty="0"/>
-                        <a:t> </a:t>
-                      </a:r>
-                      <a:r>
-                        <a:rPr lang="fr-FR" i="0" baseline="0" dirty="0" smtClean="0"/>
-                        <a:t>  +         </a:t>
-                      </a:r>
-                      <a:r>
-                        <a:rPr lang="fr-FR" i="0" dirty="0" smtClean="0"/>
-                        <a:t>H</a:t>
-                      </a:r>
-                      <a:r>
-                        <a:rPr lang="fr-FR" i="0" baseline="-25000" dirty="0" smtClean="0"/>
-                        <a:t>2</a:t>
-                      </a:r>
-                      <a:r>
-                        <a:rPr lang="fr-FR" i="0" baseline="0" dirty="0" smtClean="0"/>
-                        <a:t>O</a:t>
-                      </a:r>
-                      <a:r>
-                        <a:rPr lang="fr-FR" i="0" baseline="-25000" dirty="0" smtClean="0"/>
-                        <a:t>(l)                 </a:t>
-                      </a:r>
-                      <a:r>
-                        <a:rPr lang="fr-FR" i="0" dirty="0" smtClean="0"/>
-                        <a:t>CH</a:t>
-                      </a:r>
-                      <a:r>
-                        <a:rPr lang="fr-FR" i="0" baseline="-25000" dirty="0" smtClean="0"/>
-                        <a:t>3</a:t>
-                      </a:r>
-                      <a:r>
-                        <a:rPr lang="fr-FR" i="0" baseline="0" dirty="0" smtClean="0"/>
-                        <a:t>COO</a:t>
-                      </a:r>
-                      <a:r>
-                        <a:rPr lang="fr-FR" i="0" baseline="30000" dirty="0" smtClean="0"/>
-                        <a:t>-</a:t>
-                      </a:r>
-                      <a:r>
-                        <a:rPr lang="fr-FR" i="0" baseline="-25000" dirty="0" smtClean="0"/>
-                        <a:t>(</a:t>
-                      </a:r>
-                      <a:r>
-                        <a:rPr lang="fr-FR" i="0" baseline="-25000" dirty="0" err="1" smtClean="0"/>
-                        <a:t>aq</a:t>
-                      </a:r>
-                      <a:r>
-                        <a:rPr lang="fr-FR" i="0" baseline="-25000" dirty="0" smtClean="0"/>
-                        <a:t>)</a:t>
-                      </a:r>
-                      <a:r>
-                        <a:rPr lang="fr-FR" i="0" baseline="0" dirty="0"/>
-                        <a:t> </a:t>
-                      </a:r>
-                      <a:r>
-                        <a:rPr lang="fr-FR" i="0" baseline="0" dirty="0" smtClean="0"/>
-                        <a:t>  +           H</a:t>
-                      </a:r>
-                      <a:r>
-                        <a:rPr lang="fr-FR" i="0" baseline="-25000" dirty="0" smtClean="0"/>
-                        <a:t>3</a:t>
-                      </a:r>
-                      <a:r>
-                        <a:rPr lang="fr-FR" i="0" baseline="0" dirty="0" smtClean="0"/>
-                        <a:t>O</a:t>
-                      </a:r>
-                      <a:r>
-                        <a:rPr lang="fr-FR" i="0" baseline="30000" dirty="0" smtClean="0"/>
-                        <a:t>+</a:t>
-                      </a:r>
-                      <a:r>
-                        <a:rPr lang="fr-FR" i="0" baseline="-25000" dirty="0" smtClean="0"/>
-                        <a:t>(</a:t>
-                      </a:r>
-                      <a:r>
-                        <a:rPr lang="fr-FR" i="0" baseline="-25000" dirty="0" err="1" smtClean="0"/>
-                        <a:t>aq</a:t>
-                      </a:r>
-                      <a:r>
-                        <a:rPr lang="fr-FR" i="0" baseline="-25000" dirty="0" smtClean="0"/>
-                        <a:t>)</a:t>
-                      </a:r>
-                      <a:endParaRPr lang="fr-FR" i="0" dirty="0"/>
-                    </a:p>
-                  </a:txBody>
-                  <a:tcPr>
-                    <a:lnL w="12700" cap="flat" cmpd="sng" algn="ctr">
-                      <a:solidFill>
-                        <a:scrgbClr r="0" g="0" b="0"/>
-                      </a:solidFill>
-                      <a:prstDash val="solid"/>
-                      <a:round/>
-                      <a:headEnd type="none" w="med" len="med"/>
-                      <a:tailEnd type="none" w="med" len="med"/>
-                    </a:lnL>
-                    <a:lnR w="12700" cap="flat" cmpd="sng" algn="ctr">
-                      <a:solidFill>
-                        <a:scrgbClr r="0" g="0" b="0"/>
-                      </a:solidFill>
-                      <a:prstDash val="solid"/>
-                      <a:round/>
-                      <a:headEnd type="none" w="med" len="med"/>
-                      <a:tailEnd type="none" w="med" len="med"/>
-                    </a:lnR>
-                    <a:lnT w="12700" cap="flat" cmpd="sng" algn="ctr">
-                      <a:solidFill>
-                        <a:scrgbClr r="0" g="0" b="0"/>
-                      </a:solidFill>
-                      <a:prstDash val="solid"/>
-                      <a:round/>
-                      <a:headEnd type="none" w="med" len="med"/>
-                      <a:tailEnd type="none" w="med" len="med"/>
-                    </a:lnT>
-                    <a:lnB w="12700" cap="flat" cmpd="sng" algn="ctr">
-                      <a:solidFill>
-                        <a:scrgbClr r="0" g="0" b="0"/>
-                      </a:solidFill>
-                      <a:prstDash val="solid"/>
-                      <a:round/>
-                      <a:headEnd type="none" w="med" len="med"/>
-                      <a:tailEnd type="none" w="med" len="med"/>
-                    </a:lnB>
-                    <a:lnTlToBr w="12700" cmpd="sng">
-                      <a:noFill/>
-                      <a:prstDash val="solid"/>
-                    </a:lnTlToBr>
-                    <a:lnBlToTr w="12700" cmpd="sng">
-                      <a:noFill/>
-                      <a:prstDash val="solid"/>
-                    </a:lnBlToTr>
-                  </a:tcPr>
-                </a:tc>
-                <a:tc hMerge="1">
-                  <a:txBody>
-                    <a:bodyPr/>
-                    <a:lstStyle/>
-                    <a:p>
-                      <a:pPr algn="ctr"/>
-                      <a:endParaRPr lang="fr-FR" sz="2400" i="0" dirty="0"/>
-                    </a:p>
-                  </a:txBody>
-                  <a:tcPr>
-                    <a:lnL w="12700" cap="flat" cmpd="sng" algn="ctr">
-                      <a:noFill/>
-                      <a:prstDash val="solid"/>
-                      <a:round/>
-                      <a:headEnd type="none" w="med" len="med"/>
-                      <a:tailEnd type="none" w="med" len="med"/>
-                    </a:lnL>
-                    <a:lnR w="12700" cap="flat" cmpd="sng" algn="ctr">
-                      <a:noFill/>
-                      <a:prstDash val="solid"/>
-                      <a:round/>
-                      <a:headEnd type="none" w="med" len="med"/>
-                      <a:tailEnd type="none" w="med" len="med"/>
-                    </a:lnR>
-                    <a:lnT w="12700" cap="flat" cmpd="sng" algn="ctr">
-                      <a:solidFill>
-                        <a:scrgbClr r="0" g="0" b="0"/>
-                      </a:solidFill>
-                      <a:prstDash val="solid"/>
-                      <a:round/>
-                      <a:headEnd type="none" w="med" len="med"/>
-                      <a:tailEnd type="none" w="med" len="med"/>
-                    </a:lnT>
-                    <a:lnB w="12700" cap="flat" cmpd="sng" algn="ctr">
-                      <a:solidFill>
-                        <a:scrgbClr r="0" g="0" b="0"/>
-                      </a:solidFill>
-                      <a:prstDash val="solid"/>
-                      <a:round/>
-                      <a:headEnd type="none" w="med" len="med"/>
-                      <a:tailEnd type="none" w="med" len="med"/>
-                    </a:lnB>
-                    <a:lnTlToBr w="12700" cmpd="sng">
-                      <a:noFill/>
-                      <a:prstDash val="solid"/>
-                    </a:lnTlToBr>
-                    <a:lnBlToTr w="12700" cmpd="sng">
-                      <a:noFill/>
-                      <a:prstDash val="solid"/>
-                    </a:lnBlToTr>
-                  </a:tcPr>
-                </a:tc>
-                <a:tc hMerge="1">
-                  <a:txBody>
-                    <a:bodyPr/>
-                    <a:lstStyle/>
-                    <a:p>
-                      <a:pPr algn="ctr"/>
-                      <a:endParaRPr lang="fr-FR" i="0" dirty="0"/>
-                    </a:p>
-                  </a:txBody>
-                  <a:tcPr>
-                    <a:lnL w="12700" cmpd="sng">
-                      <a:noFill/>
-                    </a:lnL>
-                    <a:lnR w="12700" cmpd="sng">
-                      <a:noFill/>
-                    </a:lnR>
-                    <a:lnT w="12700" cap="flat" cmpd="sng" algn="ctr">
-                      <a:solidFill>
-                        <a:scrgbClr r="0" g="0" b="0"/>
-                      </a:solidFill>
-                      <a:prstDash val="solid"/>
-                      <a:round/>
-                      <a:headEnd type="none" w="med" len="med"/>
-                      <a:tailEnd type="none" w="med" len="med"/>
-                    </a:lnT>
-                    <a:lnB w="12700" cap="flat" cmpd="sng" algn="ctr">
-                      <a:solidFill>
-                        <a:scrgbClr r="0" g="0" b="0"/>
-                      </a:solidFill>
-                      <a:prstDash val="solid"/>
-                      <a:round/>
-                      <a:headEnd type="none" w="med" len="med"/>
-                      <a:tailEnd type="none" w="med" len="med"/>
-                    </a:lnB>
-                    <a:lnTlToBr w="12700" cmpd="sng">
-                      <a:noFill/>
-                      <a:prstDash val="solid"/>
-                    </a:lnTlToBr>
-                    <a:lnBlToTr w="12700" cmpd="sng">
-                      <a:noFill/>
-                      <a:prstDash val="solid"/>
-                    </a:lnBlToTr>
-                  </a:tcPr>
-                </a:tc>
-                <a:tc hMerge="1">
-                  <a:txBody>
-                    <a:bodyPr/>
-                    <a:lstStyle/>
-                    <a:p>
-                      <a:pPr algn="ctr"/>
-                      <a:endParaRPr lang="fr-FR" i="0" dirty="0"/>
-                    </a:p>
-                  </a:txBody>
-                  <a:tcPr>
-                    <a:lnL w="12700" cmpd="sng">
-                      <a:noFill/>
-                    </a:lnL>
-                    <a:lnR w="12700" cap="flat" cmpd="sng" algn="ctr">
-                      <a:solidFill>
-                        <a:scrgbClr r="0" g="0" b="0"/>
-                      </a:solidFill>
-                      <a:prstDash val="solid"/>
-                      <a:round/>
-                      <a:headEnd type="none" w="med" len="med"/>
-                      <a:tailEnd type="none" w="med" len="med"/>
-                    </a:lnR>
-                    <a:lnT w="12700" cap="flat" cmpd="sng" algn="ctr">
-                      <a:solidFill>
-                        <a:scrgbClr r="0" g="0" b="0"/>
-                      </a:solidFill>
-                      <a:prstDash val="solid"/>
-                      <a:round/>
-                      <a:headEnd type="none" w="med" len="med"/>
-                      <a:tailEnd type="none" w="med" len="med"/>
-                    </a:lnT>
-                    <a:lnB w="12700" cap="flat" cmpd="sng" algn="ctr">
-                      <a:solidFill>
-                        <a:scrgbClr r="0" g="0" b="0"/>
-                      </a:solidFill>
-                      <a:prstDash val="solid"/>
-                      <a:round/>
-                      <a:headEnd type="none" w="med" len="med"/>
-                      <a:tailEnd type="none" w="med" len="med"/>
-                    </a:lnB>
-                    <a:lnTlToBr w="12700" cmpd="sng">
-                      <a:noFill/>
-                      <a:prstDash val="solid"/>
-                    </a:lnTlToBr>
-                    <a:lnBlToTr w="12700" cmpd="sng">
-                      <a:noFill/>
-                      <a:prstDash val="solid"/>
-                    </a:lnBlToTr>
-                  </a:tcPr>
-                </a:tc>
-                <a:extLst>
-                  <a:ext uri="{0D108BD9-81ED-4DB2-BD59-A6C34878D82A}">
-                    <a16:rowId xmlns="" xmlns:a16="http://schemas.microsoft.com/office/drawing/2014/main" xmlns:a14="http://schemas.microsoft.com/office/drawing/2010/main" xmlns:mc="http://schemas.openxmlformats.org/markup-compatibility/2006" val="2855790831"/>
-                  </a:ext>
-                </a:extLst>
-              </a:tr>
-              <a:tr h="370840">
-                <a:tc>
-                  <a:txBody>
-                    <a:bodyPr/>
-                    <a:lstStyle/>
-                    <a:p>
-                      <a:pPr algn="ctr"/>
-                      <a:r>
-                        <a:rPr lang="fr-FR" i="0" dirty="0"/>
-                        <a:t>Etat initial</a:t>
-                      </a:r>
-                    </a:p>
-                  </a:txBody>
-                  <a:tcPr>
-                    <a:lnT w="12700" cap="flat" cmpd="sng" algn="ctr">
-                      <a:solidFill>
-                        <a:schemeClr val="tx1"/>
-                      </a:solidFill>
-                      <a:prstDash val="solid"/>
-                      <a:round/>
-                      <a:headEnd type="none" w="med" len="med"/>
-                      <a:tailEnd type="none" w="med" len="med"/>
-                    </a:lnT>
-                  </a:tcPr>
-                </a:tc>
-                <a:tc>
-                  <a:txBody>
-                    <a:bodyPr/>
-                    <a:lstStyle/>
-                    <a:p>
-                      <a:pPr algn="ctr"/>
-                      <a:r>
-                        <a:rPr lang="fr-FR" i="0" dirty="0" smtClean="0"/>
-                        <a:t>C</a:t>
-                      </a:r>
-                      <a:r>
-                        <a:rPr lang="fr-FR" i="0" baseline="-25000" dirty="0" smtClean="0"/>
-                        <a:t>0</a:t>
-                      </a:r>
-                      <a:endParaRPr lang="fr-FR" i="0" dirty="0"/>
-                    </a:p>
-                  </a:txBody>
-                  <a:tcPr>
-                    <a:lnT w="12700" cap="flat" cmpd="sng" algn="ctr">
-                      <a:solidFill>
-                        <a:scrgbClr r="0" g="0" b="0"/>
-                      </a:solidFill>
-                      <a:prstDash val="solid"/>
-                      <a:round/>
-                      <a:headEnd type="none" w="med" len="med"/>
-                      <a:tailEnd type="none" w="med" len="med"/>
-                    </a:lnT>
-                  </a:tcPr>
-                </a:tc>
-                <a:tc>
-                  <a:txBody>
-                    <a:bodyPr/>
-                    <a:lstStyle/>
-                    <a:p>
-                      <a:pPr algn="ctr"/>
-                      <a:r>
-                        <a:rPr lang="fr-FR" i="0" dirty="0"/>
-                        <a:t>Excès</a:t>
-                      </a:r>
-                    </a:p>
-                  </a:txBody>
-                  <a:tcPr>
-                    <a:lnT w="12700" cap="flat" cmpd="sng" algn="ctr">
-                      <a:solidFill>
-                        <a:scrgbClr r="0" g="0" b="0"/>
-                      </a:solidFill>
-                      <a:prstDash val="solid"/>
-                      <a:round/>
-                      <a:headEnd type="none" w="med" len="med"/>
-                      <a:tailEnd type="none" w="med" len="med"/>
-                    </a:lnT>
-                  </a:tcPr>
-                </a:tc>
-                <a:tc>
-                  <a:txBody>
-                    <a:bodyPr/>
-                    <a:lstStyle/>
-                    <a:p>
-                      <a:pPr algn="ctr"/>
-                      <a:r>
-                        <a:rPr lang="fr-FR" i="0" dirty="0"/>
-                        <a:t>0</a:t>
-                      </a:r>
-                    </a:p>
-                  </a:txBody>
-                  <a:tcPr>
-                    <a:lnT w="12700" cap="flat" cmpd="sng" algn="ctr">
-                      <a:solidFill>
-                        <a:scrgbClr r="0" g="0" b="0"/>
-                      </a:solidFill>
-                      <a:prstDash val="solid"/>
-                      <a:round/>
-                      <a:headEnd type="none" w="med" len="med"/>
-                      <a:tailEnd type="none" w="med" len="med"/>
-                    </a:lnT>
-                  </a:tcPr>
-                </a:tc>
-                <a:tc>
-                  <a:txBody>
-                    <a:bodyPr/>
-                    <a:lstStyle/>
-                    <a:p>
-                      <a:pPr algn="ctr"/>
-                      <a:r>
-                        <a:rPr lang="fr-FR" i="0" dirty="0"/>
-                        <a:t>0</a:t>
-                      </a:r>
-                    </a:p>
-                  </a:txBody>
-                  <a:tcPr>
-                    <a:lnT w="12700" cap="flat" cmpd="sng" algn="ctr">
-                      <a:solidFill>
-                        <a:scrgbClr r="0" g="0" b="0"/>
-                      </a:solidFill>
-                      <a:prstDash val="solid"/>
-                      <a:round/>
-                      <a:headEnd type="none" w="med" len="med"/>
-                      <a:tailEnd type="none" w="med" len="med"/>
-                    </a:lnT>
-                  </a:tcPr>
-                </a:tc>
-                <a:extLst>
-                  <a:ext uri="{0D108BD9-81ED-4DB2-BD59-A6C34878D82A}">
-                    <a16:rowId xmlns="" xmlns:a16="http://schemas.microsoft.com/office/drawing/2014/main" xmlns:a14="http://schemas.microsoft.com/office/drawing/2010/main" xmlns:mc="http://schemas.openxmlformats.org/markup-compatibility/2006" val="111397599"/>
-                  </a:ext>
-                </a:extLst>
-              </a:tr>
-              <a:tr h="370840">
-                <a:tc>
-                  <a:txBody>
-                    <a:bodyPr/>
-                    <a:lstStyle/>
-                    <a:p>
-                      <a:pPr algn="ctr"/>
-                      <a:r>
-                        <a:rPr lang="fr-FR" i="0" dirty="0"/>
-                        <a:t>Etat final</a:t>
-                      </a:r>
-                    </a:p>
-                  </a:txBody>
-                  <a:tcPr/>
-                </a:tc>
-                <a:tc>
-                  <a:txBody>
-                    <a:bodyPr/>
-                    <a:lstStyle/>
-                    <a:p>
-                      <a:pPr marL="0" marR="0" indent="0" algn="ctr" defTabSz="914400" rtl="0" eaLnBrk="1" fontAlgn="auto" latinLnBrk="0" hangingPunct="1">
-                        <a:lnSpc>
-                          <a:spcPct val="100000"/>
-                        </a:lnSpc>
-                        <a:spcBef>
-                          <a:spcPts val="0"/>
-                        </a:spcBef>
-                        <a:spcAft>
-                          <a:spcPts val="0"/>
-                        </a:spcAft>
-                        <a:buClrTx/>
-                        <a:buSzTx/>
-                        <a:buFontTx/>
-                        <a:buNone/>
-                        <a:tabLst/>
-                        <a:defRPr/>
-                      </a:pPr>
-                      <a:r>
-                        <a:rPr lang="fr-FR" i="0" dirty="0" smtClean="0"/>
-                        <a:t>C</a:t>
-                      </a:r>
-                      <a:r>
-                        <a:rPr lang="fr-FR" i="0" baseline="-25000" dirty="0" smtClean="0"/>
-                        <a:t>0</a:t>
-                      </a:r>
-                      <a:r>
-                        <a:rPr lang="fr-FR" i="0" baseline="0" dirty="0" smtClean="0"/>
-                        <a:t>.(1-α)</a:t>
-                      </a:r>
-                      <a:endParaRPr lang="fr-FR" i="0" dirty="0" smtClean="0"/>
-                    </a:p>
-                    <a:p>
-                      <a:pPr algn="ctr"/>
-                      <a:endParaRPr lang="fr-FR" i="0" dirty="0"/>
-                    </a:p>
-                  </a:txBody>
-                  <a:tcPr/>
-                </a:tc>
-                <a:tc>
-                  <a:txBody>
-                    <a:bodyPr/>
-                    <a:lstStyle/>
-                    <a:p>
-                      <a:pPr algn="ctr"/>
-                      <a:r>
-                        <a:rPr lang="fr-FR" i="0" dirty="0"/>
-                        <a:t>Excès</a:t>
-                      </a:r>
-                    </a:p>
-                  </a:txBody>
-                  <a:tcPr/>
-                </a:tc>
-                <a:tc>
-                  <a:txBody>
-                    <a:bodyPr/>
-                    <a:lstStyle/>
-                    <a:p>
-                      <a:pPr marL="0" marR="0" indent="0" algn="ctr" defTabSz="914400" rtl="0" eaLnBrk="1" fontAlgn="auto" latinLnBrk="0" hangingPunct="1">
-                        <a:lnSpc>
-                          <a:spcPct val="100000"/>
-                        </a:lnSpc>
-                        <a:spcBef>
-                          <a:spcPts val="0"/>
-                        </a:spcBef>
-                        <a:spcAft>
-                          <a:spcPts val="0"/>
-                        </a:spcAft>
-                        <a:buClrTx/>
-                        <a:buSzTx/>
-                        <a:buFontTx/>
-                        <a:buNone/>
-                        <a:tabLst/>
-                        <a:defRPr/>
-                      </a:pPr>
                       <a:r>
                         <a:rPr lang="fr-FR" i="0" dirty="0" smtClean="0"/>
                         <a:t>C</a:t>
@@ -6151,40 +5479,9 @@
                   </a:txBody>
                   <a:tcPr/>
                 </a:tc>
-                <a:tc>
-                  <a:txBody>
-                    <a:bodyPr/>
-                    <a:lstStyle/>
-                    <a:p>
-                      <a:pPr marL="0" marR="0" indent="0" algn="ctr" defTabSz="914400" rtl="0" eaLnBrk="1" fontAlgn="auto" latinLnBrk="0" hangingPunct="1">
-                        <a:lnSpc>
-                          <a:spcPct val="100000"/>
-                        </a:lnSpc>
-                        <a:spcBef>
-                          <a:spcPts val="0"/>
-                        </a:spcBef>
-                        <a:spcAft>
-                          <a:spcPts val="0"/>
-                        </a:spcAft>
-                        <a:buClrTx/>
-                        <a:buSzTx/>
-                        <a:buFontTx/>
-                        <a:buNone/>
-                        <a:tabLst/>
-                        <a:defRPr/>
-                      </a:pPr>
-                      <a:endParaRPr lang="fr-FR" i="0" dirty="0" smtClean="0"/>
-                    </a:p>
-                    <a:p>
-                      <a:pPr algn="ctr"/>
-                      <a:endParaRPr lang="fr-FR" i="0" dirty="0"/>
-                    </a:p>
-                  </a:txBody>
-                  <a:tcPr/>
-                </a:tc>
                 <a:extLst>
                   <a:ext uri="{0D108BD9-81ED-4DB2-BD59-A6C34878D82A}">
-                    <a16:rowId xmlns="" xmlns:a16="http://schemas.microsoft.com/office/drawing/2014/main" xmlns:a14="http://schemas.microsoft.com/office/drawing/2010/main" xmlns:mc="http://schemas.openxmlformats.org/markup-compatibility/2006" val="1403580998"/>
+                    <a16:rowId xmlns:mc="http://schemas.openxmlformats.org/markup-compatibility/2006" xmlns:a14="http://schemas.microsoft.com/office/drawing/2010/main" xmlns:a16="http://schemas.microsoft.com/office/drawing/2014/main" xmlns="" val="1403580998"/>
                   </a:ext>
                 </a:extLst>
               </a:tr>
@@ -6194,14 +5491,14 @@
       </p:graphicFrame>
       <p:sp>
         <p:nvSpPr>
-          <p:cNvPr id="3" name="ZoneTexte 2"/>
+          <p:cNvPr id="4" name="ZoneTexte 3"/>
           <p:cNvSpPr txBox="1"/>
           <p:nvPr/>
         </p:nvSpPr>
         <p:spPr>
           <a:xfrm>
-            <a:off x="1324698" y="4137330"/>
-            <a:ext cx="6094750" cy="2031325"/>
+            <a:off x="7033645" y="6364279"/>
+            <a:ext cx="2415670" cy="369332"/>
           </a:xfrm>
           <a:prstGeom prst="rect">
             <a:avLst/>
@@ -6216,321 +5513,9 @@
           <a:p>
             <a:r>
               <a:rPr lang="fr-FR" b="1" u="sng" dirty="0" smtClean="0"/>
-              <a:t>Lois de Kohlrausch </a:t>
-            </a:r>
-            <a:r>
-              <a:rPr lang="fr-FR" dirty="0" smtClean="0"/>
-              <a:t>: </a:t>
-            </a:r>
-            <a:r>
-              <a:rPr lang="fr-FR" dirty="0" err="1" smtClean="0"/>
-              <a:t>σ</a:t>
-            </a:r>
-            <a:r>
-              <a:rPr lang="fr-FR" dirty="0" smtClean="0"/>
-              <a:t> =</a:t>
-            </a:r>
-            <a:r>
-              <a:rPr lang="fr-FR" dirty="0" err="1" smtClean="0"/>
-              <a:t>λ</a:t>
-            </a:r>
-            <a:r>
-              <a:rPr lang="fr-FR" dirty="0" smtClean="0"/>
-              <a:t>(H</a:t>
-            </a:r>
-            <a:r>
-              <a:rPr lang="fr-FR" baseline="-25000" dirty="0" smtClean="0"/>
-              <a:t>3</a:t>
-            </a:r>
-            <a:r>
-              <a:rPr lang="fr-FR" dirty="0" smtClean="0"/>
-              <a:t>O</a:t>
-            </a:r>
-            <a:r>
-              <a:rPr lang="fr-FR" baseline="30000" dirty="0" smtClean="0"/>
-              <a:t>+</a:t>
-            </a:r>
-            <a:r>
-              <a:rPr lang="fr-FR" dirty="0" smtClean="0"/>
-              <a:t>)</a:t>
-            </a:r>
-            <a:r>
-              <a:rPr lang="fr-FR" baseline="30000" dirty="0" smtClean="0"/>
-              <a:t>° </a:t>
-            </a:r>
-            <a:r>
-              <a:rPr lang="fr-FR" dirty="0" smtClean="0"/>
-              <a:t>[H</a:t>
-            </a:r>
-            <a:r>
-              <a:rPr lang="fr-FR" baseline="-25000" dirty="0" smtClean="0"/>
-              <a:t>3</a:t>
-            </a:r>
-            <a:r>
-              <a:rPr lang="fr-FR" dirty="0" smtClean="0"/>
-              <a:t>O</a:t>
-            </a:r>
-            <a:r>
-              <a:rPr lang="fr-FR" baseline="30000" dirty="0" smtClean="0"/>
-              <a:t>+</a:t>
-            </a:r>
-            <a:r>
-              <a:rPr lang="fr-FR" dirty="0" smtClean="0"/>
-              <a:t>] + </a:t>
-            </a:r>
-            <a:r>
-              <a:rPr lang="fr-FR" dirty="0" err="1"/>
-              <a:t>λ</a:t>
-            </a:r>
-            <a:r>
-              <a:rPr lang="fr-FR" dirty="0" smtClean="0"/>
-              <a:t>(CH</a:t>
-            </a:r>
-            <a:r>
-              <a:rPr lang="fr-FR" baseline="-25000" dirty="0" smtClean="0"/>
-              <a:t>3</a:t>
-            </a:r>
-            <a:r>
-              <a:rPr lang="fr-FR" dirty="0" smtClean="0"/>
-              <a:t>COO</a:t>
-            </a:r>
-            <a:r>
-              <a:rPr lang="fr-FR" baseline="30000" dirty="0" smtClean="0"/>
-              <a:t>-</a:t>
-            </a:r>
-            <a:r>
-              <a:rPr lang="fr-FR" dirty="0" smtClean="0"/>
-              <a:t>)</a:t>
-            </a:r>
-            <a:r>
-              <a:rPr lang="fr-FR" baseline="30000" dirty="0"/>
-              <a:t>° </a:t>
-            </a:r>
-            <a:r>
-              <a:rPr lang="fr-FR" dirty="0" smtClean="0"/>
-              <a:t>[</a:t>
-            </a:r>
-            <a:r>
-              <a:rPr lang="fr-FR" dirty="0"/>
-              <a:t>CH</a:t>
-            </a:r>
-            <a:r>
-              <a:rPr lang="fr-FR" baseline="-25000" dirty="0"/>
-              <a:t>3</a:t>
-            </a:r>
-            <a:r>
-              <a:rPr lang="fr-FR" dirty="0"/>
-              <a:t>COO</a:t>
-            </a:r>
-            <a:r>
-              <a:rPr lang="fr-FR" baseline="30000" dirty="0"/>
-              <a:t>-</a:t>
-            </a:r>
-            <a:r>
-              <a:rPr lang="fr-FR" dirty="0" smtClean="0"/>
-              <a:t>]</a:t>
-            </a:r>
-          </a:p>
-          <a:p>
-            <a:endParaRPr lang="fr-FR" dirty="0"/>
-          </a:p>
-          <a:p>
-            <a:r>
-              <a:rPr lang="fr-FR" dirty="0" smtClean="0"/>
-              <a:t>A l’état final :  </a:t>
-            </a:r>
-            <a:r>
-              <a:rPr lang="fr-FR" dirty="0" err="1"/>
-              <a:t>σ</a:t>
-            </a:r>
-            <a:r>
-              <a:rPr lang="fr-FR" dirty="0"/>
-              <a:t> </a:t>
-            </a:r>
-            <a:r>
-              <a:rPr lang="fr-FR" dirty="0" smtClean="0"/>
-              <a:t>= [</a:t>
-            </a:r>
-            <a:r>
-              <a:rPr lang="fr-FR" dirty="0" err="1" smtClean="0"/>
-              <a:t>λ</a:t>
-            </a:r>
-            <a:r>
-              <a:rPr lang="fr-FR" dirty="0"/>
-              <a:t>(H</a:t>
-            </a:r>
-            <a:r>
-              <a:rPr lang="fr-FR" baseline="-25000" dirty="0"/>
-              <a:t>3</a:t>
-            </a:r>
-            <a:r>
-              <a:rPr lang="fr-FR" dirty="0"/>
-              <a:t>O</a:t>
-            </a:r>
-            <a:r>
-              <a:rPr lang="fr-FR" baseline="30000" dirty="0"/>
-              <a:t>+</a:t>
-            </a:r>
-            <a:r>
-              <a:rPr lang="fr-FR" dirty="0"/>
-              <a:t>)</a:t>
-            </a:r>
-            <a:r>
-              <a:rPr lang="fr-FR" baseline="30000" dirty="0" smtClean="0"/>
-              <a:t>° </a:t>
-            </a:r>
-            <a:r>
-              <a:rPr lang="fr-FR" dirty="0" smtClean="0"/>
-              <a:t>+ </a:t>
-            </a:r>
-            <a:r>
-              <a:rPr lang="fr-FR" dirty="0" err="1"/>
-              <a:t>λ</a:t>
-            </a:r>
-            <a:r>
-              <a:rPr lang="fr-FR" dirty="0"/>
-              <a:t>(CH</a:t>
-            </a:r>
-            <a:r>
-              <a:rPr lang="fr-FR" baseline="-25000" dirty="0"/>
-              <a:t>3</a:t>
-            </a:r>
-            <a:r>
-              <a:rPr lang="fr-FR" dirty="0"/>
-              <a:t>COO</a:t>
-            </a:r>
-            <a:r>
-              <a:rPr lang="fr-FR" baseline="30000" dirty="0"/>
-              <a:t>-</a:t>
-            </a:r>
-            <a:r>
-              <a:rPr lang="fr-FR" dirty="0"/>
-              <a:t>)</a:t>
-            </a:r>
-            <a:r>
-              <a:rPr lang="fr-FR" baseline="30000" dirty="0"/>
-              <a:t>° </a:t>
-            </a:r>
-            <a:r>
-              <a:rPr lang="fr-FR" dirty="0" smtClean="0"/>
-              <a:t>].</a:t>
-            </a:r>
-            <a:r>
-              <a:rPr lang="fr-FR" dirty="0"/>
-              <a:t> C</a:t>
-            </a:r>
-            <a:r>
-              <a:rPr lang="fr-FR" baseline="-25000" dirty="0"/>
-              <a:t>0</a:t>
-            </a:r>
-            <a:r>
-              <a:rPr lang="fr-FR" dirty="0"/>
-              <a:t>.</a:t>
-            </a:r>
-            <a:r>
-              <a:rPr lang="fr-FR" dirty="0" smtClean="0"/>
-              <a:t>α</a:t>
-            </a:r>
-          </a:p>
-          <a:p>
-            <a:endParaRPr lang="fr-FR" dirty="0"/>
-          </a:p>
-          <a:p>
-            <a:r>
-              <a:rPr lang="fr-FR" dirty="0" smtClean="0"/>
-              <a:t>D’où α = </a:t>
-            </a:r>
-            <a:r>
-              <a:rPr lang="fr-FR" dirty="0" err="1" smtClean="0"/>
-              <a:t>σ</a:t>
-            </a:r>
-            <a:r>
-              <a:rPr lang="fr-FR" dirty="0" smtClean="0"/>
-              <a:t>/( [</a:t>
-            </a:r>
-            <a:r>
-              <a:rPr lang="fr-FR" dirty="0" err="1"/>
-              <a:t>λ</a:t>
-            </a:r>
-            <a:r>
-              <a:rPr lang="fr-FR" dirty="0"/>
-              <a:t>(H</a:t>
-            </a:r>
-            <a:r>
-              <a:rPr lang="fr-FR" baseline="-25000" dirty="0"/>
-              <a:t>3</a:t>
-            </a:r>
-            <a:r>
-              <a:rPr lang="fr-FR" dirty="0"/>
-              <a:t>O</a:t>
-            </a:r>
-            <a:r>
-              <a:rPr lang="fr-FR" baseline="30000" dirty="0"/>
-              <a:t>+</a:t>
-            </a:r>
-            <a:r>
-              <a:rPr lang="fr-FR" dirty="0"/>
-              <a:t>)</a:t>
-            </a:r>
-            <a:r>
-              <a:rPr lang="fr-FR" baseline="30000" dirty="0"/>
-              <a:t>° </a:t>
-            </a:r>
-            <a:r>
-              <a:rPr lang="fr-FR" dirty="0"/>
-              <a:t>+ </a:t>
-            </a:r>
-            <a:r>
-              <a:rPr lang="fr-FR" dirty="0" err="1"/>
-              <a:t>λ</a:t>
-            </a:r>
-            <a:r>
-              <a:rPr lang="fr-FR" dirty="0"/>
-              <a:t>(CH</a:t>
-            </a:r>
-            <a:r>
-              <a:rPr lang="fr-FR" baseline="-25000" dirty="0"/>
-              <a:t>3</a:t>
-            </a:r>
-            <a:r>
-              <a:rPr lang="fr-FR" dirty="0"/>
-              <a:t>COO</a:t>
-            </a:r>
-            <a:r>
-              <a:rPr lang="fr-FR" baseline="30000" dirty="0"/>
-              <a:t>-</a:t>
-            </a:r>
-            <a:r>
-              <a:rPr lang="fr-FR" dirty="0"/>
-              <a:t>)</a:t>
-            </a:r>
-            <a:r>
-              <a:rPr lang="fr-FR" baseline="30000" dirty="0"/>
-              <a:t>° </a:t>
-            </a:r>
-            <a:r>
-              <a:rPr lang="fr-FR" dirty="0"/>
-              <a:t>]</a:t>
-            </a:r>
-            <a:r>
-              <a:rPr lang="fr-FR" dirty="0" smtClean="0"/>
-              <a:t>.C</a:t>
-            </a:r>
-            <a:r>
-              <a:rPr lang="fr-FR" baseline="-25000" dirty="0" smtClean="0"/>
-              <a:t>0</a:t>
-            </a:r>
-            <a:r>
-              <a:rPr lang="fr-FR" dirty="0" smtClean="0"/>
-              <a:t>)</a:t>
-            </a:r>
-            <a:endParaRPr lang="fr-FR" dirty="0"/>
-          </a:p>
-          <a:p>
-            <a:endParaRPr lang="fr-FR" dirty="0"/>
-          </a:p>
-          <a:p>
-            <a:endParaRPr lang="fr-FR" dirty="0"/>
+              <a:t>Dispositif expérimental</a:t>
+            </a:r>
+            <a:endParaRPr lang="fr-FR" b="1" u="sng" dirty="0"/>
           </a:p>
         </p:txBody>
       </p:sp>
@@ -6547,7 +5532,7 @@
 </p:sld>
 </file>
 
-<file path=ppt/slides/slide8.xml><?xml version="1.0" encoding="utf-8"?>
+<file path=ppt/slides/slide12.xml><?xml version="1.0" encoding="utf-8"?>
 <p:sld xmlns:a="http://schemas.openxmlformats.org/drawingml/2006/main" xmlns:r="http://schemas.openxmlformats.org/officeDocument/2006/relationships" xmlns:p="http://schemas.openxmlformats.org/presentationml/2006/main">
   <p:cSld>
     <p:spTree>
@@ -6569,7 +5554,7 @@
           <p:cNvPr id="2" name="Titre 1">
             <a:extLst>
               <a:ext uri="{FF2B5EF4-FFF2-40B4-BE49-F238E27FC236}">
-                <a16:creationId xmlns="" xmlns:a16="http://schemas.microsoft.com/office/drawing/2014/main" id="{64386837-C438-4BE5-BF8F-7F0311CD0659}"/>
+                <a16:creationId xmlns:a16="http://schemas.microsoft.com/office/drawing/2014/main" xmlns="" id="{64386837-C438-4BE5-BF8F-7F0311CD0659}"/>
               </a:ext>
             </a:extLst>
           </p:cNvPr>
@@ -6597,7 +5582,7 @@
           <p:cNvPr id="6" name="Groupe 5">
             <a:extLst>
               <a:ext uri="{FF2B5EF4-FFF2-40B4-BE49-F238E27FC236}">
-                <a16:creationId xmlns="" xmlns:a16="http://schemas.microsoft.com/office/drawing/2014/main" id="{341009BF-B728-446E-8542-4E7B42EF310D}"/>
+                <a16:creationId xmlns:a16="http://schemas.microsoft.com/office/drawing/2014/main" xmlns="" id="{341009BF-B728-446E-8542-4E7B42EF310D}"/>
               </a:ext>
             </a:extLst>
           </p:cNvPr>
@@ -6617,7 +5602,7 @@
             <p:cNvPr id="1028" name="Picture 4" descr="Phénolphtaléine : La molécule contient pourtant quelques ...">
               <a:extLst>
                 <a:ext uri="{FF2B5EF4-FFF2-40B4-BE49-F238E27FC236}">
-                  <a16:creationId xmlns="" xmlns:a16="http://schemas.microsoft.com/office/drawing/2014/main" id="{701A7881-43E5-49B7-96CE-46DFA3161CFF}"/>
+                  <a16:creationId xmlns:a16="http://schemas.microsoft.com/office/drawing/2014/main" xmlns="" id="{701A7881-43E5-49B7-96CE-46DFA3161CFF}"/>
                 </a:ext>
               </a:extLst>
             </p:cNvPr>
@@ -6662,7 +5647,7 @@
             <p:cNvPr id="5" name="ZoneTexte 4">
               <a:extLst>
                 <a:ext uri="{FF2B5EF4-FFF2-40B4-BE49-F238E27FC236}">
-                  <a16:creationId xmlns="" xmlns:a16="http://schemas.microsoft.com/office/drawing/2014/main" id="{9E2CEF34-AD6C-4CC6-ABD3-EA864BA60E63}"/>
+                  <a16:creationId xmlns:a16="http://schemas.microsoft.com/office/drawing/2014/main" xmlns="" id="{9E2CEF34-AD6C-4CC6-ABD3-EA864BA60E63}"/>
                 </a:ext>
               </a:extLst>
             </p:cNvPr>
@@ -6701,7 +5686,7 @@
             <p:cNvPr id="8" name="ZoneTexte 7">
               <a:extLst>
                 <a:ext uri="{FF2B5EF4-FFF2-40B4-BE49-F238E27FC236}">
-                  <a16:creationId xmlns="" xmlns:a16="http://schemas.microsoft.com/office/drawing/2014/main" id="{0C32AAE9-02E8-4F39-81FA-054B77F7AFAA}"/>
+                  <a16:creationId xmlns:a16="http://schemas.microsoft.com/office/drawing/2014/main" xmlns="" id="{0C32AAE9-02E8-4F39-81FA-054B77F7AFAA}"/>
                 </a:ext>
               </a:extLst>
             </p:cNvPr>
@@ -6749,7 +5734,7 @@
 </p:sld>
 </file>
 
-<file path=ppt/slides/slide9.xml><?xml version="1.0" encoding="utf-8"?>
+<file path=ppt/slides/slide13.xml><?xml version="1.0" encoding="utf-8"?>
 <p:sld xmlns:a="http://schemas.openxmlformats.org/drawingml/2006/main" xmlns:r="http://schemas.openxmlformats.org/officeDocument/2006/relationships" xmlns:p="http://schemas.openxmlformats.org/presentationml/2006/main">
   <p:cSld>
     <p:spTree>
@@ -6788,12 +5773,12 @@
           <a:graphicData uri="http://schemas.openxmlformats.org/presentationml/2006/ole">
             <mc:AlternateContent xmlns:mc="http://schemas.openxmlformats.org/markup-compatibility/2006">
               <mc:Choice xmlns:v="urn:schemas-microsoft-com:vml" Requires="v">
-                <p:oleObj spid="_x0000_s1056" name="Document" r:id="rId4" imgW="5753100" imgH="2019300" progId="Word.Document.12">
+                <p:oleObj spid="_x0000_s1082" name="Document" r:id="rId3" imgW="5753100" imgH="2019300" progId="Word.Document.12">
                   <p:embed/>
                 </p:oleObj>
               </mc:Choice>
               <mc:Fallback>
-                <p:oleObj name="Document" r:id="rId4" imgW="5753100" imgH="2019300" progId="Word.Document.12">
+                <p:oleObj name="Document" r:id="rId3" imgW="5753100" imgH="2019300" progId="Word.Document.12">
                   <p:embed/>
                   <p:pic>
                     <p:nvPicPr>
@@ -6802,7 +5787,7 @@
                       <p:nvPr/>
                     </p:nvPicPr>
                     <p:blipFill>
-                      <a:blip r:embed="rId5"/>
+                      <a:blip r:embed="rId4"/>
                       <a:stretch>
                         <a:fillRect/>
                       </a:stretch>
@@ -6828,7 +5813,7 @@
           <p:cNvPr id="6" name="Titre 1">
             <a:extLst>
               <a:ext uri="{FF2B5EF4-FFF2-40B4-BE49-F238E27FC236}">
-                <a16:creationId xmlns="" xmlns:a16="http://schemas.microsoft.com/office/drawing/2014/main" id="{34BD51D0-A198-4F60-8CF1-13BD13DF0C15}"/>
+                <a16:creationId xmlns:a16="http://schemas.microsoft.com/office/drawing/2014/main" xmlns="" id="{34BD51D0-A198-4F60-8CF1-13BD13DF0C15}"/>
               </a:ext>
             </a:extLst>
           </p:cNvPr>
@@ -6916,12 +5901,12 @@
           <a:graphicData uri="http://schemas.openxmlformats.org/presentationml/2006/ole">
             <mc:AlternateContent xmlns:mc="http://schemas.openxmlformats.org/markup-compatibility/2006">
               <mc:Choice xmlns:v="urn:schemas-microsoft-com:vml" Requires="v">
-                <p:oleObj spid="_x0000_s1057" name="Document" r:id="rId7" imgW="5753100" imgH="635000" progId="Word.Document.12">
+                <p:oleObj spid="_x0000_s1083" name="Document" r:id="rId5" imgW="5753100" imgH="635000" progId="Word.Document.12">
                   <p:embed/>
                 </p:oleObj>
               </mc:Choice>
               <mc:Fallback>
-                <p:oleObj name="Document" r:id="rId7" imgW="5753100" imgH="635000" progId="Word.Document.12">
+                <p:oleObj name="Document" r:id="rId5" imgW="5753100" imgH="635000" progId="Word.Document.12">
                   <p:embed/>
                   <p:pic>
                     <p:nvPicPr>
@@ -6930,7 +5915,7 @@
                       <p:nvPr/>
                     </p:nvPicPr>
                     <p:blipFill>
-                      <a:blip r:embed="rId8"/>
+                      <a:blip r:embed="rId6"/>
                       <a:stretch>
                         <a:fillRect/>
                       </a:stretch>
@@ -7183,12 +6168,12 @@
           <a:graphicData uri="http://schemas.openxmlformats.org/presentationml/2006/ole">
             <mc:AlternateContent xmlns:mc="http://schemas.openxmlformats.org/markup-compatibility/2006">
               <mc:Choice xmlns:v="urn:schemas-microsoft-com:vml" Requires="v">
-                <p:oleObj spid="_x0000_s1058" name="Document" r:id="rId10" imgW="5753100" imgH="1346200" progId="Word.Document.12">
+                <p:oleObj spid="_x0000_s1084" name="Document" r:id="rId7" imgW="5753100" imgH="1346200" progId="Word.Document.12">
                   <p:embed/>
                 </p:oleObj>
               </mc:Choice>
               <mc:Fallback>
-                <p:oleObj name="Document" r:id="rId10" imgW="5753100" imgH="1346200" progId="Word.Document.12">
+                <p:oleObj name="Document" r:id="rId7" imgW="5753100" imgH="1346200" progId="Word.Document.12">
                   <p:embed/>
                   <p:pic>
                     <p:nvPicPr>
@@ -7197,7 +6182,7 @@
                       <p:nvPr/>
                     </p:nvPicPr>
                     <p:blipFill>
-                      <a:blip r:embed="rId11"/>
+                      <a:blip r:embed="rId8"/>
                       <a:stretch>
                         <a:fillRect/>
                       </a:stretch>
@@ -7300,12 +6285,12 @@
           <a:graphicData uri="http://schemas.openxmlformats.org/presentationml/2006/ole">
             <mc:AlternateContent xmlns:mc="http://schemas.openxmlformats.org/markup-compatibility/2006">
               <mc:Choice xmlns:v="urn:schemas-microsoft-com:vml" Requires="v">
-                <p:oleObj spid="_x0000_s1059" name="Document" r:id="rId13" imgW="5753100" imgH="876300" progId="Word.Document.12">
+                <p:oleObj spid="_x0000_s1085" name="Document" r:id="rId9" imgW="5753100" imgH="876300" progId="Word.Document.12">
                   <p:embed/>
                 </p:oleObj>
               </mc:Choice>
               <mc:Fallback>
-                <p:oleObj name="Document" r:id="rId13" imgW="5753100" imgH="876300" progId="Word.Document.12">
+                <p:oleObj name="Document" r:id="rId9" imgW="5753100" imgH="876300" progId="Word.Document.12">
                   <p:embed/>
                   <p:pic>
                     <p:nvPicPr>
@@ -7314,7 +6299,7 @@
                       <p:nvPr/>
                     </p:nvPicPr>
                     <p:blipFill>
-                      <a:blip r:embed="rId14"/>
+                      <a:blip r:embed="rId10"/>
                       <a:stretch>
                         <a:fillRect/>
                       </a:stretch>
@@ -7548,12 +6533,12 @@
           <a:graphicData uri="http://schemas.openxmlformats.org/presentationml/2006/ole">
             <mc:AlternateContent xmlns:mc="http://schemas.openxmlformats.org/markup-compatibility/2006">
               <mc:Choice xmlns:v="urn:schemas-microsoft-com:vml" Requires="v">
-                <p:oleObj spid="_x0000_s1060" name="Document" r:id="rId16" imgW="5753100" imgH="1168400" progId="Word.Document.12">
+                <p:oleObj spid="_x0000_s1086" name="Document" r:id="rId11" imgW="5753100" imgH="1168400" progId="Word.Document.12">
                   <p:embed/>
                 </p:oleObj>
               </mc:Choice>
               <mc:Fallback>
-                <p:oleObj name="Document" r:id="rId16" imgW="5753100" imgH="1168400" progId="Word.Document.12">
+                <p:oleObj name="Document" r:id="rId11" imgW="5753100" imgH="1168400" progId="Word.Document.12">
                   <p:embed/>
                   <p:pic>
                     <p:nvPicPr>
@@ -7562,7 +6547,7 @@
                       <p:nvPr/>
                     </p:nvPicPr>
                     <p:blipFill>
-                      <a:blip r:embed="rId17"/>
+                      <a:blip r:embed="rId12"/>
                       <a:stretch>
                         <a:fillRect/>
                       </a:stretch>
@@ -7592,6 +6577,3606 @@
     <p:extLst>
       <p:ext uri="{BB962C8B-B14F-4D97-AF65-F5344CB8AC3E}">
         <p14:creationId xmlns:p14="http://schemas.microsoft.com/office/powerpoint/2010/main" val="127965435"/>
+      </p:ext>
+    </p:extLst>
+  </p:cSld>
+  <p:clrMapOvr>
+    <a:masterClrMapping/>
+  </p:clrMapOvr>
+</p:sld>
+</file>
+
+<file path=ppt/slides/slide14.xml><?xml version="1.0" encoding="utf-8"?>
+<p:sld xmlns:a="http://schemas.openxmlformats.org/drawingml/2006/main" xmlns:r="http://schemas.openxmlformats.org/officeDocument/2006/relationships" xmlns:p="http://schemas.openxmlformats.org/presentationml/2006/main">
+  <p:cSld>
+    <p:spTree>
+      <p:nvGrpSpPr>
+        <p:cNvPr id="1" name=""/>
+        <p:cNvGrpSpPr/>
+        <p:nvPr/>
+      </p:nvGrpSpPr>
+      <p:grpSpPr>
+        <a:xfrm>
+          <a:off x="0" y="0"/>
+          <a:ext cx="0" cy="0"/>
+          <a:chOff x="0" y="0"/>
+          <a:chExt cx="0" cy="0"/>
+        </a:xfrm>
+      </p:grpSpPr>
+      <p:sp>
+        <p:nvSpPr>
+          <p:cNvPr id="2" name="Titre 1">
+            <a:extLst>
+              <a:ext uri="{FF2B5EF4-FFF2-40B4-BE49-F238E27FC236}">
+                <a16:creationId xmlns:a16="http://schemas.microsoft.com/office/drawing/2014/main" xmlns="" id="{64CA61E6-A489-4F09-A23C-EA3F16AE2926}"/>
+              </a:ext>
+            </a:extLst>
+          </p:cNvPr>
+          <p:cNvSpPr>
+            <a:spLocks noGrp="1"/>
+          </p:cNvSpPr>
+          <p:nvPr>
+            <p:ph type="title"/>
+          </p:nvPr>
+        </p:nvSpPr>
+        <p:spPr/>
+        <p:txBody>
+          <a:bodyPr/>
+          <a:lstStyle/>
+          <a:p>
+            <a:r>
+              <a:rPr lang="fr-FR" dirty="0"/>
+              <a:t>Résultats expérimentaux</a:t>
+            </a:r>
+          </a:p>
+        </p:txBody>
+      </p:sp>
+      <p:pic>
+        <p:nvPicPr>
+          <p:cNvPr id="4" name="Image 3">
+            <a:extLst>
+              <a:ext uri="{FF2B5EF4-FFF2-40B4-BE49-F238E27FC236}">
+                <a16:creationId xmlns:a16="http://schemas.microsoft.com/office/drawing/2014/main" xmlns="" id="{C77BDA2F-14EB-4CD7-B609-FA1023FF8DB2}"/>
+              </a:ext>
+            </a:extLst>
+          </p:cNvPr>
+          <p:cNvPicPr>
+            <a:picLocks noChangeAspect="1"/>
+          </p:cNvPicPr>
+          <p:nvPr/>
+        </p:nvPicPr>
+        <p:blipFill>
+          <a:blip r:embed="rId2"/>
+          <a:stretch>
+            <a:fillRect/>
+          </a:stretch>
+        </p:blipFill>
+        <p:spPr>
+          <a:xfrm>
+            <a:off x="3414088" y="1823731"/>
+            <a:ext cx="5424783" cy="3886829"/>
+          </a:xfrm>
+          <a:prstGeom prst="rect">
+            <a:avLst/>
+          </a:prstGeom>
+        </p:spPr>
+      </p:pic>
+      <p:sp>
+        <p:nvSpPr>
+          <p:cNvPr id="5" name="Rectangle 4">
+            <a:extLst>
+              <a:ext uri="{FF2B5EF4-FFF2-40B4-BE49-F238E27FC236}">
+                <a16:creationId xmlns:a16="http://schemas.microsoft.com/office/drawing/2014/main" xmlns="" id="{FBD72EF1-76A4-417C-AA1A-862DB8C9176D}"/>
+              </a:ext>
+            </a:extLst>
+          </p:cNvPr>
+          <p:cNvSpPr/>
+          <p:nvPr/>
+        </p:nvSpPr>
+        <p:spPr>
+          <a:xfrm>
+            <a:off x="0" y="6488668"/>
+            <a:ext cx="3570208" cy="276999"/>
+          </a:xfrm>
+          <a:prstGeom prst="rect">
+            <a:avLst/>
+          </a:prstGeom>
+        </p:spPr>
+        <p:txBody>
+          <a:bodyPr wrap="none">
+            <a:spAutoFit/>
+          </a:bodyPr>
+          <a:lstStyle/>
+          <a:p>
+            <a:r>
+              <a:rPr lang="fr-FR" sz="1200" dirty="0"/>
+              <a:t>Epreuve orale de Chimie, Florence </a:t>
+            </a:r>
+            <a:r>
+              <a:rPr lang="fr-FR" sz="1200" dirty="0" err="1"/>
+              <a:t>Porteu</a:t>
+            </a:r>
+            <a:r>
+              <a:rPr lang="fr-FR" sz="1200" dirty="0"/>
+              <a:t>-De-</a:t>
+            </a:r>
+            <a:r>
+              <a:rPr lang="fr-FR" sz="1200" dirty="0" err="1"/>
+              <a:t>Buchère</a:t>
+            </a:r>
+            <a:endParaRPr lang="fr-FR" sz="1200" dirty="0"/>
+          </a:p>
+        </p:txBody>
+      </p:sp>
+    </p:spTree>
+    <p:extLst>
+      <p:ext uri="{BB962C8B-B14F-4D97-AF65-F5344CB8AC3E}">
+        <p14:creationId xmlns:p14="http://schemas.microsoft.com/office/powerpoint/2010/main" val="3747448858"/>
+      </p:ext>
+    </p:extLst>
+  </p:cSld>
+  <p:clrMapOvr>
+    <a:masterClrMapping/>
+  </p:clrMapOvr>
+</p:sld>
+</file>
+
+<file path=ppt/slides/slide2.xml><?xml version="1.0" encoding="utf-8"?>
+<p:sld xmlns:a="http://schemas.openxmlformats.org/drawingml/2006/main" xmlns:r="http://schemas.openxmlformats.org/officeDocument/2006/relationships" xmlns:p="http://schemas.openxmlformats.org/presentationml/2006/main">
+  <p:cSld>
+    <p:spTree>
+      <p:nvGrpSpPr>
+        <p:cNvPr id="1" name=""/>
+        <p:cNvGrpSpPr/>
+        <p:nvPr/>
+      </p:nvGrpSpPr>
+      <p:grpSpPr>
+        <a:xfrm>
+          <a:off x="0" y="0"/>
+          <a:ext cx="0" cy="0"/>
+          <a:chOff x="0" y="0"/>
+          <a:chExt cx="0" cy="0"/>
+        </a:xfrm>
+      </p:grpSpPr>
+      <p:pic>
+        <p:nvPicPr>
+          <p:cNvPr id="7" name="Image 6"/>
+          <p:cNvPicPr>
+            <a:picLocks noChangeAspect="1"/>
+          </p:cNvPicPr>
+          <p:nvPr/>
+        </p:nvPicPr>
+        <p:blipFill>
+          <a:blip r:embed="rId2"/>
+          <a:stretch>
+            <a:fillRect/>
+          </a:stretch>
+        </p:blipFill>
+        <p:spPr>
+          <a:xfrm>
+            <a:off x="8279920" y="3263773"/>
+            <a:ext cx="2857500" cy="2857500"/>
+          </a:xfrm>
+          <a:prstGeom prst="rect">
+            <a:avLst/>
+          </a:prstGeom>
+        </p:spPr>
+      </p:pic>
+      <p:sp>
+        <p:nvSpPr>
+          <p:cNvPr id="2" name="Espace réservé du numéro de diapositive 1">
+            <a:extLst>
+              <a:ext uri="{FF2B5EF4-FFF2-40B4-BE49-F238E27FC236}">
+                <a16:creationId xmlns:a16="http://schemas.microsoft.com/office/drawing/2014/main" xmlns="" id="{7AB1B0BC-99AA-42A3-B7E8-241B05923041}"/>
+              </a:ext>
+            </a:extLst>
+          </p:cNvPr>
+          <p:cNvSpPr>
+            <a:spLocks noGrp="1"/>
+          </p:cNvSpPr>
+          <p:nvPr>
+            <p:ph type="sldNum" sz="quarter" idx="4294967295"/>
+          </p:nvPr>
+        </p:nvSpPr>
+        <p:spPr>
+          <a:xfrm>
+            <a:off x="9953373" y="6102581"/>
+            <a:ext cx="1312025" cy="365125"/>
+          </a:xfrm>
+          <a:prstGeom prst="rect">
+            <a:avLst/>
+          </a:prstGeom>
+        </p:spPr>
+        <p:txBody>
+          <a:bodyPr/>
+          <a:lstStyle/>
+          <a:p>
+            <a:fld id="{3B9124A2-E1D7-417D-88BC-63EA5DA45BC4}" type="slidenum">
+              <a:rPr lang="fr-FR" smtClean="0"/>
+              <a:t>1</a:t>
+            </a:fld>
+            <a:endParaRPr lang="fr-FR"/>
+          </a:p>
+        </p:txBody>
+      </p:sp>
+      <p:pic>
+        <p:nvPicPr>
+          <p:cNvPr id="1026" name="Picture 2" descr="Vinaigre d'alcool 12% BIO 1L - Mes courses en vrac">
+            <a:extLst>
+              <a:ext uri="{FF2B5EF4-FFF2-40B4-BE49-F238E27FC236}">
+                <a16:creationId xmlns:a16="http://schemas.microsoft.com/office/drawing/2014/main" xmlns="" id="{49B42E29-D6BD-45A4-B644-C5AE46D1057F}"/>
+              </a:ext>
+            </a:extLst>
+          </p:cNvPr>
+          <p:cNvPicPr>
+            <a:picLocks noChangeAspect="1" noChangeArrowheads="1"/>
+          </p:cNvPicPr>
+          <p:nvPr/>
+        </p:nvPicPr>
+        <p:blipFill rotWithShape="1">
+          <a:blip r:embed="rId3">
+            <a:extLst>
+              <a:ext uri="{28A0092B-C50C-407E-A947-70E740481C1C}">
+                <a14:useLocalDpi xmlns:a14="http://schemas.microsoft.com/office/drawing/2010/main" val="0"/>
+              </a:ext>
+            </a:extLst>
+          </a:blip>
+          <a:srcRect l="34583" r="29845"/>
+          <a:stretch/>
+        </p:blipFill>
+        <p:spPr bwMode="auto">
+          <a:xfrm>
+            <a:off x="1362540" y="1761668"/>
+            <a:ext cx="834887" cy="2347084"/>
+          </a:xfrm>
+          <a:prstGeom prst="rect">
+            <a:avLst/>
+          </a:prstGeom>
+          <a:noFill/>
+          <a:extLst>
+            <a:ext uri="{909E8E84-426E-40dd-AFC4-6F175D3DCCD1}">
+              <a14:hiddenFill xmlns:a14="http://schemas.microsoft.com/office/drawing/2010/main">
+                <a:solidFill>
+                  <a:srgbClr val="FFFFFF"/>
+                </a:solidFill>
+              </a14:hiddenFill>
+            </a:ext>
+          </a:extLst>
+        </p:spPr>
+      </p:pic>
+      <p:pic>
+        <p:nvPicPr>
+          <p:cNvPr id="1028" name="Picture 4" descr="Vrai ou faux ? Sept idées reçues sur les bienfaits du citron ...">
+            <a:extLst>
+              <a:ext uri="{FF2B5EF4-FFF2-40B4-BE49-F238E27FC236}">
+                <a16:creationId xmlns:a16="http://schemas.microsoft.com/office/drawing/2014/main" xmlns="" id="{E7D7A420-696E-46DF-BB8D-67BF0A8257DB}"/>
+              </a:ext>
+            </a:extLst>
+          </p:cNvPr>
+          <p:cNvPicPr>
+            <a:picLocks noChangeAspect="1" noChangeArrowheads="1"/>
+          </p:cNvPicPr>
+          <p:nvPr/>
+        </p:nvPicPr>
+        <p:blipFill rotWithShape="1">
+          <a:blip r:embed="rId4">
+            <a:extLst>
+              <a:ext uri="{28A0092B-C50C-407E-A947-70E740481C1C}">
+                <a14:useLocalDpi xmlns:a14="http://schemas.microsoft.com/office/drawing/2010/main" val="0"/>
+              </a:ext>
+            </a:extLst>
+          </a:blip>
+          <a:srcRect r="45516"/>
+          <a:stretch/>
+        </p:blipFill>
+        <p:spPr bwMode="auto">
+          <a:xfrm>
+            <a:off x="2323260" y="3366156"/>
+            <a:ext cx="1691804" cy="1466850"/>
+          </a:xfrm>
+          <a:prstGeom prst="rect">
+            <a:avLst/>
+          </a:prstGeom>
+          <a:noFill/>
+          <a:extLst>
+            <a:ext uri="{909E8E84-426E-40dd-AFC4-6F175D3DCCD1}">
+              <a14:hiddenFill xmlns:a14="http://schemas.microsoft.com/office/drawing/2010/main">
+                <a:solidFill>
+                  <a:srgbClr val="FFFFFF"/>
+                </a:solidFill>
+              </a14:hiddenFill>
+            </a:ext>
+          </a:extLst>
+        </p:spPr>
+      </p:pic>
+      <p:pic>
+        <p:nvPicPr>
+          <p:cNvPr id="1030" name="Picture 6" descr="Les agrumes ! | Les éditions de la rose">
+            <a:extLst>
+              <a:ext uri="{FF2B5EF4-FFF2-40B4-BE49-F238E27FC236}">
+                <a16:creationId xmlns:a16="http://schemas.microsoft.com/office/drawing/2014/main" xmlns="" id="{4AC3923C-D6C8-4B49-9F47-4A2C08A3CAD5}"/>
+              </a:ext>
+            </a:extLst>
+          </p:cNvPr>
+          <p:cNvPicPr>
+            <a:picLocks noChangeAspect="1" noChangeArrowheads="1"/>
+          </p:cNvPicPr>
+          <p:nvPr/>
+        </p:nvPicPr>
+        <p:blipFill>
+          <a:blip r:embed="rId5">
+            <a:extLst>
+              <a:ext uri="{28A0092B-C50C-407E-A947-70E740481C1C}">
+                <a14:useLocalDpi xmlns:a14="http://schemas.microsoft.com/office/drawing/2010/main" val="0"/>
+              </a:ext>
+            </a:extLst>
+          </a:blip>
+          <a:srcRect/>
+          <a:stretch>
+            <a:fillRect/>
+          </a:stretch>
+        </p:blipFill>
+        <p:spPr bwMode="auto">
+          <a:xfrm>
+            <a:off x="1528507" y="4962477"/>
+            <a:ext cx="2600325" cy="1752600"/>
+          </a:xfrm>
+          <a:prstGeom prst="rect">
+            <a:avLst/>
+          </a:prstGeom>
+          <a:noFill/>
+          <a:extLst>
+            <a:ext uri="{909E8E84-426E-40dd-AFC4-6F175D3DCCD1}">
+              <a14:hiddenFill xmlns:a14="http://schemas.microsoft.com/office/drawing/2010/main">
+                <a:solidFill>
+                  <a:srgbClr val="FFFFFF"/>
+                </a:solidFill>
+              </a14:hiddenFill>
+            </a:ext>
+          </a:extLst>
+        </p:spPr>
+      </p:pic>
+      <p:pic>
+        <p:nvPicPr>
+          <p:cNvPr id="1032" name="Picture 8" descr="Limonade artisanale arôme citron LORINA : la bouteille d'1L à Prix ...">
+            <a:extLst>
+              <a:ext uri="{FF2B5EF4-FFF2-40B4-BE49-F238E27FC236}">
+                <a16:creationId xmlns:a16="http://schemas.microsoft.com/office/drawing/2014/main" xmlns="" id="{F6DB467F-E8EC-48D7-8B58-FE067FEE1286}"/>
+              </a:ext>
+            </a:extLst>
+          </p:cNvPr>
+          <p:cNvPicPr>
+            <a:picLocks noChangeAspect="1" noChangeArrowheads="1"/>
+          </p:cNvPicPr>
+          <p:nvPr/>
+        </p:nvPicPr>
+        <p:blipFill rotWithShape="1">
+          <a:blip r:embed="rId6">
+            <a:extLst>
+              <a:ext uri="{28A0092B-C50C-407E-A947-70E740481C1C}">
+                <a14:useLocalDpi xmlns:a14="http://schemas.microsoft.com/office/drawing/2010/main" val="0"/>
+              </a:ext>
+            </a:extLst>
+          </a:blip>
+          <a:srcRect l="30006" r="31037"/>
+          <a:stretch/>
+        </p:blipFill>
+        <p:spPr bwMode="auto">
+          <a:xfrm>
+            <a:off x="0" y="2323731"/>
+            <a:ext cx="1183230" cy="3037305"/>
+          </a:xfrm>
+          <a:prstGeom prst="rect">
+            <a:avLst/>
+          </a:prstGeom>
+          <a:noFill/>
+          <a:extLst>
+            <a:ext uri="{909E8E84-426E-40dd-AFC4-6F175D3DCCD1}">
+              <a14:hiddenFill xmlns:a14="http://schemas.microsoft.com/office/drawing/2010/main">
+                <a:solidFill>
+                  <a:srgbClr val="FFFFFF"/>
+                </a:solidFill>
+              </a14:hiddenFill>
+            </a:ext>
+          </a:extLst>
+        </p:spPr>
+      </p:pic>
+      <p:sp>
+        <p:nvSpPr>
+          <p:cNvPr id="3" name="ZoneTexte 2">
+            <a:extLst>
+              <a:ext uri="{FF2B5EF4-FFF2-40B4-BE49-F238E27FC236}">
+                <a16:creationId xmlns:a16="http://schemas.microsoft.com/office/drawing/2014/main" xmlns="" id="{45DCE0B0-0425-4FB4-9AC9-018875003443}"/>
+              </a:ext>
+            </a:extLst>
+          </p:cNvPr>
+          <p:cNvSpPr txBox="1"/>
+          <p:nvPr/>
+        </p:nvSpPr>
+        <p:spPr>
+          <a:xfrm>
+            <a:off x="-64868" y="827265"/>
+            <a:ext cx="2581055" cy="523220"/>
+          </a:xfrm>
+          <a:prstGeom prst="rect">
+            <a:avLst/>
+          </a:prstGeom>
+          <a:noFill/>
+        </p:spPr>
+        <p:txBody>
+          <a:bodyPr wrap="none" rtlCol="0">
+            <a:spAutoFit/>
+          </a:bodyPr>
+          <a:lstStyle/>
+          <a:p>
+            <a:pPr algn="ctr"/>
+            <a:r>
+              <a:rPr lang="fr-FR" sz="2800" b="1" dirty="0" smtClean="0"/>
+              <a:t>Solutions acides</a:t>
+            </a:r>
+            <a:endParaRPr lang="fr-FR" sz="2800" b="1" dirty="0"/>
+          </a:p>
+        </p:txBody>
+      </p:sp>
+      <p:pic>
+        <p:nvPicPr>
+          <p:cNvPr id="1034" name="Picture 10" descr="Déboucheur liquide canalisations surpuissant 1L Destop - Delcourt ...">
+            <a:extLst>
+              <a:ext uri="{FF2B5EF4-FFF2-40B4-BE49-F238E27FC236}">
+                <a16:creationId xmlns:a16="http://schemas.microsoft.com/office/drawing/2014/main" xmlns="" id="{D08D13F8-059D-4576-BDB3-6D392043B5E7}"/>
+              </a:ext>
+            </a:extLst>
+          </p:cNvPr>
+          <p:cNvPicPr>
+            <a:picLocks noChangeAspect="1" noChangeArrowheads="1"/>
+          </p:cNvPicPr>
+          <p:nvPr/>
+        </p:nvPicPr>
+        <p:blipFill rotWithShape="1">
+          <a:blip r:embed="rId7">
+            <a:extLst>
+              <a:ext uri="{28A0092B-C50C-407E-A947-70E740481C1C}">
+                <a14:useLocalDpi xmlns:a14="http://schemas.microsoft.com/office/drawing/2010/main" val="0"/>
+              </a:ext>
+            </a:extLst>
+          </a:blip>
+          <a:srcRect l="33900" r="26002"/>
+          <a:stretch/>
+        </p:blipFill>
+        <p:spPr bwMode="auto">
+          <a:xfrm>
+            <a:off x="10639978" y="2507386"/>
+            <a:ext cx="862909" cy="2151961"/>
+          </a:xfrm>
+          <a:prstGeom prst="rect">
+            <a:avLst/>
+          </a:prstGeom>
+          <a:noFill/>
+          <a:extLst>
+            <a:ext uri="{909E8E84-426E-40dd-AFC4-6F175D3DCCD1}">
+              <a14:hiddenFill xmlns:a14="http://schemas.microsoft.com/office/drawing/2010/main">
+                <a:solidFill>
+                  <a:srgbClr val="FFFFFF"/>
+                </a:solidFill>
+              </a14:hiddenFill>
+            </a:ext>
+          </a:extLst>
+        </p:spPr>
+      </p:pic>
+      <p:sp>
+        <p:nvSpPr>
+          <p:cNvPr id="10" name="ZoneTexte 9">
+            <a:extLst>
+              <a:ext uri="{FF2B5EF4-FFF2-40B4-BE49-F238E27FC236}">
+                <a16:creationId xmlns:a16="http://schemas.microsoft.com/office/drawing/2014/main" xmlns="" id="{AEBBE209-002D-4864-90F1-F5A843805E87}"/>
+              </a:ext>
+            </a:extLst>
+          </p:cNvPr>
+          <p:cNvSpPr txBox="1"/>
+          <p:nvPr/>
+        </p:nvSpPr>
+        <p:spPr>
+          <a:xfrm>
+            <a:off x="8991886" y="1611974"/>
+            <a:ext cx="2959414" cy="523220"/>
+          </a:xfrm>
+          <a:prstGeom prst="rect">
+            <a:avLst/>
+          </a:prstGeom>
+          <a:noFill/>
+        </p:spPr>
+        <p:txBody>
+          <a:bodyPr wrap="none" rtlCol="0">
+            <a:spAutoFit/>
+          </a:bodyPr>
+          <a:lstStyle/>
+          <a:p>
+            <a:pPr algn="ctr"/>
+            <a:r>
+              <a:rPr lang="fr-FR" sz="2800" b="1" dirty="0" smtClean="0"/>
+              <a:t>Solutions basiques</a:t>
+            </a:r>
+            <a:endParaRPr lang="fr-FR" sz="2800" b="1" dirty="0"/>
+          </a:p>
+        </p:txBody>
+      </p:sp>
+      <p:sp>
+        <p:nvSpPr>
+          <p:cNvPr id="4" name="ZoneTexte 3"/>
+          <p:cNvSpPr txBox="1"/>
+          <p:nvPr/>
+        </p:nvSpPr>
+        <p:spPr>
+          <a:xfrm>
+            <a:off x="2332731" y="211676"/>
+            <a:ext cx="6792320" cy="523220"/>
+          </a:xfrm>
+          <a:prstGeom prst="rect">
+            <a:avLst/>
+          </a:prstGeom>
+          <a:noFill/>
+        </p:spPr>
+        <p:txBody>
+          <a:bodyPr wrap="none" rtlCol="0">
+            <a:spAutoFit/>
+          </a:bodyPr>
+          <a:lstStyle/>
+          <a:p>
+            <a:pPr algn="ctr"/>
+            <a:r>
+              <a:rPr lang="fr-FR" sz="2800" spc="-38" dirty="0" smtClean="0">
+                <a:solidFill>
+                  <a:srgbClr val="CF8182"/>
+                </a:solidFill>
+                <a:latin typeface="+mj-lt"/>
+                <a:ea typeface="+mj-ea"/>
+                <a:cs typeface="+mj-cs"/>
+              </a:rPr>
+              <a:t>Les notions d’acidité / basicité au quotidien</a:t>
+            </a:r>
+            <a:endParaRPr lang="fr-FR" sz="2800" spc="-38" dirty="0">
+              <a:solidFill>
+                <a:srgbClr val="CF8182"/>
+              </a:solidFill>
+              <a:latin typeface="+mj-lt"/>
+              <a:ea typeface="+mj-ea"/>
+              <a:cs typeface="+mj-cs"/>
+            </a:endParaRPr>
+          </a:p>
+        </p:txBody>
+      </p:sp>
+      <p:sp>
+        <p:nvSpPr>
+          <p:cNvPr id="5" name="ZoneTexte 4"/>
+          <p:cNvSpPr txBox="1"/>
+          <p:nvPr/>
+        </p:nvSpPr>
+        <p:spPr>
+          <a:xfrm>
+            <a:off x="5012002" y="2744566"/>
+            <a:ext cx="2790923" cy="523220"/>
+          </a:xfrm>
+          <a:prstGeom prst="rect">
+            <a:avLst/>
+          </a:prstGeom>
+          <a:noFill/>
+        </p:spPr>
+        <p:txBody>
+          <a:bodyPr wrap="none" rtlCol="0">
+            <a:spAutoFit/>
+          </a:bodyPr>
+          <a:lstStyle/>
+          <a:p>
+            <a:r>
+              <a:rPr lang="fr-FR" sz="2800" b="1" dirty="0"/>
+              <a:t>Solutions neutres</a:t>
+            </a:r>
+          </a:p>
+        </p:txBody>
+      </p:sp>
+      <p:pic>
+        <p:nvPicPr>
+          <p:cNvPr id="6" name="Image 5"/>
+          <p:cNvPicPr>
+            <a:picLocks noChangeAspect="1"/>
+          </p:cNvPicPr>
+          <p:nvPr/>
+        </p:nvPicPr>
+        <p:blipFill>
+          <a:blip r:embed="rId8"/>
+          <a:stretch>
+            <a:fillRect/>
+          </a:stretch>
+        </p:blipFill>
+        <p:spPr>
+          <a:xfrm>
+            <a:off x="5206473" y="3863911"/>
+            <a:ext cx="2489200" cy="2489200"/>
+          </a:xfrm>
+          <a:prstGeom prst="rect">
+            <a:avLst/>
+          </a:prstGeom>
+        </p:spPr>
+      </p:pic>
+    </p:spTree>
+    <p:extLst>
+      <p:ext uri="{BB962C8B-B14F-4D97-AF65-F5344CB8AC3E}">
+        <p14:creationId xmlns:p14="http://schemas.microsoft.com/office/powerpoint/2010/main" val="1653574578"/>
+      </p:ext>
+    </p:extLst>
+  </p:cSld>
+  <p:clrMapOvr>
+    <a:masterClrMapping/>
+  </p:clrMapOvr>
+</p:sld>
+</file>
+
+<file path=ppt/slides/slide3.xml><?xml version="1.0" encoding="utf-8"?>
+<p:sld xmlns:a="http://schemas.openxmlformats.org/drawingml/2006/main" xmlns:r="http://schemas.openxmlformats.org/officeDocument/2006/relationships" xmlns:p="http://schemas.openxmlformats.org/presentationml/2006/main">
+  <p:cSld>
+    <p:spTree>
+      <p:nvGrpSpPr>
+        <p:cNvPr id="1" name=""/>
+        <p:cNvGrpSpPr/>
+        <p:nvPr/>
+      </p:nvGrpSpPr>
+      <p:grpSpPr>
+        <a:xfrm>
+          <a:off x="0" y="0"/>
+          <a:ext cx="0" cy="0"/>
+          <a:chOff x="0" y="0"/>
+          <a:chExt cx="0" cy="0"/>
+        </a:xfrm>
+      </p:grpSpPr>
+      <p:sp>
+        <p:nvSpPr>
+          <p:cNvPr id="2" name="Titre 1">
+            <a:extLst>
+              <a:ext uri="{FF2B5EF4-FFF2-40B4-BE49-F238E27FC236}">
+                <a16:creationId xmlns:a16="http://schemas.microsoft.com/office/drawing/2014/main" xmlns="" id="{F91A9A03-6EC7-4696-AC80-5B417F3A10CD}"/>
+              </a:ext>
+            </a:extLst>
+          </p:cNvPr>
+          <p:cNvSpPr>
+            <a:spLocks noGrp="1"/>
+          </p:cNvSpPr>
+          <p:nvPr>
+            <p:ph type="title"/>
+          </p:nvPr>
+        </p:nvSpPr>
+        <p:spPr/>
+        <p:txBody>
+          <a:bodyPr/>
+          <a:lstStyle/>
+          <a:p>
+            <a:r>
+              <a:rPr lang="fr-FR" dirty="0"/>
+              <a:t>Échelle de pH</a:t>
+            </a:r>
+          </a:p>
+        </p:txBody>
+      </p:sp>
+      <p:pic>
+        <p:nvPicPr>
+          <p:cNvPr id="5" name="Image 4">
+            <a:extLst>
+              <a:ext uri="{FF2B5EF4-FFF2-40B4-BE49-F238E27FC236}">
+                <a16:creationId xmlns:a16="http://schemas.microsoft.com/office/drawing/2014/main" xmlns="" id="{D32AF231-26A9-4F70-9E38-238824E2896C}"/>
+              </a:ext>
+            </a:extLst>
+          </p:cNvPr>
+          <p:cNvPicPr>
+            <a:picLocks noChangeAspect="1"/>
+          </p:cNvPicPr>
+          <p:nvPr/>
+        </p:nvPicPr>
+        <p:blipFill rotWithShape="1">
+          <a:blip r:embed="rId2"/>
+          <a:srcRect t="38345" b="39557"/>
+          <a:stretch/>
+        </p:blipFill>
+        <p:spPr>
+          <a:xfrm>
+            <a:off x="2884355" y="2927430"/>
+            <a:ext cx="6423289" cy="1898374"/>
+          </a:xfrm>
+          <a:prstGeom prst="rect">
+            <a:avLst/>
+          </a:prstGeom>
+        </p:spPr>
+      </p:pic>
+      <p:sp>
+        <p:nvSpPr>
+          <p:cNvPr id="6" name="Rectangle 5">
+            <a:extLst>
+              <a:ext uri="{FF2B5EF4-FFF2-40B4-BE49-F238E27FC236}">
+                <a16:creationId xmlns:a16="http://schemas.microsoft.com/office/drawing/2014/main" xmlns="" id="{E9651417-0FD4-4C38-A7A1-BB45E7788918}"/>
+              </a:ext>
+            </a:extLst>
+          </p:cNvPr>
+          <p:cNvSpPr/>
+          <p:nvPr/>
+        </p:nvSpPr>
+        <p:spPr>
+          <a:xfrm>
+            <a:off x="272907" y="5522252"/>
+            <a:ext cx="6852459" cy="276999"/>
+          </a:xfrm>
+          <a:prstGeom prst="rect">
+            <a:avLst/>
+          </a:prstGeom>
+        </p:spPr>
+        <p:txBody>
+          <a:bodyPr wrap="square">
+            <a:spAutoFit/>
+          </a:bodyPr>
+          <a:lstStyle/>
+          <a:p>
+            <a:pPr>
+              <a:spcAft>
+                <a:spcPts val="0"/>
+              </a:spcAft>
+            </a:pPr>
+            <a:r>
+              <a:rPr lang="fr-FR" sz="1200" i="1" u="sng" dirty="0">
+                <a:latin typeface="Calibri" panose="020F0502020204030204" pitchFamily="34" charset="0"/>
+                <a:ea typeface="Calibri" panose="020F0502020204030204" pitchFamily="34" charset="0"/>
+                <a:cs typeface="Times New Roman" panose="02020603050405020304" pitchFamily="18" charset="0"/>
+              </a:rPr>
+              <a:t>Valéry PRÉVOST et al. Physique Chimie, seconde générale.Nathan,2017.</a:t>
+            </a:r>
+          </a:p>
+        </p:txBody>
+      </p:sp>
+    </p:spTree>
+    <p:extLst>
+      <p:ext uri="{BB962C8B-B14F-4D97-AF65-F5344CB8AC3E}">
+        <p14:creationId xmlns:p14="http://schemas.microsoft.com/office/powerpoint/2010/main" val="2038539799"/>
+      </p:ext>
+    </p:extLst>
+  </p:cSld>
+  <p:clrMapOvr>
+    <a:masterClrMapping/>
+  </p:clrMapOvr>
+</p:sld>
+</file>
+
+<file path=ppt/slides/slide4.xml><?xml version="1.0" encoding="utf-8"?>
+<p:sld xmlns:a="http://schemas.openxmlformats.org/drawingml/2006/main" xmlns:r="http://schemas.openxmlformats.org/officeDocument/2006/relationships" xmlns:p="http://schemas.openxmlformats.org/presentationml/2006/main">
+  <p:cSld>
+    <p:spTree>
+      <p:nvGrpSpPr>
+        <p:cNvPr id="1" name=""/>
+        <p:cNvGrpSpPr/>
+        <p:nvPr/>
+      </p:nvGrpSpPr>
+      <p:grpSpPr>
+        <a:xfrm>
+          <a:off x="0" y="0"/>
+          <a:ext cx="0" cy="0"/>
+          <a:chOff x="0" y="0"/>
+          <a:chExt cx="0" cy="0"/>
+        </a:xfrm>
+      </p:grpSpPr>
+      <p:sp>
+        <p:nvSpPr>
+          <p:cNvPr id="2" name="Titre 1">
+            <a:extLst>
+              <a:ext uri="{FF2B5EF4-FFF2-40B4-BE49-F238E27FC236}">
+                <a16:creationId xmlns:a16="http://schemas.microsoft.com/office/drawing/2014/main" xmlns="" id="{F91A9A03-6EC7-4696-AC80-5B417F3A10CD}"/>
+              </a:ext>
+            </a:extLst>
+          </p:cNvPr>
+          <p:cNvSpPr>
+            <a:spLocks noGrp="1"/>
+          </p:cNvSpPr>
+          <p:nvPr>
+            <p:ph type="title"/>
+          </p:nvPr>
+        </p:nvSpPr>
+        <p:spPr/>
+        <p:txBody>
+          <a:bodyPr/>
+          <a:lstStyle/>
+          <a:p>
+            <a:r>
+              <a:rPr lang="fr-FR" dirty="0"/>
+              <a:t>Échelle de pH</a:t>
+            </a:r>
+          </a:p>
+        </p:txBody>
+      </p:sp>
+      <p:pic>
+        <p:nvPicPr>
+          <p:cNvPr id="5" name="Image 4">
+            <a:extLst>
+              <a:ext uri="{FF2B5EF4-FFF2-40B4-BE49-F238E27FC236}">
+                <a16:creationId xmlns:a16="http://schemas.microsoft.com/office/drawing/2014/main" xmlns="" id="{D32AF231-26A9-4F70-9E38-238824E2896C}"/>
+              </a:ext>
+            </a:extLst>
+          </p:cNvPr>
+          <p:cNvPicPr>
+            <a:picLocks noChangeAspect="1"/>
+          </p:cNvPicPr>
+          <p:nvPr/>
+        </p:nvPicPr>
+        <p:blipFill>
+          <a:blip r:embed="rId2"/>
+          <a:stretch>
+            <a:fillRect/>
+          </a:stretch>
+        </p:blipFill>
+        <p:spPr>
+          <a:xfrm>
+            <a:off x="4543425" y="1836592"/>
+            <a:ext cx="3105150" cy="4152900"/>
+          </a:xfrm>
+          <a:prstGeom prst="rect">
+            <a:avLst/>
+          </a:prstGeom>
+        </p:spPr>
+      </p:pic>
+      <p:sp>
+        <p:nvSpPr>
+          <p:cNvPr id="6" name="Rectangle 5">
+            <a:extLst>
+              <a:ext uri="{FF2B5EF4-FFF2-40B4-BE49-F238E27FC236}">
+                <a16:creationId xmlns:a16="http://schemas.microsoft.com/office/drawing/2014/main" xmlns="" id="{E9651417-0FD4-4C38-A7A1-BB45E7788918}"/>
+              </a:ext>
+            </a:extLst>
+          </p:cNvPr>
+          <p:cNvSpPr/>
+          <p:nvPr/>
+        </p:nvSpPr>
+        <p:spPr>
+          <a:xfrm>
+            <a:off x="294523" y="5915185"/>
+            <a:ext cx="6852459" cy="276999"/>
+          </a:xfrm>
+          <a:prstGeom prst="rect">
+            <a:avLst/>
+          </a:prstGeom>
+        </p:spPr>
+        <p:txBody>
+          <a:bodyPr wrap="square">
+            <a:spAutoFit/>
+          </a:bodyPr>
+          <a:lstStyle/>
+          <a:p>
+            <a:pPr>
+              <a:spcAft>
+                <a:spcPts val="0"/>
+              </a:spcAft>
+            </a:pPr>
+            <a:r>
+              <a:rPr lang="fr-FR" sz="1200" i="1" u="sng" dirty="0">
+                <a:latin typeface="Calibri" panose="020F0502020204030204" pitchFamily="34" charset="0"/>
+                <a:ea typeface="Calibri" panose="020F0502020204030204" pitchFamily="34" charset="0"/>
+                <a:cs typeface="Times New Roman" panose="02020603050405020304" pitchFamily="18" charset="0"/>
+              </a:rPr>
+              <a:t>Valéry PRÉVOST et al. Physique Chimie, seconde générale.Nathan,2017.</a:t>
+            </a:r>
+          </a:p>
+        </p:txBody>
+      </p:sp>
+    </p:spTree>
+    <p:extLst>
+      <p:ext uri="{BB962C8B-B14F-4D97-AF65-F5344CB8AC3E}">
+        <p14:creationId xmlns:p14="http://schemas.microsoft.com/office/powerpoint/2010/main" val="2564729489"/>
+      </p:ext>
+    </p:extLst>
+  </p:cSld>
+  <p:clrMapOvr>
+    <a:masterClrMapping/>
+  </p:clrMapOvr>
+</p:sld>
+</file>
+
+<file path=ppt/slides/slide5.xml><?xml version="1.0" encoding="utf-8"?>
+<p:sld xmlns:a="http://schemas.openxmlformats.org/drawingml/2006/main" xmlns:r="http://schemas.openxmlformats.org/officeDocument/2006/relationships" xmlns:p="http://schemas.openxmlformats.org/presentationml/2006/main">
+  <p:cSld>
+    <p:spTree>
+      <p:nvGrpSpPr>
+        <p:cNvPr id="1" name=""/>
+        <p:cNvGrpSpPr/>
+        <p:nvPr/>
+      </p:nvGrpSpPr>
+      <p:grpSpPr>
+        <a:xfrm>
+          <a:off x="0" y="0"/>
+          <a:ext cx="0" cy="0"/>
+          <a:chOff x="0" y="0"/>
+          <a:chExt cx="0" cy="0"/>
+        </a:xfrm>
+      </p:grpSpPr>
+      <p:sp>
+        <p:nvSpPr>
+          <p:cNvPr id="2" name="Titre 1"/>
+          <p:cNvSpPr>
+            <a:spLocks noGrp="1"/>
+          </p:cNvSpPr>
+          <p:nvPr>
+            <p:ph type="title"/>
+          </p:nvPr>
+        </p:nvSpPr>
+        <p:spPr/>
+        <p:txBody>
+          <a:bodyPr/>
+          <a:lstStyle/>
+          <a:p>
+            <a:r>
+              <a:rPr lang="fr-FR" dirty="0" smtClean="0"/>
+              <a:t>La mesure du pH : Le papier pH</a:t>
+            </a:r>
+            <a:endParaRPr lang="fr-FR" dirty="0"/>
+          </a:p>
+        </p:txBody>
+      </p:sp>
+      <p:pic>
+        <p:nvPicPr>
+          <p:cNvPr id="4" name="Image 3"/>
+          <p:cNvPicPr>
+            <a:picLocks noChangeAspect="1"/>
+          </p:cNvPicPr>
+          <p:nvPr/>
+        </p:nvPicPr>
+        <p:blipFill>
+          <a:blip r:embed="rId2"/>
+          <a:stretch>
+            <a:fillRect/>
+          </a:stretch>
+        </p:blipFill>
+        <p:spPr>
+          <a:xfrm>
+            <a:off x="818219" y="2156486"/>
+            <a:ext cx="2489200" cy="2489200"/>
+          </a:xfrm>
+          <a:prstGeom prst="rect">
+            <a:avLst/>
+          </a:prstGeom>
+        </p:spPr>
+      </p:pic>
+      <p:pic>
+        <p:nvPicPr>
+          <p:cNvPr id="5" name="Image 4" descr="Capture d’écran 2020-06-21 à 17.38.12.png"/>
+          <p:cNvPicPr>
+            <a:picLocks noChangeAspect="1"/>
+          </p:cNvPicPr>
+          <p:nvPr/>
+        </p:nvPicPr>
+        <p:blipFill rotWithShape="1">
+          <a:blip r:embed="rId3">
+            <a:extLst>
+              <a:ext uri="{28A0092B-C50C-407E-A947-70E740481C1C}">
+                <a14:useLocalDpi xmlns:a14="http://schemas.microsoft.com/office/drawing/2010/main" val="0"/>
+              </a:ext>
+            </a:extLst>
+          </a:blip>
+          <a:srcRect l="5301" t="4165" b="2557"/>
+          <a:stretch/>
+        </p:blipFill>
+        <p:spPr>
+          <a:xfrm>
+            <a:off x="7061558" y="2218816"/>
+            <a:ext cx="4577451" cy="3908200"/>
+          </a:xfrm>
+          <a:prstGeom prst="rect">
+            <a:avLst/>
+          </a:prstGeom>
+        </p:spPr>
+      </p:pic>
+      <p:sp>
+        <p:nvSpPr>
+          <p:cNvPr id="6" name="ZoneTexte 5"/>
+          <p:cNvSpPr txBox="1"/>
+          <p:nvPr/>
+        </p:nvSpPr>
+        <p:spPr>
+          <a:xfrm>
+            <a:off x="5121723" y="2833220"/>
+            <a:ext cx="1046671" cy="646331"/>
+          </a:xfrm>
+          <a:prstGeom prst="rect">
+            <a:avLst/>
+          </a:prstGeom>
+          <a:noFill/>
+        </p:spPr>
+        <p:txBody>
+          <a:bodyPr wrap="square" rtlCol="0">
+            <a:spAutoFit/>
+          </a:bodyPr>
+          <a:lstStyle/>
+          <a:p>
+            <a:r>
+              <a:rPr lang="fr-FR" dirty="0" smtClean="0"/>
+              <a:t>Baguette</a:t>
+            </a:r>
+          </a:p>
+          <a:p>
+            <a:r>
+              <a:rPr lang="fr-FR" dirty="0"/>
+              <a:t>e</a:t>
+            </a:r>
+            <a:r>
+              <a:rPr lang="fr-FR" dirty="0" smtClean="0"/>
+              <a:t>n verre</a:t>
+            </a:r>
+            <a:endParaRPr lang="fr-FR" dirty="0"/>
+          </a:p>
+        </p:txBody>
+      </p:sp>
+      <p:sp>
+        <p:nvSpPr>
+          <p:cNvPr id="7" name="ZoneTexte 6"/>
+          <p:cNvSpPr txBox="1"/>
+          <p:nvPr/>
+        </p:nvSpPr>
+        <p:spPr>
+          <a:xfrm>
+            <a:off x="5177551" y="3949762"/>
+            <a:ext cx="1007683" cy="369332"/>
+          </a:xfrm>
+          <a:prstGeom prst="rect">
+            <a:avLst/>
+          </a:prstGeom>
+          <a:noFill/>
+        </p:spPr>
+        <p:txBody>
+          <a:bodyPr wrap="none" rtlCol="0">
+            <a:spAutoFit/>
+          </a:bodyPr>
+          <a:lstStyle/>
+          <a:p>
+            <a:r>
+              <a:rPr lang="fr-FR" dirty="0" smtClean="0"/>
+              <a:t>Coupelle</a:t>
+            </a:r>
+            <a:endParaRPr lang="fr-FR" dirty="0"/>
+          </a:p>
+        </p:txBody>
+      </p:sp>
+      <p:sp>
+        <p:nvSpPr>
+          <p:cNvPr id="8" name="ZoneTexte 7"/>
+          <p:cNvSpPr txBox="1"/>
+          <p:nvPr/>
+        </p:nvSpPr>
+        <p:spPr>
+          <a:xfrm>
+            <a:off x="5093811" y="4717383"/>
+            <a:ext cx="1119830" cy="369332"/>
+          </a:xfrm>
+          <a:prstGeom prst="rect">
+            <a:avLst/>
+          </a:prstGeom>
+          <a:noFill/>
+        </p:spPr>
+        <p:txBody>
+          <a:bodyPr wrap="none" rtlCol="0">
+            <a:spAutoFit/>
+          </a:bodyPr>
+          <a:lstStyle/>
+          <a:p>
+            <a:r>
+              <a:rPr lang="fr-FR" dirty="0" smtClean="0"/>
+              <a:t>Papier-pH</a:t>
+            </a:r>
+            <a:endParaRPr lang="fr-FR" dirty="0"/>
+          </a:p>
+        </p:txBody>
+      </p:sp>
+      <p:cxnSp>
+        <p:nvCxnSpPr>
+          <p:cNvPr id="13" name="Connecteur droit 12"/>
+          <p:cNvCxnSpPr/>
+          <p:nvPr/>
+        </p:nvCxnSpPr>
+        <p:spPr>
+          <a:xfrm flipV="1">
+            <a:off x="6210605" y="3126312"/>
+            <a:ext cx="1604202" cy="0"/>
+          </a:xfrm>
+          <a:prstGeom prst="line">
+            <a:avLst/>
+          </a:prstGeom>
+          <a:ln>
+            <a:solidFill>
+              <a:srgbClr val="000000"/>
+            </a:solidFill>
+          </a:ln>
+        </p:spPr>
+        <p:style>
+          <a:lnRef idx="2">
+            <a:schemeClr val="accent1"/>
+          </a:lnRef>
+          <a:fillRef idx="0">
+            <a:schemeClr val="accent1"/>
+          </a:fillRef>
+          <a:effectRef idx="1">
+            <a:schemeClr val="accent1"/>
+          </a:effectRef>
+          <a:fontRef idx="minor">
+            <a:schemeClr val="tx1"/>
+          </a:fontRef>
+        </p:style>
+      </p:cxnSp>
+      <p:cxnSp>
+        <p:nvCxnSpPr>
+          <p:cNvPr id="14" name="Connecteur droit 13"/>
+          <p:cNvCxnSpPr/>
+          <p:nvPr/>
+        </p:nvCxnSpPr>
+        <p:spPr>
+          <a:xfrm flipV="1">
+            <a:off x="6251024" y="4171944"/>
+            <a:ext cx="1325786" cy="0"/>
+          </a:xfrm>
+          <a:prstGeom prst="line">
+            <a:avLst/>
+          </a:prstGeom>
+          <a:ln>
+            <a:solidFill>
+              <a:srgbClr val="000000"/>
+            </a:solidFill>
+          </a:ln>
+        </p:spPr>
+        <p:style>
+          <a:lnRef idx="2">
+            <a:schemeClr val="accent1"/>
+          </a:lnRef>
+          <a:fillRef idx="0">
+            <a:schemeClr val="accent1"/>
+          </a:fillRef>
+          <a:effectRef idx="1">
+            <a:schemeClr val="accent1"/>
+          </a:effectRef>
+          <a:fontRef idx="minor">
+            <a:schemeClr val="tx1"/>
+          </a:fontRef>
+        </p:style>
+      </p:cxnSp>
+      <p:cxnSp>
+        <p:nvCxnSpPr>
+          <p:cNvPr id="15" name="Connecteur droit 14"/>
+          <p:cNvCxnSpPr/>
+          <p:nvPr/>
+        </p:nvCxnSpPr>
+        <p:spPr>
+          <a:xfrm flipV="1">
+            <a:off x="6266084" y="4953521"/>
+            <a:ext cx="2664417" cy="0"/>
+          </a:xfrm>
+          <a:prstGeom prst="line">
+            <a:avLst/>
+          </a:prstGeom>
+          <a:ln>
+            <a:solidFill>
+              <a:srgbClr val="000000"/>
+            </a:solidFill>
+          </a:ln>
+        </p:spPr>
+        <p:style>
+          <a:lnRef idx="2">
+            <a:schemeClr val="accent1"/>
+          </a:lnRef>
+          <a:fillRef idx="0">
+            <a:schemeClr val="accent1"/>
+          </a:fillRef>
+          <a:effectRef idx="1">
+            <a:schemeClr val="accent1"/>
+          </a:effectRef>
+          <a:fontRef idx="minor">
+            <a:schemeClr val="tx1"/>
+          </a:fontRef>
+        </p:style>
+      </p:cxnSp>
+    </p:spTree>
+    <p:extLst>
+      <p:ext uri="{BB962C8B-B14F-4D97-AF65-F5344CB8AC3E}">
+        <p14:creationId xmlns:p14="http://schemas.microsoft.com/office/powerpoint/2010/main" val="619785511"/>
+      </p:ext>
+    </p:extLst>
+  </p:cSld>
+  <p:clrMapOvr>
+    <a:masterClrMapping/>
+  </p:clrMapOvr>
+</p:sld>
+</file>
+
+<file path=ppt/slides/slide6.xml><?xml version="1.0" encoding="utf-8"?>
+<p:sld xmlns:a="http://schemas.openxmlformats.org/drawingml/2006/main" xmlns:r="http://schemas.openxmlformats.org/officeDocument/2006/relationships" xmlns:p="http://schemas.openxmlformats.org/presentationml/2006/main">
+  <p:cSld>
+    <p:spTree>
+      <p:nvGrpSpPr>
+        <p:cNvPr id="1" name=""/>
+        <p:cNvGrpSpPr/>
+        <p:nvPr/>
+      </p:nvGrpSpPr>
+      <p:grpSpPr>
+        <a:xfrm>
+          <a:off x="0" y="0"/>
+          <a:ext cx="0" cy="0"/>
+          <a:chOff x="0" y="0"/>
+          <a:chExt cx="0" cy="0"/>
+        </a:xfrm>
+      </p:grpSpPr>
+      <p:sp>
+        <p:nvSpPr>
+          <p:cNvPr id="2" name="Titre 1"/>
+          <p:cNvSpPr>
+            <a:spLocks noGrp="1"/>
+          </p:cNvSpPr>
+          <p:nvPr>
+            <p:ph type="title"/>
+          </p:nvPr>
+        </p:nvSpPr>
+        <p:spPr/>
+        <p:txBody>
+          <a:bodyPr/>
+          <a:lstStyle/>
+          <a:p>
+            <a:r>
+              <a:rPr lang="fr-FR" dirty="0" smtClean="0"/>
+              <a:t>La mesure du pH : Le pH-mètre</a:t>
+            </a:r>
+            <a:endParaRPr lang="fr-FR" dirty="0"/>
+          </a:p>
+        </p:txBody>
+      </p:sp>
+      <p:pic>
+        <p:nvPicPr>
+          <p:cNvPr id="3" name="Image 2"/>
+          <p:cNvPicPr>
+            <a:picLocks noChangeAspect="1"/>
+          </p:cNvPicPr>
+          <p:nvPr/>
+        </p:nvPicPr>
+        <p:blipFill>
+          <a:blip r:embed="rId2"/>
+          <a:stretch>
+            <a:fillRect/>
+          </a:stretch>
+        </p:blipFill>
+        <p:spPr>
+          <a:xfrm>
+            <a:off x="1727811" y="2214297"/>
+            <a:ext cx="5080000" cy="3657600"/>
+          </a:xfrm>
+          <a:prstGeom prst="rect">
+            <a:avLst/>
+          </a:prstGeom>
+        </p:spPr>
+      </p:pic>
+      <p:sp>
+        <p:nvSpPr>
+          <p:cNvPr id="10" name="ZoneTexte 9"/>
+          <p:cNvSpPr txBox="1"/>
+          <p:nvPr/>
+        </p:nvSpPr>
+        <p:spPr>
+          <a:xfrm>
+            <a:off x="0" y="6460755"/>
+            <a:ext cx="1544012" cy="276999"/>
+          </a:xfrm>
+          <a:prstGeom prst="rect">
+            <a:avLst/>
+          </a:prstGeom>
+          <a:noFill/>
+        </p:spPr>
+        <p:txBody>
+          <a:bodyPr wrap="none" rtlCol="0">
+            <a:spAutoFit/>
+          </a:bodyPr>
+          <a:lstStyle/>
+          <a:p>
+            <a:r>
+              <a:rPr lang="fr-FR" sz="1200" dirty="0" err="1"/>
+              <a:t>https</a:t>
+            </a:r>
+            <a:r>
+              <a:rPr lang="fr-FR" sz="1200" dirty="0"/>
+              <a:t>://</a:t>
+            </a:r>
+            <a:r>
+              <a:rPr lang="fr-FR" sz="1200" dirty="0" err="1"/>
+              <a:t>www.ugap.fr</a:t>
+            </a:r>
+            <a:r>
+              <a:rPr lang="fr-FR" sz="1200" dirty="0"/>
+              <a:t>/</a:t>
+            </a:r>
+          </a:p>
+        </p:txBody>
+      </p:sp>
+    </p:spTree>
+    <p:extLst>
+      <p:ext uri="{BB962C8B-B14F-4D97-AF65-F5344CB8AC3E}">
+        <p14:creationId xmlns:p14="http://schemas.microsoft.com/office/powerpoint/2010/main" val="618160070"/>
+      </p:ext>
+    </p:extLst>
+  </p:cSld>
+  <p:clrMapOvr>
+    <a:masterClrMapping/>
+  </p:clrMapOvr>
+</p:sld>
+</file>
+
+<file path=ppt/slides/slide7.xml><?xml version="1.0" encoding="utf-8"?>
+<p:sld xmlns:a="http://schemas.openxmlformats.org/drawingml/2006/main" xmlns:r="http://schemas.openxmlformats.org/officeDocument/2006/relationships" xmlns:p="http://schemas.openxmlformats.org/presentationml/2006/main">
+  <p:cSld>
+    <p:spTree>
+      <p:nvGrpSpPr>
+        <p:cNvPr id="1" name=""/>
+        <p:cNvGrpSpPr/>
+        <p:nvPr/>
+      </p:nvGrpSpPr>
+      <p:grpSpPr>
+        <a:xfrm>
+          <a:off x="0" y="0"/>
+          <a:ext cx="0" cy="0"/>
+          <a:chOff x="0" y="0"/>
+          <a:chExt cx="0" cy="0"/>
+        </a:xfrm>
+      </p:grpSpPr>
+      <p:pic>
+        <p:nvPicPr>
+          <p:cNvPr id="7" name="Image 6"/>
+          <p:cNvPicPr>
+            <a:picLocks noChangeAspect="1"/>
+          </p:cNvPicPr>
+          <p:nvPr/>
+        </p:nvPicPr>
+        <p:blipFill>
+          <a:blip r:embed="rId2"/>
+          <a:stretch>
+            <a:fillRect/>
+          </a:stretch>
+        </p:blipFill>
+        <p:spPr>
+          <a:xfrm>
+            <a:off x="7009849" y="1925291"/>
+            <a:ext cx="2530125" cy="2530125"/>
+          </a:xfrm>
+          <a:prstGeom prst="rect">
+            <a:avLst/>
+          </a:prstGeom>
+        </p:spPr>
+      </p:pic>
+      <p:sp>
+        <p:nvSpPr>
+          <p:cNvPr id="2" name="Espace réservé du numéro de diapositive 1">
+            <a:extLst>
+              <a:ext uri="{FF2B5EF4-FFF2-40B4-BE49-F238E27FC236}">
+                <a16:creationId xmlns:a16="http://schemas.microsoft.com/office/drawing/2014/main" xmlns="" id="{7AB1B0BC-99AA-42A3-B7E8-241B05923041}"/>
+              </a:ext>
+            </a:extLst>
+          </p:cNvPr>
+          <p:cNvSpPr>
+            <a:spLocks noGrp="1"/>
+          </p:cNvSpPr>
+          <p:nvPr>
+            <p:ph type="sldNum" sz="quarter" idx="4294967295"/>
+          </p:nvPr>
+        </p:nvSpPr>
+        <p:spPr>
+          <a:xfrm>
+            <a:off x="9953373" y="6102581"/>
+            <a:ext cx="1312025" cy="365125"/>
+          </a:xfrm>
+          <a:prstGeom prst="rect">
+            <a:avLst/>
+          </a:prstGeom>
+        </p:spPr>
+        <p:txBody>
+          <a:bodyPr/>
+          <a:lstStyle/>
+          <a:p>
+            <a:fld id="{3B9124A2-E1D7-417D-88BC-63EA5DA45BC4}" type="slidenum">
+              <a:rPr lang="fr-FR" smtClean="0"/>
+              <a:t>6</a:t>
+            </a:fld>
+            <a:endParaRPr lang="fr-FR"/>
+          </a:p>
+        </p:txBody>
+      </p:sp>
+      <p:pic>
+        <p:nvPicPr>
+          <p:cNvPr id="1026" name="Picture 2" descr="Vinaigre d'alcool 12% BIO 1L - Mes courses en vrac">
+            <a:extLst>
+              <a:ext uri="{FF2B5EF4-FFF2-40B4-BE49-F238E27FC236}">
+                <a16:creationId xmlns:a16="http://schemas.microsoft.com/office/drawing/2014/main" xmlns="" id="{49B42E29-D6BD-45A4-B644-C5AE46D1057F}"/>
+              </a:ext>
+            </a:extLst>
+          </p:cNvPr>
+          <p:cNvPicPr>
+            <a:picLocks noChangeAspect="1" noChangeArrowheads="1"/>
+          </p:cNvPicPr>
+          <p:nvPr/>
+        </p:nvPicPr>
+        <p:blipFill rotWithShape="1">
+          <a:blip r:embed="rId3">
+            <a:extLst>
+              <a:ext uri="{28A0092B-C50C-407E-A947-70E740481C1C}">
+                <a14:useLocalDpi xmlns:a14="http://schemas.microsoft.com/office/drawing/2010/main" val="0"/>
+              </a:ext>
+            </a:extLst>
+          </a:blip>
+          <a:srcRect l="34583" r="29845"/>
+          <a:stretch/>
+        </p:blipFill>
+        <p:spPr bwMode="auto">
+          <a:xfrm>
+            <a:off x="160754" y="1420304"/>
+            <a:ext cx="699618" cy="1966807"/>
+          </a:xfrm>
+          <a:prstGeom prst="rect">
+            <a:avLst/>
+          </a:prstGeom>
+          <a:noFill/>
+          <a:extLst>
+            <a:ext uri="{909E8E84-426E-40dd-AFC4-6F175D3DCCD1}">
+              <a14:hiddenFill xmlns:a14="http://schemas.microsoft.com/office/drawing/2010/main">
+                <a:solidFill>
+                  <a:srgbClr val="FFFFFF"/>
+                </a:solidFill>
+              </a14:hiddenFill>
+            </a:ext>
+          </a:extLst>
+        </p:spPr>
+      </p:pic>
+      <p:pic>
+        <p:nvPicPr>
+          <p:cNvPr id="1028" name="Picture 4" descr="Vrai ou faux ? Sept idées reçues sur les bienfaits du citron ...">
+            <a:extLst>
+              <a:ext uri="{FF2B5EF4-FFF2-40B4-BE49-F238E27FC236}">
+                <a16:creationId xmlns:a16="http://schemas.microsoft.com/office/drawing/2014/main" xmlns="" id="{E7D7A420-696E-46DF-BB8D-67BF0A8257DB}"/>
+              </a:ext>
+            </a:extLst>
+          </p:cNvPr>
+          <p:cNvPicPr>
+            <a:picLocks noChangeAspect="1" noChangeArrowheads="1"/>
+          </p:cNvPicPr>
+          <p:nvPr/>
+        </p:nvPicPr>
+        <p:blipFill rotWithShape="1">
+          <a:blip r:embed="rId4">
+            <a:extLst>
+              <a:ext uri="{28A0092B-C50C-407E-A947-70E740481C1C}">
+                <a14:useLocalDpi xmlns:a14="http://schemas.microsoft.com/office/drawing/2010/main" val="0"/>
+              </a:ext>
+            </a:extLst>
+          </a:blip>
+          <a:srcRect r="45516"/>
+          <a:stretch/>
+        </p:blipFill>
+        <p:spPr bwMode="auto">
+          <a:xfrm>
+            <a:off x="4399074" y="1031223"/>
+            <a:ext cx="1157167" cy="1003302"/>
+          </a:xfrm>
+          <a:prstGeom prst="rect">
+            <a:avLst/>
+          </a:prstGeom>
+          <a:noFill/>
+          <a:extLst>
+            <a:ext uri="{909E8E84-426E-40dd-AFC4-6F175D3DCCD1}">
+              <a14:hiddenFill xmlns:a14="http://schemas.microsoft.com/office/drawing/2010/main">
+                <a:solidFill>
+                  <a:srgbClr val="FFFFFF"/>
+                </a:solidFill>
+              </a14:hiddenFill>
+            </a:ext>
+          </a:extLst>
+        </p:spPr>
+      </p:pic>
+      <p:pic>
+        <p:nvPicPr>
+          <p:cNvPr id="1030" name="Picture 6" descr="Les agrumes ! | Les éditions de la rose">
+            <a:extLst>
+              <a:ext uri="{FF2B5EF4-FFF2-40B4-BE49-F238E27FC236}">
+                <a16:creationId xmlns:a16="http://schemas.microsoft.com/office/drawing/2014/main" xmlns="" id="{4AC3923C-D6C8-4B49-9F47-4A2C08A3CAD5}"/>
+              </a:ext>
+            </a:extLst>
+          </p:cNvPr>
+          <p:cNvPicPr>
+            <a:picLocks noChangeAspect="1" noChangeArrowheads="1"/>
+          </p:cNvPicPr>
+          <p:nvPr/>
+        </p:nvPicPr>
+        <p:blipFill>
+          <a:blip r:embed="rId5">
+            <a:extLst>
+              <a:ext uri="{28A0092B-C50C-407E-A947-70E740481C1C}">
+                <a14:useLocalDpi xmlns:a14="http://schemas.microsoft.com/office/drawing/2010/main" val="0"/>
+              </a:ext>
+            </a:extLst>
+          </a:blip>
+          <a:srcRect/>
+          <a:stretch>
+            <a:fillRect/>
+          </a:stretch>
+        </p:blipFill>
+        <p:spPr bwMode="auto">
+          <a:xfrm>
+            <a:off x="149182" y="5448167"/>
+            <a:ext cx="1616337" cy="1089399"/>
+          </a:xfrm>
+          <a:prstGeom prst="rect">
+            <a:avLst/>
+          </a:prstGeom>
+          <a:noFill/>
+          <a:extLst>
+            <a:ext uri="{909E8E84-426E-40dd-AFC4-6F175D3DCCD1}">
+              <a14:hiddenFill xmlns:a14="http://schemas.microsoft.com/office/drawing/2010/main">
+                <a:solidFill>
+                  <a:srgbClr val="FFFFFF"/>
+                </a:solidFill>
+              </a14:hiddenFill>
+            </a:ext>
+          </a:extLst>
+        </p:spPr>
+      </p:pic>
+      <p:pic>
+        <p:nvPicPr>
+          <p:cNvPr id="1032" name="Picture 8" descr="Limonade artisanale arôme citron LORINA : la bouteille d'1L à Prix ...">
+            <a:extLst>
+              <a:ext uri="{FF2B5EF4-FFF2-40B4-BE49-F238E27FC236}">
+                <a16:creationId xmlns:a16="http://schemas.microsoft.com/office/drawing/2014/main" xmlns="" id="{F6DB467F-E8EC-48D7-8B58-FE067FEE1286}"/>
+              </a:ext>
+            </a:extLst>
+          </p:cNvPr>
+          <p:cNvPicPr>
+            <a:picLocks noChangeAspect="1" noChangeArrowheads="1"/>
+          </p:cNvPicPr>
+          <p:nvPr/>
+        </p:nvPicPr>
+        <p:blipFill rotWithShape="1">
+          <a:blip r:embed="rId6">
+            <a:extLst>
+              <a:ext uri="{28A0092B-C50C-407E-A947-70E740481C1C}">
+                <a14:useLocalDpi xmlns:a14="http://schemas.microsoft.com/office/drawing/2010/main" val="0"/>
+              </a:ext>
+            </a:extLst>
+          </a:blip>
+          <a:srcRect l="30006" r="31037"/>
+          <a:stretch/>
+        </p:blipFill>
+        <p:spPr bwMode="auto">
+          <a:xfrm>
+            <a:off x="109253" y="3620914"/>
+            <a:ext cx="710148" cy="1822922"/>
+          </a:xfrm>
+          <a:prstGeom prst="rect">
+            <a:avLst/>
+          </a:prstGeom>
+          <a:noFill/>
+          <a:extLst>
+            <a:ext uri="{909E8E84-426E-40dd-AFC4-6F175D3DCCD1}">
+              <a14:hiddenFill xmlns:a14="http://schemas.microsoft.com/office/drawing/2010/main">
+                <a:solidFill>
+                  <a:srgbClr val="FFFFFF"/>
+                </a:solidFill>
+              </a14:hiddenFill>
+            </a:ext>
+          </a:extLst>
+        </p:spPr>
+      </p:pic>
+      <p:sp>
+        <p:nvSpPr>
+          <p:cNvPr id="3" name="ZoneTexte 2">
+            <a:extLst>
+              <a:ext uri="{FF2B5EF4-FFF2-40B4-BE49-F238E27FC236}">
+                <a16:creationId xmlns:a16="http://schemas.microsoft.com/office/drawing/2014/main" xmlns="" id="{45DCE0B0-0425-4FB4-9AC9-018875003443}"/>
+              </a:ext>
+            </a:extLst>
+          </p:cNvPr>
+          <p:cNvSpPr txBox="1"/>
+          <p:nvPr/>
+        </p:nvSpPr>
+        <p:spPr>
+          <a:xfrm>
+            <a:off x="-64868" y="827265"/>
+            <a:ext cx="2581055" cy="523220"/>
+          </a:xfrm>
+          <a:prstGeom prst="rect">
+            <a:avLst/>
+          </a:prstGeom>
+          <a:noFill/>
+        </p:spPr>
+        <p:txBody>
+          <a:bodyPr wrap="none" rtlCol="0">
+            <a:spAutoFit/>
+          </a:bodyPr>
+          <a:lstStyle/>
+          <a:p>
+            <a:pPr algn="ctr"/>
+            <a:r>
+              <a:rPr lang="fr-FR" sz="2800" b="1" dirty="0" smtClean="0"/>
+              <a:t>Solutions acides</a:t>
+            </a:r>
+            <a:endParaRPr lang="fr-FR" sz="2800" b="1" dirty="0"/>
+          </a:p>
+        </p:txBody>
+      </p:sp>
+      <p:pic>
+        <p:nvPicPr>
+          <p:cNvPr id="1034" name="Picture 10" descr="Déboucheur liquide canalisations surpuissant 1L Destop - Delcourt ...">
+            <a:extLst>
+              <a:ext uri="{FF2B5EF4-FFF2-40B4-BE49-F238E27FC236}">
+                <a16:creationId xmlns:a16="http://schemas.microsoft.com/office/drawing/2014/main" xmlns="" id="{D08D13F8-059D-4576-BDB3-6D392043B5E7}"/>
+              </a:ext>
+            </a:extLst>
+          </p:cNvPr>
+          <p:cNvPicPr>
+            <a:picLocks noChangeAspect="1" noChangeArrowheads="1"/>
+          </p:cNvPicPr>
+          <p:nvPr/>
+        </p:nvPicPr>
+        <p:blipFill rotWithShape="1">
+          <a:blip r:embed="rId7">
+            <a:extLst>
+              <a:ext uri="{28A0092B-C50C-407E-A947-70E740481C1C}">
+                <a14:useLocalDpi xmlns:a14="http://schemas.microsoft.com/office/drawing/2010/main" val="0"/>
+              </a:ext>
+            </a:extLst>
+          </a:blip>
+          <a:srcRect l="33900" r="26002"/>
+          <a:stretch/>
+        </p:blipFill>
+        <p:spPr bwMode="auto">
+          <a:xfrm>
+            <a:off x="10298561" y="2070441"/>
+            <a:ext cx="862909" cy="2151961"/>
+          </a:xfrm>
+          <a:prstGeom prst="rect">
+            <a:avLst/>
+          </a:prstGeom>
+          <a:noFill/>
+          <a:extLst>
+            <a:ext uri="{909E8E84-426E-40dd-AFC4-6F175D3DCCD1}">
+              <a14:hiddenFill xmlns:a14="http://schemas.microsoft.com/office/drawing/2010/main">
+                <a:solidFill>
+                  <a:srgbClr val="FFFFFF"/>
+                </a:solidFill>
+              </a14:hiddenFill>
+            </a:ext>
+          </a:extLst>
+        </p:spPr>
+      </p:pic>
+      <p:sp>
+        <p:nvSpPr>
+          <p:cNvPr id="10" name="ZoneTexte 9">
+            <a:extLst>
+              <a:ext uri="{FF2B5EF4-FFF2-40B4-BE49-F238E27FC236}">
+                <a16:creationId xmlns:a16="http://schemas.microsoft.com/office/drawing/2014/main" xmlns="" id="{AEBBE209-002D-4864-90F1-F5A843805E87}"/>
+              </a:ext>
+            </a:extLst>
+          </p:cNvPr>
+          <p:cNvSpPr txBox="1"/>
+          <p:nvPr/>
+        </p:nvSpPr>
+        <p:spPr>
+          <a:xfrm>
+            <a:off x="7913008" y="983864"/>
+            <a:ext cx="2959414" cy="523220"/>
+          </a:xfrm>
+          <a:prstGeom prst="rect">
+            <a:avLst/>
+          </a:prstGeom>
+          <a:noFill/>
+        </p:spPr>
+        <p:txBody>
+          <a:bodyPr wrap="none" rtlCol="0">
+            <a:spAutoFit/>
+          </a:bodyPr>
+          <a:lstStyle/>
+          <a:p>
+            <a:pPr algn="ctr"/>
+            <a:r>
+              <a:rPr lang="fr-FR" sz="2800" b="1" dirty="0" smtClean="0"/>
+              <a:t>Solutions basiques</a:t>
+            </a:r>
+            <a:endParaRPr lang="fr-FR" sz="2800" b="1" dirty="0"/>
+          </a:p>
+        </p:txBody>
+      </p:sp>
+      <p:sp>
+        <p:nvSpPr>
+          <p:cNvPr id="4" name="ZoneTexte 3"/>
+          <p:cNvSpPr txBox="1"/>
+          <p:nvPr/>
+        </p:nvSpPr>
+        <p:spPr>
+          <a:xfrm>
+            <a:off x="3294427" y="211676"/>
+            <a:ext cx="4868950" cy="523220"/>
+          </a:xfrm>
+          <a:prstGeom prst="rect">
+            <a:avLst/>
+          </a:prstGeom>
+          <a:noFill/>
+        </p:spPr>
+        <p:txBody>
+          <a:bodyPr wrap="none" rtlCol="0">
+            <a:spAutoFit/>
+          </a:bodyPr>
+          <a:lstStyle/>
+          <a:p>
+            <a:pPr algn="ctr"/>
+            <a:r>
+              <a:rPr lang="fr-FR" sz="2800" spc="-38" dirty="0" smtClean="0">
+                <a:solidFill>
+                  <a:srgbClr val="CF8182"/>
+                </a:solidFill>
+                <a:latin typeface="+mj-lt"/>
+                <a:ea typeface="+mj-ea"/>
+                <a:cs typeface="+mj-cs"/>
+              </a:rPr>
+              <a:t>Acides et bases (au quotidien) </a:t>
+            </a:r>
+            <a:endParaRPr lang="fr-FR" sz="2800" spc="-38" dirty="0">
+              <a:solidFill>
+                <a:srgbClr val="CF8182"/>
+              </a:solidFill>
+              <a:latin typeface="+mj-lt"/>
+              <a:ea typeface="+mj-ea"/>
+              <a:cs typeface="+mj-cs"/>
+            </a:endParaRPr>
+          </a:p>
+        </p:txBody>
+      </p:sp>
+      <p:sp>
+        <p:nvSpPr>
+          <p:cNvPr id="8" name="ZoneTexte 7"/>
+          <p:cNvSpPr txBox="1"/>
+          <p:nvPr/>
+        </p:nvSpPr>
+        <p:spPr>
+          <a:xfrm>
+            <a:off x="1311042" y="2061840"/>
+            <a:ext cx="1834532" cy="646331"/>
+          </a:xfrm>
+          <a:prstGeom prst="rect">
+            <a:avLst/>
+          </a:prstGeom>
+          <a:noFill/>
+        </p:spPr>
+        <p:txBody>
+          <a:bodyPr wrap="none" rtlCol="0">
+            <a:spAutoFit/>
+          </a:bodyPr>
+          <a:lstStyle/>
+          <a:p>
+            <a:r>
+              <a:rPr lang="fr-FR" u="sng" dirty="0" smtClean="0"/>
+              <a:t>Acide éthanoïque</a:t>
+            </a:r>
+          </a:p>
+          <a:p>
+            <a:r>
+              <a:rPr lang="fr-FR" dirty="0" smtClean="0"/>
+              <a:t>CH</a:t>
+            </a:r>
+            <a:r>
+              <a:rPr lang="fr-FR" baseline="-25000" dirty="0" smtClean="0"/>
+              <a:t>3</a:t>
+            </a:r>
+            <a:r>
+              <a:rPr lang="fr-FR" dirty="0" smtClean="0"/>
+              <a:t>COOH</a:t>
+            </a:r>
+            <a:endParaRPr lang="fr-FR" dirty="0"/>
+          </a:p>
+        </p:txBody>
+      </p:sp>
+      <p:sp>
+        <p:nvSpPr>
+          <p:cNvPr id="9" name="ZoneTexte 8"/>
+          <p:cNvSpPr txBox="1"/>
+          <p:nvPr/>
+        </p:nvSpPr>
+        <p:spPr>
+          <a:xfrm>
+            <a:off x="8316917" y="5229694"/>
+            <a:ext cx="2177850" cy="369332"/>
+          </a:xfrm>
+          <a:prstGeom prst="rect">
+            <a:avLst/>
+          </a:prstGeom>
+          <a:noFill/>
+        </p:spPr>
+        <p:txBody>
+          <a:bodyPr wrap="none" rtlCol="0">
+            <a:spAutoFit/>
+          </a:bodyPr>
+          <a:lstStyle/>
+          <a:p>
+            <a:r>
+              <a:rPr lang="fr-FR" dirty="0" smtClean="0"/>
+              <a:t>Base : hydroxyde HO</a:t>
+            </a:r>
+            <a:r>
+              <a:rPr lang="fr-FR" baseline="30000" dirty="0" smtClean="0"/>
+              <a:t>-</a:t>
+            </a:r>
+            <a:endParaRPr lang="fr-FR" dirty="0"/>
+          </a:p>
+        </p:txBody>
+      </p:sp>
+      <p:sp>
+        <p:nvSpPr>
+          <p:cNvPr id="11" name="Accolade fermante 10"/>
+          <p:cNvSpPr/>
+          <p:nvPr/>
+        </p:nvSpPr>
+        <p:spPr>
+          <a:xfrm rot="5400000">
+            <a:off x="9071535" y="2918466"/>
+            <a:ext cx="669178" cy="3639330"/>
+          </a:xfrm>
+          <a:prstGeom prst="rightBrace">
+            <a:avLst/>
+          </a:prstGeom>
+          <a:ln>
+            <a:solidFill>
+              <a:schemeClr val="tx1"/>
+            </a:solidFill>
+          </a:ln>
+        </p:spPr>
+        <p:style>
+          <a:lnRef idx="2">
+            <a:schemeClr val="accent1"/>
+          </a:lnRef>
+          <a:fillRef idx="0">
+            <a:schemeClr val="accent1"/>
+          </a:fillRef>
+          <a:effectRef idx="1">
+            <a:schemeClr val="accent1"/>
+          </a:effectRef>
+          <a:fontRef idx="minor">
+            <a:schemeClr val="tx1"/>
+          </a:fontRef>
+        </p:style>
+        <p:txBody>
+          <a:bodyPr rtlCol="0" anchor="ctr"/>
+          <a:lstStyle/>
+          <a:p>
+            <a:pPr algn="ctr"/>
+            <a:endParaRPr lang="fr-FR"/>
+          </a:p>
+        </p:txBody>
+      </p:sp>
+      <p:sp>
+        <p:nvSpPr>
+          <p:cNvPr id="17" name="Accolade fermante 16"/>
+          <p:cNvSpPr/>
+          <p:nvPr/>
+        </p:nvSpPr>
+        <p:spPr>
+          <a:xfrm>
+            <a:off x="1802681" y="3714040"/>
+            <a:ext cx="497313" cy="3023466"/>
+          </a:xfrm>
+          <a:prstGeom prst="rightBrace">
+            <a:avLst/>
+          </a:prstGeom>
+          <a:ln>
+            <a:solidFill>
+              <a:schemeClr val="tx1"/>
+            </a:solidFill>
+          </a:ln>
+        </p:spPr>
+        <p:style>
+          <a:lnRef idx="2">
+            <a:schemeClr val="accent1"/>
+          </a:lnRef>
+          <a:fillRef idx="0">
+            <a:schemeClr val="accent1"/>
+          </a:fillRef>
+          <a:effectRef idx="1">
+            <a:schemeClr val="accent1"/>
+          </a:effectRef>
+          <a:fontRef idx="minor">
+            <a:schemeClr val="tx1"/>
+          </a:fontRef>
+        </p:style>
+        <p:txBody>
+          <a:bodyPr rtlCol="0" anchor="ctr"/>
+          <a:lstStyle/>
+          <a:p>
+            <a:pPr algn="ctr"/>
+            <a:endParaRPr lang="fr-FR"/>
+          </a:p>
+        </p:txBody>
+      </p:sp>
+      <p:pic>
+        <p:nvPicPr>
+          <p:cNvPr id="18" name="Image 17"/>
+          <p:cNvPicPr/>
+          <p:nvPr/>
+        </p:nvPicPr>
+        <p:blipFill>
+          <a:blip r:embed="rId8" cstate="print">
+            <a:extLst>
+              <a:ext uri="{28A0092B-C50C-407E-A947-70E740481C1C}">
+                <a14:useLocalDpi xmlns:a14="http://schemas.microsoft.com/office/drawing/2010/main" val="0"/>
+              </a:ext>
+            </a:extLst>
+          </a:blip>
+          <a:srcRect/>
+          <a:stretch>
+            <a:fillRect/>
+          </a:stretch>
+        </p:blipFill>
+        <p:spPr bwMode="auto">
+          <a:xfrm>
+            <a:off x="5080284" y="2430510"/>
+            <a:ext cx="1966562" cy="914855"/>
+          </a:xfrm>
+          <a:prstGeom prst="rect">
+            <a:avLst/>
+          </a:prstGeom>
+          <a:noFill/>
+          <a:ln>
+            <a:noFill/>
+          </a:ln>
+        </p:spPr>
+      </p:pic>
+      <p:sp>
+        <p:nvSpPr>
+          <p:cNvPr id="19" name="Accolade fermante 18"/>
+          <p:cNvSpPr/>
+          <p:nvPr/>
+        </p:nvSpPr>
+        <p:spPr>
+          <a:xfrm>
+            <a:off x="887684" y="1381313"/>
+            <a:ext cx="349266" cy="2059635"/>
+          </a:xfrm>
+          <a:prstGeom prst="rightBrace">
+            <a:avLst/>
+          </a:prstGeom>
+          <a:ln>
+            <a:solidFill>
+              <a:schemeClr val="tx1"/>
+            </a:solidFill>
+          </a:ln>
+        </p:spPr>
+        <p:style>
+          <a:lnRef idx="2">
+            <a:schemeClr val="accent1"/>
+          </a:lnRef>
+          <a:fillRef idx="0">
+            <a:schemeClr val="accent1"/>
+          </a:fillRef>
+          <a:effectRef idx="1">
+            <a:schemeClr val="accent1"/>
+          </a:effectRef>
+          <a:fontRef idx="minor">
+            <a:schemeClr val="tx1"/>
+          </a:fontRef>
+        </p:style>
+        <p:txBody>
+          <a:bodyPr rtlCol="0" anchor="ctr"/>
+          <a:lstStyle/>
+          <a:p>
+            <a:pPr algn="ctr"/>
+            <a:endParaRPr lang="fr-FR"/>
+          </a:p>
+        </p:txBody>
+      </p:sp>
+      <p:sp>
+        <p:nvSpPr>
+          <p:cNvPr id="12" name="ZoneTexte 11"/>
+          <p:cNvSpPr txBox="1"/>
+          <p:nvPr/>
+        </p:nvSpPr>
+        <p:spPr>
+          <a:xfrm>
+            <a:off x="2526486" y="4956603"/>
+            <a:ext cx="1903398" cy="369332"/>
+          </a:xfrm>
+          <a:prstGeom prst="rect">
+            <a:avLst/>
+          </a:prstGeom>
+          <a:noFill/>
+        </p:spPr>
+        <p:txBody>
+          <a:bodyPr wrap="none" rtlCol="0">
+            <a:spAutoFit/>
+          </a:bodyPr>
+          <a:lstStyle/>
+          <a:p>
+            <a:r>
+              <a:rPr lang="fr-FR" u="sng" dirty="0" smtClean="0"/>
+              <a:t>Acide ascorbique : </a:t>
+            </a:r>
+            <a:endParaRPr lang="fr-FR" u="sng" dirty="0"/>
+          </a:p>
+        </p:txBody>
+      </p:sp>
+      <p:sp>
+        <p:nvSpPr>
+          <p:cNvPr id="21" name="Accolade fermante 20"/>
+          <p:cNvSpPr/>
+          <p:nvPr/>
+        </p:nvSpPr>
+        <p:spPr>
+          <a:xfrm rot="5400000">
+            <a:off x="4895988" y="1654408"/>
+            <a:ext cx="213893" cy="1219920"/>
+          </a:xfrm>
+          <a:prstGeom prst="rightBrace">
+            <a:avLst/>
+          </a:prstGeom>
+          <a:ln>
+            <a:solidFill>
+              <a:schemeClr val="tx1"/>
+            </a:solidFill>
+          </a:ln>
+        </p:spPr>
+        <p:style>
+          <a:lnRef idx="2">
+            <a:schemeClr val="accent1"/>
+          </a:lnRef>
+          <a:fillRef idx="0">
+            <a:schemeClr val="accent1"/>
+          </a:fillRef>
+          <a:effectRef idx="1">
+            <a:schemeClr val="accent1"/>
+          </a:effectRef>
+          <a:fontRef idx="minor">
+            <a:schemeClr val="tx1"/>
+          </a:fontRef>
+        </p:style>
+        <p:txBody>
+          <a:bodyPr rtlCol="0" anchor="ctr"/>
+          <a:lstStyle/>
+          <a:p>
+            <a:pPr algn="ctr"/>
+            <a:endParaRPr lang="fr-FR"/>
+          </a:p>
+        </p:txBody>
+      </p:sp>
+      <p:sp>
+        <p:nvSpPr>
+          <p:cNvPr id="13" name="ZoneTexte 12"/>
+          <p:cNvSpPr txBox="1"/>
+          <p:nvPr/>
+        </p:nvSpPr>
+        <p:spPr>
+          <a:xfrm>
+            <a:off x="3578051" y="2539746"/>
+            <a:ext cx="1589836" cy="369332"/>
+          </a:xfrm>
+          <a:prstGeom prst="rect">
+            <a:avLst/>
+          </a:prstGeom>
+          <a:noFill/>
+        </p:spPr>
+        <p:txBody>
+          <a:bodyPr wrap="none" rtlCol="0">
+            <a:spAutoFit/>
+          </a:bodyPr>
+          <a:lstStyle/>
+          <a:p>
+            <a:r>
+              <a:rPr lang="fr-FR" u="sng" dirty="0" smtClean="0"/>
+              <a:t>Acide citrique :</a:t>
+            </a:r>
+            <a:endParaRPr lang="fr-FR" u="sng" dirty="0"/>
+          </a:p>
+        </p:txBody>
+      </p:sp>
+      <p:pic>
+        <p:nvPicPr>
+          <p:cNvPr id="23" name="Image 22"/>
+          <p:cNvPicPr/>
+          <p:nvPr/>
+        </p:nvPicPr>
+        <p:blipFill>
+          <a:blip r:embed="rId9">
+            <a:extLst>
+              <a:ext uri="{28A0092B-C50C-407E-A947-70E740481C1C}">
+                <a14:useLocalDpi xmlns:a14="http://schemas.microsoft.com/office/drawing/2010/main" val="0"/>
+              </a:ext>
+            </a:extLst>
+          </a:blip>
+          <a:srcRect/>
+          <a:stretch>
+            <a:fillRect/>
+          </a:stretch>
+        </p:blipFill>
+        <p:spPr bwMode="auto">
+          <a:xfrm>
+            <a:off x="4706152" y="4807237"/>
+            <a:ext cx="1796415" cy="1066800"/>
+          </a:xfrm>
+          <a:prstGeom prst="rect">
+            <a:avLst/>
+          </a:prstGeom>
+          <a:noFill/>
+          <a:ln>
+            <a:noFill/>
+          </a:ln>
+        </p:spPr>
+      </p:pic>
+      <p:cxnSp>
+        <p:nvCxnSpPr>
+          <p:cNvPr id="15" name="Connecteur droit 14"/>
+          <p:cNvCxnSpPr/>
+          <p:nvPr/>
+        </p:nvCxnSpPr>
+        <p:spPr>
+          <a:xfrm flipH="1">
+            <a:off x="3509765" y="969474"/>
+            <a:ext cx="0" cy="2539747"/>
+          </a:xfrm>
+          <a:prstGeom prst="line">
+            <a:avLst/>
+          </a:prstGeom>
+          <a:ln>
+            <a:solidFill>
+              <a:srgbClr val="3E6DDD"/>
+            </a:solidFill>
+          </a:ln>
+        </p:spPr>
+        <p:style>
+          <a:lnRef idx="2">
+            <a:schemeClr val="accent1"/>
+          </a:lnRef>
+          <a:fillRef idx="0">
+            <a:schemeClr val="accent1"/>
+          </a:fillRef>
+          <a:effectRef idx="1">
+            <a:schemeClr val="accent1"/>
+          </a:effectRef>
+          <a:fontRef idx="minor">
+            <a:schemeClr val="tx1"/>
+          </a:fontRef>
+        </p:style>
+      </p:cxnSp>
+      <p:cxnSp>
+        <p:nvCxnSpPr>
+          <p:cNvPr id="26" name="Connecteur droit 25"/>
+          <p:cNvCxnSpPr/>
+          <p:nvPr/>
+        </p:nvCxnSpPr>
+        <p:spPr>
+          <a:xfrm flipH="1">
+            <a:off x="7115127" y="971674"/>
+            <a:ext cx="15834" cy="5637130"/>
+          </a:xfrm>
+          <a:prstGeom prst="line">
+            <a:avLst/>
+          </a:prstGeom>
+          <a:ln>
+            <a:solidFill>
+              <a:srgbClr val="3E6DDD"/>
+            </a:solidFill>
+          </a:ln>
+        </p:spPr>
+        <p:style>
+          <a:lnRef idx="2">
+            <a:schemeClr val="accent1"/>
+          </a:lnRef>
+          <a:fillRef idx="0">
+            <a:schemeClr val="accent1"/>
+          </a:fillRef>
+          <a:effectRef idx="1">
+            <a:schemeClr val="accent1"/>
+          </a:effectRef>
+          <a:fontRef idx="minor">
+            <a:schemeClr val="tx1"/>
+          </a:fontRef>
+        </p:style>
+      </p:cxnSp>
+      <p:cxnSp>
+        <p:nvCxnSpPr>
+          <p:cNvPr id="29" name="Connecteur droit 28"/>
+          <p:cNvCxnSpPr/>
+          <p:nvPr/>
+        </p:nvCxnSpPr>
+        <p:spPr>
+          <a:xfrm flipV="1">
+            <a:off x="234341" y="3522877"/>
+            <a:ext cx="6880791" cy="0"/>
+          </a:xfrm>
+          <a:prstGeom prst="line">
+            <a:avLst/>
+          </a:prstGeom>
+          <a:ln>
+            <a:solidFill>
+              <a:srgbClr val="3E6DDD"/>
+            </a:solidFill>
+          </a:ln>
+        </p:spPr>
+        <p:style>
+          <a:lnRef idx="2">
+            <a:schemeClr val="accent1"/>
+          </a:lnRef>
+          <a:fillRef idx="0">
+            <a:schemeClr val="accent1"/>
+          </a:fillRef>
+          <a:effectRef idx="1">
+            <a:schemeClr val="accent1"/>
+          </a:effectRef>
+          <a:fontRef idx="minor">
+            <a:schemeClr val="tx1"/>
+          </a:fontRef>
+        </p:style>
+      </p:cxnSp>
+    </p:spTree>
+    <p:extLst>
+      <p:ext uri="{BB962C8B-B14F-4D97-AF65-F5344CB8AC3E}">
+        <p14:creationId xmlns:p14="http://schemas.microsoft.com/office/powerpoint/2010/main" val="3657843333"/>
+      </p:ext>
+    </p:extLst>
+  </p:cSld>
+  <p:clrMapOvr>
+    <a:masterClrMapping/>
+  </p:clrMapOvr>
+</p:sld>
+</file>
+
+<file path=ppt/slides/slide8.xml><?xml version="1.0" encoding="utf-8"?>
+<p:sld xmlns:a="http://schemas.openxmlformats.org/drawingml/2006/main" xmlns:r="http://schemas.openxmlformats.org/officeDocument/2006/relationships" xmlns:p="http://schemas.openxmlformats.org/presentationml/2006/main">
+  <p:cSld>
+    <p:spTree>
+      <p:nvGrpSpPr>
+        <p:cNvPr id="1" name=""/>
+        <p:cNvGrpSpPr/>
+        <p:nvPr/>
+      </p:nvGrpSpPr>
+      <p:grpSpPr>
+        <a:xfrm>
+          <a:off x="0" y="0"/>
+          <a:ext cx="0" cy="0"/>
+          <a:chOff x="0" y="0"/>
+          <a:chExt cx="0" cy="0"/>
+        </a:xfrm>
+      </p:grpSpPr>
+      <p:pic>
+        <p:nvPicPr>
+          <p:cNvPr id="2" name="Image 1">
+            <a:extLst>
+              <a:ext uri="{FF2B5EF4-FFF2-40B4-BE49-F238E27FC236}">
+                <a16:creationId xmlns:a16="http://schemas.microsoft.com/office/drawing/2014/main" xmlns="" id="{F27BAB4A-03B5-444C-87D5-A3D98E3C0096}"/>
+              </a:ext>
+            </a:extLst>
+          </p:cNvPr>
+          <p:cNvPicPr>
+            <a:picLocks noChangeAspect="1"/>
+          </p:cNvPicPr>
+          <p:nvPr/>
+        </p:nvPicPr>
+        <p:blipFill>
+          <a:blip r:embed="rId2"/>
+          <a:stretch>
+            <a:fillRect/>
+          </a:stretch>
+        </p:blipFill>
+        <p:spPr>
+          <a:xfrm>
+            <a:off x="2570687" y="2092026"/>
+            <a:ext cx="4772903" cy="3562215"/>
+          </a:xfrm>
+          <a:prstGeom prst="rect">
+            <a:avLst/>
+          </a:prstGeom>
+        </p:spPr>
+      </p:pic>
+      <p:cxnSp>
+        <p:nvCxnSpPr>
+          <p:cNvPr id="3" name="Connecteur en arc 2"/>
+          <p:cNvCxnSpPr>
+            <a:stCxn id="6" idx="0"/>
+          </p:cNvCxnSpPr>
+          <p:nvPr/>
+        </p:nvCxnSpPr>
+        <p:spPr>
+          <a:xfrm rot="16200000" flipH="1" flipV="1">
+            <a:off x="2343177" y="3611053"/>
+            <a:ext cx="1323754" cy="1321029"/>
+          </a:xfrm>
+          <a:prstGeom prst="curvedConnector3">
+            <a:avLst>
+              <a:gd name="adj1" fmla="val -17269"/>
+            </a:avLst>
+          </a:prstGeom>
+          <a:ln>
+            <a:solidFill>
+              <a:schemeClr val="bg1">
+                <a:lumMod val="50000"/>
+              </a:schemeClr>
+            </a:solidFill>
+          </a:ln>
+        </p:spPr>
+        <p:style>
+          <a:lnRef idx="2">
+            <a:schemeClr val="accent1"/>
+          </a:lnRef>
+          <a:fillRef idx="0">
+            <a:schemeClr val="accent1"/>
+          </a:fillRef>
+          <a:effectRef idx="1">
+            <a:schemeClr val="accent1"/>
+          </a:effectRef>
+          <a:fontRef idx="minor">
+            <a:schemeClr val="tx1"/>
+          </a:fontRef>
+        </p:style>
+      </p:cxnSp>
+      <p:sp>
+        <p:nvSpPr>
+          <p:cNvPr id="4" name="ZoneTexte 3"/>
+          <p:cNvSpPr txBox="1"/>
+          <p:nvPr/>
+        </p:nvSpPr>
+        <p:spPr>
+          <a:xfrm>
+            <a:off x="1614850" y="4946250"/>
+            <a:ext cx="1028732" cy="523220"/>
+          </a:xfrm>
+          <a:prstGeom prst="rect">
+            <a:avLst/>
+          </a:prstGeom>
+          <a:noFill/>
+          <a:ln>
+            <a:solidFill>
+              <a:srgbClr val="000000"/>
+            </a:solidFill>
+          </a:ln>
+        </p:spPr>
+        <p:txBody>
+          <a:bodyPr wrap="square" rtlCol="0">
+            <a:spAutoFit/>
+          </a:bodyPr>
+          <a:lstStyle/>
+          <a:p>
+            <a:r>
+              <a:rPr lang="fr-FR" sz="1400" b="1" dirty="0" smtClean="0"/>
+              <a:t>pH-</a:t>
+            </a:r>
+            <a:r>
+              <a:rPr lang="fr-FR" sz="1400" b="1" dirty="0" smtClean="0"/>
+              <a:t>mètre</a:t>
+            </a:r>
+          </a:p>
+          <a:p>
+            <a:r>
+              <a:rPr lang="fr-FR" sz="1400" b="1" dirty="0" smtClean="0"/>
+              <a:t>pH=2</a:t>
+            </a:r>
+            <a:endParaRPr lang="fr-FR" sz="1400" b="1" dirty="0"/>
+          </a:p>
+        </p:txBody>
+      </p:sp>
+      <p:sp>
+        <p:nvSpPr>
+          <p:cNvPr id="5" name="Rectangle 4"/>
+          <p:cNvSpPr/>
+          <p:nvPr/>
+        </p:nvSpPr>
+        <p:spPr>
+          <a:xfrm>
+            <a:off x="3736129" y="3607491"/>
+            <a:ext cx="45719" cy="1071615"/>
+          </a:xfrm>
+          <a:prstGeom prst="rect">
+            <a:avLst/>
+          </a:prstGeom>
+          <a:ln>
+            <a:solidFill>
+              <a:srgbClr val="000000"/>
+            </a:solidFill>
+          </a:ln>
+        </p:spPr>
+        <p:style>
+          <a:lnRef idx="1">
+            <a:schemeClr val="accent1"/>
+          </a:lnRef>
+          <a:fillRef idx="3">
+            <a:schemeClr val="accent1"/>
+          </a:fillRef>
+          <a:effectRef idx="2">
+            <a:schemeClr val="accent1"/>
+          </a:effectRef>
+          <a:fontRef idx="minor">
+            <a:schemeClr val="lt1"/>
+          </a:fontRef>
+        </p:style>
+        <p:txBody>
+          <a:bodyPr rtlCol="0" anchor="ctr"/>
+          <a:lstStyle/>
+          <a:p>
+            <a:pPr algn="ctr"/>
+            <a:endParaRPr lang="fr-FR"/>
+          </a:p>
+        </p:txBody>
+      </p:sp>
+      <p:sp>
+        <p:nvSpPr>
+          <p:cNvPr id="6" name="Rectangle 5"/>
+          <p:cNvSpPr/>
+          <p:nvPr/>
+        </p:nvSpPr>
+        <p:spPr>
+          <a:xfrm>
+            <a:off x="3642708" y="3609691"/>
+            <a:ext cx="45719" cy="1071615"/>
+          </a:xfrm>
+          <a:prstGeom prst="rect">
+            <a:avLst/>
+          </a:prstGeom>
+          <a:ln>
+            <a:solidFill>
+              <a:srgbClr val="000000"/>
+            </a:solidFill>
+          </a:ln>
+        </p:spPr>
+        <p:style>
+          <a:lnRef idx="1">
+            <a:schemeClr val="accent1"/>
+          </a:lnRef>
+          <a:fillRef idx="3">
+            <a:schemeClr val="accent1"/>
+          </a:fillRef>
+          <a:effectRef idx="2">
+            <a:schemeClr val="accent1"/>
+          </a:effectRef>
+          <a:fontRef idx="minor">
+            <a:schemeClr val="lt1"/>
+          </a:fontRef>
+        </p:style>
+        <p:txBody>
+          <a:bodyPr rtlCol="0" anchor="ctr"/>
+          <a:lstStyle/>
+          <a:p>
+            <a:pPr algn="ctr"/>
+            <a:endParaRPr lang="fr-FR"/>
+          </a:p>
+        </p:txBody>
+      </p:sp>
+      <p:cxnSp>
+        <p:nvCxnSpPr>
+          <p:cNvPr id="7" name="Connecteur en arc 6"/>
+          <p:cNvCxnSpPr/>
+          <p:nvPr/>
+        </p:nvCxnSpPr>
+        <p:spPr>
+          <a:xfrm rot="10800000" flipV="1">
+            <a:off x="2309593" y="3596035"/>
+            <a:ext cx="1437920" cy="1363869"/>
+          </a:xfrm>
+          <a:prstGeom prst="curvedConnector2">
+            <a:avLst/>
+          </a:prstGeom>
+          <a:ln>
+            <a:solidFill>
+              <a:schemeClr val="bg1">
+                <a:lumMod val="50000"/>
+              </a:schemeClr>
+            </a:solidFill>
+          </a:ln>
+        </p:spPr>
+        <p:style>
+          <a:lnRef idx="2">
+            <a:schemeClr val="accent1"/>
+          </a:lnRef>
+          <a:fillRef idx="0">
+            <a:schemeClr val="accent1"/>
+          </a:fillRef>
+          <a:effectRef idx="1">
+            <a:schemeClr val="accent1"/>
+          </a:effectRef>
+          <a:fontRef idx="minor">
+            <a:schemeClr val="tx1"/>
+          </a:fontRef>
+        </p:style>
+      </p:cxnSp>
+      <p:sp>
+        <p:nvSpPr>
+          <p:cNvPr id="9" name="ZoneTexte 8"/>
+          <p:cNvSpPr txBox="1"/>
+          <p:nvPr/>
+        </p:nvSpPr>
+        <p:spPr>
+          <a:xfrm>
+            <a:off x="5013016" y="3542272"/>
+            <a:ext cx="950062" cy="307777"/>
+          </a:xfrm>
+          <a:prstGeom prst="rect">
+            <a:avLst/>
+          </a:prstGeom>
+          <a:noFill/>
+        </p:spPr>
+        <p:txBody>
+          <a:bodyPr wrap="none" rtlCol="0">
+            <a:spAutoFit/>
+          </a:bodyPr>
+          <a:lstStyle/>
+          <a:p>
+            <a:r>
+              <a:rPr lang="fr-FR" sz="1400" dirty="0" smtClean="0"/>
+              <a:t>Électrodes</a:t>
+            </a:r>
+            <a:endParaRPr lang="fr-FR" sz="1400" dirty="0"/>
+          </a:p>
+        </p:txBody>
+      </p:sp>
+      <p:sp>
+        <p:nvSpPr>
+          <p:cNvPr id="10" name="ZoneTexte 9"/>
+          <p:cNvSpPr txBox="1"/>
+          <p:nvPr/>
+        </p:nvSpPr>
+        <p:spPr>
+          <a:xfrm>
+            <a:off x="5051943" y="4396377"/>
+            <a:ext cx="3050798" cy="646331"/>
+          </a:xfrm>
+          <a:prstGeom prst="rect">
+            <a:avLst/>
+          </a:prstGeom>
+          <a:solidFill>
+            <a:schemeClr val="bg1"/>
+          </a:solidFill>
+          <a:effectLst/>
+        </p:spPr>
+        <p:txBody>
+          <a:bodyPr wrap="none" rtlCol="0">
+            <a:spAutoFit/>
+          </a:bodyPr>
+          <a:lstStyle/>
+          <a:p>
+            <a:r>
+              <a:rPr lang="fr-FR" dirty="0" smtClean="0"/>
+              <a:t>Solution d’acide chlorhydrique </a:t>
+            </a:r>
+          </a:p>
+          <a:p>
+            <a:r>
+              <a:rPr lang="fr-FR" dirty="0"/>
+              <a:t>à</a:t>
+            </a:r>
+            <a:r>
+              <a:rPr lang="fr-FR" dirty="0" smtClean="0"/>
+              <a:t> 10</a:t>
+            </a:r>
+            <a:r>
+              <a:rPr lang="fr-FR" baseline="30000" dirty="0" smtClean="0"/>
+              <a:t>-2</a:t>
+            </a:r>
+            <a:r>
+              <a:rPr lang="fr-FR" dirty="0" smtClean="0"/>
+              <a:t> mol/L</a:t>
+            </a:r>
+            <a:endParaRPr lang="fr-FR" dirty="0"/>
+          </a:p>
+        </p:txBody>
+      </p:sp>
+      <p:sp>
+        <p:nvSpPr>
+          <p:cNvPr id="11" name="Rectangle 10"/>
+          <p:cNvSpPr/>
+          <p:nvPr/>
+        </p:nvSpPr>
+        <p:spPr>
+          <a:xfrm>
+            <a:off x="2707395" y="1842292"/>
+            <a:ext cx="4647230" cy="1297978"/>
+          </a:xfrm>
+          <a:prstGeom prst="rect">
+            <a:avLst/>
+          </a:prstGeom>
+          <a:solidFill>
+            <a:srgbClr val="FFFFFF"/>
+          </a:solidFill>
+          <a:ln>
+            <a:noFill/>
+          </a:ln>
+          <a:effectLst/>
+        </p:spPr>
+        <p:style>
+          <a:lnRef idx="1">
+            <a:schemeClr val="accent1"/>
+          </a:lnRef>
+          <a:fillRef idx="3">
+            <a:schemeClr val="accent1"/>
+          </a:fillRef>
+          <a:effectRef idx="2">
+            <a:schemeClr val="accent1"/>
+          </a:effectRef>
+          <a:fontRef idx="minor">
+            <a:schemeClr val="lt1"/>
+          </a:fontRef>
+        </p:style>
+        <p:txBody>
+          <a:bodyPr rtlCol="0" anchor="ctr"/>
+          <a:lstStyle/>
+          <a:p>
+            <a:pPr algn="ctr"/>
+            <a:endParaRPr lang="fr-FR"/>
+          </a:p>
+        </p:txBody>
+      </p:sp>
+      <p:sp>
+        <p:nvSpPr>
+          <p:cNvPr id="12" name="Rectangle 11"/>
+          <p:cNvSpPr/>
+          <p:nvPr/>
+        </p:nvSpPr>
+        <p:spPr>
+          <a:xfrm>
+            <a:off x="3794823" y="2734397"/>
+            <a:ext cx="363959" cy="1787591"/>
+          </a:xfrm>
+          <a:prstGeom prst="rect">
+            <a:avLst/>
+          </a:prstGeom>
+          <a:solidFill>
+            <a:srgbClr val="FFFFFF"/>
+          </a:solidFill>
+          <a:ln>
+            <a:noFill/>
+          </a:ln>
+          <a:effectLst/>
+        </p:spPr>
+        <p:style>
+          <a:lnRef idx="1">
+            <a:schemeClr val="accent1"/>
+          </a:lnRef>
+          <a:fillRef idx="3">
+            <a:schemeClr val="accent1"/>
+          </a:fillRef>
+          <a:effectRef idx="2">
+            <a:schemeClr val="accent1"/>
+          </a:effectRef>
+          <a:fontRef idx="minor">
+            <a:schemeClr val="lt1"/>
+          </a:fontRef>
+        </p:style>
+        <p:txBody>
+          <a:bodyPr rtlCol="0" anchor="ctr"/>
+          <a:lstStyle/>
+          <a:p>
+            <a:pPr algn="ctr"/>
+            <a:endParaRPr lang="fr-FR"/>
+          </a:p>
+        </p:txBody>
+      </p:sp>
+      <p:sp>
+        <p:nvSpPr>
+          <p:cNvPr id="13" name="Rectangle 12"/>
+          <p:cNvSpPr/>
+          <p:nvPr/>
+        </p:nvSpPr>
+        <p:spPr>
+          <a:xfrm flipV="1">
+            <a:off x="3614310" y="3783214"/>
+            <a:ext cx="166744" cy="45719"/>
+          </a:xfrm>
+          <a:prstGeom prst="rect">
+            <a:avLst/>
+          </a:prstGeom>
+          <a:solidFill>
+            <a:srgbClr val="000000"/>
+          </a:solidFill>
+          <a:ln>
+            <a:solidFill>
+              <a:srgbClr val="000000"/>
+            </a:solidFill>
+          </a:ln>
+        </p:spPr>
+        <p:style>
+          <a:lnRef idx="1">
+            <a:schemeClr val="accent1"/>
+          </a:lnRef>
+          <a:fillRef idx="3">
+            <a:schemeClr val="accent1"/>
+          </a:fillRef>
+          <a:effectRef idx="2">
+            <a:schemeClr val="accent1"/>
+          </a:effectRef>
+          <a:fontRef idx="minor">
+            <a:schemeClr val="lt1"/>
+          </a:fontRef>
+        </p:style>
+        <p:txBody>
+          <a:bodyPr rtlCol="0" anchor="ctr"/>
+          <a:lstStyle/>
+          <a:p>
+            <a:pPr algn="ctr"/>
+            <a:endParaRPr lang="fr-FR">
+              <a:solidFill>
+                <a:schemeClr val="tx1"/>
+              </a:solidFill>
+            </a:endParaRPr>
+          </a:p>
+        </p:txBody>
+      </p:sp>
+      <p:sp>
+        <p:nvSpPr>
+          <p:cNvPr id="14" name="Rectangle 13"/>
+          <p:cNvSpPr/>
+          <p:nvPr/>
+        </p:nvSpPr>
+        <p:spPr>
+          <a:xfrm flipV="1">
+            <a:off x="3611489" y="3893281"/>
+            <a:ext cx="166744" cy="45719"/>
+          </a:xfrm>
+          <a:prstGeom prst="rect">
+            <a:avLst/>
+          </a:prstGeom>
+          <a:solidFill>
+            <a:srgbClr val="000000"/>
+          </a:solidFill>
+          <a:ln>
+            <a:solidFill>
+              <a:srgbClr val="000000"/>
+            </a:solidFill>
+          </a:ln>
+        </p:spPr>
+        <p:style>
+          <a:lnRef idx="1">
+            <a:schemeClr val="accent1"/>
+          </a:lnRef>
+          <a:fillRef idx="3">
+            <a:schemeClr val="accent1"/>
+          </a:fillRef>
+          <a:effectRef idx="2">
+            <a:schemeClr val="accent1"/>
+          </a:effectRef>
+          <a:fontRef idx="minor">
+            <a:schemeClr val="lt1"/>
+          </a:fontRef>
+        </p:style>
+        <p:txBody>
+          <a:bodyPr rtlCol="0" anchor="ctr"/>
+          <a:lstStyle/>
+          <a:p>
+            <a:pPr algn="ctr"/>
+            <a:endParaRPr lang="fr-FR">
+              <a:solidFill>
+                <a:schemeClr val="tx1"/>
+              </a:solidFill>
+            </a:endParaRPr>
+          </a:p>
+        </p:txBody>
+      </p:sp>
+      <p:sp>
+        <p:nvSpPr>
+          <p:cNvPr id="15" name="Rectangle 14"/>
+          <p:cNvSpPr/>
+          <p:nvPr/>
+        </p:nvSpPr>
+        <p:spPr>
+          <a:xfrm flipV="1">
+            <a:off x="2819631" y="3838107"/>
+            <a:ext cx="978937" cy="52615"/>
+          </a:xfrm>
+          <a:prstGeom prst="rect">
+            <a:avLst/>
+          </a:prstGeom>
+          <a:solidFill>
+            <a:srgbClr val="000000"/>
+          </a:solidFill>
+          <a:ln>
+            <a:solidFill>
+              <a:srgbClr val="000000"/>
+            </a:solidFill>
+          </a:ln>
+        </p:spPr>
+        <p:style>
+          <a:lnRef idx="1">
+            <a:schemeClr val="accent1"/>
+          </a:lnRef>
+          <a:fillRef idx="3">
+            <a:schemeClr val="accent1"/>
+          </a:fillRef>
+          <a:effectRef idx="2">
+            <a:schemeClr val="accent1"/>
+          </a:effectRef>
+          <a:fontRef idx="minor">
+            <a:schemeClr val="lt1"/>
+          </a:fontRef>
+        </p:style>
+        <p:txBody>
+          <a:bodyPr rtlCol="0" anchor="ctr"/>
+          <a:lstStyle/>
+          <a:p>
+            <a:pPr algn="ctr"/>
+            <a:endParaRPr lang="fr-FR"/>
+          </a:p>
+        </p:txBody>
+      </p:sp>
+      <p:cxnSp>
+        <p:nvCxnSpPr>
+          <p:cNvPr id="8" name="Connecteur droit avec flèche 7"/>
+          <p:cNvCxnSpPr/>
+          <p:nvPr/>
+        </p:nvCxnSpPr>
+        <p:spPr>
+          <a:xfrm flipH="1">
+            <a:off x="3795804" y="3691866"/>
+            <a:ext cx="1095200" cy="0"/>
+          </a:xfrm>
+          <a:prstGeom prst="straightConnector1">
+            <a:avLst/>
+          </a:prstGeom>
+          <a:ln w="9525" cmpd="sng">
+            <a:solidFill>
+              <a:srgbClr val="000000"/>
+            </a:solidFill>
+            <a:tailEnd type="arrow"/>
+          </a:ln>
+        </p:spPr>
+        <p:style>
+          <a:lnRef idx="2">
+            <a:schemeClr val="accent1"/>
+          </a:lnRef>
+          <a:fillRef idx="0">
+            <a:schemeClr val="accent1"/>
+          </a:fillRef>
+          <a:effectRef idx="1">
+            <a:schemeClr val="accent1"/>
+          </a:effectRef>
+          <a:fontRef idx="minor">
+            <a:schemeClr val="tx1"/>
+          </a:fontRef>
+        </p:style>
+      </p:cxnSp>
+      <p:sp>
+        <p:nvSpPr>
+          <p:cNvPr id="17" name="Titre 1">
+            <a:extLst>
+              <a:ext uri="{FF2B5EF4-FFF2-40B4-BE49-F238E27FC236}">
+                <a16:creationId xmlns:a16="http://schemas.microsoft.com/office/drawing/2014/main" xmlns="" id="{29294511-8C00-4FEE-89AA-CA81800E6DBD}"/>
+              </a:ext>
+            </a:extLst>
+          </p:cNvPr>
+          <p:cNvSpPr txBox="1">
+            <a:spLocks/>
+          </p:cNvSpPr>
+          <p:nvPr/>
+        </p:nvSpPr>
+        <p:spPr>
+          <a:xfrm>
+            <a:off x="1097280" y="370344"/>
+            <a:ext cx="10058400" cy="606629"/>
+          </a:xfrm>
+          <a:prstGeom prst="rect">
+            <a:avLst/>
+          </a:prstGeom>
+        </p:spPr>
+        <p:txBody>
+          <a:bodyPr/>
+          <a:lstStyle>
+            <a:lvl1pPr algn="l" defTabSz="914400" rtl="0" eaLnBrk="1" latinLnBrk="0" hangingPunct="1">
+              <a:lnSpc>
+                <a:spcPct val="85000"/>
+              </a:lnSpc>
+              <a:spcBef>
+                <a:spcPct val="0"/>
+              </a:spcBef>
+              <a:buNone/>
+              <a:defRPr lang="fr-FR" sz="2800" kern="1200" spc="-38" baseline="0">
+                <a:solidFill>
+                  <a:srgbClr val="CF8182"/>
+                </a:solidFill>
+                <a:latin typeface="+mj-lt"/>
+                <a:ea typeface="+mj-ea"/>
+                <a:cs typeface="+mj-cs"/>
+              </a:defRPr>
+            </a:lvl1pPr>
+          </a:lstStyle>
+          <a:p>
+            <a:r>
+              <a:rPr lang="fr-FR" dirty="0" smtClean="0"/>
+              <a:t>L’acide chlorhydrique, un acide fort ? </a:t>
+            </a:r>
+            <a:endParaRPr lang="fr-FR" dirty="0"/>
+          </a:p>
+        </p:txBody>
+      </p:sp>
+    </p:spTree>
+    <p:extLst>
+      <p:ext uri="{BB962C8B-B14F-4D97-AF65-F5344CB8AC3E}">
+        <p14:creationId xmlns:p14="http://schemas.microsoft.com/office/powerpoint/2010/main" val="1127116037"/>
+      </p:ext>
+    </p:extLst>
+  </p:cSld>
+  <p:clrMapOvr>
+    <a:masterClrMapping/>
+  </p:clrMapOvr>
+</p:sld>
+</file>
+
+<file path=ppt/slides/slide9.xml><?xml version="1.0" encoding="utf-8"?>
+<p:sld xmlns:a="http://schemas.openxmlformats.org/drawingml/2006/main" xmlns:r="http://schemas.openxmlformats.org/officeDocument/2006/relationships" xmlns:p="http://schemas.openxmlformats.org/presentationml/2006/main">
+  <p:cSld>
+    <p:spTree>
+      <p:nvGrpSpPr>
+        <p:cNvPr id="1" name=""/>
+        <p:cNvGrpSpPr/>
+        <p:nvPr/>
+      </p:nvGrpSpPr>
+      <p:grpSpPr>
+        <a:xfrm>
+          <a:off x="0" y="0"/>
+          <a:ext cx="0" cy="0"/>
+          <a:chOff x="0" y="0"/>
+          <a:chExt cx="0" cy="0"/>
+        </a:xfrm>
+      </p:grpSpPr>
+      <p:pic>
+        <p:nvPicPr>
+          <p:cNvPr id="2" name="Image 1">
+            <a:extLst>
+              <a:ext uri="{FF2B5EF4-FFF2-40B4-BE49-F238E27FC236}">
+                <a16:creationId xmlns:a16="http://schemas.microsoft.com/office/drawing/2014/main" xmlns="" id="{F27BAB4A-03B5-444C-87D5-A3D98E3C0096}"/>
+              </a:ext>
+            </a:extLst>
+          </p:cNvPr>
+          <p:cNvPicPr>
+            <a:picLocks noChangeAspect="1"/>
+          </p:cNvPicPr>
+          <p:nvPr/>
+        </p:nvPicPr>
+        <p:blipFill>
+          <a:blip r:embed="rId2"/>
+          <a:stretch>
+            <a:fillRect/>
+          </a:stretch>
+        </p:blipFill>
+        <p:spPr>
+          <a:xfrm>
+            <a:off x="2570687" y="2092026"/>
+            <a:ext cx="4772903" cy="3562215"/>
+          </a:xfrm>
+          <a:prstGeom prst="rect">
+            <a:avLst/>
+          </a:prstGeom>
+        </p:spPr>
+      </p:pic>
+      <p:cxnSp>
+        <p:nvCxnSpPr>
+          <p:cNvPr id="3" name="Connecteur en arc 2"/>
+          <p:cNvCxnSpPr>
+            <a:stCxn id="6" idx="0"/>
+          </p:cNvCxnSpPr>
+          <p:nvPr/>
+        </p:nvCxnSpPr>
+        <p:spPr>
+          <a:xfrm rot="16200000" flipH="1" flipV="1">
+            <a:off x="2343177" y="3611053"/>
+            <a:ext cx="1323754" cy="1321029"/>
+          </a:xfrm>
+          <a:prstGeom prst="curvedConnector3">
+            <a:avLst>
+              <a:gd name="adj1" fmla="val -17269"/>
+            </a:avLst>
+          </a:prstGeom>
+          <a:ln>
+            <a:solidFill>
+              <a:schemeClr val="bg1">
+                <a:lumMod val="50000"/>
+              </a:schemeClr>
+            </a:solidFill>
+          </a:ln>
+        </p:spPr>
+        <p:style>
+          <a:lnRef idx="2">
+            <a:schemeClr val="accent1"/>
+          </a:lnRef>
+          <a:fillRef idx="0">
+            <a:schemeClr val="accent1"/>
+          </a:fillRef>
+          <a:effectRef idx="1">
+            <a:schemeClr val="accent1"/>
+          </a:effectRef>
+          <a:fontRef idx="minor">
+            <a:schemeClr val="tx1"/>
+          </a:fontRef>
+        </p:style>
+      </p:cxnSp>
+      <p:sp>
+        <p:nvSpPr>
+          <p:cNvPr id="4" name="ZoneTexte 3"/>
+          <p:cNvSpPr txBox="1"/>
+          <p:nvPr/>
+        </p:nvSpPr>
+        <p:spPr>
+          <a:xfrm>
+            <a:off x="1614850" y="4946250"/>
+            <a:ext cx="1028732" cy="523220"/>
+          </a:xfrm>
+          <a:prstGeom prst="rect">
+            <a:avLst/>
+          </a:prstGeom>
+          <a:noFill/>
+          <a:ln>
+            <a:solidFill>
+              <a:srgbClr val="000000"/>
+            </a:solidFill>
+          </a:ln>
+        </p:spPr>
+        <p:txBody>
+          <a:bodyPr wrap="square" rtlCol="0">
+            <a:spAutoFit/>
+          </a:bodyPr>
+          <a:lstStyle/>
+          <a:p>
+            <a:r>
+              <a:rPr lang="fr-FR" sz="1400" b="1" dirty="0" smtClean="0"/>
+              <a:t>pH-</a:t>
+            </a:r>
+            <a:r>
+              <a:rPr lang="fr-FR" sz="1400" b="1" dirty="0" smtClean="0"/>
+              <a:t>mètre</a:t>
+            </a:r>
+            <a:endParaRPr lang="fr-FR" sz="1400" b="1" dirty="0"/>
+          </a:p>
+          <a:p>
+            <a:r>
+              <a:rPr lang="fr-FR" sz="1400" b="1" dirty="0" smtClean="0"/>
+              <a:t>pH= 3,4</a:t>
+            </a:r>
+            <a:endParaRPr lang="fr-FR" sz="1400" b="1" dirty="0"/>
+          </a:p>
+        </p:txBody>
+      </p:sp>
+      <p:sp>
+        <p:nvSpPr>
+          <p:cNvPr id="5" name="Rectangle 4"/>
+          <p:cNvSpPr/>
+          <p:nvPr/>
+        </p:nvSpPr>
+        <p:spPr>
+          <a:xfrm>
+            <a:off x="3736129" y="3607491"/>
+            <a:ext cx="45719" cy="1071615"/>
+          </a:xfrm>
+          <a:prstGeom prst="rect">
+            <a:avLst/>
+          </a:prstGeom>
+          <a:ln>
+            <a:solidFill>
+              <a:srgbClr val="000000"/>
+            </a:solidFill>
+          </a:ln>
+        </p:spPr>
+        <p:style>
+          <a:lnRef idx="1">
+            <a:schemeClr val="accent1"/>
+          </a:lnRef>
+          <a:fillRef idx="3">
+            <a:schemeClr val="accent1"/>
+          </a:fillRef>
+          <a:effectRef idx="2">
+            <a:schemeClr val="accent1"/>
+          </a:effectRef>
+          <a:fontRef idx="minor">
+            <a:schemeClr val="lt1"/>
+          </a:fontRef>
+        </p:style>
+        <p:txBody>
+          <a:bodyPr rtlCol="0" anchor="ctr"/>
+          <a:lstStyle/>
+          <a:p>
+            <a:pPr algn="ctr"/>
+            <a:endParaRPr lang="fr-FR"/>
+          </a:p>
+        </p:txBody>
+      </p:sp>
+      <p:sp>
+        <p:nvSpPr>
+          <p:cNvPr id="6" name="Rectangle 5"/>
+          <p:cNvSpPr/>
+          <p:nvPr/>
+        </p:nvSpPr>
+        <p:spPr>
+          <a:xfrm>
+            <a:off x="3642708" y="3609691"/>
+            <a:ext cx="45719" cy="1071615"/>
+          </a:xfrm>
+          <a:prstGeom prst="rect">
+            <a:avLst/>
+          </a:prstGeom>
+          <a:ln>
+            <a:solidFill>
+              <a:srgbClr val="000000"/>
+            </a:solidFill>
+          </a:ln>
+        </p:spPr>
+        <p:style>
+          <a:lnRef idx="1">
+            <a:schemeClr val="accent1"/>
+          </a:lnRef>
+          <a:fillRef idx="3">
+            <a:schemeClr val="accent1"/>
+          </a:fillRef>
+          <a:effectRef idx="2">
+            <a:schemeClr val="accent1"/>
+          </a:effectRef>
+          <a:fontRef idx="minor">
+            <a:schemeClr val="lt1"/>
+          </a:fontRef>
+        </p:style>
+        <p:txBody>
+          <a:bodyPr rtlCol="0" anchor="ctr"/>
+          <a:lstStyle/>
+          <a:p>
+            <a:pPr algn="ctr"/>
+            <a:endParaRPr lang="fr-FR"/>
+          </a:p>
+        </p:txBody>
+      </p:sp>
+      <p:cxnSp>
+        <p:nvCxnSpPr>
+          <p:cNvPr id="7" name="Connecteur en arc 6"/>
+          <p:cNvCxnSpPr/>
+          <p:nvPr/>
+        </p:nvCxnSpPr>
+        <p:spPr>
+          <a:xfrm rot="10800000" flipV="1">
+            <a:off x="2309593" y="3596035"/>
+            <a:ext cx="1437920" cy="1363869"/>
+          </a:xfrm>
+          <a:prstGeom prst="curvedConnector2">
+            <a:avLst/>
+          </a:prstGeom>
+          <a:ln>
+            <a:solidFill>
+              <a:schemeClr val="bg1">
+                <a:lumMod val="50000"/>
+              </a:schemeClr>
+            </a:solidFill>
+          </a:ln>
+        </p:spPr>
+        <p:style>
+          <a:lnRef idx="2">
+            <a:schemeClr val="accent1"/>
+          </a:lnRef>
+          <a:fillRef idx="0">
+            <a:schemeClr val="accent1"/>
+          </a:fillRef>
+          <a:effectRef idx="1">
+            <a:schemeClr val="accent1"/>
+          </a:effectRef>
+          <a:fontRef idx="minor">
+            <a:schemeClr val="tx1"/>
+          </a:fontRef>
+        </p:style>
+      </p:cxnSp>
+      <p:sp>
+        <p:nvSpPr>
+          <p:cNvPr id="9" name="ZoneTexte 8"/>
+          <p:cNvSpPr txBox="1"/>
+          <p:nvPr/>
+        </p:nvSpPr>
+        <p:spPr>
+          <a:xfrm>
+            <a:off x="5013016" y="3542272"/>
+            <a:ext cx="950062" cy="307777"/>
+          </a:xfrm>
+          <a:prstGeom prst="rect">
+            <a:avLst/>
+          </a:prstGeom>
+          <a:noFill/>
+        </p:spPr>
+        <p:txBody>
+          <a:bodyPr wrap="none" rtlCol="0">
+            <a:spAutoFit/>
+          </a:bodyPr>
+          <a:lstStyle/>
+          <a:p>
+            <a:r>
+              <a:rPr lang="fr-FR" sz="1400" dirty="0" smtClean="0"/>
+              <a:t>Électrodes</a:t>
+            </a:r>
+            <a:endParaRPr lang="fr-FR" sz="1400" dirty="0"/>
+          </a:p>
+        </p:txBody>
+      </p:sp>
+      <p:sp>
+        <p:nvSpPr>
+          <p:cNvPr id="10" name="ZoneTexte 9"/>
+          <p:cNvSpPr txBox="1"/>
+          <p:nvPr/>
+        </p:nvSpPr>
+        <p:spPr>
+          <a:xfrm>
+            <a:off x="5051943" y="4396377"/>
+            <a:ext cx="2816246" cy="646331"/>
+          </a:xfrm>
+          <a:prstGeom prst="rect">
+            <a:avLst/>
+          </a:prstGeom>
+          <a:solidFill>
+            <a:schemeClr val="bg1"/>
+          </a:solidFill>
+          <a:effectLst/>
+        </p:spPr>
+        <p:txBody>
+          <a:bodyPr wrap="none" rtlCol="0">
+            <a:spAutoFit/>
+          </a:bodyPr>
+          <a:lstStyle/>
+          <a:p>
+            <a:r>
+              <a:rPr lang="fr-FR" dirty="0" smtClean="0"/>
+              <a:t>Solution d’acide éthano</a:t>
+            </a:r>
+            <a:r>
+              <a:rPr lang="fr-FR" dirty="0" smtClean="0"/>
+              <a:t>ïque</a:t>
+            </a:r>
+            <a:r>
+              <a:rPr lang="fr-FR" dirty="0" smtClean="0"/>
+              <a:t> </a:t>
+            </a:r>
+          </a:p>
+          <a:p>
+            <a:r>
+              <a:rPr lang="fr-FR" dirty="0"/>
+              <a:t>à</a:t>
+            </a:r>
+            <a:r>
+              <a:rPr lang="fr-FR" dirty="0" smtClean="0"/>
+              <a:t> 10</a:t>
+            </a:r>
+            <a:r>
+              <a:rPr lang="fr-FR" baseline="30000" dirty="0" smtClean="0"/>
+              <a:t>-2</a:t>
+            </a:r>
+            <a:r>
+              <a:rPr lang="fr-FR" dirty="0" smtClean="0"/>
+              <a:t> mol/L</a:t>
+            </a:r>
+            <a:endParaRPr lang="fr-FR" dirty="0"/>
+          </a:p>
+        </p:txBody>
+      </p:sp>
+      <p:sp>
+        <p:nvSpPr>
+          <p:cNvPr id="11" name="Rectangle 10"/>
+          <p:cNvSpPr/>
+          <p:nvPr/>
+        </p:nvSpPr>
+        <p:spPr>
+          <a:xfrm>
+            <a:off x="2707395" y="1842292"/>
+            <a:ext cx="4647230" cy="1297978"/>
+          </a:xfrm>
+          <a:prstGeom prst="rect">
+            <a:avLst/>
+          </a:prstGeom>
+          <a:solidFill>
+            <a:srgbClr val="FFFFFF"/>
+          </a:solidFill>
+          <a:ln>
+            <a:noFill/>
+          </a:ln>
+          <a:effectLst/>
+        </p:spPr>
+        <p:style>
+          <a:lnRef idx="1">
+            <a:schemeClr val="accent1"/>
+          </a:lnRef>
+          <a:fillRef idx="3">
+            <a:schemeClr val="accent1"/>
+          </a:fillRef>
+          <a:effectRef idx="2">
+            <a:schemeClr val="accent1"/>
+          </a:effectRef>
+          <a:fontRef idx="minor">
+            <a:schemeClr val="lt1"/>
+          </a:fontRef>
+        </p:style>
+        <p:txBody>
+          <a:bodyPr rtlCol="0" anchor="ctr"/>
+          <a:lstStyle/>
+          <a:p>
+            <a:pPr algn="ctr"/>
+            <a:endParaRPr lang="fr-FR"/>
+          </a:p>
+        </p:txBody>
+      </p:sp>
+      <p:sp>
+        <p:nvSpPr>
+          <p:cNvPr id="12" name="Rectangle 11"/>
+          <p:cNvSpPr/>
+          <p:nvPr/>
+        </p:nvSpPr>
+        <p:spPr>
+          <a:xfrm>
+            <a:off x="3794823" y="2734397"/>
+            <a:ext cx="363959" cy="1787591"/>
+          </a:xfrm>
+          <a:prstGeom prst="rect">
+            <a:avLst/>
+          </a:prstGeom>
+          <a:solidFill>
+            <a:srgbClr val="FFFFFF"/>
+          </a:solidFill>
+          <a:ln>
+            <a:noFill/>
+          </a:ln>
+          <a:effectLst/>
+        </p:spPr>
+        <p:style>
+          <a:lnRef idx="1">
+            <a:schemeClr val="accent1"/>
+          </a:lnRef>
+          <a:fillRef idx="3">
+            <a:schemeClr val="accent1"/>
+          </a:fillRef>
+          <a:effectRef idx="2">
+            <a:schemeClr val="accent1"/>
+          </a:effectRef>
+          <a:fontRef idx="minor">
+            <a:schemeClr val="lt1"/>
+          </a:fontRef>
+        </p:style>
+        <p:txBody>
+          <a:bodyPr rtlCol="0" anchor="ctr"/>
+          <a:lstStyle/>
+          <a:p>
+            <a:pPr algn="ctr"/>
+            <a:endParaRPr lang="fr-FR"/>
+          </a:p>
+        </p:txBody>
+      </p:sp>
+      <p:sp>
+        <p:nvSpPr>
+          <p:cNvPr id="13" name="Rectangle 12"/>
+          <p:cNvSpPr/>
+          <p:nvPr/>
+        </p:nvSpPr>
+        <p:spPr>
+          <a:xfrm flipV="1">
+            <a:off x="3614310" y="3783214"/>
+            <a:ext cx="166744" cy="45719"/>
+          </a:xfrm>
+          <a:prstGeom prst="rect">
+            <a:avLst/>
+          </a:prstGeom>
+          <a:solidFill>
+            <a:srgbClr val="000000"/>
+          </a:solidFill>
+          <a:ln>
+            <a:solidFill>
+              <a:srgbClr val="000000"/>
+            </a:solidFill>
+          </a:ln>
+        </p:spPr>
+        <p:style>
+          <a:lnRef idx="1">
+            <a:schemeClr val="accent1"/>
+          </a:lnRef>
+          <a:fillRef idx="3">
+            <a:schemeClr val="accent1"/>
+          </a:fillRef>
+          <a:effectRef idx="2">
+            <a:schemeClr val="accent1"/>
+          </a:effectRef>
+          <a:fontRef idx="minor">
+            <a:schemeClr val="lt1"/>
+          </a:fontRef>
+        </p:style>
+        <p:txBody>
+          <a:bodyPr rtlCol="0" anchor="ctr"/>
+          <a:lstStyle/>
+          <a:p>
+            <a:pPr algn="ctr"/>
+            <a:endParaRPr lang="fr-FR">
+              <a:solidFill>
+                <a:schemeClr val="tx1"/>
+              </a:solidFill>
+            </a:endParaRPr>
+          </a:p>
+        </p:txBody>
+      </p:sp>
+      <p:sp>
+        <p:nvSpPr>
+          <p:cNvPr id="14" name="Rectangle 13"/>
+          <p:cNvSpPr/>
+          <p:nvPr/>
+        </p:nvSpPr>
+        <p:spPr>
+          <a:xfrm flipV="1">
+            <a:off x="3611489" y="3893281"/>
+            <a:ext cx="166744" cy="45719"/>
+          </a:xfrm>
+          <a:prstGeom prst="rect">
+            <a:avLst/>
+          </a:prstGeom>
+          <a:solidFill>
+            <a:srgbClr val="000000"/>
+          </a:solidFill>
+          <a:ln>
+            <a:solidFill>
+              <a:srgbClr val="000000"/>
+            </a:solidFill>
+          </a:ln>
+        </p:spPr>
+        <p:style>
+          <a:lnRef idx="1">
+            <a:schemeClr val="accent1"/>
+          </a:lnRef>
+          <a:fillRef idx="3">
+            <a:schemeClr val="accent1"/>
+          </a:fillRef>
+          <a:effectRef idx="2">
+            <a:schemeClr val="accent1"/>
+          </a:effectRef>
+          <a:fontRef idx="minor">
+            <a:schemeClr val="lt1"/>
+          </a:fontRef>
+        </p:style>
+        <p:txBody>
+          <a:bodyPr rtlCol="0" anchor="ctr"/>
+          <a:lstStyle/>
+          <a:p>
+            <a:pPr algn="ctr"/>
+            <a:endParaRPr lang="fr-FR">
+              <a:solidFill>
+                <a:schemeClr val="tx1"/>
+              </a:solidFill>
+            </a:endParaRPr>
+          </a:p>
+        </p:txBody>
+      </p:sp>
+      <p:sp>
+        <p:nvSpPr>
+          <p:cNvPr id="15" name="Rectangle 14"/>
+          <p:cNvSpPr/>
+          <p:nvPr/>
+        </p:nvSpPr>
+        <p:spPr>
+          <a:xfrm flipV="1">
+            <a:off x="2819631" y="3838107"/>
+            <a:ext cx="978937" cy="52615"/>
+          </a:xfrm>
+          <a:prstGeom prst="rect">
+            <a:avLst/>
+          </a:prstGeom>
+          <a:solidFill>
+            <a:srgbClr val="000000"/>
+          </a:solidFill>
+          <a:ln>
+            <a:solidFill>
+              <a:srgbClr val="000000"/>
+            </a:solidFill>
+          </a:ln>
+        </p:spPr>
+        <p:style>
+          <a:lnRef idx="1">
+            <a:schemeClr val="accent1"/>
+          </a:lnRef>
+          <a:fillRef idx="3">
+            <a:schemeClr val="accent1"/>
+          </a:fillRef>
+          <a:effectRef idx="2">
+            <a:schemeClr val="accent1"/>
+          </a:effectRef>
+          <a:fontRef idx="minor">
+            <a:schemeClr val="lt1"/>
+          </a:fontRef>
+        </p:style>
+        <p:txBody>
+          <a:bodyPr rtlCol="0" anchor="ctr"/>
+          <a:lstStyle/>
+          <a:p>
+            <a:pPr algn="ctr"/>
+            <a:endParaRPr lang="fr-FR"/>
+          </a:p>
+        </p:txBody>
+      </p:sp>
+      <p:cxnSp>
+        <p:nvCxnSpPr>
+          <p:cNvPr id="8" name="Connecteur droit avec flèche 7"/>
+          <p:cNvCxnSpPr/>
+          <p:nvPr/>
+        </p:nvCxnSpPr>
+        <p:spPr>
+          <a:xfrm flipH="1">
+            <a:off x="3795804" y="3691866"/>
+            <a:ext cx="1095200" cy="0"/>
+          </a:xfrm>
+          <a:prstGeom prst="straightConnector1">
+            <a:avLst/>
+          </a:prstGeom>
+          <a:ln w="9525" cmpd="sng">
+            <a:solidFill>
+              <a:srgbClr val="000000"/>
+            </a:solidFill>
+            <a:tailEnd type="arrow"/>
+          </a:ln>
+        </p:spPr>
+        <p:style>
+          <a:lnRef idx="2">
+            <a:schemeClr val="accent1"/>
+          </a:lnRef>
+          <a:fillRef idx="0">
+            <a:schemeClr val="accent1"/>
+          </a:fillRef>
+          <a:effectRef idx="1">
+            <a:schemeClr val="accent1"/>
+          </a:effectRef>
+          <a:fontRef idx="minor">
+            <a:schemeClr val="tx1"/>
+          </a:fontRef>
+        </p:style>
+      </p:cxnSp>
+      <p:sp>
+        <p:nvSpPr>
+          <p:cNvPr id="17" name="Titre 1">
+            <a:extLst>
+              <a:ext uri="{FF2B5EF4-FFF2-40B4-BE49-F238E27FC236}">
+                <a16:creationId xmlns:a16="http://schemas.microsoft.com/office/drawing/2014/main" xmlns="" id="{29294511-8C00-4FEE-89AA-CA81800E6DBD}"/>
+              </a:ext>
+            </a:extLst>
+          </p:cNvPr>
+          <p:cNvSpPr txBox="1">
+            <a:spLocks/>
+          </p:cNvSpPr>
+          <p:nvPr/>
+        </p:nvSpPr>
+        <p:spPr>
+          <a:xfrm>
+            <a:off x="1097280" y="370344"/>
+            <a:ext cx="10058400" cy="606629"/>
+          </a:xfrm>
+          <a:prstGeom prst="rect">
+            <a:avLst/>
+          </a:prstGeom>
+        </p:spPr>
+        <p:txBody>
+          <a:bodyPr/>
+          <a:lstStyle>
+            <a:lvl1pPr algn="l" defTabSz="914400" rtl="0" eaLnBrk="1" latinLnBrk="0" hangingPunct="1">
+              <a:lnSpc>
+                <a:spcPct val="85000"/>
+              </a:lnSpc>
+              <a:spcBef>
+                <a:spcPct val="0"/>
+              </a:spcBef>
+              <a:buNone/>
+              <a:defRPr lang="fr-FR" sz="2800" kern="1200" spc="-38" baseline="0">
+                <a:solidFill>
+                  <a:srgbClr val="CF8182"/>
+                </a:solidFill>
+                <a:latin typeface="+mj-lt"/>
+                <a:ea typeface="+mj-ea"/>
+                <a:cs typeface="+mj-cs"/>
+              </a:defRPr>
+            </a:lvl1pPr>
+          </a:lstStyle>
+          <a:p>
+            <a:r>
+              <a:rPr lang="fr-FR" dirty="0" smtClean="0"/>
+              <a:t>L’acide éthano</a:t>
+            </a:r>
+            <a:r>
+              <a:rPr lang="fr-FR" dirty="0" smtClean="0"/>
+              <a:t>ïque</a:t>
+            </a:r>
+            <a:r>
+              <a:rPr lang="fr-FR" dirty="0" smtClean="0"/>
+              <a:t>, un acide faible ? </a:t>
+            </a:r>
+            <a:endParaRPr lang="fr-FR" dirty="0"/>
+          </a:p>
+        </p:txBody>
+      </p:sp>
+    </p:spTree>
+    <p:extLst>
+      <p:ext uri="{BB962C8B-B14F-4D97-AF65-F5344CB8AC3E}">
+        <p14:creationId xmlns:p14="http://schemas.microsoft.com/office/powerpoint/2010/main" val="2444170117"/>
       </p:ext>
     </p:extLst>
   </p:cSld>
@@ -7878,7 +10463,7 @@
   <a:extraClrSchemeLst/>
   <a:extLst>
     <a:ext uri="{05A4C25C-085E-4340-85A3-A5531E510DB2}">
-      <thm15:themeFamily xmlns="" xmlns:thm15="http://schemas.microsoft.com/office/thememl/2012/main" name="Retrospect" id="{5F128B03-DCCA-4EEB-AB3B-CF2899314A46}" vid="{3F1AAB62-24C6-49D2-8E01-B56FAC9A3DCD}"/>
+      <thm15:themeFamily xmlns:thm15="http://schemas.microsoft.com/office/thememl/2012/main" xmlns="" name="Retrospect" id="{5F128B03-DCCA-4EEB-AB3B-CF2899314A46}" vid="{3F1AAB62-24C6-49D2-8E01-B56FAC9A3DCD}"/>
     </a:ext>
   </a:extLst>
 </a:theme>
@@ -8173,7 +10758,7 @@
   <a:extraClrSchemeLst/>
   <a:extLst>
     <a:ext uri="{05A4C25C-085E-4340-85A3-A5531E510DB2}">
-      <thm15:themeFamily xmlns="" xmlns:thm15="http://schemas.microsoft.com/office/thememl/2012/main" name="Office Theme" id="{62F939B6-93AF-4DB8-9C6B-D6C7DFDC589F}" vid="{4A3C46E8-61CC-4603-A589-7422A47A8E4A}"/>
+      <thm15:themeFamily xmlns:thm15="http://schemas.microsoft.com/office/thememl/2012/main" xmlns="" name="Office Theme" id="{62F939B6-93AF-4DB8-9C6B-D6C7DFDC589F}" vid="{4A3C46E8-61CC-4603-A589-7422A47A8E4A}"/>
     </a:ext>
   </a:extLst>
 </a:theme>

--- a/Leçon chimie/LC 13/LC-13 Acides et bases.pptx
+++ b/Leçon chimie/LC 13/LC-13 Acides et bases.pptx
@@ -125,7 +125,7 @@
   </p:defaultTextStyle>
   <p:extLst>
     <p:ext uri="{EFAFB233-063F-42B5-8137-9DF3F51BA10A}">
-      <p15:sldGuideLst xmlns:p15="http://schemas.microsoft.com/office/powerpoint/2012/main" xmlns="">
+      <p15:sldGuideLst xmlns="" xmlns:p15="http://schemas.microsoft.com/office/powerpoint/2012/main">
         <p15:guide id="1" orient="horz" pos="2160" userDrawn="1">
           <p15:clr>
             <a:srgbClr val="A4A3A4"/>
@@ -224,7 +224,7 @@
           <a:p>
             <a:fld id="{69F91044-9B39-374E-B48F-F2DD423D15A5}" type="datetimeFigureOut">
               <a:rPr lang="fr-FR" smtClean="0"/>
-              <a:t>21/06/20</a:t>
+              <a:t>22/06/20</a:t>
             </a:fld>
             <a:endParaRPr lang="fr-FR"/>
           </a:p>
@@ -390,7 +390,7 @@
           <a:p>
             <a:fld id="{87A93F02-9EC0-45FF-8720-A00CA3700D33}" type="datetimeFigureOut">
               <a:rPr lang="fr-FR" smtClean="0"/>
-              <a:t>21/06/20</a:t>
+              <a:t>22/06/20</a:t>
             </a:fld>
             <a:endParaRPr lang="fr-FR"/>
           </a:p>
@@ -2842,9 +2842,14 @@
           <a:p>
             <a:pPr algn="ctr"/>
             <a:r>
-              <a:rPr lang="fr-FR" sz="7200" dirty="0"/>
-              <a:t>Du corps pur au mélange binaire</a:t>
-            </a:r>
+              <a:rPr lang="fr-FR" sz="7200" dirty="0" smtClean="0"/>
+              <a:t>Acides </a:t>
+            </a:r>
+            <a:r>
+              <a:rPr lang="fr-FR" sz="7200" smtClean="0"/>
+              <a:t>et bases</a:t>
+            </a:r>
+            <a:endParaRPr lang="fr-FR" sz="7200" dirty="0"/>
           </a:p>
         </p:txBody>
       </p:sp>
@@ -2983,7 +2988,7 @@
           <p:cNvPr id="2" name="Titre 1">
             <a:extLst>
               <a:ext uri="{FF2B5EF4-FFF2-40B4-BE49-F238E27FC236}">
-                <a16:creationId xmlns:a16="http://schemas.microsoft.com/office/drawing/2014/main" xmlns="" id="{29294511-8C00-4FEE-89AA-CA81800E6DBD}"/>
+                <a16:creationId xmlns="" xmlns:a16="http://schemas.microsoft.com/office/drawing/2014/main" id="{29294511-8C00-4FEE-89AA-CA81800E6DBD}"/>
               </a:ext>
             </a:extLst>
           </p:cNvPr>
@@ -3016,7 +3021,7 @@
           <p:cNvPr id="5" name="Tableau 5">
             <a:extLst>
               <a:ext uri="{FF2B5EF4-FFF2-40B4-BE49-F238E27FC236}">
-                <a16:creationId xmlns:mc="http://schemas.openxmlformats.org/markup-compatibility/2006" xmlns:a14="http://schemas.microsoft.com/office/drawing/2010/main" xmlns:a16="http://schemas.microsoft.com/office/drawing/2014/main" xmlns="" id="{C2FF4942-3872-4E80-A10D-8F4A84A5642F}"/>
+                <a16:creationId xmlns="" xmlns:a16="http://schemas.microsoft.com/office/drawing/2014/main" xmlns:a14="http://schemas.microsoft.com/office/drawing/2010/main" xmlns:mc="http://schemas.openxmlformats.org/markup-compatibility/2006" id="{C2FF4942-3872-4E80-A10D-8F4A84A5642F}"/>
               </a:ext>
             </a:extLst>
           </p:cNvPr>
@@ -3046,35 +3051,35 @@
                 <a:gridCol w="1676400">
                   <a:extLst>
                     <a:ext uri="{9D8B030D-6E8A-4147-A177-3AD203B41FA5}">
-                      <a16:colId xmlns:mc="http://schemas.openxmlformats.org/markup-compatibility/2006" xmlns:a14="http://schemas.microsoft.com/office/drawing/2010/main" xmlns:a16="http://schemas.microsoft.com/office/drawing/2014/main" xmlns="" val="914599211"/>
+                      <a16:colId xmlns="" xmlns:a16="http://schemas.microsoft.com/office/drawing/2014/main" xmlns:a14="http://schemas.microsoft.com/office/drawing/2010/main" xmlns:mc="http://schemas.openxmlformats.org/markup-compatibility/2006" val="914599211"/>
                     </a:ext>
                   </a:extLst>
                 </a:gridCol>
                 <a:gridCol w="1676400">
                   <a:extLst>
                     <a:ext uri="{9D8B030D-6E8A-4147-A177-3AD203B41FA5}">
-                      <a16:colId xmlns:mc="http://schemas.openxmlformats.org/markup-compatibility/2006" xmlns:a14="http://schemas.microsoft.com/office/drawing/2010/main" xmlns:a16="http://schemas.microsoft.com/office/drawing/2014/main" xmlns="" val="2182590632"/>
+                      <a16:colId xmlns="" xmlns:a16="http://schemas.microsoft.com/office/drawing/2014/main" xmlns:a14="http://schemas.microsoft.com/office/drawing/2010/main" xmlns:mc="http://schemas.openxmlformats.org/markup-compatibility/2006" val="2182590632"/>
                     </a:ext>
                   </a:extLst>
                 </a:gridCol>
                 <a:gridCol w="1676400">
                   <a:extLst>
                     <a:ext uri="{9D8B030D-6E8A-4147-A177-3AD203B41FA5}">
-                      <a16:colId xmlns:mc="http://schemas.openxmlformats.org/markup-compatibility/2006" xmlns:a14="http://schemas.microsoft.com/office/drawing/2010/main" xmlns:a16="http://schemas.microsoft.com/office/drawing/2014/main" xmlns="" val="3563639581"/>
+                      <a16:colId xmlns="" xmlns:a16="http://schemas.microsoft.com/office/drawing/2014/main" xmlns:a14="http://schemas.microsoft.com/office/drawing/2010/main" xmlns:mc="http://schemas.openxmlformats.org/markup-compatibility/2006" val="3563639581"/>
                     </a:ext>
                   </a:extLst>
                 </a:gridCol>
                 <a:gridCol w="1676400">
                   <a:extLst>
                     <a:ext uri="{9D8B030D-6E8A-4147-A177-3AD203B41FA5}">
-                      <a16:colId xmlns:mc="http://schemas.openxmlformats.org/markup-compatibility/2006" xmlns:a14="http://schemas.microsoft.com/office/drawing/2010/main" xmlns:a16="http://schemas.microsoft.com/office/drawing/2014/main" xmlns="" val="2640529825"/>
+                      <a16:colId xmlns="" xmlns:a16="http://schemas.microsoft.com/office/drawing/2014/main" xmlns:a14="http://schemas.microsoft.com/office/drawing/2010/main" xmlns:mc="http://schemas.openxmlformats.org/markup-compatibility/2006" val="2640529825"/>
                     </a:ext>
                   </a:extLst>
                 </a:gridCol>
                 <a:gridCol w="1676400">
                   <a:extLst>
                     <a:ext uri="{9D8B030D-6E8A-4147-A177-3AD203B41FA5}">
-                      <a16:colId xmlns:mc="http://schemas.openxmlformats.org/markup-compatibility/2006" xmlns:a14="http://schemas.microsoft.com/office/drawing/2010/main" xmlns:a16="http://schemas.microsoft.com/office/drawing/2014/main" xmlns="" val="4291172058"/>
+                      <a16:colId xmlns="" xmlns:a16="http://schemas.microsoft.com/office/drawing/2014/main" xmlns:a14="http://schemas.microsoft.com/office/drawing/2010/main" xmlns:mc="http://schemas.openxmlformats.org/markup-compatibility/2006" val="4291172058"/>
                     </a:ext>
                   </a:extLst>
                 </a:gridCol>
@@ -3188,11 +3193,7 @@
                       </a:r>
                       <a:r>
                         <a:rPr lang="fr-FR" i="0" baseline="-25000" dirty="0" smtClean="0"/>
-                        <a:t>(l)             </a:t>
-                      </a:r>
-                      <a:r>
-                        <a:rPr lang="fr-FR" i="0" baseline="-25000" dirty="0" smtClean="0"/>
-                        <a:t>     </a:t>
+                        <a:t>(l)                  </a:t>
                       </a:r>
                       <a:r>
                         <a:rPr lang="fr-FR" i="0" baseline="0" dirty="0" smtClean="0"/>
@@ -3236,15 +3237,7 @@
                       </a:r>
                       <a:r>
                         <a:rPr lang="fr-FR" i="0" baseline="0" dirty="0" smtClean="0"/>
-                        <a:t> </a:t>
-                      </a:r>
-                      <a:r>
-                        <a:rPr lang="fr-FR" i="0" baseline="0" dirty="0" smtClean="0"/>
-                        <a:t>     </a:t>
-                      </a:r>
-                      <a:r>
-                        <a:rPr lang="fr-FR" i="0" baseline="0" dirty="0" smtClean="0"/>
-                        <a:t>+           H</a:t>
+                        <a:t>      +           H</a:t>
                       </a:r>
                       <a:r>
                         <a:rPr lang="fr-FR" i="0" baseline="-25000" dirty="0" smtClean="0"/>
@@ -3468,7 +3461,7 @@
                 </a:tc>
                 <a:extLst>
                   <a:ext uri="{0D108BD9-81ED-4DB2-BD59-A6C34878D82A}">
-                    <a16:rowId xmlns:mc="http://schemas.openxmlformats.org/markup-compatibility/2006" xmlns:a14="http://schemas.microsoft.com/office/drawing/2010/main" xmlns:a16="http://schemas.microsoft.com/office/drawing/2014/main" xmlns="" val="2855790831"/>
+                    <a16:rowId xmlns="" xmlns:a16="http://schemas.microsoft.com/office/drawing/2014/main" xmlns:a14="http://schemas.microsoft.com/office/drawing/2010/main" xmlns:mc="http://schemas.openxmlformats.org/markup-compatibility/2006" val="2855790831"/>
                   </a:ext>
                 </a:extLst>
               </a:tr>
@@ -3600,7 +3593,7 @@
                 </a:tc>
                 <a:extLst>
                   <a:ext uri="{0D108BD9-81ED-4DB2-BD59-A6C34878D82A}">
-                    <a16:rowId xmlns:mc="http://schemas.openxmlformats.org/markup-compatibility/2006" xmlns:a14="http://schemas.microsoft.com/office/drawing/2010/main" xmlns:a16="http://schemas.microsoft.com/office/drawing/2014/main" xmlns="" val="111397599"/>
+                    <a16:rowId xmlns="" xmlns:a16="http://schemas.microsoft.com/office/drawing/2014/main" xmlns:a14="http://schemas.microsoft.com/office/drawing/2010/main" xmlns:mc="http://schemas.openxmlformats.org/markup-compatibility/2006" val="111397599"/>
                   </a:ext>
                 </a:extLst>
               </a:tr>
@@ -3764,7 +3757,7 @@
                 </a:tc>
                 <a:extLst>
                   <a:ext uri="{0D108BD9-81ED-4DB2-BD59-A6C34878D82A}">
-                    <a16:rowId xmlns:mc="http://schemas.openxmlformats.org/markup-compatibility/2006" xmlns:a14="http://schemas.microsoft.com/office/drawing/2010/main" xmlns:a16="http://schemas.microsoft.com/office/drawing/2014/main" xmlns="" val="1403580998"/>
+                    <a16:rowId xmlns="" xmlns:a16="http://schemas.microsoft.com/office/drawing/2014/main" xmlns:a14="http://schemas.microsoft.com/office/drawing/2010/main" xmlns:mc="http://schemas.openxmlformats.org/markup-compatibility/2006" val="1403580998"/>
                   </a:ext>
                 </a:extLst>
               </a:tr>
@@ -3837,7 +3830,7 @@
           <p:cNvPr id="2" name="Titre 1">
             <a:extLst>
               <a:ext uri="{FF2B5EF4-FFF2-40B4-BE49-F238E27FC236}">
-                <a16:creationId xmlns:a16="http://schemas.microsoft.com/office/drawing/2014/main" xmlns="" id="{29294511-8C00-4FEE-89AA-CA81800E6DBD}"/>
+                <a16:creationId xmlns="" xmlns:a16="http://schemas.microsoft.com/office/drawing/2014/main" id="{29294511-8C00-4FEE-89AA-CA81800E6DBD}"/>
               </a:ext>
             </a:extLst>
           </p:cNvPr>
@@ -4184,11 +4177,7 @@
             </a:r>
             <a:r>
               <a:rPr lang="fr-FR" dirty="0" smtClean="0"/>
-              <a:t>)]</a:t>
-            </a:r>
-            <a:r>
-              <a:rPr lang="fr-FR" dirty="0" smtClean="0"/>
-              <a:t>.C</a:t>
+              <a:t>)].C</a:t>
             </a:r>
             <a:r>
               <a:rPr lang="fr-FR" baseline="-25000" dirty="0" smtClean="0"/>
@@ -4213,7 +4202,7 @@
           <p:cNvPr id="6" name="Image 5">
             <a:extLst>
               <a:ext uri="{FF2B5EF4-FFF2-40B4-BE49-F238E27FC236}">
-                <a16:creationId xmlns:a16="http://schemas.microsoft.com/office/drawing/2014/main" xmlns="" id="{F27BAB4A-03B5-444C-87D5-A3D98E3C0096}"/>
+                <a16:creationId xmlns="" xmlns:a16="http://schemas.microsoft.com/office/drawing/2014/main" id="{F27BAB4A-03B5-444C-87D5-A3D98E3C0096}"/>
               </a:ext>
             </a:extLst>
           </p:cNvPr>
@@ -4452,11 +4441,7 @@
           <a:p>
             <a:r>
               <a:rPr lang="fr-FR" sz="1400" dirty="0"/>
-              <a:t>à</a:t>
-            </a:r>
-            <a:r>
-              <a:rPr lang="fr-FR" sz="1400" dirty="0"/>
-              <a:t> 10-2 mol/</a:t>
+              <a:t>à 10-2 mol/</a:t>
             </a:r>
             <a:r>
               <a:rPr lang="fr-FR" sz="1400" dirty="0" smtClean="0"/>
@@ -4745,7 +4730,7 @@
           <p:cNvPr id="5" name="Tableau 5">
             <a:extLst>
               <a:ext uri="{FF2B5EF4-FFF2-40B4-BE49-F238E27FC236}">
-                <a16:creationId xmlns:mc="http://schemas.openxmlformats.org/markup-compatibility/2006" xmlns:a14="http://schemas.microsoft.com/office/drawing/2010/main" xmlns:a16="http://schemas.microsoft.com/office/drawing/2014/main" xmlns="" id="{C2FF4942-3872-4E80-A10D-8F4A84A5642F}"/>
+                <a16:creationId xmlns="" xmlns:a16="http://schemas.microsoft.com/office/drawing/2014/main" xmlns:a14="http://schemas.microsoft.com/office/drawing/2010/main" xmlns:mc="http://schemas.openxmlformats.org/markup-compatibility/2006" id="{C2FF4942-3872-4E80-A10D-8F4A84A5642F}"/>
               </a:ext>
             </a:extLst>
           </p:cNvPr>
@@ -4775,35 +4760,35 @@
                 <a:gridCol w="1676400">
                   <a:extLst>
                     <a:ext uri="{9D8B030D-6E8A-4147-A177-3AD203B41FA5}">
-                      <a16:colId xmlns:mc="http://schemas.openxmlformats.org/markup-compatibility/2006" xmlns:a14="http://schemas.microsoft.com/office/drawing/2010/main" xmlns:a16="http://schemas.microsoft.com/office/drawing/2014/main" xmlns="" val="914599211"/>
+                      <a16:colId xmlns="" xmlns:a16="http://schemas.microsoft.com/office/drawing/2014/main" xmlns:a14="http://schemas.microsoft.com/office/drawing/2010/main" xmlns:mc="http://schemas.openxmlformats.org/markup-compatibility/2006" val="914599211"/>
                     </a:ext>
                   </a:extLst>
                 </a:gridCol>
                 <a:gridCol w="1676400">
                   <a:extLst>
                     <a:ext uri="{9D8B030D-6E8A-4147-A177-3AD203B41FA5}">
-                      <a16:colId xmlns:mc="http://schemas.openxmlformats.org/markup-compatibility/2006" xmlns:a14="http://schemas.microsoft.com/office/drawing/2010/main" xmlns:a16="http://schemas.microsoft.com/office/drawing/2014/main" xmlns="" val="2182590632"/>
+                      <a16:colId xmlns="" xmlns:a16="http://schemas.microsoft.com/office/drawing/2014/main" xmlns:a14="http://schemas.microsoft.com/office/drawing/2010/main" xmlns:mc="http://schemas.openxmlformats.org/markup-compatibility/2006" val="2182590632"/>
                     </a:ext>
                   </a:extLst>
                 </a:gridCol>
                 <a:gridCol w="1313601">
                   <a:extLst>
                     <a:ext uri="{9D8B030D-6E8A-4147-A177-3AD203B41FA5}">
-                      <a16:colId xmlns:mc="http://schemas.openxmlformats.org/markup-compatibility/2006" xmlns:a14="http://schemas.microsoft.com/office/drawing/2010/main" xmlns:a16="http://schemas.microsoft.com/office/drawing/2014/main" xmlns="" val="3563639581"/>
+                      <a16:colId xmlns="" xmlns:a16="http://schemas.microsoft.com/office/drawing/2014/main" xmlns:a14="http://schemas.microsoft.com/office/drawing/2010/main" xmlns:mc="http://schemas.openxmlformats.org/markup-compatibility/2006" val="3563639581"/>
                     </a:ext>
                   </a:extLst>
                 </a:gridCol>
                 <a:gridCol w="1618855">
                   <a:extLst>
                     <a:ext uri="{9D8B030D-6E8A-4147-A177-3AD203B41FA5}">
-                      <a16:colId xmlns:mc="http://schemas.openxmlformats.org/markup-compatibility/2006" xmlns:a14="http://schemas.microsoft.com/office/drawing/2010/main" xmlns:a16="http://schemas.microsoft.com/office/drawing/2014/main" xmlns="" val="2640529825"/>
+                      <a16:colId xmlns="" xmlns:a16="http://schemas.microsoft.com/office/drawing/2014/main" xmlns:a14="http://schemas.microsoft.com/office/drawing/2010/main" xmlns:mc="http://schemas.openxmlformats.org/markup-compatibility/2006" val="2640529825"/>
                     </a:ext>
                   </a:extLst>
                 </a:gridCol>
                 <a:gridCol w="1911923">
                   <a:extLst>
                     <a:ext uri="{9D8B030D-6E8A-4147-A177-3AD203B41FA5}">
-                      <a16:colId xmlns:mc="http://schemas.openxmlformats.org/markup-compatibility/2006" xmlns:a14="http://schemas.microsoft.com/office/drawing/2010/main" xmlns:a16="http://schemas.microsoft.com/office/drawing/2014/main" xmlns="" val="4291172058"/>
+                      <a16:colId xmlns="" xmlns:a16="http://schemas.microsoft.com/office/drawing/2014/main" xmlns:a14="http://schemas.microsoft.com/office/drawing/2010/main" xmlns:mc="http://schemas.openxmlformats.org/markup-compatibility/2006" val="4291172058"/>
                     </a:ext>
                   </a:extLst>
                 </a:gridCol>
@@ -5185,7 +5170,7 @@
                 </a:tc>
                 <a:extLst>
                   <a:ext uri="{0D108BD9-81ED-4DB2-BD59-A6C34878D82A}">
-                    <a16:rowId xmlns:mc="http://schemas.openxmlformats.org/markup-compatibility/2006" xmlns:a14="http://schemas.microsoft.com/office/drawing/2010/main" xmlns:a16="http://schemas.microsoft.com/office/drawing/2014/main" xmlns="" val="2855790831"/>
+                    <a16:rowId xmlns="" xmlns:a16="http://schemas.microsoft.com/office/drawing/2014/main" xmlns:a14="http://schemas.microsoft.com/office/drawing/2010/main" xmlns:mc="http://schemas.openxmlformats.org/markup-compatibility/2006" val="2855790831"/>
                   </a:ext>
                 </a:extLst>
               </a:tr>
@@ -5317,7 +5302,7 @@
                 </a:tc>
                 <a:extLst>
                   <a:ext uri="{0D108BD9-81ED-4DB2-BD59-A6C34878D82A}">
-                    <a16:rowId xmlns:mc="http://schemas.openxmlformats.org/markup-compatibility/2006" xmlns:a14="http://schemas.microsoft.com/office/drawing/2010/main" xmlns:a16="http://schemas.microsoft.com/office/drawing/2014/main" xmlns="" val="111397599"/>
+                    <a16:rowId xmlns="" xmlns:a16="http://schemas.microsoft.com/office/drawing/2014/main" xmlns:a14="http://schemas.microsoft.com/office/drawing/2010/main" xmlns:mc="http://schemas.openxmlformats.org/markup-compatibility/2006" val="111397599"/>
                   </a:ext>
                 </a:extLst>
               </a:tr>
@@ -5481,7 +5466,7 @@
                 </a:tc>
                 <a:extLst>
                   <a:ext uri="{0D108BD9-81ED-4DB2-BD59-A6C34878D82A}">
-                    <a16:rowId xmlns:mc="http://schemas.openxmlformats.org/markup-compatibility/2006" xmlns:a14="http://schemas.microsoft.com/office/drawing/2010/main" xmlns:a16="http://schemas.microsoft.com/office/drawing/2014/main" xmlns="" val="1403580998"/>
+                    <a16:rowId xmlns="" xmlns:a16="http://schemas.microsoft.com/office/drawing/2014/main" xmlns:a14="http://schemas.microsoft.com/office/drawing/2010/main" xmlns:mc="http://schemas.openxmlformats.org/markup-compatibility/2006" val="1403580998"/>
                   </a:ext>
                 </a:extLst>
               </a:tr>
@@ -5554,7 +5539,7 @@
           <p:cNvPr id="2" name="Titre 1">
             <a:extLst>
               <a:ext uri="{FF2B5EF4-FFF2-40B4-BE49-F238E27FC236}">
-                <a16:creationId xmlns:a16="http://schemas.microsoft.com/office/drawing/2014/main" xmlns="" id="{64386837-C438-4BE5-BF8F-7F0311CD0659}"/>
+                <a16:creationId xmlns="" xmlns:a16="http://schemas.microsoft.com/office/drawing/2014/main" id="{64386837-C438-4BE5-BF8F-7F0311CD0659}"/>
               </a:ext>
             </a:extLst>
           </p:cNvPr>
@@ -5582,7 +5567,7 @@
           <p:cNvPr id="6" name="Groupe 5">
             <a:extLst>
               <a:ext uri="{FF2B5EF4-FFF2-40B4-BE49-F238E27FC236}">
-                <a16:creationId xmlns:a16="http://schemas.microsoft.com/office/drawing/2014/main" xmlns="" id="{341009BF-B728-446E-8542-4E7B42EF310D}"/>
+                <a16:creationId xmlns="" xmlns:a16="http://schemas.microsoft.com/office/drawing/2014/main" id="{341009BF-B728-446E-8542-4E7B42EF310D}"/>
               </a:ext>
             </a:extLst>
           </p:cNvPr>
@@ -5602,7 +5587,7 @@
             <p:cNvPr id="1028" name="Picture 4" descr="Phénolphtaléine : La molécule contient pourtant quelques ...">
               <a:extLst>
                 <a:ext uri="{FF2B5EF4-FFF2-40B4-BE49-F238E27FC236}">
-                  <a16:creationId xmlns:a16="http://schemas.microsoft.com/office/drawing/2014/main" xmlns="" id="{701A7881-43E5-49B7-96CE-46DFA3161CFF}"/>
+                  <a16:creationId xmlns="" xmlns:a16="http://schemas.microsoft.com/office/drawing/2014/main" id="{701A7881-43E5-49B7-96CE-46DFA3161CFF}"/>
                 </a:ext>
               </a:extLst>
             </p:cNvPr>
@@ -5647,7 +5632,7 @@
             <p:cNvPr id="5" name="ZoneTexte 4">
               <a:extLst>
                 <a:ext uri="{FF2B5EF4-FFF2-40B4-BE49-F238E27FC236}">
-                  <a16:creationId xmlns:a16="http://schemas.microsoft.com/office/drawing/2014/main" xmlns="" id="{9E2CEF34-AD6C-4CC6-ABD3-EA864BA60E63}"/>
+                  <a16:creationId xmlns="" xmlns:a16="http://schemas.microsoft.com/office/drawing/2014/main" id="{9E2CEF34-AD6C-4CC6-ABD3-EA864BA60E63}"/>
                 </a:ext>
               </a:extLst>
             </p:cNvPr>
@@ -5686,7 +5671,7 @@
             <p:cNvPr id="8" name="ZoneTexte 7">
               <a:extLst>
                 <a:ext uri="{FF2B5EF4-FFF2-40B4-BE49-F238E27FC236}">
-                  <a16:creationId xmlns:a16="http://schemas.microsoft.com/office/drawing/2014/main" xmlns="" id="{0C32AAE9-02E8-4F39-81FA-054B77F7AFAA}"/>
+                  <a16:creationId xmlns="" xmlns:a16="http://schemas.microsoft.com/office/drawing/2014/main" id="{0C32AAE9-02E8-4F39-81FA-054B77F7AFAA}"/>
                 </a:ext>
               </a:extLst>
             </p:cNvPr>
@@ -5773,12 +5758,12 @@
           <a:graphicData uri="http://schemas.openxmlformats.org/presentationml/2006/ole">
             <mc:AlternateContent xmlns:mc="http://schemas.openxmlformats.org/markup-compatibility/2006">
               <mc:Choice xmlns:v="urn:schemas-microsoft-com:vml" Requires="v">
-                <p:oleObj spid="_x0000_s1082" name="Document" r:id="rId3" imgW="5753100" imgH="2019300" progId="Word.Document.12">
+                <p:oleObj spid="_x0000_s1088" name="Document" r:id="rId4" imgW="5753100" imgH="2019300" progId="Word.Document.12">
                   <p:embed/>
                 </p:oleObj>
               </mc:Choice>
               <mc:Fallback>
-                <p:oleObj name="Document" r:id="rId3" imgW="5753100" imgH="2019300" progId="Word.Document.12">
+                <p:oleObj name="Document" r:id="rId4" imgW="5753100" imgH="2019300" progId="Word.Document.12">
                   <p:embed/>
                   <p:pic>
                     <p:nvPicPr>
@@ -5787,7 +5772,7 @@
                       <p:nvPr/>
                     </p:nvPicPr>
                     <p:blipFill>
-                      <a:blip r:embed="rId4"/>
+                      <a:blip r:embed="rId5"/>
                       <a:stretch>
                         <a:fillRect/>
                       </a:stretch>
@@ -5813,7 +5798,7 @@
           <p:cNvPr id="6" name="Titre 1">
             <a:extLst>
               <a:ext uri="{FF2B5EF4-FFF2-40B4-BE49-F238E27FC236}">
-                <a16:creationId xmlns:a16="http://schemas.microsoft.com/office/drawing/2014/main" xmlns="" id="{34BD51D0-A198-4F60-8CF1-13BD13DF0C15}"/>
+                <a16:creationId xmlns="" xmlns:a16="http://schemas.microsoft.com/office/drawing/2014/main" id="{34BD51D0-A198-4F60-8CF1-13BD13DF0C15}"/>
               </a:ext>
             </a:extLst>
           </p:cNvPr>
@@ -5901,12 +5886,12 @@
           <a:graphicData uri="http://schemas.openxmlformats.org/presentationml/2006/ole">
             <mc:AlternateContent xmlns:mc="http://schemas.openxmlformats.org/markup-compatibility/2006">
               <mc:Choice xmlns:v="urn:schemas-microsoft-com:vml" Requires="v">
-                <p:oleObj spid="_x0000_s1083" name="Document" r:id="rId5" imgW="5753100" imgH="635000" progId="Word.Document.12">
+                <p:oleObj spid="_x0000_s1089" name="Document" r:id="rId7" imgW="5753100" imgH="635000" progId="Word.Document.12">
                   <p:embed/>
                 </p:oleObj>
               </mc:Choice>
               <mc:Fallback>
-                <p:oleObj name="Document" r:id="rId5" imgW="5753100" imgH="635000" progId="Word.Document.12">
+                <p:oleObj name="Document" r:id="rId7" imgW="5753100" imgH="635000" progId="Word.Document.12">
                   <p:embed/>
                   <p:pic>
                     <p:nvPicPr>
@@ -5915,7 +5900,7 @@
                       <p:nvPr/>
                     </p:nvPicPr>
                     <p:blipFill>
-                      <a:blip r:embed="rId6"/>
+                      <a:blip r:embed="rId8"/>
                       <a:stretch>
                         <a:fillRect/>
                       </a:stretch>
@@ -6168,12 +6153,12 @@
           <a:graphicData uri="http://schemas.openxmlformats.org/presentationml/2006/ole">
             <mc:AlternateContent xmlns:mc="http://schemas.openxmlformats.org/markup-compatibility/2006">
               <mc:Choice xmlns:v="urn:schemas-microsoft-com:vml" Requires="v">
-                <p:oleObj spid="_x0000_s1084" name="Document" r:id="rId7" imgW="5753100" imgH="1346200" progId="Word.Document.12">
+                <p:oleObj spid="_x0000_s1090" name="Document" r:id="rId10" imgW="5753100" imgH="1346200" progId="Word.Document.12">
                   <p:embed/>
                 </p:oleObj>
               </mc:Choice>
               <mc:Fallback>
-                <p:oleObj name="Document" r:id="rId7" imgW="5753100" imgH="1346200" progId="Word.Document.12">
+                <p:oleObj name="Document" r:id="rId10" imgW="5753100" imgH="1346200" progId="Word.Document.12">
                   <p:embed/>
                   <p:pic>
                     <p:nvPicPr>
@@ -6182,7 +6167,7 @@
                       <p:nvPr/>
                     </p:nvPicPr>
                     <p:blipFill>
-                      <a:blip r:embed="rId8"/>
+                      <a:blip r:embed="rId11"/>
                       <a:stretch>
                         <a:fillRect/>
                       </a:stretch>
@@ -6285,12 +6270,12 @@
           <a:graphicData uri="http://schemas.openxmlformats.org/presentationml/2006/ole">
             <mc:AlternateContent xmlns:mc="http://schemas.openxmlformats.org/markup-compatibility/2006">
               <mc:Choice xmlns:v="urn:schemas-microsoft-com:vml" Requires="v">
-                <p:oleObj spid="_x0000_s1085" name="Document" r:id="rId9" imgW="5753100" imgH="876300" progId="Word.Document.12">
+                <p:oleObj spid="_x0000_s1091" name="Document" r:id="rId13" imgW="5753100" imgH="876300" progId="Word.Document.12">
                   <p:embed/>
                 </p:oleObj>
               </mc:Choice>
               <mc:Fallback>
-                <p:oleObj name="Document" r:id="rId9" imgW="5753100" imgH="876300" progId="Word.Document.12">
+                <p:oleObj name="Document" r:id="rId13" imgW="5753100" imgH="876300" progId="Word.Document.12">
                   <p:embed/>
                   <p:pic>
                     <p:nvPicPr>
@@ -6299,7 +6284,7 @@
                       <p:nvPr/>
                     </p:nvPicPr>
                     <p:blipFill>
-                      <a:blip r:embed="rId10"/>
+                      <a:blip r:embed="rId14"/>
                       <a:stretch>
                         <a:fillRect/>
                       </a:stretch>
@@ -6533,12 +6518,12 @@
           <a:graphicData uri="http://schemas.openxmlformats.org/presentationml/2006/ole">
             <mc:AlternateContent xmlns:mc="http://schemas.openxmlformats.org/markup-compatibility/2006">
               <mc:Choice xmlns:v="urn:schemas-microsoft-com:vml" Requires="v">
-                <p:oleObj spid="_x0000_s1086" name="Document" r:id="rId11" imgW="5753100" imgH="1168400" progId="Word.Document.12">
+                <p:oleObj spid="_x0000_s1092" name="Document" r:id="rId16" imgW="5753100" imgH="1168400" progId="Word.Document.12">
                   <p:embed/>
                 </p:oleObj>
               </mc:Choice>
               <mc:Fallback>
-                <p:oleObj name="Document" r:id="rId11" imgW="5753100" imgH="1168400" progId="Word.Document.12">
+                <p:oleObj name="Document" r:id="rId16" imgW="5753100" imgH="1168400" progId="Word.Document.12">
                   <p:embed/>
                   <p:pic>
                     <p:nvPicPr>
@@ -6547,7 +6532,7 @@
                       <p:nvPr/>
                     </p:nvPicPr>
                     <p:blipFill>
-                      <a:blip r:embed="rId12"/>
+                      <a:blip r:embed="rId17"/>
                       <a:stretch>
                         <a:fillRect/>
                       </a:stretch>
@@ -6608,7 +6593,7 @@
           <p:cNvPr id="2" name="Titre 1">
             <a:extLst>
               <a:ext uri="{FF2B5EF4-FFF2-40B4-BE49-F238E27FC236}">
-                <a16:creationId xmlns:a16="http://schemas.microsoft.com/office/drawing/2014/main" xmlns="" id="{64CA61E6-A489-4F09-A23C-EA3F16AE2926}"/>
+                <a16:creationId xmlns="" xmlns:a16="http://schemas.microsoft.com/office/drawing/2014/main" id="{64CA61E6-A489-4F09-A23C-EA3F16AE2926}"/>
               </a:ext>
             </a:extLst>
           </p:cNvPr>
@@ -6636,7 +6621,7 @@
           <p:cNvPr id="4" name="Image 3">
             <a:extLst>
               <a:ext uri="{FF2B5EF4-FFF2-40B4-BE49-F238E27FC236}">
-                <a16:creationId xmlns:a16="http://schemas.microsoft.com/office/drawing/2014/main" xmlns="" id="{C77BDA2F-14EB-4CD7-B609-FA1023FF8DB2}"/>
+                <a16:creationId xmlns="" xmlns:a16="http://schemas.microsoft.com/office/drawing/2014/main" id="{C77BDA2F-14EB-4CD7-B609-FA1023FF8DB2}"/>
               </a:ext>
             </a:extLst>
           </p:cNvPr>
@@ -6666,7 +6651,7 @@
           <p:cNvPr id="5" name="Rectangle 4">
             <a:extLst>
               <a:ext uri="{FF2B5EF4-FFF2-40B4-BE49-F238E27FC236}">
-                <a16:creationId xmlns:a16="http://schemas.microsoft.com/office/drawing/2014/main" xmlns="" id="{FBD72EF1-76A4-417C-AA1A-862DB8C9176D}"/>
+                <a16:creationId xmlns="" xmlns:a16="http://schemas.microsoft.com/office/drawing/2014/main" id="{FBD72EF1-76A4-417C-AA1A-862DB8C9176D}"/>
               </a:ext>
             </a:extLst>
           </p:cNvPr>
@@ -6767,7 +6752,7 @@
           <p:cNvPr id="2" name="Espace réservé du numéro de diapositive 1">
             <a:extLst>
               <a:ext uri="{FF2B5EF4-FFF2-40B4-BE49-F238E27FC236}">
-                <a16:creationId xmlns:a16="http://schemas.microsoft.com/office/drawing/2014/main" xmlns="" id="{7AB1B0BC-99AA-42A3-B7E8-241B05923041}"/>
+                <a16:creationId xmlns="" xmlns:a16="http://schemas.microsoft.com/office/drawing/2014/main" id="{7AB1B0BC-99AA-42A3-B7E8-241B05923041}"/>
               </a:ext>
             </a:extLst>
           </p:cNvPr>
@@ -6804,7 +6789,7 @@
           <p:cNvPr id="1026" name="Picture 2" descr="Vinaigre d'alcool 12% BIO 1L - Mes courses en vrac">
             <a:extLst>
               <a:ext uri="{FF2B5EF4-FFF2-40B4-BE49-F238E27FC236}">
-                <a16:creationId xmlns:a16="http://schemas.microsoft.com/office/drawing/2014/main" xmlns="" id="{49B42E29-D6BD-45A4-B644-C5AE46D1057F}"/>
+                <a16:creationId xmlns="" xmlns:a16="http://schemas.microsoft.com/office/drawing/2014/main" id="{49B42E29-D6BD-45A4-B644-C5AE46D1057F}"/>
               </a:ext>
             </a:extLst>
           </p:cNvPr>
@@ -6849,7 +6834,7 @@
           <p:cNvPr id="1028" name="Picture 4" descr="Vrai ou faux ? Sept idées reçues sur les bienfaits du citron ...">
             <a:extLst>
               <a:ext uri="{FF2B5EF4-FFF2-40B4-BE49-F238E27FC236}">
-                <a16:creationId xmlns:a16="http://schemas.microsoft.com/office/drawing/2014/main" xmlns="" id="{E7D7A420-696E-46DF-BB8D-67BF0A8257DB}"/>
+                <a16:creationId xmlns="" xmlns:a16="http://schemas.microsoft.com/office/drawing/2014/main" id="{E7D7A420-696E-46DF-BB8D-67BF0A8257DB}"/>
               </a:ext>
             </a:extLst>
           </p:cNvPr>
@@ -6894,7 +6879,7 @@
           <p:cNvPr id="1030" name="Picture 6" descr="Les agrumes ! | Les éditions de la rose">
             <a:extLst>
               <a:ext uri="{FF2B5EF4-FFF2-40B4-BE49-F238E27FC236}">
-                <a16:creationId xmlns:a16="http://schemas.microsoft.com/office/drawing/2014/main" xmlns="" id="{4AC3923C-D6C8-4B49-9F47-4A2C08A3CAD5}"/>
+                <a16:creationId xmlns="" xmlns:a16="http://schemas.microsoft.com/office/drawing/2014/main" id="{4AC3923C-D6C8-4B49-9F47-4A2C08A3CAD5}"/>
               </a:ext>
             </a:extLst>
           </p:cNvPr>
@@ -6941,7 +6926,7 @@
           <p:cNvPr id="1032" name="Picture 8" descr="Limonade artisanale arôme citron LORINA : la bouteille d'1L à Prix ...">
             <a:extLst>
               <a:ext uri="{FF2B5EF4-FFF2-40B4-BE49-F238E27FC236}">
-                <a16:creationId xmlns:a16="http://schemas.microsoft.com/office/drawing/2014/main" xmlns="" id="{F6DB467F-E8EC-48D7-8B58-FE067FEE1286}"/>
+                <a16:creationId xmlns="" xmlns:a16="http://schemas.microsoft.com/office/drawing/2014/main" id="{F6DB467F-E8EC-48D7-8B58-FE067FEE1286}"/>
               </a:ext>
             </a:extLst>
           </p:cNvPr>
@@ -6986,7 +6971,7 @@
           <p:cNvPr id="3" name="ZoneTexte 2">
             <a:extLst>
               <a:ext uri="{FF2B5EF4-FFF2-40B4-BE49-F238E27FC236}">
-                <a16:creationId xmlns:a16="http://schemas.microsoft.com/office/drawing/2014/main" xmlns="" id="{45DCE0B0-0425-4FB4-9AC9-018875003443}"/>
+                <a16:creationId xmlns="" xmlns:a16="http://schemas.microsoft.com/office/drawing/2014/main" id="{45DCE0B0-0425-4FB4-9AC9-018875003443}"/>
               </a:ext>
             </a:extLst>
           </p:cNvPr>
@@ -7023,7 +7008,7 @@
           <p:cNvPr id="1034" name="Picture 10" descr="Déboucheur liquide canalisations surpuissant 1L Destop - Delcourt ...">
             <a:extLst>
               <a:ext uri="{FF2B5EF4-FFF2-40B4-BE49-F238E27FC236}">
-                <a16:creationId xmlns:a16="http://schemas.microsoft.com/office/drawing/2014/main" xmlns="" id="{D08D13F8-059D-4576-BDB3-6D392043B5E7}"/>
+                <a16:creationId xmlns="" xmlns:a16="http://schemas.microsoft.com/office/drawing/2014/main" id="{D08D13F8-059D-4576-BDB3-6D392043B5E7}"/>
               </a:ext>
             </a:extLst>
           </p:cNvPr>
@@ -7068,7 +7053,7 @@
           <p:cNvPr id="10" name="ZoneTexte 9">
             <a:extLst>
               <a:ext uri="{FF2B5EF4-FFF2-40B4-BE49-F238E27FC236}">
-                <a16:creationId xmlns:a16="http://schemas.microsoft.com/office/drawing/2014/main" xmlns="" id="{AEBBE209-002D-4864-90F1-F5A843805E87}"/>
+                <a16:creationId xmlns="" xmlns:a16="http://schemas.microsoft.com/office/drawing/2014/main" id="{AEBBE209-002D-4864-90F1-F5A843805E87}"/>
               </a:ext>
             </a:extLst>
           </p:cNvPr>
@@ -7233,7 +7218,7 @@
           <p:cNvPr id="2" name="Titre 1">
             <a:extLst>
               <a:ext uri="{FF2B5EF4-FFF2-40B4-BE49-F238E27FC236}">
-                <a16:creationId xmlns:a16="http://schemas.microsoft.com/office/drawing/2014/main" xmlns="" id="{F91A9A03-6EC7-4696-AC80-5B417F3A10CD}"/>
+                <a16:creationId xmlns="" xmlns:a16="http://schemas.microsoft.com/office/drawing/2014/main" id="{F91A9A03-6EC7-4696-AC80-5B417F3A10CD}"/>
               </a:ext>
             </a:extLst>
           </p:cNvPr>
@@ -7261,7 +7246,7 @@
           <p:cNvPr id="5" name="Image 4">
             <a:extLst>
               <a:ext uri="{FF2B5EF4-FFF2-40B4-BE49-F238E27FC236}">
-                <a16:creationId xmlns:a16="http://schemas.microsoft.com/office/drawing/2014/main" xmlns="" id="{D32AF231-26A9-4F70-9E38-238824E2896C}"/>
+                <a16:creationId xmlns="" xmlns:a16="http://schemas.microsoft.com/office/drawing/2014/main" id="{D32AF231-26A9-4F70-9E38-238824E2896C}"/>
               </a:ext>
             </a:extLst>
           </p:cNvPr>
@@ -7290,7 +7275,7 @@
           <p:cNvPr id="6" name="Rectangle 5">
             <a:extLst>
               <a:ext uri="{FF2B5EF4-FFF2-40B4-BE49-F238E27FC236}">
-                <a16:creationId xmlns:a16="http://schemas.microsoft.com/office/drawing/2014/main" xmlns="" id="{E9651417-0FD4-4C38-A7A1-BB45E7788918}"/>
+                <a16:creationId xmlns="" xmlns:a16="http://schemas.microsoft.com/office/drawing/2014/main" id="{E9651417-0FD4-4C38-A7A1-BB45E7788918}"/>
               </a:ext>
             </a:extLst>
           </p:cNvPr>
@@ -7363,7 +7348,7 @@
           <p:cNvPr id="2" name="Titre 1">
             <a:extLst>
               <a:ext uri="{FF2B5EF4-FFF2-40B4-BE49-F238E27FC236}">
-                <a16:creationId xmlns:a16="http://schemas.microsoft.com/office/drawing/2014/main" xmlns="" id="{F91A9A03-6EC7-4696-AC80-5B417F3A10CD}"/>
+                <a16:creationId xmlns="" xmlns:a16="http://schemas.microsoft.com/office/drawing/2014/main" id="{F91A9A03-6EC7-4696-AC80-5B417F3A10CD}"/>
               </a:ext>
             </a:extLst>
           </p:cNvPr>
@@ -7391,7 +7376,7 @@
           <p:cNvPr id="5" name="Image 4">
             <a:extLst>
               <a:ext uri="{FF2B5EF4-FFF2-40B4-BE49-F238E27FC236}">
-                <a16:creationId xmlns:a16="http://schemas.microsoft.com/office/drawing/2014/main" xmlns="" id="{D32AF231-26A9-4F70-9E38-238824E2896C}"/>
+                <a16:creationId xmlns="" xmlns:a16="http://schemas.microsoft.com/office/drawing/2014/main" id="{D32AF231-26A9-4F70-9E38-238824E2896C}"/>
               </a:ext>
             </a:extLst>
           </p:cNvPr>
@@ -7421,7 +7406,7 @@
           <p:cNvPr id="6" name="Rectangle 5">
             <a:extLst>
               <a:ext uri="{FF2B5EF4-FFF2-40B4-BE49-F238E27FC236}">
-                <a16:creationId xmlns:a16="http://schemas.microsoft.com/office/drawing/2014/main" xmlns="" id="{E9651417-0FD4-4C38-A7A1-BB45E7788918}"/>
+                <a16:creationId xmlns="" xmlns:a16="http://schemas.microsoft.com/office/drawing/2014/main" id="{E9651417-0FD4-4C38-A7A1-BB45E7788918}"/>
               </a:ext>
             </a:extLst>
           </p:cNvPr>
@@ -7947,7 +7932,7 @@
           <p:cNvPr id="2" name="Espace réservé du numéro de diapositive 1">
             <a:extLst>
               <a:ext uri="{FF2B5EF4-FFF2-40B4-BE49-F238E27FC236}">
-                <a16:creationId xmlns:a16="http://schemas.microsoft.com/office/drawing/2014/main" xmlns="" id="{7AB1B0BC-99AA-42A3-B7E8-241B05923041}"/>
+                <a16:creationId xmlns="" xmlns:a16="http://schemas.microsoft.com/office/drawing/2014/main" id="{7AB1B0BC-99AA-42A3-B7E8-241B05923041}"/>
               </a:ext>
             </a:extLst>
           </p:cNvPr>
@@ -7984,7 +7969,7 @@
           <p:cNvPr id="1026" name="Picture 2" descr="Vinaigre d'alcool 12% BIO 1L - Mes courses en vrac">
             <a:extLst>
               <a:ext uri="{FF2B5EF4-FFF2-40B4-BE49-F238E27FC236}">
-                <a16:creationId xmlns:a16="http://schemas.microsoft.com/office/drawing/2014/main" xmlns="" id="{49B42E29-D6BD-45A4-B644-C5AE46D1057F}"/>
+                <a16:creationId xmlns="" xmlns:a16="http://schemas.microsoft.com/office/drawing/2014/main" id="{49B42E29-D6BD-45A4-B644-C5AE46D1057F}"/>
               </a:ext>
             </a:extLst>
           </p:cNvPr>
@@ -8029,7 +8014,7 @@
           <p:cNvPr id="1028" name="Picture 4" descr="Vrai ou faux ? Sept idées reçues sur les bienfaits du citron ...">
             <a:extLst>
               <a:ext uri="{FF2B5EF4-FFF2-40B4-BE49-F238E27FC236}">
-                <a16:creationId xmlns:a16="http://schemas.microsoft.com/office/drawing/2014/main" xmlns="" id="{E7D7A420-696E-46DF-BB8D-67BF0A8257DB}"/>
+                <a16:creationId xmlns="" xmlns:a16="http://schemas.microsoft.com/office/drawing/2014/main" id="{E7D7A420-696E-46DF-BB8D-67BF0A8257DB}"/>
               </a:ext>
             </a:extLst>
           </p:cNvPr>
@@ -8074,7 +8059,7 @@
           <p:cNvPr id="1030" name="Picture 6" descr="Les agrumes ! | Les éditions de la rose">
             <a:extLst>
               <a:ext uri="{FF2B5EF4-FFF2-40B4-BE49-F238E27FC236}">
-                <a16:creationId xmlns:a16="http://schemas.microsoft.com/office/drawing/2014/main" xmlns="" id="{4AC3923C-D6C8-4B49-9F47-4A2C08A3CAD5}"/>
+                <a16:creationId xmlns="" xmlns:a16="http://schemas.microsoft.com/office/drawing/2014/main" id="{4AC3923C-D6C8-4B49-9F47-4A2C08A3CAD5}"/>
               </a:ext>
             </a:extLst>
           </p:cNvPr>
@@ -8121,7 +8106,7 @@
           <p:cNvPr id="1032" name="Picture 8" descr="Limonade artisanale arôme citron LORINA : la bouteille d'1L à Prix ...">
             <a:extLst>
               <a:ext uri="{FF2B5EF4-FFF2-40B4-BE49-F238E27FC236}">
-                <a16:creationId xmlns:a16="http://schemas.microsoft.com/office/drawing/2014/main" xmlns="" id="{F6DB467F-E8EC-48D7-8B58-FE067FEE1286}"/>
+                <a16:creationId xmlns="" xmlns:a16="http://schemas.microsoft.com/office/drawing/2014/main" id="{F6DB467F-E8EC-48D7-8B58-FE067FEE1286}"/>
               </a:ext>
             </a:extLst>
           </p:cNvPr>
@@ -8166,7 +8151,7 @@
           <p:cNvPr id="3" name="ZoneTexte 2">
             <a:extLst>
               <a:ext uri="{FF2B5EF4-FFF2-40B4-BE49-F238E27FC236}">
-                <a16:creationId xmlns:a16="http://schemas.microsoft.com/office/drawing/2014/main" xmlns="" id="{45DCE0B0-0425-4FB4-9AC9-018875003443}"/>
+                <a16:creationId xmlns="" xmlns:a16="http://schemas.microsoft.com/office/drawing/2014/main" id="{45DCE0B0-0425-4FB4-9AC9-018875003443}"/>
               </a:ext>
             </a:extLst>
           </p:cNvPr>
@@ -8203,7 +8188,7 @@
           <p:cNvPr id="1034" name="Picture 10" descr="Déboucheur liquide canalisations surpuissant 1L Destop - Delcourt ...">
             <a:extLst>
               <a:ext uri="{FF2B5EF4-FFF2-40B4-BE49-F238E27FC236}">
-                <a16:creationId xmlns:a16="http://schemas.microsoft.com/office/drawing/2014/main" xmlns="" id="{D08D13F8-059D-4576-BDB3-6D392043B5E7}"/>
+                <a16:creationId xmlns="" xmlns:a16="http://schemas.microsoft.com/office/drawing/2014/main" id="{D08D13F8-059D-4576-BDB3-6D392043B5E7}"/>
               </a:ext>
             </a:extLst>
           </p:cNvPr>
@@ -8248,7 +8233,7 @@
           <p:cNvPr id="10" name="ZoneTexte 9">
             <a:extLst>
               <a:ext uri="{FF2B5EF4-FFF2-40B4-BE49-F238E27FC236}">
-                <a16:creationId xmlns:a16="http://schemas.microsoft.com/office/drawing/2014/main" xmlns="" id="{AEBBE209-002D-4864-90F1-F5A843805E87}"/>
+                <a16:creationId xmlns="" xmlns:a16="http://schemas.microsoft.com/office/drawing/2014/main" id="{AEBBE209-002D-4864-90F1-F5A843805E87}"/>
               </a:ext>
             </a:extLst>
           </p:cNvPr>
@@ -8841,7 +8826,7 @@
           <p:cNvPr id="2" name="Image 1">
             <a:extLst>
               <a:ext uri="{FF2B5EF4-FFF2-40B4-BE49-F238E27FC236}">
-                <a16:creationId xmlns:a16="http://schemas.microsoft.com/office/drawing/2014/main" xmlns="" id="{F27BAB4A-03B5-444C-87D5-A3D98E3C0096}"/>
+                <a16:creationId xmlns="" xmlns:a16="http://schemas.microsoft.com/office/drawing/2014/main" id="{F27BAB4A-03B5-444C-87D5-A3D98E3C0096}"/>
               </a:ext>
             </a:extLst>
           </p:cNvPr>
@@ -8936,11 +8921,7 @@
           <a:p>
             <a:r>
               <a:rPr lang="fr-FR" sz="1400" b="1" dirty="0" smtClean="0"/>
-              <a:t>pH-</a:t>
-            </a:r>
-            <a:r>
-              <a:rPr lang="fr-FR" sz="1400" b="1" dirty="0" smtClean="0"/>
-              <a:t>mètre</a:t>
+              <a:t>pH-mètre</a:t>
             </a:r>
           </a:p>
           <a:p>
@@ -9433,7 +9414,7 @@
           <p:cNvPr id="17" name="Titre 1">
             <a:extLst>
               <a:ext uri="{FF2B5EF4-FFF2-40B4-BE49-F238E27FC236}">
-                <a16:creationId xmlns:a16="http://schemas.microsoft.com/office/drawing/2014/main" xmlns="" id="{29294511-8C00-4FEE-89AA-CA81800E6DBD}"/>
+                <a16:creationId xmlns="" xmlns:a16="http://schemas.microsoft.com/office/drawing/2014/main" id="{29294511-8C00-4FEE-89AA-CA81800E6DBD}"/>
               </a:ext>
             </a:extLst>
           </p:cNvPr>
@@ -9516,7 +9497,7 @@
           <p:cNvPr id="2" name="Image 1">
             <a:extLst>
               <a:ext uri="{FF2B5EF4-FFF2-40B4-BE49-F238E27FC236}">
-                <a16:creationId xmlns:a16="http://schemas.microsoft.com/office/drawing/2014/main" xmlns="" id="{F27BAB4A-03B5-444C-87D5-A3D98E3C0096}"/>
+                <a16:creationId xmlns="" xmlns:a16="http://schemas.microsoft.com/office/drawing/2014/main" id="{F27BAB4A-03B5-444C-87D5-A3D98E3C0096}"/>
               </a:ext>
             </a:extLst>
           </p:cNvPr>
@@ -9611,11 +9592,7 @@
           <a:p>
             <a:r>
               <a:rPr lang="fr-FR" sz="1400" b="1" dirty="0" smtClean="0"/>
-              <a:t>pH-</a:t>
-            </a:r>
-            <a:r>
-              <a:rPr lang="fr-FR" sz="1400" b="1" dirty="0" smtClean="0"/>
-              <a:t>mètre</a:t>
+              <a:t>pH-mètre</a:t>
             </a:r>
             <a:endParaRPr lang="fr-FR" sz="1400" b="1" dirty="0"/>
           </a:p>
@@ -9808,15 +9785,7 @@
           <a:p>
             <a:r>
               <a:rPr lang="fr-FR" dirty="0" smtClean="0"/>
-              <a:t>Solution d’acide éthano</a:t>
-            </a:r>
-            <a:r>
-              <a:rPr lang="fr-FR" dirty="0" smtClean="0"/>
-              <a:t>ïque</a:t>
-            </a:r>
-            <a:r>
-              <a:rPr lang="fr-FR" dirty="0" smtClean="0"/>
-              <a:t> </a:t>
+              <a:t>Solution d’acide éthanoïque </a:t>
             </a:r>
           </a:p>
           <a:p>
@@ -10117,7 +10086,7 @@
           <p:cNvPr id="17" name="Titre 1">
             <a:extLst>
               <a:ext uri="{FF2B5EF4-FFF2-40B4-BE49-F238E27FC236}">
-                <a16:creationId xmlns:a16="http://schemas.microsoft.com/office/drawing/2014/main" xmlns="" id="{29294511-8C00-4FEE-89AA-CA81800E6DBD}"/>
+                <a16:creationId xmlns="" xmlns:a16="http://schemas.microsoft.com/office/drawing/2014/main" id="{29294511-8C00-4FEE-89AA-CA81800E6DBD}"/>
               </a:ext>
             </a:extLst>
           </p:cNvPr>
@@ -10159,15 +10128,7 @@
           <a:p>
             <a:r>
               <a:rPr lang="fr-FR" dirty="0" smtClean="0"/>
-              <a:t>L’acide éthano</a:t>
-            </a:r>
-            <a:r>
-              <a:rPr lang="fr-FR" dirty="0" smtClean="0"/>
-              <a:t>ïque</a:t>
-            </a:r>
-            <a:r>
-              <a:rPr lang="fr-FR" dirty="0" smtClean="0"/>
-              <a:t>, un acide faible ? </a:t>
+              <a:t>L’acide éthanoïque, un acide faible ? </a:t>
             </a:r>
             <a:endParaRPr lang="fr-FR" dirty="0"/>
           </a:p>
@@ -10463,7 +10424,7 @@
   <a:extraClrSchemeLst/>
   <a:extLst>
     <a:ext uri="{05A4C25C-085E-4340-85A3-A5531E510DB2}">
-      <thm15:themeFamily xmlns:thm15="http://schemas.microsoft.com/office/thememl/2012/main" xmlns="" name="Retrospect" id="{5F128B03-DCCA-4EEB-AB3B-CF2899314A46}" vid="{3F1AAB62-24C6-49D2-8E01-B56FAC9A3DCD}"/>
+      <thm15:themeFamily xmlns="" xmlns:thm15="http://schemas.microsoft.com/office/thememl/2012/main" name="Retrospect" id="{5F128B03-DCCA-4EEB-AB3B-CF2899314A46}" vid="{3F1AAB62-24C6-49D2-8E01-B56FAC9A3DCD}"/>
     </a:ext>
   </a:extLst>
 </a:theme>
@@ -10758,7 +10719,7 @@
   <a:extraClrSchemeLst/>
   <a:extLst>
     <a:ext uri="{05A4C25C-085E-4340-85A3-A5531E510DB2}">
-      <thm15:themeFamily xmlns:thm15="http://schemas.microsoft.com/office/thememl/2012/main" xmlns="" name="Office Theme" id="{62F939B6-93AF-4DB8-9C6B-D6C7DFDC589F}" vid="{4A3C46E8-61CC-4603-A589-7422A47A8E4A}"/>
+      <thm15:themeFamily xmlns="" xmlns:thm15="http://schemas.microsoft.com/office/thememl/2012/main" name="Office Theme" id="{62F939B6-93AF-4DB8-9C6B-D6C7DFDC589F}" vid="{4A3C46E8-61CC-4603-A589-7422A47A8E4A}"/>
     </a:ext>
   </a:extLst>
 </a:theme>
